--- a/ppt slides for omic codeathon (1) (1).pptx
+++ b/ppt slides for omic codeathon (1) (1).pptx
@@ -13604,14 +13604,7 @@
           <a:p>
             <a:r>
               <a:rPr lang="en-US" dirty="0"/>
-              <a:t>Drug Development(Single Perturbation)</a:t>
-            </a:r>
-            <a:br>
-              <a:rPr lang="en-US" dirty="0"/>
-            </a:br>
-            <a:r>
-              <a:rPr lang="en-US" dirty="0"/>
-              <a:t>Prediction Horizon=1</a:t>
+              <a:t>Drug Development</a:t>
             </a:r>
             <a:endParaRPr lang="en-CA" dirty="0"/>
           </a:p>
@@ -16027,14 +16020,7 @@
           <a:p>
             <a:r>
               <a:rPr lang="en-US" dirty="0"/>
-              <a:t>Crisper Knockout (Single Perturbation)</a:t>
-            </a:r>
-            <a:br>
-              <a:rPr lang="en-US" dirty="0"/>
-            </a:br>
-            <a:r>
-              <a:rPr lang="en-US" dirty="0"/>
-              <a:t>Prediction Horizon=1</a:t>
+              <a:t>Crisper Knockout</a:t>
             </a:r>
             <a:endParaRPr lang="en-CA" dirty="0"/>
           </a:p>

--- a/ppt slides for omic codeathon (1) (1).pptx
+++ b/ppt slides for omic codeathon (1) (1).pptx
@@ -5,28 +5,33 @@
     <p:sldMasterId id="2147483660" r:id="rId1"/>
   </p:sldMasterIdLst>
   <p:notesMasterIdLst>
-    <p:notesMasterId r:id="rId21"/>
+    <p:notesMasterId r:id="rId26"/>
   </p:notesMasterIdLst>
   <p:sldIdLst>
     <p:sldId id="256" r:id="rId2"/>
-    <p:sldId id="261" r:id="rId3"/>
-    <p:sldId id="258" r:id="rId4"/>
-    <p:sldId id="263" r:id="rId5"/>
-    <p:sldId id="257" r:id="rId6"/>
-    <p:sldId id="279" r:id="rId7"/>
-    <p:sldId id="267" r:id="rId8"/>
-    <p:sldId id="268" r:id="rId9"/>
-    <p:sldId id="269" r:id="rId10"/>
-    <p:sldId id="270" r:id="rId11"/>
-    <p:sldId id="271" r:id="rId12"/>
-    <p:sldId id="274" r:id="rId13"/>
-    <p:sldId id="273" r:id="rId14"/>
-    <p:sldId id="276" r:id="rId15"/>
-    <p:sldId id="278" r:id="rId16"/>
-    <p:sldId id="275" r:id="rId17"/>
-    <p:sldId id="277" r:id="rId18"/>
-    <p:sldId id="280" r:id="rId19"/>
-    <p:sldId id="259" r:id="rId20"/>
+    <p:sldId id="284" r:id="rId3"/>
+    <p:sldId id="261" r:id="rId4"/>
+    <p:sldId id="258" r:id="rId5"/>
+    <p:sldId id="263" r:id="rId6"/>
+    <p:sldId id="257" r:id="rId7"/>
+    <p:sldId id="268" r:id="rId8"/>
+    <p:sldId id="279" r:id="rId9"/>
+    <p:sldId id="267" r:id="rId10"/>
+    <p:sldId id="269" r:id="rId11"/>
+    <p:sldId id="270" r:id="rId12"/>
+    <p:sldId id="271" r:id="rId13"/>
+    <p:sldId id="274" r:id="rId14"/>
+    <p:sldId id="273" r:id="rId15"/>
+    <p:sldId id="276" r:id="rId16"/>
+    <p:sldId id="278" r:id="rId17"/>
+    <p:sldId id="275" r:id="rId18"/>
+    <p:sldId id="277" r:id="rId19"/>
+    <p:sldId id="280" r:id="rId20"/>
+    <p:sldId id="285" r:id="rId21"/>
+    <p:sldId id="281" r:id="rId22"/>
+    <p:sldId id="282" r:id="rId23"/>
+    <p:sldId id="283" r:id="rId24"/>
+    <p:sldId id="259" r:id="rId25"/>
   </p:sldIdLst>
   <p:sldSz cx="12192000" cy="6858000"/>
   <p:notesSz cx="6858000" cy="9144000"/>
@@ -6371,7 +6376,7 @@
           <a:p>
             <a:fld id="{1BA98A8E-17BA-4637-BE34-16BBE5AD305E}" type="datetimeFigureOut">
               <a:rPr lang="en-CA" smtClean="0"/>
-              <a:t>2025-11-25</a:t>
+              <a:t>2025-11-26</a:t>
             </a:fld>
             <a:endParaRPr lang="en-CA"/>
           </a:p>
@@ -6770,7 +6775,7 @@
           <a:p>
             <a:fld id="{16A6DBE6-5F48-46C6-8054-E594AA8CC26E}" type="datetimeFigureOut">
               <a:rPr lang="en-CA" smtClean="0"/>
-              <a:t>2025-11-25</a:t>
+              <a:t>2025-11-26</a:t>
             </a:fld>
             <a:endParaRPr lang="en-CA"/>
           </a:p>
@@ -6940,7 +6945,7 @@
           <a:p>
             <a:fld id="{16A6DBE6-5F48-46C6-8054-E594AA8CC26E}" type="datetimeFigureOut">
               <a:rPr lang="en-CA" smtClean="0"/>
-              <a:t>2025-11-25</a:t>
+              <a:t>2025-11-26</a:t>
             </a:fld>
             <a:endParaRPr lang="en-CA"/>
           </a:p>
@@ -7120,7 +7125,7 @@
           <a:p>
             <a:fld id="{16A6DBE6-5F48-46C6-8054-E594AA8CC26E}" type="datetimeFigureOut">
               <a:rPr lang="en-CA" smtClean="0"/>
-              <a:t>2025-11-25</a:t>
+              <a:t>2025-11-26</a:t>
             </a:fld>
             <a:endParaRPr lang="en-CA"/>
           </a:p>
@@ -7290,7 +7295,7 @@
           <a:p>
             <a:fld id="{16A6DBE6-5F48-46C6-8054-E594AA8CC26E}" type="datetimeFigureOut">
               <a:rPr lang="en-CA" smtClean="0"/>
-              <a:t>2025-11-25</a:t>
+              <a:t>2025-11-26</a:t>
             </a:fld>
             <a:endParaRPr lang="en-CA"/>
           </a:p>
@@ -7536,7 +7541,7 @@
           <a:p>
             <a:fld id="{16A6DBE6-5F48-46C6-8054-E594AA8CC26E}" type="datetimeFigureOut">
               <a:rPr lang="en-CA" smtClean="0"/>
-              <a:t>2025-11-25</a:t>
+              <a:t>2025-11-26</a:t>
             </a:fld>
             <a:endParaRPr lang="en-CA"/>
           </a:p>
@@ -7768,7 +7773,7 @@
           <a:p>
             <a:fld id="{16A6DBE6-5F48-46C6-8054-E594AA8CC26E}" type="datetimeFigureOut">
               <a:rPr lang="en-CA" smtClean="0"/>
-              <a:t>2025-11-25</a:t>
+              <a:t>2025-11-26</a:t>
             </a:fld>
             <a:endParaRPr lang="en-CA"/>
           </a:p>
@@ -8135,7 +8140,7 @@
           <a:p>
             <a:fld id="{16A6DBE6-5F48-46C6-8054-E594AA8CC26E}" type="datetimeFigureOut">
               <a:rPr lang="en-CA" smtClean="0"/>
-              <a:t>2025-11-25</a:t>
+              <a:t>2025-11-26</a:t>
             </a:fld>
             <a:endParaRPr lang="en-CA"/>
           </a:p>
@@ -8253,7 +8258,7 @@
           <a:p>
             <a:fld id="{16A6DBE6-5F48-46C6-8054-E594AA8CC26E}" type="datetimeFigureOut">
               <a:rPr lang="en-CA" smtClean="0"/>
-              <a:t>2025-11-25</a:t>
+              <a:t>2025-11-26</a:t>
             </a:fld>
             <a:endParaRPr lang="en-CA"/>
           </a:p>
@@ -8348,7 +8353,7 @@
           <a:p>
             <a:fld id="{16A6DBE6-5F48-46C6-8054-E594AA8CC26E}" type="datetimeFigureOut">
               <a:rPr lang="en-CA" smtClean="0"/>
-              <a:t>2025-11-25</a:t>
+              <a:t>2025-11-26</a:t>
             </a:fld>
             <a:endParaRPr lang="en-CA"/>
           </a:p>
@@ -8625,7 +8630,7 @@
           <a:p>
             <a:fld id="{16A6DBE6-5F48-46C6-8054-E594AA8CC26E}" type="datetimeFigureOut">
               <a:rPr lang="en-CA" smtClean="0"/>
-              <a:t>2025-11-25</a:t>
+              <a:t>2025-11-26</a:t>
             </a:fld>
             <a:endParaRPr lang="en-CA"/>
           </a:p>
@@ -8882,7 +8887,7 @@
           <a:p>
             <a:fld id="{16A6DBE6-5F48-46C6-8054-E594AA8CC26E}" type="datetimeFigureOut">
               <a:rPr lang="en-CA" smtClean="0"/>
-              <a:t>2025-11-25</a:t>
+              <a:t>2025-11-26</a:t>
             </a:fld>
             <a:endParaRPr lang="en-CA"/>
           </a:p>
@@ -9095,7 +9100,7 @@
           <a:p>
             <a:fld id="{16A6DBE6-5F48-46C6-8054-E594AA8CC26E}" type="datetimeFigureOut">
               <a:rPr lang="en-CA" smtClean="0"/>
-              <a:t>2025-11-25</a:t>
+              <a:t>2025-11-26</a:t>
             </a:fld>
             <a:endParaRPr lang="en-CA"/>
           </a:p>
@@ -9671,6 +9676,283 @@
           <p:cNvPr id="2" name="Title 1">
             <a:extLst>
               <a:ext uri="{FF2B5EF4-FFF2-40B4-BE49-F238E27FC236}">
+                <a16:creationId xmlns:a16="http://schemas.microsoft.com/office/drawing/2014/main" id="{1D4CB6EF-D17E-D3AB-1F70-4A6C250E10A4}"/>
+              </a:ext>
+            </a:extLst>
+          </p:cNvPr>
+          <p:cNvSpPr>
+            <a:spLocks noGrp="1"/>
+          </p:cNvSpPr>
+          <p:nvPr>
+            <p:ph type="title"/>
+          </p:nvPr>
+        </p:nvSpPr>
+        <p:spPr>
+          <a:xfrm>
+            <a:off x="719328" y="127381"/>
+            <a:ext cx="10515600" cy="1325563"/>
+          </a:xfrm>
+        </p:spPr>
+        <p:txBody>
+          <a:bodyPr>
+            <a:normAutofit/>
+          </a:bodyPr>
+          <a:lstStyle/>
+          <a:p>
+            <a:r>
+              <a:rPr lang="en-US" sz="3200" dirty="0"/>
+              <a:t>RNA Dataset Description</a:t>
+            </a:r>
+            <a:endParaRPr lang="en-CA" sz="3200" dirty="0"/>
+          </a:p>
+        </p:txBody>
+      </p:sp>
+      <p:sp>
+        <p:nvSpPr>
+          <p:cNvPr id="3" name="Content Placeholder 2">
+            <a:extLst>
+              <a:ext uri="{FF2B5EF4-FFF2-40B4-BE49-F238E27FC236}">
+                <a16:creationId xmlns:a16="http://schemas.microsoft.com/office/drawing/2014/main" id="{07A2110F-0A5E-FFE7-6B44-F77B743F1AEF}"/>
+              </a:ext>
+            </a:extLst>
+          </p:cNvPr>
+          <p:cNvSpPr>
+            <a:spLocks noGrp="1"/>
+          </p:cNvSpPr>
+          <p:nvPr>
+            <p:ph idx="1"/>
+          </p:nvPr>
+        </p:nvSpPr>
+        <p:spPr>
+          <a:xfrm>
+            <a:off x="719328" y="1350137"/>
+            <a:ext cx="10515600" cy="4351338"/>
+          </a:xfrm>
+        </p:spPr>
+        <p:txBody>
+          <a:bodyPr>
+            <a:normAutofit fontScale="92500" lnSpcReduction="10000"/>
+          </a:bodyPr>
+          <a:lstStyle/>
+          <a:p>
+            <a:pPr marL="0" indent="0">
+              <a:buNone/>
+            </a:pPr>
+            <a:r>
+              <a:rPr lang="en-US" sz="1600" dirty="0">
+                <a:latin typeface="Times New Roman" panose="02020603050405020304" pitchFamily="18" charset="0"/>
+                <a:cs typeface="Times New Roman" panose="02020603050405020304" pitchFamily="18" charset="0"/>
+              </a:rPr>
+              <a:t>Organism: Mus musculus</a:t>
+            </a:r>
+          </a:p>
+          <a:p>
+            <a:pPr marL="0" indent="0">
+              <a:buNone/>
+            </a:pPr>
+            <a:r>
+              <a:rPr lang="en-US" sz="1600" dirty="0">
+                <a:latin typeface="Times New Roman" panose="02020603050405020304" pitchFamily="18" charset="0"/>
+                <a:cs typeface="Times New Roman" panose="02020603050405020304" pitchFamily="18" charset="0"/>
+              </a:rPr>
+              <a:t>RNA sequence</a:t>
+            </a:r>
+          </a:p>
+          <a:p>
+            <a:pPr marL="0" indent="0">
+              <a:buNone/>
+            </a:pPr>
+            <a:r>
+              <a:rPr lang="en-US" sz="1600" dirty="0">
+                <a:latin typeface="Times New Roman" panose="02020603050405020304" pitchFamily="18" charset="0"/>
+                <a:cs typeface="Times New Roman" panose="02020603050405020304" pitchFamily="18" charset="0"/>
+              </a:rPr>
+              <a:t>Perturbation: Crisper Knockout: </a:t>
+            </a:r>
+            <a:r>
+              <a:rPr lang="en-US" sz="1600" dirty="0" err="1">
+                <a:latin typeface="Times New Roman" panose="02020603050405020304" pitchFamily="18" charset="0"/>
+                <a:cs typeface="Times New Roman" panose="02020603050405020304" pitchFamily="18" charset="0"/>
+              </a:rPr>
+              <a:t>Crisprko</a:t>
+            </a:r>
+            <a:endParaRPr lang="en-US" sz="1600" dirty="0">
+              <a:latin typeface="Times New Roman" panose="02020603050405020304" pitchFamily="18" charset="0"/>
+              <a:cs typeface="Times New Roman" panose="02020603050405020304" pitchFamily="18" charset="0"/>
+            </a:endParaRPr>
+          </a:p>
+          <a:p>
+            <a:pPr marL="0" indent="0">
+              <a:buNone/>
+            </a:pPr>
+            <a:endParaRPr lang="en-US" sz="1600" dirty="0">
+              <a:latin typeface="Times New Roman" panose="02020603050405020304" pitchFamily="18" charset="0"/>
+              <a:cs typeface="Times New Roman" panose="02020603050405020304" pitchFamily="18" charset="0"/>
+            </a:endParaRPr>
+          </a:p>
+          <a:p>
+            <a:pPr marL="0" indent="0">
+              <a:buNone/>
+            </a:pPr>
+            <a:r>
+              <a:rPr lang="en-CA" sz="1600" dirty="0" err="1">
+                <a:latin typeface="Times New Roman" panose="02020603050405020304" pitchFamily="18" charset="0"/>
+                <a:cs typeface="Times New Roman" panose="02020603050405020304" pitchFamily="18" charset="0"/>
+              </a:rPr>
+              <a:t>Unperturb</a:t>
+            </a:r>
+            <a:r>
+              <a:rPr lang="en-CA" sz="1600" dirty="0">
+                <a:latin typeface="Times New Roman" panose="02020603050405020304" pitchFamily="18" charset="0"/>
+                <a:cs typeface="Times New Roman" panose="02020603050405020304" pitchFamily="18" charset="0"/>
+              </a:rPr>
+              <a:t> data (Control Sample) –</a:t>
+            </a:r>
+            <a:r>
+              <a:rPr lang="en-CA" sz="1600" dirty="0" err="1">
+                <a:latin typeface="Times New Roman" panose="02020603050405020304" pitchFamily="18" charset="0"/>
+                <a:cs typeface="Times New Roman" panose="02020603050405020304" pitchFamily="18" charset="0"/>
+              </a:rPr>
+              <a:t>CTRL_data</a:t>
+            </a:r>
+            <a:endParaRPr lang="en-CA" sz="1600" dirty="0">
+              <a:latin typeface="Times New Roman" panose="02020603050405020304" pitchFamily="18" charset="0"/>
+              <a:cs typeface="Times New Roman" panose="02020603050405020304" pitchFamily="18" charset="0"/>
+            </a:endParaRPr>
+          </a:p>
+          <a:p>
+            <a:pPr marL="0" indent="0">
+              <a:buNone/>
+            </a:pPr>
+            <a:endParaRPr lang="en-CA" sz="1600" dirty="0">
+              <a:latin typeface="Times New Roman" panose="02020603050405020304" pitchFamily="18" charset="0"/>
+              <a:cs typeface="Times New Roman" panose="02020603050405020304" pitchFamily="18" charset="0"/>
+            </a:endParaRPr>
+          </a:p>
+          <a:p>
+            <a:pPr marL="0" indent="0">
+              <a:buNone/>
+            </a:pPr>
+            <a:r>
+              <a:rPr lang="en-CA" sz="1600" dirty="0">
+                <a:latin typeface="Times New Roman" panose="02020603050405020304" pitchFamily="18" charset="0"/>
+                <a:cs typeface="Times New Roman" panose="02020603050405020304" pitchFamily="18" charset="0"/>
+              </a:rPr>
+              <a:t>Perturb data with CRISPRKO-PTPN2 data</a:t>
+            </a:r>
+            <a:endParaRPr lang="en-US" sz="1600" dirty="0">
+              <a:latin typeface="Times New Roman" panose="02020603050405020304" pitchFamily="18" charset="0"/>
+              <a:cs typeface="Times New Roman" panose="02020603050405020304" pitchFamily="18" charset="0"/>
+            </a:endParaRPr>
+          </a:p>
+          <a:p>
+            <a:pPr marL="0" indent="0">
+              <a:buNone/>
+            </a:pPr>
+            <a:endParaRPr lang="en-US" dirty="0"/>
+          </a:p>
+          <a:p>
+            <a:pPr marL="0" indent="0">
+              <a:buNone/>
+            </a:pPr>
+            <a:r>
+              <a:rPr lang="en-US" sz="1400" dirty="0">
+                <a:hlinkClick r:id="rId2"/>
+              </a:rPr>
+              <a:t>https://www.ncbi.nlm.nih.gov/geo/query/acc.cgi?acc=GSE134139</a:t>
+            </a:r>
+            <a:endParaRPr lang="en-US" sz="1400" dirty="0"/>
+          </a:p>
+          <a:p>
+            <a:pPr marL="0" indent="0">
+              <a:buNone/>
+            </a:pPr>
+            <a:endParaRPr lang="en-US" sz="1400" dirty="0"/>
+          </a:p>
+          <a:p>
+            <a:pPr marL="0" indent="0">
+              <a:buNone/>
+            </a:pPr>
+            <a:r>
+              <a:rPr lang="en-CA" sz="1500" u="sng" dirty="0">
+                <a:hlinkClick r:id="rId3"/>
+              </a:rPr>
+              <a:t>https://drive.google.com/drive/folders/1AAI4KU9G-UHoKo72Ne6iGAaCgFPADIW3?usp=drive_link</a:t>
+            </a:r>
+            <a:endParaRPr lang="en-US" sz="1500" dirty="0"/>
+          </a:p>
+          <a:p>
+            <a:pPr marL="0" indent="0">
+              <a:buNone/>
+            </a:pPr>
+            <a:endParaRPr lang="en-CA" sz="1500" dirty="0">
+              <a:latin typeface="Times New Roman" panose="02020603050405020304" pitchFamily="18" charset="0"/>
+              <a:cs typeface="Times New Roman" panose="02020603050405020304" pitchFamily="18" charset="0"/>
+            </a:endParaRPr>
+          </a:p>
+          <a:p>
+            <a:pPr marL="0" indent="0">
+              <a:buNone/>
+            </a:pPr>
+            <a:r>
+              <a:rPr lang="en-CA" sz="1500" dirty="0">
+                <a:latin typeface="Times New Roman" panose="02020603050405020304" pitchFamily="18" charset="0"/>
+                <a:cs typeface="Times New Roman" panose="02020603050405020304" pitchFamily="18" charset="0"/>
+              </a:rPr>
+              <a:t>LaFleur MW, Nguyen TH, Coxe MA, Miller BC et al. PTPN2 regulates the generation of exhausted CD8(+) T cell subpopulations and restrains tumor immunity. </a:t>
+            </a:r>
+            <a:r>
+              <a:rPr lang="en-CA" sz="1500" i="1" dirty="0">
+                <a:latin typeface="Times New Roman" panose="02020603050405020304" pitchFamily="18" charset="0"/>
+                <a:cs typeface="Times New Roman" panose="02020603050405020304" pitchFamily="18" charset="0"/>
+              </a:rPr>
+              <a:t>Nat Immunol</a:t>
+            </a:r>
+            <a:r>
+              <a:rPr lang="en-CA" sz="1500" dirty="0">
+                <a:latin typeface="Times New Roman" panose="02020603050405020304" pitchFamily="18" charset="0"/>
+                <a:cs typeface="Times New Roman" panose="02020603050405020304" pitchFamily="18" charset="0"/>
+              </a:rPr>
+              <a:t> 2019 Oct;20(10):1335-1347.</a:t>
+            </a:r>
+          </a:p>
+        </p:txBody>
+      </p:sp>
+    </p:spTree>
+    <p:extLst>
+      <p:ext uri="{BB962C8B-B14F-4D97-AF65-F5344CB8AC3E}">
+        <p14:creationId xmlns:p14="http://schemas.microsoft.com/office/powerpoint/2010/main" val="3080982678"/>
+      </p:ext>
+    </p:extLst>
+  </p:cSld>
+  <p:clrMapOvr>
+    <a:masterClrMapping/>
+  </p:clrMapOvr>
+</p:sld>
+</file>
+
+<file path=ppt/slides/slide11.xml><?xml version="1.0" encoding="utf-8"?>
+<p:sld xmlns:a="http://schemas.openxmlformats.org/drawingml/2006/main" xmlns:r="http://schemas.openxmlformats.org/officeDocument/2006/relationships" xmlns:p="http://schemas.openxmlformats.org/presentationml/2006/main">
+  <p:cSld>
+    <p:spTree>
+      <p:nvGrpSpPr>
+        <p:cNvPr id="1" name=""/>
+        <p:cNvGrpSpPr/>
+        <p:nvPr/>
+      </p:nvGrpSpPr>
+      <p:grpSpPr>
+        <a:xfrm>
+          <a:off x="0" y="0"/>
+          <a:ext cx="0" cy="0"/>
+          <a:chOff x="0" y="0"/>
+          <a:chExt cx="0" cy="0"/>
+        </a:xfrm>
+      </p:grpSpPr>
+      <p:sp>
+        <p:nvSpPr>
+          <p:cNvPr id="2" name="Title 1">
+            <a:extLst>
+              <a:ext uri="{FF2B5EF4-FFF2-40B4-BE49-F238E27FC236}">
                 <a16:creationId xmlns:a16="http://schemas.microsoft.com/office/drawing/2014/main" id="{9AB22321-2A5B-B755-0C3A-78C2C1EC7A2A}"/>
               </a:ext>
             </a:extLst>
@@ -9769,7 +10051,7 @@
 </p:sld>
 </file>
 
-<file path=ppt/slides/slide11.xml><?xml version="1.0" encoding="utf-8"?>
+<file path=ppt/slides/slide12.xml><?xml version="1.0" encoding="utf-8"?>
 <p:sld xmlns:a="http://schemas.openxmlformats.org/drawingml/2006/main" xmlns:r="http://schemas.openxmlformats.org/officeDocument/2006/relationships" xmlns:p="http://schemas.openxmlformats.org/presentationml/2006/main">
   <p:cSld>
     <p:bg>
@@ -12178,7 +12460,7 @@
 </p:sld>
 </file>
 
-<file path=ppt/slides/slide12.xml><?xml version="1.0" encoding="utf-8"?>
+<file path=ppt/slides/slide13.xml><?xml version="1.0" encoding="utf-8"?>
 <p:sld xmlns:a="http://schemas.openxmlformats.org/drawingml/2006/main" xmlns:r="http://schemas.openxmlformats.org/officeDocument/2006/relationships" xmlns:p="http://schemas.openxmlformats.org/presentationml/2006/main">
   <p:cSld>
     <p:spTree>
@@ -12291,7 +12573,7 @@
 </p:sld>
 </file>
 
-<file path=ppt/slides/slide13.xml><?xml version="1.0" encoding="utf-8"?>
+<file path=ppt/slides/slide14.xml><?xml version="1.0" encoding="utf-8"?>
 <p:sld xmlns:a="http://schemas.openxmlformats.org/drawingml/2006/main" xmlns:r="http://schemas.openxmlformats.org/officeDocument/2006/relationships" xmlns:p="http://schemas.openxmlformats.org/presentationml/2006/main">
   <p:cSld>
     <p:spTree>
@@ -12399,7 +12681,7 @@
 </p:sld>
 </file>
 
-<file path=ppt/slides/slide14.xml><?xml version="1.0" encoding="utf-8"?>
+<file path=ppt/slides/slide15.xml><?xml version="1.0" encoding="utf-8"?>
 <p:sld xmlns:a="http://schemas.openxmlformats.org/drawingml/2006/main" xmlns:r="http://schemas.openxmlformats.org/officeDocument/2006/relationships" xmlns:p="http://schemas.openxmlformats.org/presentationml/2006/main">
   <p:cSld>
     <p:spTree>
@@ -12512,7 +12794,7 @@
 </p:sld>
 </file>
 
-<file path=ppt/slides/slide15.xml><?xml version="1.0" encoding="utf-8"?>
+<file path=ppt/slides/slide16.xml><?xml version="1.0" encoding="utf-8"?>
 <p:sld xmlns:a="http://schemas.openxmlformats.org/drawingml/2006/main" xmlns:r="http://schemas.openxmlformats.org/officeDocument/2006/relationships" xmlns:p="http://schemas.openxmlformats.org/presentationml/2006/main">
   <p:cSld>
     <p:spTree>
@@ -13326,7 +13608,7 @@
 </p:sld>
 </file>
 
-<file path=ppt/slides/slide16.xml><?xml version="1.0" encoding="utf-8"?>
+<file path=ppt/slides/slide17.xml><?xml version="1.0" encoding="utf-8"?>
 <p:sld xmlns:a="http://schemas.openxmlformats.org/drawingml/2006/main" xmlns:r="http://schemas.openxmlformats.org/officeDocument/2006/relationships" xmlns:p="http://schemas.openxmlformats.org/presentationml/2006/main">
   <p:cSld>
     <p:spTree>
@@ -13434,7 +13716,7 @@
 </p:sld>
 </file>
 
-<file path=ppt/slides/slide17.xml><?xml version="1.0" encoding="utf-8"?>
+<file path=ppt/slides/slide18.xml><?xml version="1.0" encoding="utf-8"?>
 <p:sld xmlns:a="http://schemas.openxmlformats.org/drawingml/2006/main" xmlns:r="http://schemas.openxmlformats.org/officeDocument/2006/relationships" xmlns:p="http://schemas.openxmlformats.org/presentationml/2006/main">
   <p:cSld>
     <p:spTree>
@@ -13551,7 +13833,7 @@
 </p:sld>
 </file>
 
-<file path=ppt/slides/slide18.xml><?xml version="1.0" encoding="utf-8"?>
+<file path=ppt/slides/slide19.xml><?xml version="1.0" encoding="utf-8"?>
 <p:sld xmlns:a="http://schemas.openxmlformats.org/drawingml/2006/main" xmlns:r="http://schemas.openxmlformats.org/officeDocument/2006/relationships" xmlns:p="http://schemas.openxmlformats.org/presentationml/2006/main">
   <p:cSld>
     <p:spTree>
@@ -13604,9 +13886,13 @@
           <a:p>
             <a:r>
               <a:rPr lang="en-US" dirty="0"/>
+              <a:t>          </a:t>
+            </a:r>
+            <a:r>
+              <a:rPr lang="en-US" b="1" dirty="0"/>
               <a:t>Drug Development</a:t>
             </a:r>
-            <a:endParaRPr lang="en-CA" dirty="0"/>
+            <a:endParaRPr lang="en-CA" b="1" dirty="0"/>
           </a:p>
         </p:txBody>
       </p:sp>
@@ -13623,7 +13909,576 @@
 </p:sld>
 </file>
 
-<file path=ppt/slides/slide19.xml><?xml version="1.0" encoding="utf-8"?>
+<file path=ppt/slides/slide2.xml><?xml version="1.0" encoding="utf-8"?>
+<p:sld xmlns:a="http://schemas.openxmlformats.org/drawingml/2006/main" xmlns:r="http://schemas.openxmlformats.org/officeDocument/2006/relationships" xmlns:p="http://schemas.openxmlformats.org/presentationml/2006/main">
+  <p:cSld>
+    <p:spTree>
+      <p:nvGrpSpPr>
+        <p:cNvPr id="1" name=""/>
+        <p:cNvGrpSpPr/>
+        <p:nvPr/>
+      </p:nvGrpSpPr>
+      <p:grpSpPr>
+        <a:xfrm>
+          <a:off x="0" y="0"/>
+          <a:ext cx="0" cy="0"/>
+          <a:chOff x="0" y="0"/>
+          <a:chExt cx="0" cy="0"/>
+        </a:xfrm>
+      </p:grpSpPr>
+      <p:sp>
+        <p:nvSpPr>
+          <p:cNvPr id="2" name="Title 1">
+            <a:extLst>
+              <a:ext uri="{FF2B5EF4-FFF2-40B4-BE49-F238E27FC236}">
+                <a16:creationId xmlns:a16="http://schemas.microsoft.com/office/drawing/2014/main" id="{CC25D40A-C4AE-4876-9C65-DC7AF22BAEA1}"/>
+              </a:ext>
+            </a:extLst>
+          </p:cNvPr>
+          <p:cNvSpPr>
+            <a:spLocks noGrp="1"/>
+          </p:cNvSpPr>
+          <p:nvPr>
+            <p:ph type="title"/>
+          </p:nvPr>
+        </p:nvSpPr>
+        <p:spPr/>
+        <p:txBody>
+          <a:bodyPr>
+            <a:normAutofit/>
+          </a:bodyPr>
+          <a:lstStyle/>
+          <a:p>
+            <a:r>
+              <a:rPr lang="en-US" sz="2400" b="1" dirty="0"/>
+              <a:t>Content</a:t>
+            </a:r>
+            <a:endParaRPr lang="en-CA" sz="2400" b="1" dirty="0"/>
+          </a:p>
+        </p:txBody>
+      </p:sp>
+      <p:sp>
+        <p:nvSpPr>
+          <p:cNvPr id="3" name="Content Placeholder 2">
+            <a:extLst>
+              <a:ext uri="{FF2B5EF4-FFF2-40B4-BE49-F238E27FC236}">
+                <a16:creationId xmlns:a16="http://schemas.microsoft.com/office/drawing/2014/main" id="{9ADDA3F5-0489-F0B1-F817-F5B2DE9FC7F0}"/>
+              </a:ext>
+            </a:extLst>
+          </p:cNvPr>
+          <p:cNvSpPr>
+            <a:spLocks noGrp="1"/>
+          </p:cNvSpPr>
+          <p:nvPr>
+            <p:ph idx="1"/>
+          </p:nvPr>
+        </p:nvSpPr>
+        <p:spPr>
+          <a:xfrm>
+            <a:off x="838200" y="1451537"/>
+            <a:ext cx="10515600" cy="4351338"/>
+          </a:xfrm>
+        </p:spPr>
+        <p:txBody>
+          <a:bodyPr>
+            <a:normAutofit/>
+          </a:bodyPr>
+          <a:lstStyle/>
+          <a:p>
+            <a:r>
+              <a:rPr lang="en-US" sz="2000" dirty="0">
+                <a:latin typeface="Times New Roman" panose="02020603050405020304" pitchFamily="18" charset="0"/>
+                <a:cs typeface="Times New Roman" panose="02020603050405020304" pitchFamily="18" charset="0"/>
+              </a:rPr>
+              <a:t>Background</a:t>
+            </a:r>
+          </a:p>
+          <a:p>
+            <a:r>
+              <a:rPr lang="en-US" sz="2000" dirty="0">
+                <a:latin typeface="Times New Roman" panose="02020603050405020304" pitchFamily="18" charset="0"/>
+                <a:cs typeface="Times New Roman" panose="02020603050405020304" pitchFamily="18" charset="0"/>
+              </a:rPr>
+              <a:t>Gaps in the Research</a:t>
+            </a:r>
+          </a:p>
+          <a:p>
+            <a:r>
+              <a:rPr lang="en-US" sz="2000" dirty="0">
+                <a:latin typeface="Times New Roman" panose="02020603050405020304" pitchFamily="18" charset="0"/>
+                <a:cs typeface="Times New Roman" panose="02020603050405020304" pitchFamily="18" charset="0"/>
+              </a:rPr>
+              <a:t>Proposed Solution</a:t>
+            </a:r>
+          </a:p>
+          <a:p>
+            <a:r>
+              <a:rPr lang="en-US" sz="2000" dirty="0">
+                <a:latin typeface="Times New Roman" panose="02020603050405020304" pitchFamily="18" charset="0"/>
+                <a:cs typeface="Times New Roman" panose="02020603050405020304" pitchFamily="18" charset="0"/>
+              </a:rPr>
+              <a:t>Datasets</a:t>
+            </a:r>
+          </a:p>
+          <a:p>
+            <a:r>
+              <a:rPr lang="en-US" sz="2000" dirty="0">
+                <a:latin typeface="Times New Roman" panose="02020603050405020304" pitchFamily="18" charset="0"/>
+                <a:cs typeface="Times New Roman" panose="02020603050405020304" pitchFamily="18" charset="0"/>
+              </a:rPr>
+              <a:t>System Design (Hardware and Software)</a:t>
+            </a:r>
+          </a:p>
+          <a:p>
+            <a:r>
+              <a:rPr lang="en-US" sz="2000" dirty="0">
+                <a:latin typeface="Times New Roman" panose="02020603050405020304" pitchFamily="18" charset="0"/>
+                <a:cs typeface="Times New Roman" panose="02020603050405020304" pitchFamily="18" charset="0"/>
+              </a:rPr>
+              <a:t>Crisper Knockout Evaluation</a:t>
+            </a:r>
+          </a:p>
+          <a:p>
+            <a:r>
+              <a:rPr lang="en-US" sz="2000" dirty="0">
+                <a:latin typeface="Times New Roman" panose="02020603050405020304" pitchFamily="18" charset="0"/>
+                <a:cs typeface="Times New Roman" panose="02020603050405020304" pitchFamily="18" charset="0"/>
+              </a:rPr>
+              <a:t>Drug Development</a:t>
+            </a:r>
+          </a:p>
+          <a:p>
+            <a:r>
+              <a:rPr lang="en-US" sz="2000" dirty="0">
+                <a:latin typeface="Times New Roman" panose="02020603050405020304" pitchFamily="18" charset="0"/>
+                <a:cs typeface="Times New Roman" panose="02020603050405020304" pitchFamily="18" charset="0"/>
+              </a:rPr>
+              <a:t>Expected Outcome</a:t>
+            </a:r>
+          </a:p>
+          <a:p>
+            <a:r>
+              <a:rPr lang="en-US" sz="2000" dirty="0">
+                <a:latin typeface="Times New Roman" panose="02020603050405020304" pitchFamily="18" charset="0"/>
+                <a:cs typeface="Times New Roman" panose="02020603050405020304" pitchFamily="18" charset="0"/>
+              </a:rPr>
+              <a:t>Future Work</a:t>
+            </a:r>
+          </a:p>
+          <a:p>
+            <a:endParaRPr lang="en-US" sz="2000" dirty="0">
+              <a:latin typeface="Times New Roman" panose="02020603050405020304" pitchFamily="18" charset="0"/>
+              <a:cs typeface="Times New Roman" panose="02020603050405020304" pitchFamily="18" charset="0"/>
+            </a:endParaRPr>
+          </a:p>
+          <a:p>
+            <a:endParaRPr lang="en-CA" sz="2000" dirty="0">
+              <a:latin typeface="Times New Roman" panose="02020603050405020304" pitchFamily="18" charset="0"/>
+              <a:cs typeface="Times New Roman" panose="02020603050405020304" pitchFamily="18" charset="0"/>
+            </a:endParaRPr>
+          </a:p>
+        </p:txBody>
+      </p:sp>
+    </p:spTree>
+    <p:extLst>
+      <p:ext uri="{BB962C8B-B14F-4D97-AF65-F5344CB8AC3E}">
+        <p14:creationId xmlns:p14="http://schemas.microsoft.com/office/powerpoint/2010/main" val="2029428924"/>
+      </p:ext>
+    </p:extLst>
+  </p:cSld>
+  <p:clrMapOvr>
+    <a:masterClrMapping/>
+  </p:clrMapOvr>
+</p:sld>
+</file>
+
+<file path=ppt/slides/slide20.xml><?xml version="1.0" encoding="utf-8"?>
+<p:sld xmlns:a="http://schemas.openxmlformats.org/drawingml/2006/main" xmlns:r="http://schemas.openxmlformats.org/officeDocument/2006/relationships" xmlns:p="http://schemas.openxmlformats.org/presentationml/2006/main">
+  <p:cSld>
+    <p:spTree>
+      <p:nvGrpSpPr>
+        <p:cNvPr id="1" name=""/>
+        <p:cNvGrpSpPr/>
+        <p:nvPr/>
+      </p:nvGrpSpPr>
+      <p:grpSpPr>
+        <a:xfrm>
+          <a:off x="0" y="0"/>
+          <a:ext cx="0" cy="0"/>
+          <a:chOff x="0" y="0"/>
+          <a:chExt cx="0" cy="0"/>
+        </a:xfrm>
+      </p:grpSpPr>
+      <p:sp>
+        <p:nvSpPr>
+          <p:cNvPr id="2" name="Title 1">
+            <a:extLst>
+              <a:ext uri="{FF2B5EF4-FFF2-40B4-BE49-F238E27FC236}">
+                <a16:creationId xmlns:a16="http://schemas.microsoft.com/office/drawing/2014/main" id="{0ECE7864-FC9E-5CFD-BA24-56E200960EEE}"/>
+              </a:ext>
+            </a:extLst>
+          </p:cNvPr>
+          <p:cNvSpPr>
+            <a:spLocks noGrp="1"/>
+          </p:cNvSpPr>
+          <p:nvPr>
+            <p:ph type="title"/>
+          </p:nvPr>
+        </p:nvSpPr>
+        <p:spPr>
+          <a:xfrm>
+            <a:off x="838200" y="529717"/>
+            <a:ext cx="10046208" cy="649859"/>
+          </a:xfrm>
+        </p:spPr>
+        <p:txBody>
+          <a:bodyPr>
+            <a:normAutofit/>
+          </a:bodyPr>
+          <a:lstStyle/>
+          <a:p>
+            <a:r>
+              <a:rPr lang="en-US" sz="2400" dirty="0"/>
+              <a:t>Dataset and Link to Evaluation Code</a:t>
+            </a:r>
+            <a:endParaRPr lang="en-CA" sz="2400" dirty="0"/>
+          </a:p>
+        </p:txBody>
+      </p:sp>
+      <p:sp>
+        <p:nvSpPr>
+          <p:cNvPr id="3" name="Content Placeholder 2">
+            <a:extLst>
+              <a:ext uri="{FF2B5EF4-FFF2-40B4-BE49-F238E27FC236}">
+                <a16:creationId xmlns:a16="http://schemas.microsoft.com/office/drawing/2014/main" id="{AB8F849B-AD7A-66D7-5D1B-9202504483FC}"/>
+              </a:ext>
+            </a:extLst>
+          </p:cNvPr>
+          <p:cNvSpPr>
+            <a:spLocks noGrp="1"/>
+          </p:cNvSpPr>
+          <p:nvPr>
+            <p:ph idx="1"/>
+          </p:nvPr>
+        </p:nvSpPr>
+        <p:spPr>
+          <a:xfrm>
+            <a:off x="902208" y="1505585"/>
+            <a:ext cx="10515600" cy="4351338"/>
+          </a:xfrm>
+        </p:spPr>
+        <p:txBody>
+          <a:bodyPr>
+            <a:normAutofit/>
+          </a:bodyPr>
+          <a:lstStyle/>
+          <a:p>
+            <a:r>
+              <a:rPr lang="en-CA" sz="1600" b="1" dirty="0"/>
+              <a:t>Drug treatment in Mouse</a:t>
+            </a:r>
+          </a:p>
+          <a:p>
+            <a:endParaRPr lang="en-CA" sz="1600" dirty="0"/>
+          </a:p>
+          <a:p>
+            <a:r>
+              <a:rPr lang="en-CA" sz="1600" dirty="0"/>
+              <a:t>Anti–PD-1 → blocks PD-1/PD-L1 suppressive axis</a:t>
+            </a:r>
+          </a:p>
+          <a:p>
+            <a:endParaRPr lang="en-CA" sz="1600" dirty="0"/>
+          </a:p>
+          <a:p>
+            <a:r>
+              <a:rPr lang="en-CA" sz="1600" dirty="0"/>
+              <a:t>Anti–CTLA-4 → blocks regulatory checkpoints &amp; enhances T cell priming</a:t>
+            </a:r>
+          </a:p>
+          <a:p>
+            <a:endParaRPr lang="en-CA" sz="1600" dirty="0"/>
+          </a:p>
+          <a:p>
+            <a:r>
+              <a:rPr lang="en-CA" sz="1600" dirty="0"/>
+              <a:t>Link to Code: </a:t>
+            </a:r>
+            <a:r>
+              <a:rPr lang="en-CA" sz="1600" u="sng" dirty="0">
+                <a:hlinkClick r:id="rId2"/>
+              </a:rPr>
+              <a:t>https://colab.research.google.com/drive/1UoPEKODPjZeQ2BuGoC5iFKkUqwlj3bkm?usp=sharing</a:t>
+            </a:r>
+            <a:endParaRPr lang="en-CA" sz="1600" u="sng" dirty="0"/>
+          </a:p>
+          <a:p>
+            <a:endParaRPr lang="en-CA" sz="1600" dirty="0"/>
+          </a:p>
+          <a:p>
+            <a:pPr marL="0" indent="0">
+              <a:buNone/>
+            </a:pPr>
+            <a:r>
+              <a:rPr lang="en-CA" sz="1600" dirty="0"/>
+              <a:t>Dataset</a:t>
+            </a:r>
+          </a:p>
+          <a:p>
+            <a:r>
+              <a:rPr lang="en-CA" sz="1600" b="1" u="sng" dirty="0">
+                <a:hlinkClick r:id="rId3"/>
+              </a:rPr>
+              <a:t>https://www.ncbi.nlm.nih.gov/geo/query/acc.cgi?acc=GSE119352</a:t>
+            </a:r>
+            <a:endParaRPr lang="en-CA" sz="1600" dirty="0"/>
+          </a:p>
+          <a:p>
+            <a:endParaRPr lang="en-CA" sz="1600" dirty="0"/>
+          </a:p>
+        </p:txBody>
+      </p:sp>
+    </p:spTree>
+    <p:extLst>
+      <p:ext uri="{BB962C8B-B14F-4D97-AF65-F5344CB8AC3E}">
+        <p14:creationId xmlns:p14="http://schemas.microsoft.com/office/powerpoint/2010/main" val="1855703239"/>
+      </p:ext>
+    </p:extLst>
+  </p:cSld>
+  <p:clrMapOvr>
+    <a:masterClrMapping/>
+  </p:clrMapOvr>
+</p:sld>
+</file>
+
+<file path=ppt/slides/slide21.xml><?xml version="1.0" encoding="utf-8"?>
+<p:sld xmlns:a="http://schemas.openxmlformats.org/drawingml/2006/main" xmlns:r="http://schemas.openxmlformats.org/officeDocument/2006/relationships" xmlns:p="http://schemas.openxmlformats.org/presentationml/2006/main">
+  <p:cSld>
+    <p:spTree>
+      <p:nvGrpSpPr>
+        <p:cNvPr id="1" name=""/>
+        <p:cNvGrpSpPr/>
+        <p:nvPr/>
+      </p:nvGrpSpPr>
+      <p:grpSpPr>
+        <a:xfrm>
+          <a:off x="0" y="0"/>
+          <a:ext cx="0" cy="0"/>
+          <a:chOff x="0" y="0"/>
+          <a:chExt cx="0" cy="0"/>
+        </a:xfrm>
+      </p:grpSpPr>
+      <p:sp>
+        <p:nvSpPr>
+          <p:cNvPr id="2" name="Title 1">
+            <a:extLst>
+              <a:ext uri="{FF2B5EF4-FFF2-40B4-BE49-F238E27FC236}">
+                <a16:creationId xmlns:a16="http://schemas.microsoft.com/office/drawing/2014/main" id="{698080CC-FA33-8E34-AEE0-0BCF28AD8183}"/>
+              </a:ext>
+            </a:extLst>
+          </p:cNvPr>
+          <p:cNvSpPr>
+            <a:spLocks noGrp="1"/>
+          </p:cNvSpPr>
+          <p:nvPr>
+            <p:ph type="title"/>
+          </p:nvPr>
+        </p:nvSpPr>
+        <p:spPr/>
+        <p:txBody>
+          <a:bodyPr/>
+          <a:lstStyle/>
+          <a:p>
+            <a:r>
+              <a:rPr lang="en-US" dirty="0"/>
+              <a:t>Results</a:t>
+            </a:r>
+            <a:endParaRPr lang="en-CA" dirty="0"/>
+          </a:p>
+        </p:txBody>
+      </p:sp>
+      <p:sp>
+        <p:nvSpPr>
+          <p:cNvPr id="3" name="Content Placeholder 2">
+            <a:extLst>
+              <a:ext uri="{FF2B5EF4-FFF2-40B4-BE49-F238E27FC236}">
+                <a16:creationId xmlns:a16="http://schemas.microsoft.com/office/drawing/2014/main" id="{B9F0685F-225E-A50F-8000-8A31985B1C9A}"/>
+              </a:ext>
+            </a:extLst>
+          </p:cNvPr>
+          <p:cNvSpPr>
+            <a:spLocks noGrp="1"/>
+          </p:cNvSpPr>
+          <p:nvPr>
+            <p:ph idx="1"/>
+          </p:nvPr>
+        </p:nvSpPr>
+        <p:spPr/>
+        <p:txBody>
+          <a:bodyPr/>
+          <a:lstStyle/>
+          <a:p>
+            <a:endParaRPr lang="en-CA"/>
+          </a:p>
+        </p:txBody>
+      </p:sp>
+    </p:spTree>
+    <p:extLst>
+      <p:ext uri="{BB962C8B-B14F-4D97-AF65-F5344CB8AC3E}">
+        <p14:creationId xmlns:p14="http://schemas.microsoft.com/office/powerpoint/2010/main" val="2464647235"/>
+      </p:ext>
+    </p:extLst>
+  </p:cSld>
+  <p:clrMapOvr>
+    <a:masterClrMapping/>
+  </p:clrMapOvr>
+</p:sld>
+</file>
+
+<file path=ppt/slides/slide22.xml><?xml version="1.0" encoding="utf-8"?>
+<p:sld xmlns:a="http://schemas.openxmlformats.org/drawingml/2006/main" xmlns:r="http://schemas.openxmlformats.org/officeDocument/2006/relationships" xmlns:p="http://schemas.openxmlformats.org/presentationml/2006/main">
+  <p:cSld>
+    <p:spTree>
+      <p:nvGrpSpPr>
+        <p:cNvPr id="1" name=""/>
+        <p:cNvGrpSpPr/>
+        <p:nvPr/>
+      </p:nvGrpSpPr>
+      <p:grpSpPr>
+        <a:xfrm>
+          <a:off x="0" y="0"/>
+          <a:ext cx="0" cy="0"/>
+          <a:chOff x="0" y="0"/>
+          <a:chExt cx="0" cy="0"/>
+        </a:xfrm>
+      </p:grpSpPr>
+      <p:sp>
+        <p:nvSpPr>
+          <p:cNvPr id="2" name="Title 1">
+            <a:extLst>
+              <a:ext uri="{FF2B5EF4-FFF2-40B4-BE49-F238E27FC236}">
+                <a16:creationId xmlns:a16="http://schemas.microsoft.com/office/drawing/2014/main" id="{539379E1-E4B9-D067-BB57-5A8FAA198733}"/>
+              </a:ext>
+            </a:extLst>
+          </p:cNvPr>
+          <p:cNvSpPr>
+            <a:spLocks noGrp="1"/>
+          </p:cNvSpPr>
+          <p:nvPr>
+            <p:ph type="title"/>
+          </p:nvPr>
+        </p:nvSpPr>
+        <p:spPr/>
+        <p:txBody>
+          <a:bodyPr/>
+          <a:lstStyle/>
+          <a:p>
+            <a:r>
+              <a:rPr lang="en-US" dirty="0"/>
+              <a:t>Results</a:t>
+            </a:r>
+            <a:endParaRPr lang="en-CA" dirty="0"/>
+          </a:p>
+        </p:txBody>
+      </p:sp>
+    </p:spTree>
+    <p:extLst>
+      <p:ext uri="{BB962C8B-B14F-4D97-AF65-F5344CB8AC3E}">
+        <p14:creationId xmlns:p14="http://schemas.microsoft.com/office/powerpoint/2010/main" val="3737004840"/>
+      </p:ext>
+    </p:extLst>
+  </p:cSld>
+  <p:clrMapOvr>
+    <a:masterClrMapping/>
+  </p:clrMapOvr>
+</p:sld>
+</file>
+
+<file path=ppt/slides/slide23.xml><?xml version="1.0" encoding="utf-8"?>
+<p:sld xmlns:a="http://schemas.openxmlformats.org/drawingml/2006/main" xmlns:r="http://schemas.openxmlformats.org/officeDocument/2006/relationships" xmlns:p="http://schemas.openxmlformats.org/presentationml/2006/main">
+  <p:cSld>
+    <p:spTree>
+      <p:nvGrpSpPr>
+        <p:cNvPr id="1" name=""/>
+        <p:cNvGrpSpPr/>
+        <p:nvPr/>
+      </p:nvGrpSpPr>
+      <p:grpSpPr>
+        <a:xfrm>
+          <a:off x="0" y="0"/>
+          <a:ext cx="0" cy="0"/>
+          <a:chOff x="0" y="0"/>
+          <a:chExt cx="0" cy="0"/>
+        </a:xfrm>
+      </p:grpSpPr>
+      <p:sp>
+        <p:nvSpPr>
+          <p:cNvPr id="2" name="Title 1">
+            <a:extLst>
+              <a:ext uri="{FF2B5EF4-FFF2-40B4-BE49-F238E27FC236}">
+                <a16:creationId xmlns:a16="http://schemas.microsoft.com/office/drawing/2014/main" id="{1B2ED77D-B13D-C708-4A40-03ED96CC862E}"/>
+              </a:ext>
+            </a:extLst>
+          </p:cNvPr>
+          <p:cNvSpPr>
+            <a:spLocks noGrp="1"/>
+          </p:cNvSpPr>
+          <p:nvPr>
+            <p:ph type="title"/>
+          </p:nvPr>
+        </p:nvSpPr>
+        <p:spPr/>
+        <p:txBody>
+          <a:bodyPr/>
+          <a:lstStyle/>
+          <a:p>
+            <a:r>
+              <a:rPr lang="en-US" dirty="0"/>
+              <a:t>Results</a:t>
+            </a:r>
+            <a:endParaRPr lang="en-CA" dirty="0"/>
+          </a:p>
+        </p:txBody>
+      </p:sp>
+      <p:sp>
+        <p:nvSpPr>
+          <p:cNvPr id="3" name="Content Placeholder 2">
+            <a:extLst>
+              <a:ext uri="{FF2B5EF4-FFF2-40B4-BE49-F238E27FC236}">
+                <a16:creationId xmlns:a16="http://schemas.microsoft.com/office/drawing/2014/main" id="{C15818D5-2BD0-B799-18F4-634844EBFA2F}"/>
+              </a:ext>
+            </a:extLst>
+          </p:cNvPr>
+          <p:cNvSpPr>
+            <a:spLocks noGrp="1"/>
+          </p:cNvSpPr>
+          <p:nvPr>
+            <p:ph idx="1"/>
+          </p:nvPr>
+        </p:nvSpPr>
+        <p:spPr/>
+        <p:txBody>
+          <a:bodyPr/>
+          <a:lstStyle/>
+          <a:p>
+            <a:endParaRPr lang="en-CA"/>
+          </a:p>
+        </p:txBody>
+      </p:sp>
+    </p:spTree>
+    <p:extLst>
+      <p:ext uri="{BB962C8B-B14F-4D97-AF65-F5344CB8AC3E}">
+        <p14:creationId xmlns:p14="http://schemas.microsoft.com/office/powerpoint/2010/main" val="1030376405"/>
+      </p:ext>
+    </p:extLst>
+  </p:cSld>
+  <p:clrMapOvr>
+    <a:masterClrMapping/>
+  </p:clrMapOvr>
+</p:sld>
+</file>
+
+<file path=ppt/slides/slide24.xml><?xml version="1.0" encoding="utf-8"?>
 <p:sld xmlns:a="http://schemas.openxmlformats.org/drawingml/2006/main" xmlns:r="http://schemas.openxmlformats.org/officeDocument/2006/relationships" xmlns:p="http://schemas.openxmlformats.org/presentationml/2006/main">
   <p:cSld>
     <p:bg>
@@ -14134,7 +14989,7 @@
 </p:sld>
 </file>
 
-<file path=ppt/slides/slide2.xml><?xml version="1.0" encoding="utf-8"?>
+<file path=ppt/slides/slide3.xml><?xml version="1.0" encoding="utf-8"?>
 <p:sld xmlns:a="http://schemas.openxmlformats.org/drawingml/2006/main" xmlns:r="http://schemas.openxmlformats.org/officeDocument/2006/relationships" xmlns:p="http://schemas.openxmlformats.org/presentationml/2006/main">
   <p:cSld>
     <p:bg>
@@ -14409,13 +15264,13 @@
           <a:lstStyle/>
           <a:p>
             <a:r>
-              <a:rPr lang="en-US" sz="4000">
+              <a:rPr lang="en-US" sz="2400" dirty="0">
                 <a:latin typeface="Times New Roman" panose="02020603050405020304" pitchFamily="18" charset="0"/>
                 <a:cs typeface="Times New Roman" panose="02020603050405020304" pitchFamily="18" charset="0"/>
               </a:rPr>
               <a:t>Background</a:t>
             </a:r>
-            <a:endParaRPr lang="en-CA" sz="4000">
+            <a:endParaRPr lang="en-CA" sz="2400" dirty="0">
               <a:latin typeface="Times New Roman" panose="02020603050405020304" pitchFamily="18" charset="0"/>
               <a:cs typeface="Times New Roman" panose="02020603050405020304" pitchFamily="18" charset="0"/>
             </a:endParaRPr>
@@ -14663,7 +15518,7 @@
 </p:sld>
 </file>
 
-<file path=ppt/slides/slide3.xml><?xml version="1.0" encoding="utf-8"?>
+<file path=ppt/slides/slide4.xml><?xml version="1.0" encoding="utf-8"?>
 <p:sld xmlns:a="http://schemas.openxmlformats.org/drawingml/2006/main" xmlns:r="http://schemas.openxmlformats.org/officeDocument/2006/relationships" xmlns:p="http://schemas.openxmlformats.org/presentationml/2006/main">
   <p:cSld>
     <p:spTree>
@@ -15148,7 +16003,7 @@
 </p:sld>
 </file>
 
-<file path=ppt/slides/slide4.xml><?xml version="1.0" encoding="utf-8"?>
+<file path=ppt/slides/slide5.xml><?xml version="1.0" encoding="utf-8"?>
 <p:sld xmlns:a="http://schemas.openxmlformats.org/drawingml/2006/main" xmlns:r="http://schemas.openxmlformats.org/officeDocument/2006/relationships" xmlns:p="http://schemas.openxmlformats.org/presentationml/2006/main">
   <p:cSld>
     <p:spTree>
@@ -15189,7 +16044,7 @@
           <a:lstStyle/>
           <a:p>
             <a:r>
-              <a:rPr lang="en-CA" sz="2200" b="1" dirty="0">
+              <a:rPr lang="en-CA" sz="2200" dirty="0">
                 <a:latin typeface="Times New Roman" panose="02020603050405020304" pitchFamily="18" charset="0"/>
                 <a:cs typeface="Times New Roman" panose="02020603050405020304" pitchFamily="18" charset="0"/>
               </a:rPr>
@@ -15399,7 +16254,7 @@
 </p:sld>
 </file>
 
-<file path=ppt/slides/slide5.xml><?xml version="1.0" encoding="utf-8"?>
+<file path=ppt/slides/slide6.xml><?xml version="1.0" encoding="utf-8"?>
 <p:sld xmlns:a="http://schemas.openxmlformats.org/drawingml/2006/main" xmlns:r="http://schemas.openxmlformats.org/officeDocument/2006/relationships" xmlns:p="http://schemas.openxmlformats.org/presentationml/2006/main">
   <p:cSld>
     <p:bg>
@@ -15967,257 +16822,7 @@
 </p:sld>
 </file>
 
-<file path=ppt/slides/slide6.xml><?xml version="1.0" encoding="utf-8"?>
-<p:sld xmlns:a="http://schemas.openxmlformats.org/drawingml/2006/main" xmlns:r="http://schemas.openxmlformats.org/officeDocument/2006/relationships" xmlns:p="http://schemas.openxmlformats.org/presentationml/2006/main">
-  <p:cSld>
-    <p:spTree>
-      <p:nvGrpSpPr>
-        <p:cNvPr id="1" name="">
-          <a:extLst>
-            <a:ext uri="{FF2B5EF4-FFF2-40B4-BE49-F238E27FC236}">
-              <a16:creationId xmlns:a16="http://schemas.microsoft.com/office/drawing/2014/main" id="{6BB064F3-7FBD-DCBF-15DA-324B411D31E0}"/>
-            </a:ext>
-          </a:extLst>
-        </p:cNvPr>
-        <p:cNvGrpSpPr/>
-        <p:nvPr/>
-      </p:nvGrpSpPr>
-      <p:grpSpPr>
-        <a:xfrm>
-          <a:off x="0" y="0"/>
-          <a:ext cx="0" cy="0"/>
-          <a:chOff x="0" y="0"/>
-          <a:chExt cx="0" cy="0"/>
-        </a:xfrm>
-      </p:grpSpPr>
-      <p:sp>
-        <p:nvSpPr>
-          <p:cNvPr id="2" name="Title 1">
-            <a:extLst>
-              <a:ext uri="{FF2B5EF4-FFF2-40B4-BE49-F238E27FC236}">
-                <a16:creationId xmlns:a16="http://schemas.microsoft.com/office/drawing/2014/main" id="{42832E5C-71B0-B39C-6C33-2F532D2C28E4}"/>
-              </a:ext>
-            </a:extLst>
-          </p:cNvPr>
-          <p:cNvSpPr>
-            <a:spLocks noGrp="1"/>
-          </p:cNvSpPr>
-          <p:nvPr>
-            <p:ph type="title"/>
-          </p:nvPr>
-        </p:nvSpPr>
-        <p:spPr>
-          <a:xfrm>
-            <a:off x="1472184" y="2103437"/>
-            <a:ext cx="9390888" cy="1325563"/>
-          </a:xfrm>
-        </p:spPr>
-        <p:txBody>
-          <a:bodyPr>
-            <a:normAutofit/>
-          </a:bodyPr>
-          <a:lstStyle/>
-          <a:p>
-            <a:r>
-              <a:rPr lang="en-US" dirty="0"/>
-              <a:t>Crisper Knockout</a:t>
-            </a:r>
-            <a:endParaRPr lang="en-CA" dirty="0"/>
-          </a:p>
-        </p:txBody>
-      </p:sp>
-    </p:spTree>
-    <p:extLst>
-      <p:ext uri="{BB962C8B-B14F-4D97-AF65-F5344CB8AC3E}">
-        <p14:creationId xmlns:p14="http://schemas.microsoft.com/office/powerpoint/2010/main" val="2099127183"/>
-      </p:ext>
-    </p:extLst>
-  </p:cSld>
-  <p:clrMapOvr>
-    <a:masterClrMapping/>
-  </p:clrMapOvr>
-</p:sld>
-</file>
-
 <file path=ppt/slides/slide7.xml><?xml version="1.0" encoding="utf-8"?>
-<p:sld xmlns:a="http://schemas.openxmlformats.org/drawingml/2006/main" xmlns:r="http://schemas.openxmlformats.org/officeDocument/2006/relationships" xmlns:p="http://schemas.openxmlformats.org/presentationml/2006/main">
-  <p:cSld>
-    <p:spTree>
-      <p:nvGrpSpPr>
-        <p:cNvPr id="1" name=""/>
-        <p:cNvGrpSpPr/>
-        <p:nvPr/>
-      </p:nvGrpSpPr>
-      <p:grpSpPr>
-        <a:xfrm>
-          <a:off x="0" y="0"/>
-          <a:ext cx="0" cy="0"/>
-          <a:chOff x="0" y="0"/>
-          <a:chExt cx="0" cy="0"/>
-        </a:xfrm>
-      </p:grpSpPr>
-      <p:sp>
-        <p:nvSpPr>
-          <p:cNvPr id="2" name="Title 1">
-            <a:extLst>
-              <a:ext uri="{FF2B5EF4-FFF2-40B4-BE49-F238E27FC236}">
-                <a16:creationId xmlns:a16="http://schemas.microsoft.com/office/drawing/2014/main" id="{5AB318FC-B8B4-6DC6-27B2-A905C899CE22}"/>
-              </a:ext>
-            </a:extLst>
-          </p:cNvPr>
-          <p:cNvSpPr>
-            <a:spLocks noGrp="1"/>
-          </p:cNvSpPr>
-          <p:nvPr>
-            <p:ph type="title"/>
-          </p:nvPr>
-        </p:nvSpPr>
-        <p:spPr/>
-        <p:txBody>
-          <a:bodyPr>
-            <a:normAutofit/>
-          </a:bodyPr>
-          <a:lstStyle/>
-          <a:p>
-            <a:r>
-              <a:rPr lang="en-US" sz="2000" b="1" dirty="0">
-                <a:latin typeface="Times New Roman" panose="02020603050405020304" pitchFamily="18" charset="0"/>
-                <a:cs typeface="Times New Roman" panose="02020603050405020304" pitchFamily="18" charset="0"/>
-              </a:rPr>
-              <a:t>Crispr Knockout</a:t>
-            </a:r>
-            <a:endParaRPr lang="en-CA" sz="2000" b="1" dirty="0">
-              <a:latin typeface="Times New Roman" panose="02020603050405020304" pitchFamily="18" charset="0"/>
-              <a:cs typeface="Times New Roman" panose="02020603050405020304" pitchFamily="18" charset="0"/>
-            </a:endParaRPr>
-          </a:p>
-        </p:txBody>
-      </p:sp>
-      <p:sp>
-        <p:nvSpPr>
-          <p:cNvPr id="3" name="Content Placeholder 2">
-            <a:extLst>
-              <a:ext uri="{FF2B5EF4-FFF2-40B4-BE49-F238E27FC236}">
-                <a16:creationId xmlns:a16="http://schemas.microsoft.com/office/drawing/2014/main" id="{45BCD918-5356-F693-7CC9-A8665A375746}"/>
-              </a:ext>
-            </a:extLst>
-          </p:cNvPr>
-          <p:cNvSpPr>
-            <a:spLocks noGrp="1"/>
-          </p:cNvSpPr>
-          <p:nvPr>
-            <p:ph idx="1"/>
-          </p:nvPr>
-        </p:nvSpPr>
-        <p:spPr>
-          <a:xfrm>
-            <a:off x="765048" y="1533017"/>
-            <a:ext cx="10515600" cy="4351338"/>
-          </a:xfrm>
-        </p:spPr>
-        <p:txBody>
-          <a:bodyPr>
-            <a:normAutofit/>
-          </a:bodyPr>
-          <a:lstStyle/>
-          <a:p>
-            <a:pPr marL="0" indent="0">
-              <a:buNone/>
-            </a:pPr>
-            <a:r>
-              <a:rPr lang="en-CA" sz="1800" b="1" dirty="0" err="1">
-                <a:latin typeface="Times New Roman" panose="02020603050405020304" pitchFamily="18" charset="0"/>
-                <a:cs typeface="Times New Roman" panose="02020603050405020304" pitchFamily="18" charset="0"/>
-              </a:rPr>
-              <a:t>Unperturb</a:t>
-            </a:r>
-            <a:r>
-              <a:rPr lang="en-CA" sz="1800" b="1" dirty="0">
-                <a:latin typeface="Times New Roman" panose="02020603050405020304" pitchFamily="18" charset="0"/>
-                <a:cs typeface="Times New Roman" panose="02020603050405020304" pitchFamily="18" charset="0"/>
-              </a:rPr>
-              <a:t> data (Control Sample) and Perturb data with CRISPRKO</a:t>
-            </a:r>
-          </a:p>
-          <a:p>
-            <a:pPr marL="0" indent="0">
-              <a:buNone/>
-            </a:pPr>
-            <a:endParaRPr lang="en-CA" sz="1800" dirty="0">
-              <a:latin typeface="Times New Roman" panose="02020603050405020304" pitchFamily="18" charset="0"/>
-              <a:cs typeface="Times New Roman" panose="02020603050405020304" pitchFamily="18" charset="0"/>
-            </a:endParaRPr>
-          </a:p>
-          <a:p>
-            <a:pPr marL="0" indent="0">
-              <a:buNone/>
-            </a:pPr>
-            <a:r>
-              <a:rPr lang="en-CA" sz="1800" dirty="0">
-                <a:latin typeface="Times New Roman" panose="02020603050405020304" pitchFamily="18" charset="0"/>
-                <a:cs typeface="Times New Roman" panose="02020603050405020304" pitchFamily="18" charset="0"/>
-              </a:rPr>
-              <a:t>https://www.ncbi.nlm.nih.gov/geo/query/acc.cgi?acc=GSE134139</a:t>
-            </a:r>
-          </a:p>
-          <a:p>
-            <a:pPr marL="0" indent="0">
-              <a:buNone/>
-            </a:pPr>
-            <a:endParaRPr lang="en-CA" sz="1800" dirty="0">
-              <a:latin typeface="Times New Roman" panose="02020603050405020304" pitchFamily="18" charset="0"/>
-              <a:cs typeface="Times New Roman" panose="02020603050405020304" pitchFamily="18" charset="0"/>
-            </a:endParaRPr>
-          </a:p>
-          <a:p>
-            <a:pPr marL="0" indent="0">
-              <a:buNone/>
-            </a:pPr>
-            <a:r>
-              <a:rPr lang="en-CA" sz="1800" dirty="0">
-                <a:latin typeface="Times New Roman" panose="02020603050405020304" pitchFamily="18" charset="0"/>
-                <a:cs typeface="Times New Roman" panose="02020603050405020304" pitchFamily="18" charset="0"/>
-              </a:rPr>
-              <a:t>https://www.ncbi.nlm.nih.gov/geo/query/acc.cgi?acc=GSE156478</a:t>
-            </a:r>
-          </a:p>
-          <a:p>
-            <a:pPr marL="0" indent="0">
-              <a:buNone/>
-            </a:pPr>
-            <a:endParaRPr lang="en-CA" sz="1800" dirty="0">
-              <a:latin typeface="Times New Roman" panose="02020603050405020304" pitchFamily="18" charset="0"/>
-              <a:cs typeface="Times New Roman" panose="02020603050405020304" pitchFamily="18" charset="0"/>
-            </a:endParaRPr>
-          </a:p>
-          <a:p>
-            <a:pPr marL="0" indent="0">
-              <a:buNone/>
-            </a:pPr>
-            <a:r>
-              <a:rPr lang="en-CA" sz="1800" dirty="0">
-                <a:latin typeface="Times New Roman" panose="02020603050405020304" pitchFamily="18" charset="0"/>
-                <a:cs typeface="Times New Roman" panose="02020603050405020304" pitchFamily="18" charset="0"/>
-              </a:rPr>
-              <a:t>https://www.ncbi.nlm.nih.gov/geo/query/acc.cgi?acc=GSE126310</a:t>
-            </a:r>
-          </a:p>
-        </p:txBody>
-      </p:sp>
-    </p:spTree>
-    <p:extLst>
-      <p:ext uri="{BB962C8B-B14F-4D97-AF65-F5344CB8AC3E}">
-        <p14:creationId xmlns:p14="http://schemas.microsoft.com/office/powerpoint/2010/main" val="2998759684"/>
-      </p:ext>
-    </p:extLst>
-  </p:cSld>
-  <p:clrMapOvr>
-    <a:masterClrMapping/>
-  </p:clrMapOvr>
-</p:sld>
-</file>
-
-<file path=ppt/slides/slide8.xml><?xml version="1.0" encoding="utf-8"?>
 <p:sld xmlns:a="http://schemas.openxmlformats.org/drawingml/2006/main" xmlns:r="http://schemas.openxmlformats.org/officeDocument/2006/relationships" xmlns:p="http://schemas.openxmlformats.org/presentationml/2006/main">
   <p:cSld>
     <p:spTree>
@@ -16252,7 +16857,7 @@
         </p:nvSpPr>
         <p:spPr>
           <a:xfrm>
-            <a:off x="517219" y="404801"/>
+            <a:off x="1590946" y="362936"/>
             <a:ext cx="10402824" cy="825478"/>
           </a:xfrm>
         </p:spPr>
@@ -16263,10 +16868,10 @@
           <a:lstStyle/>
           <a:p>
             <a:r>
-              <a:rPr lang="en-US" sz="2400" dirty="0"/>
+              <a:rPr lang="en-US" sz="2400" b="1" dirty="0"/>
               <a:t>Simulated Hardware and Software for Gene Perturbation Analysis</a:t>
             </a:r>
-            <a:endParaRPr lang="en-CA" sz="2400" dirty="0"/>
+            <a:endParaRPr lang="en-CA" sz="2400" b="1" dirty="0"/>
           </a:p>
         </p:txBody>
       </p:sp>
@@ -17522,6 +18127,82 @@
 </p:sld>
 </file>
 
+<file path=ppt/slides/slide8.xml><?xml version="1.0" encoding="utf-8"?>
+<p:sld xmlns:a="http://schemas.openxmlformats.org/drawingml/2006/main" xmlns:r="http://schemas.openxmlformats.org/officeDocument/2006/relationships" xmlns:p="http://schemas.openxmlformats.org/presentationml/2006/main">
+  <p:cSld>
+    <p:spTree>
+      <p:nvGrpSpPr>
+        <p:cNvPr id="1" name="">
+          <a:extLst>
+            <a:ext uri="{FF2B5EF4-FFF2-40B4-BE49-F238E27FC236}">
+              <a16:creationId xmlns:a16="http://schemas.microsoft.com/office/drawing/2014/main" id="{6BB064F3-7FBD-DCBF-15DA-324B411D31E0}"/>
+            </a:ext>
+          </a:extLst>
+        </p:cNvPr>
+        <p:cNvGrpSpPr/>
+        <p:nvPr/>
+      </p:nvGrpSpPr>
+      <p:grpSpPr>
+        <a:xfrm>
+          <a:off x="0" y="0"/>
+          <a:ext cx="0" cy="0"/>
+          <a:chOff x="0" y="0"/>
+          <a:chExt cx="0" cy="0"/>
+        </a:xfrm>
+      </p:grpSpPr>
+      <p:sp>
+        <p:nvSpPr>
+          <p:cNvPr id="2" name="Title 1">
+            <a:extLst>
+              <a:ext uri="{FF2B5EF4-FFF2-40B4-BE49-F238E27FC236}">
+                <a16:creationId xmlns:a16="http://schemas.microsoft.com/office/drawing/2014/main" id="{42832E5C-71B0-B39C-6C33-2F532D2C28E4}"/>
+              </a:ext>
+            </a:extLst>
+          </p:cNvPr>
+          <p:cNvSpPr>
+            <a:spLocks noGrp="1"/>
+          </p:cNvSpPr>
+          <p:nvPr>
+            <p:ph type="title"/>
+          </p:nvPr>
+        </p:nvSpPr>
+        <p:spPr>
+          <a:xfrm>
+            <a:off x="1472184" y="2103437"/>
+            <a:ext cx="9390888" cy="1325563"/>
+          </a:xfrm>
+        </p:spPr>
+        <p:txBody>
+          <a:bodyPr>
+            <a:normAutofit/>
+          </a:bodyPr>
+          <a:lstStyle/>
+          <a:p>
+            <a:r>
+              <a:rPr lang="en-US" dirty="0"/>
+              <a:t>             </a:t>
+            </a:r>
+            <a:r>
+              <a:rPr lang="en-US" b="1" dirty="0"/>
+              <a:t>Crisper Knockout</a:t>
+            </a:r>
+            <a:endParaRPr lang="en-CA" b="1" dirty="0"/>
+          </a:p>
+        </p:txBody>
+      </p:sp>
+    </p:spTree>
+    <p:extLst>
+      <p:ext uri="{BB962C8B-B14F-4D97-AF65-F5344CB8AC3E}">
+        <p14:creationId xmlns:p14="http://schemas.microsoft.com/office/powerpoint/2010/main" val="2099127183"/>
+      </p:ext>
+    </p:extLst>
+  </p:cSld>
+  <p:clrMapOvr>
+    <a:masterClrMapping/>
+  </p:clrMapOvr>
+</p:sld>
+</file>
+
 <file path=ppt/slides/slide9.xml><?xml version="1.0" encoding="utf-8"?>
 <p:sld xmlns:a="http://schemas.openxmlformats.org/drawingml/2006/main" xmlns:r="http://schemas.openxmlformats.org/officeDocument/2006/relationships" xmlns:p="http://schemas.openxmlformats.org/presentationml/2006/main">
   <p:cSld>
@@ -17544,7 +18225,7 @@
           <p:cNvPr id="2" name="Title 1">
             <a:extLst>
               <a:ext uri="{FF2B5EF4-FFF2-40B4-BE49-F238E27FC236}">
-                <a16:creationId xmlns:a16="http://schemas.microsoft.com/office/drawing/2014/main" id="{1D4CB6EF-D17E-D3AB-1F70-4A6C250E10A4}"/>
+                <a16:creationId xmlns:a16="http://schemas.microsoft.com/office/drawing/2014/main" id="{5AB318FC-B8B4-6DC6-27B2-A905C899CE22}"/>
               </a:ext>
             </a:extLst>
           </p:cNvPr>
@@ -17555,12 +18236,7 @@
             <p:ph type="title"/>
           </p:nvPr>
         </p:nvSpPr>
-        <p:spPr>
-          <a:xfrm>
-            <a:off x="719328" y="127381"/>
-            <a:ext cx="10515600" cy="1325563"/>
-          </a:xfrm>
-        </p:spPr>
+        <p:spPr/>
         <p:txBody>
           <a:bodyPr>
             <a:normAutofit/>
@@ -17568,10 +18244,16 @@
           <a:lstStyle/>
           <a:p>
             <a:r>
-              <a:rPr lang="en-US" sz="3200" dirty="0"/>
-              <a:t>RNA Dataset Description</a:t>
-            </a:r>
-            <a:endParaRPr lang="en-CA" sz="3200" dirty="0"/>
+              <a:rPr lang="en-US" sz="2000" b="1" dirty="0">
+                <a:latin typeface="Times New Roman" panose="02020603050405020304" pitchFamily="18" charset="0"/>
+                <a:cs typeface="Times New Roman" panose="02020603050405020304" pitchFamily="18" charset="0"/>
+              </a:rPr>
+              <a:t>Crispr Knockout</a:t>
+            </a:r>
+            <a:endParaRPr lang="en-CA" sz="2000" b="1" dirty="0">
+              <a:latin typeface="Times New Roman" panose="02020603050405020304" pitchFamily="18" charset="0"/>
+              <a:cs typeface="Times New Roman" panose="02020603050405020304" pitchFamily="18" charset="0"/>
+            </a:endParaRPr>
           </a:p>
         </p:txBody>
       </p:sp>
@@ -17580,7 +18262,7 @@
           <p:cNvPr id="3" name="Content Placeholder 2">
             <a:extLst>
               <a:ext uri="{FF2B5EF4-FFF2-40B4-BE49-F238E27FC236}">
-                <a16:creationId xmlns:a16="http://schemas.microsoft.com/office/drawing/2014/main" id="{07A2110F-0A5E-FFE7-6B44-F77B743F1AEF}"/>
+                <a16:creationId xmlns:a16="http://schemas.microsoft.com/office/drawing/2014/main" id="{45BCD918-5356-F693-7CC9-A8665A375746}"/>
               </a:ext>
             </a:extLst>
           </p:cNvPr>
@@ -17593,13 +18275,13 @@
         </p:nvSpPr>
         <p:spPr>
           <a:xfrm>
-            <a:off x="719328" y="1350137"/>
+            <a:off x="765048" y="1533017"/>
             <a:ext cx="10515600" cy="4351338"/>
           </a:xfrm>
         </p:spPr>
         <p:txBody>
           <a:bodyPr>
-            <a:normAutofit fontScale="92500" lnSpcReduction="10000"/>
+            <a:normAutofit/>
           </a:bodyPr>
           <a:lstStyle/>
           <a:p>
@@ -17607,83 +18289,46 @@
               <a:buNone/>
             </a:pPr>
             <a:r>
-              <a:rPr lang="en-US" sz="1600" dirty="0">
-                <a:latin typeface="Times New Roman" panose="02020603050405020304" pitchFamily="18" charset="0"/>
-                <a:cs typeface="Times New Roman" panose="02020603050405020304" pitchFamily="18" charset="0"/>
-              </a:rPr>
-              <a:t>Organism: Mus musculus</a:t>
-            </a:r>
-          </a:p>
-          <a:p>
-            <a:pPr marL="0" indent="0">
-              <a:buNone/>
-            </a:pPr>
-            <a:r>
-              <a:rPr lang="en-US" sz="1600" dirty="0">
-                <a:latin typeface="Times New Roman" panose="02020603050405020304" pitchFamily="18" charset="0"/>
-                <a:cs typeface="Times New Roman" panose="02020603050405020304" pitchFamily="18" charset="0"/>
-              </a:rPr>
-              <a:t>RNA sequence</a:t>
-            </a:r>
-          </a:p>
-          <a:p>
-            <a:pPr marL="0" indent="0">
-              <a:buNone/>
-            </a:pPr>
-            <a:r>
-              <a:rPr lang="en-US" sz="1600" dirty="0">
-                <a:latin typeface="Times New Roman" panose="02020603050405020304" pitchFamily="18" charset="0"/>
-                <a:cs typeface="Times New Roman" panose="02020603050405020304" pitchFamily="18" charset="0"/>
-              </a:rPr>
-              <a:t>Perturbation: Crisper Knockout: </a:t>
-            </a:r>
-            <a:r>
-              <a:rPr lang="en-US" sz="1600" dirty="0" err="1">
-                <a:latin typeface="Times New Roman" panose="02020603050405020304" pitchFamily="18" charset="0"/>
-                <a:cs typeface="Times New Roman" panose="02020603050405020304" pitchFamily="18" charset="0"/>
-              </a:rPr>
-              <a:t>Crisprko</a:t>
-            </a:r>
-            <a:endParaRPr lang="en-US" sz="1600" dirty="0">
-              <a:latin typeface="Times New Roman" panose="02020603050405020304" pitchFamily="18" charset="0"/>
-              <a:cs typeface="Times New Roman" panose="02020603050405020304" pitchFamily="18" charset="0"/>
-            </a:endParaRPr>
-          </a:p>
-          <a:p>
-            <a:pPr marL="0" indent="0">
-              <a:buNone/>
-            </a:pPr>
-            <a:endParaRPr lang="en-US" sz="1600" dirty="0">
-              <a:latin typeface="Times New Roman" panose="02020603050405020304" pitchFamily="18" charset="0"/>
-              <a:cs typeface="Times New Roman" panose="02020603050405020304" pitchFamily="18" charset="0"/>
-            </a:endParaRPr>
-          </a:p>
-          <a:p>
-            <a:pPr marL="0" indent="0">
-              <a:buNone/>
-            </a:pPr>
-            <a:r>
-              <a:rPr lang="en-CA" sz="1600" dirty="0" err="1">
+              <a:rPr lang="en-CA" sz="1800" b="1" dirty="0" err="1">
                 <a:latin typeface="Times New Roman" panose="02020603050405020304" pitchFamily="18" charset="0"/>
                 <a:cs typeface="Times New Roman" panose="02020603050405020304" pitchFamily="18" charset="0"/>
               </a:rPr>
               <a:t>Unperturb</a:t>
             </a:r>
             <a:r>
-              <a:rPr lang="en-CA" sz="1600" dirty="0">
+              <a:rPr lang="en-CA" sz="1800" b="1" dirty="0">
                 <a:latin typeface="Times New Roman" panose="02020603050405020304" pitchFamily="18" charset="0"/>
                 <a:cs typeface="Times New Roman" panose="02020603050405020304" pitchFamily="18" charset="0"/>
               </a:rPr>
-              <a:t> data (Control Sample) –</a:t>
-            </a:r>
-            <a:r>
-              <a:rPr lang="en-CA" sz="1600" dirty="0" err="1">
+              <a:t> data (Control Sample) and Perturb data with CRISPRKO</a:t>
+            </a:r>
+          </a:p>
+          <a:p>
+            <a:pPr marL="0" indent="0">
+              <a:buNone/>
+            </a:pPr>
+            <a:endParaRPr lang="en-CA" sz="1800" dirty="0">
+              <a:latin typeface="Times New Roman" panose="02020603050405020304" pitchFamily="18" charset="0"/>
+              <a:cs typeface="Times New Roman" panose="02020603050405020304" pitchFamily="18" charset="0"/>
+            </a:endParaRPr>
+          </a:p>
+          <a:p>
+            <a:pPr marL="0" indent="0">
+              <a:buNone/>
+            </a:pPr>
+            <a:r>
+              <a:rPr lang="en-CA" sz="1800" dirty="0">
                 <a:latin typeface="Times New Roman" panose="02020603050405020304" pitchFamily="18" charset="0"/>
                 <a:cs typeface="Times New Roman" panose="02020603050405020304" pitchFamily="18" charset="0"/>
               </a:rPr>
-              <a:t>CTRL_data</a:t>
-            </a:r>
-            <a:endParaRPr lang="en-CA" sz="1600" dirty="0">
+              <a:t>https://www.ncbi.nlm.nih.gov/geo/query/acc.cgi?acc=GSE134139</a:t>
+            </a:r>
+          </a:p>
+          <a:p>
+            <a:pPr marL="0" indent="0">
+              <a:buNone/>
+            </a:pPr>
+            <a:endParaRPr lang="en-CA" sz="1800" dirty="0">
               <a:latin typeface="Times New Roman" panose="02020603050405020304" pitchFamily="18" charset="0"/>
               <a:cs typeface="Times New Roman" panose="02020603050405020304" pitchFamily="18" charset="0"/>
             </a:endParaRPr>
@@ -17692,7 +18337,19 @@
             <a:pPr marL="0" indent="0">
               <a:buNone/>
             </a:pPr>
-            <a:endParaRPr lang="en-CA" sz="1600" dirty="0">
+            <a:r>
+              <a:rPr lang="en-CA" sz="1800" dirty="0">
+                <a:latin typeface="Times New Roman" panose="02020603050405020304" pitchFamily="18" charset="0"/>
+                <a:cs typeface="Times New Roman" panose="02020603050405020304" pitchFamily="18" charset="0"/>
+              </a:rPr>
+              <a:t>https://www.ncbi.nlm.nih.gov/geo/query/acc.cgi?acc=GSE156478</a:t>
+            </a:r>
+          </a:p>
+          <a:p>
+            <a:pPr marL="0" indent="0">
+              <a:buNone/>
+            </a:pPr>
+            <a:endParaRPr lang="en-CA" sz="1800" dirty="0">
               <a:latin typeface="Times New Roman" panose="02020603050405020304" pitchFamily="18" charset="0"/>
               <a:cs typeface="Times New Roman" panose="02020603050405020304" pitchFamily="18" charset="0"/>
             </a:endParaRPr>
@@ -17702,86 +18359,11 @@
               <a:buNone/>
             </a:pPr>
             <a:r>
-              <a:rPr lang="en-CA" sz="1600" dirty="0">
+              <a:rPr lang="en-CA" sz="1800" dirty="0">
                 <a:latin typeface="Times New Roman" panose="02020603050405020304" pitchFamily="18" charset="0"/>
                 <a:cs typeface="Times New Roman" panose="02020603050405020304" pitchFamily="18" charset="0"/>
               </a:rPr>
-              <a:t>Perturb data with CRISPRKO-PTPN2 data</a:t>
-            </a:r>
-            <a:endParaRPr lang="en-US" sz="1600" dirty="0">
-              <a:latin typeface="Times New Roman" panose="02020603050405020304" pitchFamily="18" charset="0"/>
-              <a:cs typeface="Times New Roman" panose="02020603050405020304" pitchFamily="18" charset="0"/>
-            </a:endParaRPr>
-          </a:p>
-          <a:p>
-            <a:pPr marL="0" indent="0">
-              <a:buNone/>
-            </a:pPr>
-            <a:endParaRPr lang="en-US" dirty="0"/>
-          </a:p>
-          <a:p>
-            <a:pPr marL="0" indent="0">
-              <a:buNone/>
-            </a:pPr>
-            <a:r>
-              <a:rPr lang="en-US" sz="1400" dirty="0">
-                <a:hlinkClick r:id="rId2"/>
-              </a:rPr>
-              <a:t>https://www.ncbi.nlm.nih.gov/geo/query/acc.cgi?acc=GSE134139</a:t>
-            </a:r>
-            <a:endParaRPr lang="en-US" sz="1400" dirty="0"/>
-          </a:p>
-          <a:p>
-            <a:pPr marL="0" indent="0">
-              <a:buNone/>
-            </a:pPr>
-            <a:endParaRPr lang="en-US" sz="1400" dirty="0"/>
-          </a:p>
-          <a:p>
-            <a:pPr marL="0" indent="0">
-              <a:buNone/>
-            </a:pPr>
-            <a:r>
-              <a:rPr lang="en-CA" sz="1500" u="sng" dirty="0">
-                <a:hlinkClick r:id="rId3"/>
-              </a:rPr>
-              <a:t>https://drive.google.com/drive/folders/1AAI4KU9G-UHoKo72Ne6iGAaCgFPADIW3?usp=drive_link</a:t>
-            </a:r>
-            <a:endParaRPr lang="en-US" sz="1500" dirty="0"/>
-          </a:p>
-          <a:p>
-            <a:pPr marL="0" indent="0">
-              <a:buNone/>
-            </a:pPr>
-            <a:endParaRPr lang="en-CA" sz="1500" dirty="0">
-              <a:latin typeface="Times New Roman" panose="02020603050405020304" pitchFamily="18" charset="0"/>
-              <a:cs typeface="Times New Roman" panose="02020603050405020304" pitchFamily="18" charset="0"/>
-            </a:endParaRPr>
-          </a:p>
-          <a:p>
-            <a:pPr marL="0" indent="0">
-              <a:buNone/>
-            </a:pPr>
-            <a:r>
-              <a:rPr lang="en-CA" sz="1500" dirty="0">
-                <a:latin typeface="Times New Roman" panose="02020603050405020304" pitchFamily="18" charset="0"/>
-                <a:cs typeface="Times New Roman" panose="02020603050405020304" pitchFamily="18" charset="0"/>
-              </a:rPr>
-              <a:t>LaFleur MW, Nguyen TH, Coxe MA, Miller BC et al. PTPN2 regulates the generation of exhausted CD8(+) T cell subpopulations and restrains tumor immunity. </a:t>
-            </a:r>
-            <a:r>
-              <a:rPr lang="en-CA" sz="1500" i="1" dirty="0">
-                <a:latin typeface="Times New Roman" panose="02020603050405020304" pitchFamily="18" charset="0"/>
-                <a:cs typeface="Times New Roman" panose="02020603050405020304" pitchFamily="18" charset="0"/>
-              </a:rPr>
-              <a:t>Nat Immunol</a:t>
-            </a:r>
-            <a:r>
-              <a:rPr lang="en-CA" sz="1500" dirty="0">
-                <a:latin typeface="Times New Roman" panose="02020603050405020304" pitchFamily="18" charset="0"/>
-                <a:cs typeface="Times New Roman" panose="02020603050405020304" pitchFamily="18" charset="0"/>
-              </a:rPr>
-              <a:t> 2019 Oct;20(10):1335-1347.</a:t>
+              <a:t>https://www.ncbi.nlm.nih.gov/geo/query/acc.cgi?acc=GSE126310</a:t>
             </a:r>
           </a:p>
         </p:txBody>
@@ -17789,7 +18371,7 @@
     </p:spTree>
     <p:extLst>
       <p:ext uri="{BB962C8B-B14F-4D97-AF65-F5344CB8AC3E}">
-        <p14:creationId xmlns:p14="http://schemas.microsoft.com/office/powerpoint/2010/main" val="3080982678"/>
+        <p14:creationId xmlns:p14="http://schemas.microsoft.com/office/powerpoint/2010/main" val="2998759684"/>
       </p:ext>
     </p:extLst>
   </p:cSld>

--- a/ppt slides for omic codeathon (1) (1).pptx
+++ b/ppt slides for omic codeathon (1) (1).pptx
@@ -5,7 +5,7 @@
     <p:sldMasterId id="2147483660" r:id="rId1"/>
   </p:sldMasterIdLst>
   <p:notesMasterIdLst>
-    <p:notesMasterId r:id="rId26"/>
+    <p:notesMasterId r:id="rId27"/>
   </p:notesMasterIdLst>
   <p:sldIdLst>
     <p:sldId id="256" r:id="rId2"/>
@@ -32,6 +32,7 @@
     <p:sldId id="282" r:id="rId23"/>
     <p:sldId id="283" r:id="rId24"/>
     <p:sldId id="259" r:id="rId25"/>
+    <p:sldId id="286" r:id="rId26"/>
   </p:sldIdLst>
   <p:sldSz cx="12192000" cy="6858000"/>
   <p:notesSz cx="6858000" cy="9144000"/>
@@ -9689,8 +9690,8 @@
         </p:nvSpPr>
         <p:spPr>
           <a:xfrm>
-            <a:off x="719328" y="127381"/>
-            <a:ext cx="10515600" cy="1325563"/>
+            <a:off x="1308294" y="478301"/>
+            <a:ext cx="10362731" cy="678224"/>
           </a:xfrm>
         </p:spPr>
         <p:txBody>
@@ -9700,10 +9701,10 @@
           <a:lstStyle/>
           <a:p>
             <a:r>
-              <a:rPr lang="en-US" sz="3200" dirty="0"/>
+              <a:rPr lang="en-US" sz="2400" dirty="0"/>
               <a:t>RNA Dataset Description</a:t>
             </a:r>
-            <a:endParaRPr lang="en-CA" sz="3200" dirty="0"/>
+            <a:endParaRPr lang="en-CA" sz="2400" dirty="0"/>
           </a:p>
         </p:txBody>
       </p:sp>
@@ -9964,7 +9965,12 @@
             <p:ph type="title"/>
           </p:nvPr>
         </p:nvSpPr>
-        <p:spPr/>
+        <p:spPr>
+          <a:xfrm>
+            <a:off x="1077350" y="554427"/>
+            <a:ext cx="3536852" cy="556921"/>
+          </a:xfrm>
+        </p:spPr>
         <p:txBody>
           <a:bodyPr>
             <a:normAutofit/>
@@ -10329,7 +10335,7 @@
           <a:lstStyle/>
           <a:p>
             <a:r>
-              <a:rPr lang="en-US" sz="2400" kern="1200" dirty="0">
+              <a:rPr lang="en-US" sz="2400" b="1" kern="1200" dirty="0">
                 <a:solidFill>
                   <a:schemeClr val="tx1"/>
                 </a:solidFill>
@@ -12506,10 +12512,10 @@
           <a:lstStyle/>
           <a:p>
             <a:r>
-              <a:rPr lang="en-US" sz="2400" dirty="0"/>
+              <a:rPr lang="en-US" sz="2400" b="1" dirty="0"/>
               <a:t>Results(Insights)</a:t>
             </a:r>
-            <a:endParaRPr lang="en-CA" sz="2400" dirty="0"/>
+            <a:endParaRPr lang="en-CA" sz="2400" b="1" dirty="0"/>
           </a:p>
         </p:txBody>
       </p:sp>
@@ -12727,10 +12733,10 @@
           <a:lstStyle/>
           <a:p>
             <a:r>
-              <a:rPr lang="en-US" sz="2400" dirty="0"/>
+              <a:rPr lang="en-US" sz="2400" b="1" dirty="0"/>
               <a:t>Insights</a:t>
             </a:r>
-            <a:endParaRPr lang="en-CA" sz="2400" dirty="0"/>
+            <a:endParaRPr lang="en-CA" sz="2400" b="1" dirty="0"/>
           </a:p>
         </p:txBody>
       </p:sp>
@@ -12840,10 +12846,10 @@
           <a:lstStyle/>
           <a:p>
             <a:r>
-              <a:rPr lang="en-US" sz="2400" dirty="0"/>
+              <a:rPr lang="en-US" sz="2400" b="1" dirty="0"/>
               <a:t>Results(Trajectories Comparision hardware and Software)</a:t>
             </a:r>
-            <a:endParaRPr lang="en-CA" sz="2400" dirty="0"/>
+            <a:endParaRPr lang="en-CA" sz="2400" b="1" dirty="0"/>
           </a:p>
         </p:txBody>
       </p:sp>
@@ -13649,10 +13655,10 @@
           <a:lstStyle/>
           <a:p>
             <a:r>
-              <a:rPr lang="en-US" sz="2400" dirty="0"/>
+              <a:rPr lang="en-US" sz="2400" b="1" dirty="0"/>
               <a:t>Results</a:t>
             </a:r>
-            <a:endParaRPr lang="en-CA" sz="2400" dirty="0"/>
+            <a:endParaRPr lang="en-CA" sz="2400" b="1" dirty="0"/>
           </a:p>
         </p:txBody>
       </p:sp>
@@ -13762,10 +13768,10 @@
           <a:lstStyle/>
           <a:p>
             <a:r>
-              <a:rPr lang="en-US" sz="2400" dirty="0"/>
+              <a:rPr lang="en-US" sz="2400" b="1" dirty="0"/>
               <a:t>Insights</a:t>
             </a:r>
-            <a:endParaRPr lang="en-CA" sz="2400" dirty="0"/>
+            <a:endParaRPr lang="en-CA" sz="2400" b="1" dirty="0"/>
           </a:p>
         </p:txBody>
       </p:sp>
@@ -14138,10 +14144,10 @@
           <a:lstStyle/>
           <a:p>
             <a:r>
-              <a:rPr lang="en-US" sz="2400" dirty="0"/>
+              <a:rPr lang="en-US" sz="2400" b="1" dirty="0"/>
               <a:t>Dataset and Link to Evaluation Code</a:t>
             </a:r>
-            <a:endParaRPr lang="en-CA" sz="2400" dirty="0"/>
+            <a:endParaRPr lang="en-CA" sz="2400" b="1" dirty="0"/>
           </a:p>
         </p:txBody>
       </p:sp>
@@ -14175,7 +14181,7 @@
           <a:p>
             <a:r>
               <a:rPr lang="en-CA" sz="1600" b="1" dirty="0"/>
-              <a:t>Drug treatment in Mouse</a:t>
+              <a:t>Drug treatment in Mouse (Double Perturbation)</a:t>
             </a:r>
           </a:p>
           <a:p>
@@ -14286,14 +14292,16 @@
         </p:nvSpPr>
         <p:spPr/>
         <p:txBody>
-          <a:bodyPr/>
+          <a:bodyPr>
+            <a:normAutofit/>
+          </a:bodyPr>
           <a:lstStyle/>
           <a:p>
             <a:r>
-              <a:rPr lang="en-US" dirty="0"/>
+              <a:rPr lang="en-US" sz="2400" b="1" dirty="0"/>
               <a:t>Results</a:t>
             </a:r>
-            <a:endParaRPr lang="en-CA" dirty="0"/>
+            <a:endParaRPr lang="en-CA" sz="2400" b="1" dirty="0"/>
           </a:p>
         </p:txBody>
       </p:sp>
@@ -14370,14 +14378,16 @@
         </p:nvSpPr>
         <p:spPr/>
         <p:txBody>
-          <a:bodyPr/>
+          <a:bodyPr>
+            <a:normAutofit/>
+          </a:bodyPr>
           <a:lstStyle/>
           <a:p>
             <a:r>
-              <a:rPr lang="en-US" dirty="0"/>
+              <a:rPr lang="en-US" sz="2400" b="1" dirty="0"/>
               <a:t>Results</a:t>
             </a:r>
-            <a:endParaRPr lang="en-CA" dirty="0"/>
+            <a:endParaRPr lang="en-CA" sz="2400" b="1" dirty="0"/>
           </a:p>
         </p:txBody>
       </p:sp>
@@ -14429,14 +14439,16 @@
         </p:nvSpPr>
         <p:spPr/>
         <p:txBody>
-          <a:bodyPr/>
+          <a:bodyPr>
+            <a:normAutofit/>
+          </a:bodyPr>
           <a:lstStyle/>
           <a:p>
             <a:r>
-              <a:rPr lang="en-US" dirty="0"/>
+              <a:rPr lang="en-US" sz="2400" b="1" dirty="0"/>
               <a:t>Results</a:t>
             </a:r>
-            <a:endParaRPr lang="en-CA" dirty="0"/>
+            <a:endParaRPr lang="en-CA" sz="2400" b="1" dirty="0"/>
           </a:p>
         </p:txBody>
       </p:sp>
@@ -14980,6 +14992,354 @@
     <p:extLst>
       <p:ext uri="{BB962C8B-B14F-4D97-AF65-F5344CB8AC3E}">
         <p14:creationId xmlns:p14="http://schemas.microsoft.com/office/powerpoint/2010/main" val="1202439710"/>
+      </p:ext>
+    </p:extLst>
+  </p:cSld>
+  <p:clrMapOvr>
+    <a:masterClrMapping/>
+  </p:clrMapOvr>
+</p:sld>
+</file>
+
+<file path=ppt/slides/slide25.xml><?xml version="1.0" encoding="utf-8"?>
+<p:sld xmlns:a="http://schemas.openxmlformats.org/drawingml/2006/main" xmlns:r="http://schemas.openxmlformats.org/officeDocument/2006/relationships" xmlns:p="http://schemas.openxmlformats.org/presentationml/2006/main">
+  <p:cSld>
+    <p:spTree>
+      <p:nvGrpSpPr>
+        <p:cNvPr id="1" name=""/>
+        <p:cNvGrpSpPr/>
+        <p:nvPr/>
+      </p:nvGrpSpPr>
+      <p:grpSpPr>
+        <a:xfrm>
+          <a:off x="0" y="0"/>
+          <a:ext cx="0" cy="0"/>
+          <a:chOff x="0" y="0"/>
+          <a:chExt cx="0" cy="0"/>
+        </a:xfrm>
+      </p:grpSpPr>
+      <p:sp>
+        <p:nvSpPr>
+          <p:cNvPr id="2" name="Title 1">
+            <a:extLst>
+              <a:ext uri="{FF2B5EF4-FFF2-40B4-BE49-F238E27FC236}">
+                <a16:creationId xmlns:a16="http://schemas.microsoft.com/office/drawing/2014/main" id="{1947E5A5-573C-90CA-E5BB-90053B8FC229}"/>
+              </a:ext>
+            </a:extLst>
+          </p:cNvPr>
+          <p:cNvSpPr>
+            <a:spLocks noGrp="1"/>
+          </p:cNvSpPr>
+          <p:nvPr>
+            <p:ph type="title"/>
+          </p:nvPr>
+        </p:nvSpPr>
+        <p:spPr/>
+        <p:txBody>
+          <a:bodyPr>
+            <a:normAutofit/>
+          </a:bodyPr>
+          <a:lstStyle/>
+          <a:p>
+            <a:r>
+              <a:rPr lang="en-US" sz="2400" b="1" dirty="0"/>
+              <a:t>Future</a:t>
+            </a:r>
+            <a:endParaRPr lang="en-CA" sz="2400" b="1" dirty="0"/>
+          </a:p>
+        </p:txBody>
+      </p:sp>
+      <p:sp>
+        <p:nvSpPr>
+          <p:cNvPr id="9" name="Rectangle 4">
+            <a:extLst>
+              <a:ext uri="{FF2B5EF4-FFF2-40B4-BE49-F238E27FC236}">
+                <a16:creationId xmlns:a16="http://schemas.microsoft.com/office/drawing/2014/main" id="{5981393E-4D40-A183-4702-E36306975BAF}"/>
+              </a:ext>
+            </a:extLst>
+          </p:cNvPr>
+          <p:cNvSpPr>
+            <a:spLocks noGrp="1" noChangeArrowheads="1"/>
+          </p:cNvSpPr>
+          <p:nvPr>
+            <p:ph idx="1"/>
+          </p:nvPr>
+        </p:nvSpPr>
+        <p:spPr bwMode="auto">
+          <a:xfrm>
+            <a:off x="371857" y="1773047"/>
+            <a:ext cx="10207752" cy="2554545"/>
+          </a:xfrm>
+          <a:prstGeom prst="rect">
+            <a:avLst/>
+          </a:prstGeom>
+          <a:noFill/>
+          <a:ln>
+            <a:noFill/>
+          </a:ln>
+          <a:effectLst/>
+          <a:extLst>
+            <a:ext uri="{909E8E84-426E-40DD-AFC4-6F175D3DCCD1}">
+              <a14:hiddenFill xmlns:a14="http://schemas.microsoft.com/office/drawing/2010/main">
+                <a:solidFill>
+                  <a:schemeClr val="accent1"/>
+                </a:solidFill>
+              </a14:hiddenFill>
+            </a:ext>
+            <a:ext uri="{91240B29-F687-4F45-9708-019B960494DF}">
+              <a14:hiddenLine xmlns:a14="http://schemas.microsoft.com/office/drawing/2010/main" w="9525">
+                <a:solidFill>
+                  <a:schemeClr val="tx1"/>
+                </a:solidFill>
+                <a:miter lim="800000"/>
+                <a:headEnd/>
+                <a:tailEnd/>
+              </a14:hiddenLine>
+            </a:ext>
+            <a:ext uri="{AF507438-7753-43E0-B8FC-AC1667EBCBE1}">
+              <a14:hiddenEffects xmlns:a14="http://schemas.microsoft.com/office/drawing/2010/main">
+                <a:effectLst>
+                  <a:outerShdw dist="35921" dir="2700000" algn="ctr" rotWithShape="0">
+                    <a:schemeClr val="bg2"/>
+                  </a:outerShdw>
+                </a:effectLst>
+              </a14:hiddenEffects>
+            </a:ext>
+          </a:extLst>
+        </p:spPr>
+        <p:txBody>
+          <a:bodyPr vert="horz" wrap="square" lIns="91440" tIns="45720" rIns="91440" bIns="45720" numCol="1" anchor="ctr" anchorCtr="0" compatLnSpc="1">
+            <a:prstTxWarp prst="textNoShape">
+              <a:avLst/>
+            </a:prstTxWarp>
+            <a:spAutoFit/>
+          </a:bodyPr>
+          <a:lstStyle/>
+          <a:p>
+            <a:pPr marL="0" marR="0" lvl="0" indent="0" algn="l" defTabSz="914400" rtl="0" eaLnBrk="0" fontAlgn="base" latinLnBrk="0" hangingPunct="0">
+              <a:lnSpc>
+                <a:spcPct val="100000"/>
+              </a:lnSpc>
+              <a:spcBef>
+                <a:spcPct val="0"/>
+              </a:spcBef>
+              <a:spcAft>
+                <a:spcPct val="0"/>
+              </a:spcAft>
+              <a:buClrTx/>
+              <a:buSzTx/>
+              <a:buNone/>
+              <a:tabLst/>
+            </a:pPr>
+            <a:r>
+              <a:rPr kumimoji="0" lang="en-US" altLang="en-US" sz="1600" b="1" u="none" strike="noStrike" cap="none" normalizeH="0" baseline="0" dirty="0">
+                <a:ln>
+                  <a:noFill/>
+                </a:ln>
+                <a:solidFill>
+                  <a:schemeClr val="tx1"/>
+                </a:solidFill>
+                <a:effectLst/>
+                <a:latin typeface="Arial" panose="020B0604020202020204" pitchFamily="34" charset="0"/>
+              </a:rPr>
+              <a:t>Overfitting control</a:t>
+            </a:r>
+            <a:br>
+              <a:rPr kumimoji="0" lang="en-US" altLang="en-US" sz="1600" u="none" strike="noStrike" cap="none" normalizeH="0" baseline="0" dirty="0">
+                <a:ln>
+                  <a:noFill/>
+                </a:ln>
+                <a:solidFill>
+                  <a:schemeClr val="tx1"/>
+                </a:solidFill>
+                <a:effectLst/>
+                <a:latin typeface="Arial" panose="020B0604020202020204" pitchFamily="34" charset="0"/>
+              </a:rPr>
+            </a:br>
+            <a:r>
+              <a:rPr kumimoji="0" lang="en-US" altLang="en-US" sz="1600" u="none" strike="noStrike" cap="none" normalizeH="0" baseline="0" dirty="0">
+                <a:ln>
+                  <a:noFill/>
+                </a:ln>
+                <a:solidFill>
+                  <a:schemeClr val="tx1"/>
+                </a:solidFill>
+                <a:effectLst/>
+                <a:latin typeface="Arial" panose="020B0604020202020204" pitchFamily="34" charset="0"/>
+              </a:rPr>
+              <a:t>Develop robust strategies to detect and mitigate overfitting between training and evaluation models.</a:t>
+            </a:r>
+          </a:p>
+          <a:p>
+            <a:pPr marL="0" marR="0" lvl="0" indent="0" algn="l" defTabSz="914400" rtl="0" eaLnBrk="0" fontAlgn="base" latinLnBrk="0" hangingPunct="0">
+              <a:lnSpc>
+                <a:spcPct val="100000"/>
+              </a:lnSpc>
+              <a:spcBef>
+                <a:spcPct val="0"/>
+              </a:spcBef>
+              <a:spcAft>
+                <a:spcPct val="0"/>
+              </a:spcAft>
+              <a:buClrTx/>
+              <a:buSzTx/>
+              <a:buNone/>
+              <a:tabLst/>
+            </a:pPr>
+            <a:endParaRPr kumimoji="0" lang="en-US" altLang="en-US" sz="1600" u="none" strike="noStrike" cap="none" normalizeH="0" baseline="0" dirty="0">
+              <a:ln>
+                <a:noFill/>
+              </a:ln>
+              <a:solidFill>
+                <a:schemeClr val="tx1"/>
+              </a:solidFill>
+              <a:effectLst/>
+              <a:latin typeface="Arial" panose="020B0604020202020204" pitchFamily="34" charset="0"/>
+            </a:endParaRPr>
+          </a:p>
+          <a:p>
+            <a:pPr marL="0" marR="0" lvl="0" indent="0" algn="l" defTabSz="914400" rtl="0" eaLnBrk="0" fontAlgn="base" latinLnBrk="0" hangingPunct="0">
+              <a:lnSpc>
+                <a:spcPct val="100000"/>
+              </a:lnSpc>
+              <a:spcBef>
+                <a:spcPct val="0"/>
+              </a:spcBef>
+              <a:spcAft>
+                <a:spcPct val="0"/>
+              </a:spcAft>
+              <a:buClrTx/>
+              <a:buSzTx/>
+              <a:buNone/>
+              <a:tabLst/>
+            </a:pPr>
+            <a:r>
+              <a:rPr kumimoji="0" lang="en-US" altLang="en-US" sz="1600" b="1" u="none" strike="noStrike" cap="none" normalizeH="0" baseline="0" dirty="0">
+                <a:ln>
+                  <a:noFill/>
+                </a:ln>
+                <a:solidFill>
+                  <a:schemeClr val="tx1"/>
+                </a:solidFill>
+                <a:effectLst/>
+                <a:latin typeface="Arial" panose="020B0604020202020204" pitchFamily="34" charset="0"/>
+              </a:rPr>
+              <a:t>Selection of top genes</a:t>
+            </a:r>
+            <a:br>
+              <a:rPr kumimoji="0" lang="en-US" altLang="en-US" sz="1600" u="none" strike="noStrike" cap="none" normalizeH="0" baseline="0" dirty="0">
+                <a:ln>
+                  <a:noFill/>
+                </a:ln>
+                <a:solidFill>
+                  <a:schemeClr val="tx1"/>
+                </a:solidFill>
+                <a:effectLst/>
+                <a:latin typeface="Arial" panose="020B0604020202020204" pitchFamily="34" charset="0"/>
+              </a:rPr>
+            </a:br>
+            <a:r>
+              <a:rPr kumimoji="0" lang="en-US" altLang="en-US" sz="1600" u="none" strike="noStrike" cap="none" normalizeH="0" baseline="0" dirty="0">
+                <a:ln>
+                  <a:noFill/>
+                </a:ln>
+                <a:solidFill>
+                  <a:schemeClr val="tx1"/>
+                </a:solidFill>
+                <a:effectLst/>
+                <a:latin typeface="Arial" panose="020B0604020202020204" pitchFamily="34" charset="0"/>
+              </a:rPr>
+              <a:t>Systematically identify the optimal number of top genes that maximizes predictive performance while preserving biological relevance.</a:t>
+            </a:r>
+          </a:p>
+          <a:p>
+            <a:pPr marL="0" marR="0" lvl="0" indent="0" algn="l" defTabSz="914400" rtl="0" eaLnBrk="0" fontAlgn="base" latinLnBrk="0" hangingPunct="0">
+              <a:lnSpc>
+                <a:spcPct val="100000"/>
+              </a:lnSpc>
+              <a:spcBef>
+                <a:spcPct val="0"/>
+              </a:spcBef>
+              <a:spcAft>
+                <a:spcPct val="0"/>
+              </a:spcAft>
+              <a:buClrTx/>
+              <a:buSzTx/>
+              <a:buNone/>
+              <a:tabLst/>
+            </a:pPr>
+            <a:endParaRPr kumimoji="0" lang="en-US" altLang="en-US" sz="1600" u="none" strike="noStrike" cap="none" normalizeH="0" baseline="0" dirty="0">
+              <a:ln>
+                <a:noFill/>
+              </a:ln>
+              <a:solidFill>
+                <a:schemeClr val="tx1"/>
+              </a:solidFill>
+              <a:effectLst/>
+              <a:latin typeface="Arial" panose="020B0604020202020204" pitchFamily="34" charset="0"/>
+            </a:endParaRPr>
+          </a:p>
+          <a:p>
+            <a:pPr marL="0" marR="0" lvl="0" indent="0" algn="l" defTabSz="914400" rtl="0" eaLnBrk="0" fontAlgn="base" latinLnBrk="0" hangingPunct="0">
+              <a:lnSpc>
+                <a:spcPct val="100000"/>
+              </a:lnSpc>
+              <a:spcBef>
+                <a:spcPct val="0"/>
+              </a:spcBef>
+              <a:spcAft>
+                <a:spcPct val="0"/>
+              </a:spcAft>
+              <a:buClrTx/>
+              <a:buSzTx/>
+              <a:buNone/>
+              <a:tabLst/>
+            </a:pPr>
+            <a:r>
+              <a:rPr kumimoji="0" lang="en-US" altLang="en-US" sz="1600" b="1" u="none" strike="noStrike" cap="none" normalizeH="0" baseline="0" dirty="0">
+                <a:ln>
+                  <a:noFill/>
+                </a:ln>
+                <a:solidFill>
+                  <a:schemeClr val="tx1"/>
+                </a:solidFill>
+                <a:effectLst/>
+                <a:latin typeface="Arial" panose="020B0604020202020204" pitchFamily="34" charset="0"/>
+              </a:rPr>
+              <a:t>In-silico and experimental evaluation datasets</a:t>
+            </a:r>
+            <a:br>
+              <a:rPr kumimoji="0" lang="en-US" altLang="en-US" sz="1600" u="none" strike="noStrike" cap="none" normalizeH="0" baseline="0" dirty="0">
+                <a:ln>
+                  <a:noFill/>
+                </a:ln>
+                <a:solidFill>
+                  <a:schemeClr val="tx1"/>
+                </a:solidFill>
+                <a:effectLst/>
+                <a:latin typeface="Arial" panose="020B0604020202020204" pitchFamily="34" charset="0"/>
+              </a:rPr>
+            </a:br>
+            <a:r>
+              <a:rPr kumimoji="0" lang="en-US" altLang="en-US" sz="1600" u="none" strike="noStrike" cap="none" normalizeH="0" baseline="0" dirty="0">
+                <a:ln>
+                  <a:noFill/>
+                </a:ln>
+                <a:solidFill>
+                  <a:schemeClr val="tx1"/>
+                </a:solidFill>
+                <a:effectLst/>
+                <a:latin typeface="Arial" panose="020B0604020202020204" pitchFamily="34" charset="0"/>
+              </a:rPr>
+              <a:t>Select independent in-silico and experimental out-of-sample datasets for rigorous external validation of the proposed framework.</a:t>
+            </a:r>
+          </a:p>
+        </p:txBody>
+      </p:sp>
+    </p:spTree>
+    <p:extLst>
+      <p:ext uri="{BB962C8B-B14F-4D97-AF65-F5344CB8AC3E}">
+        <p14:creationId xmlns:p14="http://schemas.microsoft.com/office/powerpoint/2010/main" val="2792490115"/>
       </p:ext>
     </p:extLst>
   </p:cSld>

--- a/ppt slides for omic codeathon (1) (1).pptx
+++ b/ppt slides for omic codeathon (1) (1).pptx
@@ -9690,8 +9690,8 @@
         </p:nvSpPr>
         <p:spPr>
           <a:xfrm>
-            <a:off x="1308294" y="478301"/>
-            <a:ext cx="10362731" cy="678224"/>
+            <a:off x="613351" y="396005"/>
+            <a:ext cx="3748338" cy="678224"/>
           </a:xfrm>
         </p:spPr>
         <p:txBody>
@@ -9701,10 +9701,10 @@
           <a:lstStyle/>
           <a:p>
             <a:r>
-              <a:rPr lang="en-US" sz="2400" dirty="0"/>
+              <a:rPr lang="en-US" sz="2400" b="1" dirty="0"/>
               <a:t>RNA Dataset Description</a:t>
             </a:r>
-            <a:endParaRPr lang="en-CA" sz="2400" dirty="0"/>
+            <a:endParaRPr lang="en-CA" sz="2400" b="1" dirty="0"/>
           </a:p>
         </p:txBody>
       </p:sp>
@@ -9967,7 +9967,7 @@
         </p:nvSpPr>
         <p:spPr>
           <a:xfrm>
-            <a:off x="1077350" y="554427"/>
+            <a:off x="838200" y="402576"/>
             <a:ext cx="3536852" cy="556921"/>
           </a:xfrm>
         </p:spPr>
@@ -9978,10 +9978,10 @@
           <a:lstStyle/>
           <a:p>
             <a:r>
-              <a:rPr lang="en-US" sz="2400" dirty="0"/>
-              <a:t>Code link</a:t>
-            </a:r>
-            <a:endParaRPr lang="en-CA" sz="2400" dirty="0"/>
+              <a:rPr lang="en-US" sz="2400" b="1" dirty="0"/>
+              <a:t>Code Link</a:t>
+            </a:r>
+            <a:endParaRPr lang="en-CA" sz="2400" b="1" dirty="0"/>
           </a:p>
         </p:txBody>
       </p:sp>
@@ -15067,7 +15067,7 @@
         </p:nvSpPr>
         <p:spPr bwMode="auto">
           <a:xfrm>
-            <a:off x="371857" y="1773047"/>
+            <a:off x="527305" y="1379855"/>
             <a:ext cx="10207752" cy="2554545"/>
           </a:xfrm>
           <a:prstGeom prst="rect">
@@ -15140,7 +15140,6 @@
                   <a:schemeClr val="tx1"/>
                 </a:solidFill>
                 <a:effectLst/>
-                <a:latin typeface="Arial" panose="020B0604020202020204" pitchFamily="34" charset="0"/>
               </a:rPr>
               <a:t>Overfitting control</a:t>
             </a:r>
@@ -15153,7 +15152,6 @@
                   <a:schemeClr val="tx1"/>
                 </a:solidFill>
                 <a:effectLst/>
-                <a:latin typeface="Arial" panose="020B0604020202020204" pitchFamily="34" charset="0"/>
               </a:rPr>
             </a:br>
             <a:r>
@@ -15165,7 +15163,6 @@
                   <a:schemeClr val="tx1"/>
                 </a:solidFill>
                 <a:effectLst/>
-                <a:latin typeface="Arial" panose="020B0604020202020204" pitchFamily="34" charset="0"/>
               </a:rPr>
               <a:t>Develop robust strategies to detect and mitigate overfitting between training and evaluation models.</a:t>
             </a:r>
@@ -15194,7 +15191,6 @@
                 <a:schemeClr val="tx1"/>
               </a:solidFill>
               <a:effectLst/>
-              <a:latin typeface="Arial" panose="020B0604020202020204" pitchFamily="34" charset="0"/>
             </a:endParaRPr>
           </a:p>
           <a:p>
@@ -15222,7 +15218,6 @@
                   <a:schemeClr val="tx1"/>
                 </a:solidFill>
                 <a:effectLst/>
-                <a:latin typeface="Arial" panose="020B0604020202020204" pitchFamily="34" charset="0"/>
               </a:rPr>
               <a:t>Selection of top genes</a:t>
             </a:r>
@@ -15235,7 +15230,6 @@
                   <a:schemeClr val="tx1"/>
                 </a:solidFill>
                 <a:effectLst/>
-                <a:latin typeface="Arial" panose="020B0604020202020204" pitchFamily="34" charset="0"/>
               </a:rPr>
             </a:br>
             <a:r>
@@ -15247,7 +15241,6 @@
                   <a:schemeClr val="tx1"/>
                 </a:solidFill>
                 <a:effectLst/>
-                <a:latin typeface="Arial" panose="020B0604020202020204" pitchFamily="34" charset="0"/>
               </a:rPr>
               <a:t>Systematically identify the optimal number of top genes that maximizes predictive performance while preserving biological relevance.</a:t>
             </a:r>
@@ -15276,7 +15269,6 @@
                 <a:schemeClr val="tx1"/>
               </a:solidFill>
               <a:effectLst/>
-              <a:latin typeface="Arial" panose="020B0604020202020204" pitchFamily="34" charset="0"/>
             </a:endParaRPr>
           </a:p>
           <a:p>
@@ -15304,7 +15296,6 @@
                   <a:schemeClr val="tx1"/>
                 </a:solidFill>
                 <a:effectLst/>
-                <a:latin typeface="Arial" panose="020B0604020202020204" pitchFamily="34" charset="0"/>
               </a:rPr>
               <a:t>In-silico and experimental evaluation datasets</a:t>
             </a:r>
@@ -15317,7 +15308,6 @@
                   <a:schemeClr val="tx1"/>
                 </a:solidFill>
                 <a:effectLst/>
-                <a:latin typeface="Arial" panose="020B0604020202020204" pitchFamily="34" charset="0"/>
               </a:rPr>
             </a:br>
             <a:r>
@@ -15329,7 +15319,6 @@
                   <a:schemeClr val="tx1"/>
                 </a:solidFill>
                 <a:effectLst/>
-                <a:latin typeface="Arial" panose="020B0604020202020204" pitchFamily="34" charset="0"/>
               </a:rPr>
               <a:t>Select independent in-silico and experimental out-of-sample datasets for rigorous external validation of the proposed framework.</a:t>
             </a:r>
@@ -18608,7 +18597,7 @@
                 <a:latin typeface="Times New Roman" panose="02020603050405020304" pitchFamily="18" charset="0"/>
                 <a:cs typeface="Times New Roman" panose="02020603050405020304" pitchFamily="18" charset="0"/>
               </a:rPr>
-              <a:t>Crispr Knockout</a:t>
+              <a:t>Crispr Knockout (Single Perturbation)</a:t>
             </a:r>
             <a:endParaRPr lang="en-CA" sz="2000" b="1" dirty="0">
               <a:latin typeface="Times New Roman" panose="02020603050405020304" pitchFamily="18" charset="0"/>

--- a/ppt slides for omic codeathon (1) (1).pptx
+++ b/ppt slides for omic codeathon (1) (1).pptx
@@ -5,7 +5,7 @@
     <p:sldMasterId id="2147483660" r:id="rId1"/>
   </p:sldMasterIdLst>
   <p:notesMasterIdLst>
-    <p:notesMasterId r:id="rId27"/>
+    <p:notesMasterId r:id="rId28"/>
   </p:notesMasterIdLst>
   <p:sldIdLst>
     <p:sldId id="256" r:id="rId2"/>
@@ -14,25 +14,26 @@
     <p:sldId id="258" r:id="rId5"/>
     <p:sldId id="263" r:id="rId6"/>
     <p:sldId id="257" r:id="rId7"/>
-    <p:sldId id="268" r:id="rId8"/>
-    <p:sldId id="279" r:id="rId9"/>
-    <p:sldId id="267" r:id="rId10"/>
-    <p:sldId id="269" r:id="rId11"/>
-    <p:sldId id="270" r:id="rId12"/>
-    <p:sldId id="271" r:id="rId13"/>
-    <p:sldId id="274" r:id="rId14"/>
-    <p:sldId id="273" r:id="rId15"/>
-    <p:sldId id="276" r:id="rId16"/>
-    <p:sldId id="278" r:id="rId17"/>
-    <p:sldId id="275" r:id="rId18"/>
-    <p:sldId id="277" r:id="rId19"/>
-    <p:sldId id="280" r:id="rId20"/>
-    <p:sldId id="285" r:id="rId21"/>
-    <p:sldId id="281" r:id="rId22"/>
-    <p:sldId id="282" r:id="rId23"/>
-    <p:sldId id="283" r:id="rId24"/>
-    <p:sldId id="259" r:id="rId25"/>
-    <p:sldId id="286" r:id="rId26"/>
+    <p:sldId id="287" r:id="rId8"/>
+    <p:sldId id="268" r:id="rId9"/>
+    <p:sldId id="279" r:id="rId10"/>
+    <p:sldId id="267" r:id="rId11"/>
+    <p:sldId id="269" r:id="rId12"/>
+    <p:sldId id="270" r:id="rId13"/>
+    <p:sldId id="271" r:id="rId14"/>
+    <p:sldId id="274" r:id="rId15"/>
+    <p:sldId id="273" r:id="rId16"/>
+    <p:sldId id="276" r:id="rId17"/>
+    <p:sldId id="278" r:id="rId18"/>
+    <p:sldId id="275" r:id="rId19"/>
+    <p:sldId id="277" r:id="rId20"/>
+    <p:sldId id="280" r:id="rId21"/>
+    <p:sldId id="285" r:id="rId22"/>
+    <p:sldId id="281" r:id="rId23"/>
+    <p:sldId id="282" r:id="rId24"/>
+    <p:sldId id="283" r:id="rId25"/>
+    <p:sldId id="259" r:id="rId26"/>
+    <p:sldId id="286" r:id="rId27"/>
   </p:sldIdLst>
   <p:sldSz cx="12192000" cy="6858000"/>
   <p:notesSz cx="6858000" cy="9144000"/>
@@ -9677,6 +9678,184 @@
           <p:cNvPr id="2" name="Title 1">
             <a:extLst>
               <a:ext uri="{FF2B5EF4-FFF2-40B4-BE49-F238E27FC236}">
+                <a16:creationId xmlns:a16="http://schemas.microsoft.com/office/drawing/2014/main" id="{5AB318FC-B8B4-6DC6-27B2-A905C899CE22}"/>
+              </a:ext>
+            </a:extLst>
+          </p:cNvPr>
+          <p:cNvSpPr>
+            <a:spLocks noGrp="1"/>
+          </p:cNvSpPr>
+          <p:nvPr>
+            <p:ph type="title"/>
+          </p:nvPr>
+        </p:nvSpPr>
+        <p:spPr/>
+        <p:txBody>
+          <a:bodyPr>
+            <a:normAutofit/>
+          </a:bodyPr>
+          <a:lstStyle/>
+          <a:p>
+            <a:r>
+              <a:rPr lang="en-US" sz="2000" b="1" dirty="0">
+                <a:latin typeface="Times New Roman" panose="02020603050405020304" pitchFamily="18" charset="0"/>
+                <a:cs typeface="Times New Roman" panose="02020603050405020304" pitchFamily="18" charset="0"/>
+              </a:rPr>
+              <a:t>Crispr Knockout (Single Perturbation)</a:t>
+            </a:r>
+            <a:endParaRPr lang="en-CA" sz="2000" b="1" dirty="0">
+              <a:latin typeface="Times New Roman" panose="02020603050405020304" pitchFamily="18" charset="0"/>
+              <a:cs typeface="Times New Roman" panose="02020603050405020304" pitchFamily="18" charset="0"/>
+            </a:endParaRPr>
+          </a:p>
+        </p:txBody>
+      </p:sp>
+      <p:sp>
+        <p:nvSpPr>
+          <p:cNvPr id="3" name="Content Placeholder 2">
+            <a:extLst>
+              <a:ext uri="{FF2B5EF4-FFF2-40B4-BE49-F238E27FC236}">
+                <a16:creationId xmlns:a16="http://schemas.microsoft.com/office/drawing/2014/main" id="{45BCD918-5356-F693-7CC9-A8665A375746}"/>
+              </a:ext>
+            </a:extLst>
+          </p:cNvPr>
+          <p:cNvSpPr>
+            <a:spLocks noGrp="1"/>
+          </p:cNvSpPr>
+          <p:nvPr>
+            <p:ph idx="1"/>
+          </p:nvPr>
+        </p:nvSpPr>
+        <p:spPr>
+          <a:xfrm>
+            <a:off x="765048" y="1533017"/>
+            <a:ext cx="10515600" cy="4351338"/>
+          </a:xfrm>
+        </p:spPr>
+        <p:txBody>
+          <a:bodyPr>
+            <a:normAutofit/>
+          </a:bodyPr>
+          <a:lstStyle/>
+          <a:p>
+            <a:pPr marL="0" indent="0">
+              <a:buNone/>
+            </a:pPr>
+            <a:r>
+              <a:rPr lang="en-CA" sz="1800" b="1" dirty="0" err="1">
+                <a:latin typeface="Times New Roman" panose="02020603050405020304" pitchFamily="18" charset="0"/>
+                <a:cs typeface="Times New Roman" panose="02020603050405020304" pitchFamily="18" charset="0"/>
+              </a:rPr>
+              <a:t>Unperturb</a:t>
+            </a:r>
+            <a:r>
+              <a:rPr lang="en-CA" sz="1800" b="1" dirty="0">
+                <a:latin typeface="Times New Roman" panose="02020603050405020304" pitchFamily="18" charset="0"/>
+                <a:cs typeface="Times New Roman" panose="02020603050405020304" pitchFamily="18" charset="0"/>
+              </a:rPr>
+              <a:t> data (Control Sample) and Perturb data with CRISPRKO</a:t>
+            </a:r>
+          </a:p>
+          <a:p>
+            <a:pPr marL="0" indent="0">
+              <a:buNone/>
+            </a:pPr>
+            <a:endParaRPr lang="en-CA" sz="1800" dirty="0">
+              <a:latin typeface="Times New Roman" panose="02020603050405020304" pitchFamily="18" charset="0"/>
+              <a:cs typeface="Times New Roman" panose="02020603050405020304" pitchFamily="18" charset="0"/>
+            </a:endParaRPr>
+          </a:p>
+          <a:p>
+            <a:pPr marL="0" indent="0">
+              <a:buNone/>
+            </a:pPr>
+            <a:r>
+              <a:rPr lang="en-CA" sz="1800" dirty="0">
+                <a:latin typeface="Times New Roman" panose="02020603050405020304" pitchFamily="18" charset="0"/>
+                <a:cs typeface="Times New Roman" panose="02020603050405020304" pitchFamily="18" charset="0"/>
+              </a:rPr>
+              <a:t>https://www.ncbi.nlm.nih.gov/geo/query/acc.cgi?acc=GSE134139</a:t>
+            </a:r>
+          </a:p>
+          <a:p>
+            <a:pPr marL="0" indent="0">
+              <a:buNone/>
+            </a:pPr>
+            <a:endParaRPr lang="en-CA" sz="1800" dirty="0">
+              <a:latin typeface="Times New Roman" panose="02020603050405020304" pitchFamily="18" charset="0"/>
+              <a:cs typeface="Times New Roman" panose="02020603050405020304" pitchFamily="18" charset="0"/>
+            </a:endParaRPr>
+          </a:p>
+          <a:p>
+            <a:pPr marL="0" indent="0">
+              <a:buNone/>
+            </a:pPr>
+            <a:r>
+              <a:rPr lang="en-CA" sz="1800" dirty="0">
+                <a:latin typeface="Times New Roman" panose="02020603050405020304" pitchFamily="18" charset="0"/>
+                <a:cs typeface="Times New Roman" panose="02020603050405020304" pitchFamily="18" charset="0"/>
+              </a:rPr>
+              <a:t>https://www.ncbi.nlm.nih.gov/geo/query/acc.cgi?acc=GSE156478</a:t>
+            </a:r>
+          </a:p>
+          <a:p>
+            <a:pPr marL="0" indent="0">
+              <a:buNone/>
+            </a:pPr>
+            <a:endParaRPr lang="en-CA" sz="1800" dirty="0">
+              <a:latin typeface="Times New Roman" panose="02020603050405020304" pitchFamily="18" charset="0"/>
+              <a:cs typeface="Times New Roman" panose="02020603050405020304" pitchFamily="18" charset="0"/>
+            </a:endParaRPr>
+          </a:p>
+          <a:p>
+            <a:pPr marL="0" indent="0">
+              <a:buNone/>
+            </a:pPr>
+            <a:r>
+              <a:rPr lang="en-CA" sz="1800" dirty="0">
+                <a:latin typeface="Times New Roman" panose="02020603050405020304" pitchFamily="18" charset="0"/>
+                <a:cs typeface="Times New Roman" panose="02020603050405020304" pitchFamily="18" charset="0"/>
+              </a:rPr>
+              <a:t>https://www.ncbi.nlm.nih.gov/geo/query/acc.cgi?acc=GSE126310</a:t>
+            </a:r>
+          </a:p>
+        </p:txBody>
+      </p:sp>
+    </p:spTree>
+    <p:extLst>
+      <p:ext uri="{BB962C8B-B14F-4D97-AF65-F5344CB8AC3E}">
+        <p14:creationId xmlns:p14="http://schemas.microsoft.com/office/powerpoint/2010/main" val="2998759684"/>
+      </p:ext>
+    </p:extLst>
+  </p:cSld>
+  <p:clrMapOvr>
+    <a:masterClrMapping/>
+  </p:clrMapOvr>
+</p:sld>
+</file>
+
+<file path=ppt/slides/slide11.xml><?xml version="1.0" encoding="utf-8"?>
+<p:sld xmlns:a="http://schemas.openxmlformats.org/drawingml/2006/main" xmlns:r="http://schemas.openxmlformats.org/officeDocument/2006/relationships" xmlns:p="http://schemas.openxmlformats.org/presentationml/2006/main">
+  <p:cSld>
+    <p:spTree>
+      <p:nvGrpSpPr>
+        <p:cNvPr id="1" name=""/>
+        <p:cNvGrpSpPr/>
+        <p:nvPr/>
+      </p:nvGrpSpPr>
+      <p:grpSpPr>
+        <a:xfrm>
+          <a:off x="0" y="0"/>
+          <a:ext cx="0" cy="0"/>
+          <a:chOff x="0" y="0"/>
+          <a:chExt cx="0" cy="0"/>
+        </a:xfrm>
+      </p:grpSpPr>
+      <p:sp>
+        <p:nvSpPr>
+          <p:cNvPr id="2" name="Title 1">
+            <a:extLst>
+              <a:ext uri="{FF2B5EF4-FFF2-40B4-BE49-F238E27FC236}">
                 <a16:creationId xmlns:a16="http://schemas.microsoft.com/office/drawing/2014/main" id="{1D4CB6EF-D17E-D3AB-1F70-4A6C250E10A4}"/>
               </a:ext>
             </a:extLst>
@@ -9932,7 +10111,7 @@
 </p:sld>
 </file>
 
-<file path=ppt/slides/slide11.xml><?xml version="1.0" encoding="utf-8"?>
+<file path=ppt/slides/slide12.xml><?xml version="1.0" encoding="utf-8"?>
 <p:sld xmlns:a="http://schemas.openxmlformats.org/drawingml/2006/main" xmlns:r="http://schemas.openxmlformats.org/officeDocument/2006/relationships" xmlns:p="http://schemas.openxmlformats.org/presentationml/2006/main">
   <p:cSld>
     <p:spTree>
@@ -10057,7 +10236,7 @@
 </p:sld>
 </file>
 
-<file path=ppt/slides/slide12.xml><?xml version="1.0" encoding="utf-8"?>
+<file path=ppt/slides/slide13.xml><?xml version="1.0" encoding="utf-8"?>
 <p:sld xmlns:a="http://schemas.openxmlformats.org/drawingml/2006/main" xmlns:r="http://schemas.openxmlformats.org/officeDocument/2006/relationships" xmlns:p="http://schemas.openxmlformats.org/presentationml/2006/main">
   <p:cSld>
     <p:bg>
@@ -12466,7 +12645,7 @@
 </p:sld>
 </file>
 
-<file path=ppt/slides/slide13.xml><?xml version="1.0" encoding="utf-8"?>
+<file path=ppt/slides/slide14.xml><?xml version="1.0" encoding="utf-8"?>
 <p:sld xmlns:a="http://schemas.openxmlformats.org/drawingml/2006/main" xmlns:r="http://schemas.openxmlformats.org/officeDocument/2006/relationships" xmlns:p="http://schemas.openxmlformats.org/presentationml/2006/main">
   <p:cSld>
     <p:spTree>
@@ -12579,7 +12758,7 @@
 </p:sld>
 </file>
 
-<file path=ppt/slides/slide14.xml><?xml version="1.0" encoding="utf-8"?>
+<file path=ppt/slides/slide15.xml><?xml version="1.0" encoding="utf-8"?>
 <p:sld xmlns:a="http://schemas.openxmlformats.org/drawingml/2006/main" xmlns:r="http://schemas.openxmlformats.org/officeDocument/2006/relationships" xmlns:p="http://schemas.openxmlformats.org/presentationml/2006/main">
   <p:cSld>
     <p:spTree>
@@ -12687,7 +12866,7 @@
 </p:sld>
 </file>
 
-<file path=ppt/slides/slide15.xml><?xml version="1.0" encoding="utf-8"?>
+<file path=ppt/slides/slide16.xml><?xml version="1.0" encoding="utf-8"?>
 <p:sld xmlns:a="http://schemas.openxmlformats.org/drawingml/2006/main" xmlns:r="http://schemas.openxmlformats.org/officeDocument/2006/relationships" xmlns:p="http://schemas.openxmlformats.org/presentationml/2006/main">
   <p:cSld>
     <p:spTree>
@@ -12800,7 +12979,7 @@
 </p:sld>
 </file>
 
-<file path=ppt/slides/slide16.xml><?xml version="1.0" encoding="utf-8"?>
+<file path=ppt/slides/slide17.xml><?xml version="1.0" encoding="utf-8"?>
 <p:sld xmlns:a="http://schemas.openxmlformats.org/drawingml/2006/main" xmlns:r="http://schemas.openxmlformats.org/officeDocument/2006/relationships" xmlns:p="http://schemas.openxmlformats.org/presentationml/2006/main">
   <p:cSld>
     <p:spTree>
@@ -13614,7 +13793,7 @@
 </p:sld>
 </file>
 
-<file path=ppt/slides/slide17.xml><?xml version="1.0" encoding="utf-8"?>
+<file path=ppt/slides/slide18.xml><?xml version="1.0" encoding="utf-8"?>
 <p:sld xmlns:a="http://schemas.openxmlformats.org/drawingml/2006/main" xmlns:r="http://schemas.openxmlformats.org/officeDocument/2006/relationships" xmlns:p="http://schemas.openxmlformats.org/presentationml/2006/main">
   <p:cSld>
     <p:spTree>
@@ -13722,7 +13901,7 @@
 </p:sld>
 </file>
 
-<file path=ppt/slides/slide18.xml><?xml version="1.0" encoding="utf-8"?>
+<file path=ppt/slides/slide19.xml><?xml version="1.0" encoding="utf-8"?>
 <p:sld xmlns:a="http://schemas.openxmlformats.org/drawingml/2006/main" xmlns:r="http://schemas.openxmlformats.org/officeDocument/2006/relationships" xmlns:p="http://schemas.openxmlformats.org/presentationml/2006/main">
   <p:cSld>
     <p:spTree>
@@ -13839,7 +14018,190 @@
 </p:sld>
 </file>
 
-<file path=ppt/slides/slide19.xml><?xml version="1.0" encoding="utf-8"?>
+<file path=ppt/slides/slide2.xml><?xml version="1.0" encoding="utf-8"?>
+<p:sld xmlns:a="http://schemas.openxmlformats.org/drawingml/2006/main" xmlns:r="http://schemas.openxmlformats.org/officeDocument/2006/relationships" xmlns:p="http://schemas.openxmlformats.org/presentationml/2006/main">
+  <p:cSld>
+    <p:spTree>
+      <p:nvGrpSpPr>
+        <p:cNvPr id="1" name=""/>
+        <p:cNvGrpSpPr/>
+        <p:nvPr/>
+      </p:nvGrpSpPr>
+      <p:grpSpPr>
+        <a:xfrm>
+          <a:off x="0" y="0"/>
+          <a:ext cx="0" cy="0"/>
+          <a:chOff x="0" y="0"/>
+          <a:chExt cx="0" cy="0"/>
+        </a:xfrm>
+      </p:grpSpPr>
+      <p:sp>
+        <p:nvSpPr>
+          <p:cNvPr id="2" name="Title 1">
+            <a:extLst>
+              <a:ext uri="{FF2B5EF4-FFF2-40B4-BE49-F238E27FC236}">
+                <a16:creationId xmlns:a16="http://schemas.microsoft.com/office/drawing/2014/main" id="{CC25D40A-C4AE-4876-9C65-DC7AF22BAEA1}"/>
+              </a:ext>
+            </a:extLst>
+          </p:cNvPr>
+          <p:cNvSpPr>
+            <a:spLocks noGrp="1"/>
+          </p:cNvSpPr>
+          <p:nvPr>
+            <p:ph type="title"/>
+          </p:nvPr>
+        </p:nvSpPr>
+        <p:spPr/>
+        <p:txBody>
+          <a:bodyPr>
+            <a:normAutofit/>
+          </a:bodyPr>
+          <a:lstStyle/>
+          <a:p>
+            <a:r>
+              <a:rPr lang="en-US" sz="2400" b="1" dirty="0"/>
+              <a:t>Content</a:t>
+            </a:r>
+            <a:endParaRPr lang="en-CA" sz="2400" b="1" dirty="0"/>
+          </a:p>
+        </p:txBody>
+      </p:sp>
+      <p:sp>
+        <p:nvSpPr>
+          <p:cNvPr id="3" name="Content Placeholder 2">
+            <a:extLst>
+              <a:ext uri="{FF2B5EF4-FFF2-40B4-BE49-F238E27FC236}">
+                <a16:creationId xmlns:a16="http://schemas.microsoft.com/office/drawing/2014/main" id="{9ADDA3F5-0489-F0B1-F817-F5B2DE9FC7F0}"/>
+              </a:ext>
+            </a:extLst>
+          </p:cNvPr>
+          <p:cNvSpPr>
+            <a:spLocks noGrp="1"/>
+          </p:cNvSpPr>
+          <p:nvPr>
+            <p:ph idx="1"/>
+          </p:nvPr>
+        </p:nvSpPr>
+        <p:spPr>
+          <a:xfrm>
+            <a:off x="838200" y="1451537"/>
+            <a:ext cx="10515600" cy="4351338"/>
+          </a:xfrm>
+        </p:spPr>
+        <p:txBody>
+          <a:bodyPr>
+            <a:normAutofit/>
+          </a:bodyPr>
+          <a:lstStyle/>
+          <a:p>
+            <a:r>
+              <a:rPr lang="en-US" sz="2000" dirty="0">
+                <a:latin typeface="Times New Roman" panose="02020603050405020304" pitchFamily="18" charset="0"/>
+                <a:cs typeface="Times New Roman" panose="02020603050405020304" pitchFamily="18" charset="0"/>
+              </a:rPr>
+              <a:t>Background</a:t>
+            </a:r>
+          </a:p>
+          <a:p>
+            <a:r>
+              <a:rPr lang="en-US" sz="2000" dirty="0">
+                <a:latin typeface="Times New Roman" panose="02020603050405020304" pitchFamily="18" charset="0"/>
+                <a:cs typeface="Times New Roman" panose="02020603050405020304" pitchFamily="18" charset="0"/>
+              </a:rPr>
+              <a:t>Gaps in the Research</a:t>
+            </a:r>
+          </a:p>
+          <a:p>
+            <a:r>
+              <a:rPr lang="en-US" sz="2000" dirty="0">
+                <a:latin typeface="Times New Roman" panose="02020603050405020304" pitchFamily="18" charset="0"/>
+                <a:cs typeface="Times New Roman" panose="02020603050405020304" pitchFamily="18" charset="0"/>
+              </a:rPr>
+              <a:t>Proposed Solution</a:t>
+            </a:r>
+          </a:p>
+          <a:p>
+            <a:r>
+              <a:rPr lang="en-US" sz="2000" dirty="0">
+                <a:latin typeface="Times New Roman" panose="02020603050405020304" pitchFamily="18" charset="0"/>
+                <a:cs typeface="Times New Roman" panose="02020603050405020304" pitchFamily="18" charset="0"/>
+              </a:rPr>
+              <a:t>Datasets</a:t>
+            </a:r>
+          </a:p>
+          <a:p>
+            <a:r>
+              <a:rPr lang="en-US" sz="2000" dirty="0">
+                <a:latin typeface="Times New Roman" panose="02020603050405020304" pitchFamily="18" charset="0"/>
+                <a:cs typeface="Times New Roman" panose="02020603050405020304" pitchFamily="18" charset="0"/>
+              </a:rPr>
+              <a:t>System Design (Hardware and Software)</a:t>
+            </a:r>
+          </a:p>
+          <a:p>
+            <a:r>
+              <a:rPr lang="en-US" sz="2000" dirty="0">
+                <a:latin typeface="Times New Roman" panose="02020603050405020304" pitchFamily="18" charset="0"/>
+                <a:cs typeface="Times New Roman" panose="02020603050405020304" pitchFamily="18" charset="0"/>
+              </a:rPr>
+              <a:t>Crisper Knockout Evaluation</a:t>
+            </a:r>
+          </a:p>
+          <a:p>
+            <a:r>
+              <a:rPr lang="en-US" sz="2000" dirty="0">
+                <a:latin typeface="Times New Roman" panose="02020603050405020304" pitchFamily="18" charset="0"/>
+                <a:cs typeface="Times New Roman" panose="02020603050405020304" pitchFamily="18" charset="0"/>
+              </a:rPr>
+              <a:t>Drug Development</a:t>
+            </a:r>
+          </a:p>
+          <a:p>
+            <a:r>
+              <a:rPr lang="en-US" sz="2000" dirty="0">
+                <a:latin typeface="Times New Roman" panose="02020603050405020304" pitchFamily="18" charset="0"/>
+                <a:cs typeface="Times New Roman" panose="02020603050405020304" pitchFamily="18" charset="0"/>
+              </a:rPr>
+              <a:t>Expected Outcome</a:t>
+            </a:r>
+          </a:p>
+          <a:p>
+            <a:r>
+              <a:rPr lang="en-US" sz="2000" dirty="0">
+                <a:latin typeface="Times New Roman" panose="02020603050405020304" pitchFamily="18" charset="0"/>
+                <a:cs typeface="Times New Roman" panose="02020603050405020304" pitchFamily="18" charset="0"/>
+              </a:rPr>
+              <a:t>Future Work</a:t>
+            </a:r>
+          </a:p>
+          <a:p>
+            <a:endParaRPr lang="en-US" sz="2000" dirty="0">
+              <a:latin typeface="Times New Roman" panose="02020603050405020304" pitchFamily="18" charset="0"/>
+              <a:cs typeface="Times New Roman" panose="02020603050405020304" pitchFamily="18" charset="0"/>
+            </a:endParaRPr>
+          </a:p>
+          <a:p>
+            <a:endParaRPr lang="en-CA" sz="2000" dirty="0">
+              <a:latin typeface="Times New Roman" panose="02020603050405020304" pitchFamily="18" charset="0"/>
+              <a:cs typeface="Times New Roman" panose="02020603050405020304" pitchFamily="18" charset="0"/>
+            </a:endParaRPr>
+          </a:p>
+        </p:txBody>
+      </p:sp>
+    </p:spTree>
+    <p:extLst>
+      <p:ext uri="{BB962C8B-B14F-4D97-AF65-F5344CB8AC3E}">
+        <p14:creationId xmlns:p14="http://schemas.microsoft.com/office/powerpoint/2010/main" val="2029428924"/>
+      </p:ext>
+    </p:extLst>
+  </p:cSld>
+  <p:clrMapOvr>
+    <a:masterClrMapping/>
+  </p:clrMapOvr>
+</p:sld>
+</file>
+
+<file path=ppt/slides/slide20.xml><?xml version="1.0" encoding="utf-8"?>
 <p:sld xmlns:a="http://schemas.openxmlformats.org/drawingml/2006/main" xmlns:r="http://schemas.openxmlformats.org/officeDocument/2006/relationships" xmlns:p="http://schemas.openxmlformats.org/presentationml/2006/main">
   <p:cSld>
     <p:spTree>
@@ -13915,190 +14277,7 @@
 </p:sld>
 </file>
 
-<file path=ppt/slides/slide2.xml><?xml version="1.0" encoding="utf-8"?>
-<p:sld xmlns:a="http://schemas.openxmlformats.org/drawingml/2006/main" xmlns:r="http://schemas.openxmlformats.org/officeDocument/2006/relationships" xmlns:p="http://schemas.openxmlformats.org/presentationml/2006/main">
-  <p:cSld>
-    <p:spTree>
-      <p:nvGrpSpPr>
-        <p:cNvPr id="1" name=""/>
-        <p:cNvGrpSpPr/>
-        <p:nvPr/>
-      </p:nvGrpSpPr>
-      <p:grpSpPr>
-        <a:xfrm>
-          <a:off x="0" y="0"/>
-          <a:ext cx="0" cy="0"/>
-          <a:chOff x="0" y="0"/>
-          <a:chExt cx="0" cy="0"/>
-        </a:xfrm>
-      </p:grpSpPr>
-      <p:sp>
-        <p:nvSpPr>
-          <p:cNvPr id="2" name="Title 1">
-            <a:extLst>
-              <a:ext uri="{FF2B5EF4-FFF2-40B4-BE49-F238E27FC236}">
-                <a16:creationId xmlns:a16="http://schemas.microsoft.com/office/drawing/2014/main" id="{CC25D40A-C4AE-4876-9C65-DC7AF22BAEA1}"/>
-              </a:ext>
-            </a:extLst>
-          </p:cNvPr>
-          <p:cNvSpPr>
-            <a:spLocks noGrp="1"/>
-          </p:cNvSpPr>
-          <p:nvPr>
-            <p:ph type="title"/>
-          </p:nvPr>
-        </p:nvSpPr>
-        <p:spPr/>
-        <p:txBody>
-          <a:bodyPr>
-            <a:normAutofit/>
-          </a:bodyPr>
-          <a:lstStyle/>
-          <a:p>
-            <a:r>
-              <a:rPr lang="en-US" sz="2400" b="1" dirty="0"/>
-              <a:t>Content</a:t>
-            </a:r>
-            <a:endParaRPr lang="en-CA" sz="2400" b="1" dirty="0"/>
-          </a:p>
-        </p:txBody>
-      </p:sp>
-      <p:sp>
-        <p:nvSpPr>
-          <p:cNvPr id="3" name="Content Placeholder 2">
-            <a:extLst>
-              <a:ext uri="{FF2B5EF4-FFF2-40B4-BE49-F238E27FC236}">
-                <a16:creationId xmlns:a16="http://schemas.microsoft.com/office/drawing/2014/main" id="{9ADDA3F5-0489-F0B1-F817-F5B2DE9FC7F0}"/>
-              </a:ext>
-            </a:extLst>
-          </p:cNvPr>
-          <p:cNvSpPr>
-            <a:spLocks noGrp="1"/>
-          </p:cNvSpPr>
-          <p:nvPr>
-            <p:ph idx="1"/>
-          </p:nvPr>
-        </p:nvSpPr>
-        <p:spPr>
-          <a:xfrm>
-            <a:off x="838200" y="1451537"/>
-            <a:ext cx="10515600" cy="4351338"/>
-          </a:xfrm>
-        </p:spPr>
-        <p:txBody>
-          <a:bodyPr>
-            <a:normAutofit/>
-          </a:bodyPr>
-          <a:lstStyle/>
-          <a:p>
-            <a:r>
-              <a:rPr lang="en-US" sz="2000" dirty="0">
-                <a:latin typeface="Times New Roman" panose="02020603050405020304" pitchFamily="18" charset="0"/>
-                <a:cs typeface="Times New Roman" panose="02020603050405020304" pitchFamily="18" charset="0"/>
-              </a:rPr>
-              <a:t>Background</a:t>
-            </a:r>
-          </a:p>
-          <a:p>
-            <a:r>
-              <a:rPr lang="en-US" sz="2000" dirty="0">
-                <a:latin typeface="Times New Roman" panose="02020603050405020304" pitchFamily="18" charset="0"/>
-                <a:cs typeface="Times New Roman" panose="02020603050405020304" pitchFamily="18" charset="0"/>
-              </a:rPr>
-              <a:t>Gaps in the Research</a:t>
-            </a:r>
-          </a:p>
-          <a:p>
-            <a:r>
-              <a:rPr lang="en-US" sz="2000" dirty="0">
-                <a:latin typeface="Times New Roman" panose="02020603050405020304" pitchFamily="18" charset="0"/>
-                <a:cs typeface="Times New Roman" panose="02020603050405020304" pitchFamily="18" charset="0"/>
-              </a:rPr>
-              <a:t>Proposed Solution</a:t>
-            </a:r>
-          </a:p>
-          <a:p>
-            <a:r>
-              <a:rPr lang="en-US" sz="2000" dirty="0">
-                <a:latin typeface="Times New Roman" panose="02020603050405020304" pitchFamily="18" charset="0"/>
-                <a:cs typeface="Times New Roman" panose="02020603050405020304" pitchFamily="18" charset="0"/>
-              </a:rPr>
-              <a:t>Datasets</a:t>
-            </a:r>
-          </a:p>
-          <a:p>
-            <a:r>
-              <a:rPr lang="en-US" sz="2000" dirty="0">
-                <a:latin typeface="Times New Roman" panose="02020603050405020304" pitchFamily="18" charset="0"/>
-                <a:cs typeface="Times New Roman" panose="02020603050405020304" pitchFamily="18" charset="0"/>
-              </a:rPr>
-              <a:t>System Design (Hardware and Software)</a:t>
-            </a:r>
-          </a:p>
-          <a:p>
-            <a:r>
-              <a:rPr lang="en-US" sz="2000" dirty="0">
-                <a:latin typeface="Times New Roman" panose="02020603050405020304" pitchFamily="18" charset="0"/>
-                <a:cs typeface="Times New Roman" panose="02020603050405020304" pitchFamily="18" charset="0"/>
-              </a:rPr>
-              <a:t>Crisper Knockout Evaluation</a:t>
-            </a:r>
-          </a:p>
-          <a:p>
-            <a:r>
-              <a:rPr lang="en-US" sz="2000" dirty="0">
-                <a:latin typeface="Times New Roman" panose="02020603050405020304" pitchFamily="18" charset="0"/>
-                <a:cs typeface="Times New Roman" panose="02020603050405020304" pitchFamily="18" charset="0"/>
-              </a:rPr>
-              <a:t>Drug Development</a:t>
-            </a:r>
-          </a:p>
-          <a:p>
-            <a:r>
-              <a:rPr lang="en-US" sz="2000" dirty="0">
-                <a:latin typeface="Times New Roman" panose="02020603050405020304" pitchFamily="18" charset="0"/>
-                <a:cs typeface="Times New Roman" panose="02020603050405020304" pitchFamily="18" charset="0"/>
-              </a:rPr>
-              <a:t>Expected Outcome</a:t>
-            </a:r>
-          </a:p>
-          <a:p>
-            <a:r>
-              <a:rPr lang="en-US" sz="2000" dirty="0">
-                <a:latin typeface="Times New Roman" panose="02020603050405020304" pitchFamily="18" charset="0"/>
-                <a:cs typeface="Times New Roman" panose="02020603050405020304" pitchFamily="18" charset="0"/>
-              </a:rPr>
-              <a:t>Future Work</a:t>
-            </a:r>
-          </a:p>
-          <a:p>
-            <a:endParaRPr lang="en-US" sz="2000" dirty="0">
-              <a:latin typeface="Times New Roman" panose="02020603050405020304" pitchFamily="18" charset="0"/>
-              <a:cs typeface="Times New Roman" panose="02020603050405020304" pitchFamily="18" charset="0"/>
-            </a:endParaRPr>
-          </a:p>
-          <a:p>
-            <a:endParaRPr lang="en-CA" sz="2000" dirty="0">
-              <a:latin typeface="Times New Roman" panose="02020603050405020304" pitchFamily="18" charset="0"/>
-              <a:cs typeface="Times New Roman" panose="02020603050405020304" pitchFamily="18" charset="0"/>
-            </a:endParaRPr>
-          </a:p>
-        </p:txBody>
-      </p:sp>
-    </p:spTree>
-    <p:extLst>
-      <p:ext uri="{BB962C8B-B14F-4D97-AF65-F5344CB8AC3E}">
-        <p14:creationId xmlns:p14="http://schemas.microsoft.com/office/powerpoint/2010/main" val="2029428924"/>
-      </p:ext>
-    </p:extLst>
-  </p:cSld>
-  <p:clrMapOvr>
-    <a:masterClrMapping/>
-  </p:clrMapOvr>
-</p:sld>
-</file>
-
-<file path=ppt/slides/slide20.xml><?xml version="1.0" encoding="utf-8"?>
+<file path=ppt/slides/slide21.xml><?xml version="1.0" encoding="utf-8"?>
 <p:sld xmlns:a="http://schemas.openxmlformats.org/drawingml/2006/main" xmlns:r="http://schemas.openxmlformats.org/officeDocument/2006/relationships" xmlns:p="http://schemas.openxmlformats.org/presentationml/2006/main">
   <p:cSld>
     <p:spTree>
@@ -14257,7 +14436,7 @@
 </p:sld>
 </file>
 
-<file path=ppt/slides/slide21.xml><?xml version="1.0" encoding="utf-8"?>
+<file path=ppt/slides/slide22.xml><?xml version="1.0" encoding="utf-8"?>
 <p:sld xmlns:a="http://schemas.openxmlformats.org/drawingml/2006/main" xmlns:r="http://schemas.openxmlformats.org/officeDocument/2006/relationships" xmlns:p="http://schemas.openxmlformats.org/presentationml/2006/main">
   <p:cSld>
     <p:spTree>
@@ -14343,7 +14522,7 @@
 </p:sld>
 </file>
 
-<file path=ppt/slides/slide22.xml><?xml version="1.0" encoding="utf-8"?>
+<file path=ppt/slides/slide23.xml><?xml version="1.0" encoding="utf-8"?>
 <p:sld xmlns:a="http://schemas.openxmlformats.org/drawingml/2006/main" xmlns:r="http://schemas.openxmlformats.org/officeDocument/2006/relationships" xmlns:p="http://schemas.openxmlformats.org/presentationml/2006/main">
   <p:cSld>
     <p:spTree>
@@ -14404,7 +14583,7 @@
 </p:sld>
 </file>
 
-<file path=ppt/slides/slide23.xml><?xml version="1.0" encoding="utf-8"?>
+<file path=ppt/slides/slide24.xml><?xml version="1.0" encoding="utf-8"?>
 <p:sld xmlns:a="http://schemas.openxmlformats.org/drawingml/2006/main" xmlns:r="http://schemas.openxmlformats.org/officeDocument/2006/relationships" xmlns:p="http://schemas.openxmlformats.org/presentationml/2006/main">
   <p:cSld>
     <p:spTree>
@@ -14490,7 +14669,7 @@
 </p:sld>
 </file>
 
-<file path=ppt/slides/slide24.xml><?xml version="1.0" encoding="utf-8"?>
+<file path=ppt/slides/slide25.xml><?xml version="1.0" encoding="utf-8"?>
 <p:sld xmlns:a="http://schemas.openxmlformats.org/drawingml/2006/main" xmlns:r="http://schemas.openxmlformats.org/officeDocument/2006/relationships" xmlns:p="http://schemas.openxmlformats.org/presentationml/2006/main">
   <p:cSld>
     <p:bg>
@@ -15001,7 +15180,7 @@
 </p:sld>
 </file>
 
-<file path=ppt/slides/slide25.xml><?xml version="1.0" encoding="utf-8"?>
+<file path=ppt/slides/slide26.xml><?xml version="1.0" encoding="utf-8"?>
 <p:sld xmlns:a="http://schemas.openxmlformats.org/drawingml/2006/main" xmlns:r="http://schemas.openxmlformats.org/officeDocument/2006/relationships" xmlns:p="http://schemas.openxmlformats.org/presentationml/2006/main">
   <p:cSld>
     <p:spTree>
@@ -16385,10 +16564,15 @@
             <p:ph type="title"/>
           </p:nvPr>
         </p:nvSpPr>
-        <p:spPr/>
+        <p:spPr>
+          <a:xfrm>
+            <a:off x="838200" y="365125"/>
+            <a:ext cx="10515600" cy="905891"/>
+          </a:xfrm>
+        </p:spPr>
         <p:txBody>
           <a:bodyPr>
-            <a:normAutofit/>
+            <a:normAutofit fontScale="90000"/>
           </a:bodyPr>
           <a:lstStyle/>
           <a:p>
@@ -16397,7 +16581,7 @@
                 <a:latin typeface="Times New Roman" panose="02020603050405020304" pitchFamily="18" charset="0"/>
                 <a:cs typeface="Times New Roman" panose="02020603050405020304" pitchFamily="18" charset="0"/>
               </a:rPr>
-              <a:t>Using Initialization Strategies to Address Nonlinearity in Developmental Biology</a:t>
+              <a:t>Proposed Solution: Using Initialization Strategies to Address Nonlinearity in Developmental Biology</a:t>
             </a:r>
             <a:br>
               <a:rPr lang="en-CA" b="1" dirty="0"/>
@@ -16988,8 +17172,8 @@
         </p:nvSpPr>
         <p:spPr>
           <a:xfrm>
-            <a:off x="1043631" y="809898"/>
-            <a:ext cx="10173010" cy="1554480"/>
+            <a:off x="803503" y="1410790"/>
+            <a:ext cx="5435634" cy="881742"/>
           </a:xfrm>
         </p:spPr>
         <p:txBody>
@@ -17172,6 +17356,692 @@
 </file>
 
 <file path=ppt/slides/slide7.xml><?xml version="1.0" encoding="utf-8"?>
+<p:sld xmlns:a="http://schemas.openxmlformats.org/drawingml/2006/main" xmlns:r="http://schemas.openxmlformats.org/officeDocument/2006/relationships" xmlns:p="http://schemas.openxmlformats.org/presentationml/2006/main">
+  <p:cSld>
+    <p:spTree>
+      <p:nvGrpSpPr>
+        <p:cNvPr id="1" name=""/>
+        <p:cNvGrpSpPr/>
+        <p:nvPr/>
+      </p:nvGrpSpPr>
+      <p:grpSpPr>
+        <a:xfrm>
+          <a:off x="0" y="0"/>
+          <a:ext cx="0" cy="0"/>
+          <a:chOff x="0" y="0"/>
+          <a:chExt cx="0" cy="0"/>
+        </a:xfrm>
+      </p:grpSpPr>
+      <p:sp>
+        <p:nvSpPr>
+          <p:cNvPr id="2" name="Title 1">
+            <a:extLst>
+              <a:ext uri="{FF2B5EF4-FFF2-40B4-BE49-F238E27FC236}">
+                <a16:creationId xmlns:a16="http://schemas.microsoft.com/office/drawing/2014/main" id="{D2F41825-950B-4DF9-D496-BFE44B154E5A}"/>
+              </a:ext>
+            </a:extLst>
+          </p:cNvPr>
+          <p:cNvSpPr>
+            <a:spLocks noGrp="1"/>
+          </p:cNvSpPr>
+          <p:nvPr>
+            <p:ph type="title"/>
+          </p:nvPr>
+        </p:nvSpPr>
+        <p:spPr>
+          <a:xfrm>
+            <a:off x="957072" y="365125"/>
+            <a:ext cx="8854440" cy="567880"/>
+          </a:xfrm>
+        </p:spPr>
+        <p:txBody>
+          <a:bodyPr>
+            <a:normAutofit/>
+          </a:bodyPr>
+          <a:lstStyle/>
+          <a:p>
+            <a:r>
+              <a:rPr lang="en-US" sz="2400" dirty="0">
+                <a:latin typeface="Times New Roman" panose="02020603050405020304" pitchFamily="18" charset="0"/>
+                <a:cs typeface="Times New Roman" panose="02020603050405020304" pitchFamily="18" charset="0"/>
+              </a:rPr>
+              <a:t>Sample Data Example</a:t>
+            </a:r>
+            <a:endParaRPr lang="en-CA" sz="2400" dirty="0">
+              <a:latin typeface="Times New Roman" panose="02020603050405020304" pitchFamily="18" charset="0"/>
+              <a:cs typeface="Times New Roman" panose="02020603050405020304" pitchFamily="18" charset="0"/>
+            </a:endParaRPr>
+          </a:p>
+        </p:txBody>
+      </p:sp>
+      <p:sp>
+        <p:nvSpPr>
+          <p:cNvPr id="4" name="Rectangle 3">
+            <a:extLst>
+              <a:ext uri="{FF2B5EF4-FFF2-40B4-BE49-F238E27FC236}">
+                <a16:creationId xmlns:a16="http://schemas.microsoft.com/office/drawing/2014/main" id="{12BF0DCB-31DC-4691-C5AF-182AE0E3E25E}"/>
+              </a:ext>
+            </a:extLst>
+          </p:cNvPr>
+          <p:cNvSpPr/>
+          <p:nvPr/>
+        </p:nvSpPr>
+        <p:spPr>
+          <a:xfrm>
+            <a:off x="4219956" y="1224344"/>
+            <a:ext cx="2328672" cy="567880"/>
+          </a:xfrm>
+          <a:prstGeom prst="rect">
+            <a:avLst/>
+          </a:prstGeom>
+          <a:noFill/>
+          <a:ln w="28575"/>
+        </p:spPr>
+        <p:style>
+          <a:lnRef idx="2">
+            <a:schemeClr val="accent1">
+              <a:shade val="15000"/>
+            </a:schemeClr>
+          </a:lnRef>
+          <a:fillRef idx="1">
+            <a:schemeClr val="accent1"/>
+          </a:fillRef>
+          <a:effectRef idx="0">
+            <a:schemeClr val="accent1"/>
+          </a:effectRef>
+          <a:fontRef idx="minor">
+            <a:schemeClr val="lt1"/>
+          </a:fontRef>
+        </p:style>
+        <p:txBody>
+          <a:bodyPr rtlCol="0" anchor="ctr"/>
+          <a:lstStyle/>
+          <a:p>
+            <a:pPr algn="ctr"/>
+            <a:endParaRPr lang="en-CA"/>
+          </a:p>
+        </p:txBody>
+      </p:sp>
+      <p:sp>
+        <p:nvSpPr>
+          <p:cNvPr id="5" name="Rectangle 4">
+            <a:extLst>
+              <a:ext uri="{FF2B5EF4-FFF2-40B4-BE49-F238E27FC236}">
+                <a16:creationId xmlns:a16="http://schemas.microsoft.com/office/drawing/2014/main" id="{4098330F-D621-8D07-B793-CD09837D3D87}"/>
+              </a:ext>
+            </a:extLst>
+          </p:cNvPr>
+          <p:cNvSpPr/>
+          <p:nvPr/>
+        </p:nvSpPr>
+        <p:spPr>
+          <a:xfrm>
+            <a:off x="1339596" y="3128676"/>
+            <a:ext cx="3639312" cy="1187291"/>
+          </a:xfrm>
+          <a:prstGeom prst="rect">
+            <a:avLst/>
+          </a:prstGeom>
+          <a:noFill/>
+          <a:ln w="28575"/>
+        </p:spPr>
+        <p:style>
+          <a:lnRef idx="2">
+            <a:schemeClr val="accent1">
+              <a:shade val="15000"/>
+            </a:schemeClr>
+          </a:lnRef>
+          <a:fillRef idx="1">
+            <a:schemeClr val="accent1"/>
+          </a:fillRef>
+          <a:effectRef idx="0">
+            <a:schemeClr val="accent1"/>
+          </a:effectRef>
+          <a:fontRef idx="minor">
+            <a:schemeClr val="lt1"/>
+          </a:fontRef>
+        </p:style>
+        <p:txBody>
+          <a:bodyPr rtlCol="0" anchor="ctr"/>
+          <a:lstStyle/>
+          <a:p>
+            <a:pPr algn="ctr"/>
+            <a:endParaRPr lang="en-CA"/>
+          </a:p>
+        </p:txBody>
+      </p:sp>
+      <p:sp>
+        <p:nvSpPr>
+          <p:cNvPr id="6" name="Rectangle 5">
+            <a:extLst>
+              <a:ext uri="{FF2B5EF4-FFF2-40B4-BE49-F238E27FC236}">
+                <a16:creationId xmlns:a16="http://schemas.microsoft.com/office/drawing/2014/main" id="{04AE21EF-0D2C-A105-3DC4-2AE8EFD81FF1}"/>
+              </a:ext>
+            </a:extLst>
+          </p:cNvPr>
+          <p:cNvSpPr/>
+          <p:nvPr/>
+        </p:nvSpPr>
+        <p:spPr>
+          <a:xfrm>
+            <a:off x="6548628" y="3128676"/>
+            <a:ext cx="3389376" cy="1187291"/>
+          </a:xfrm>
+          <a:prstGeom prst="rect">
+            <a:avLst/>
+          </a:prstGeom>
+          <a:noFill/>
+          <a:ln w="28575"/>
+        </p:spPr>
+        <p:style>
+          <a:lnRef idx="2">
+            <a:schemeClr val="accent1">
+              <a:shade val="15000"/>
+            </a:schemeClr>
+          </a:lnRef>
+          <a:fillRef idx="1">
+            <a:schemeClr val="accent1"/>
+          </a:fillRef>
+          <a:effectRef idx="0">
+            <a:schemeClr val="accent1"/>
+          </a:effectRef>
+          <a:fontRef idx="minor">
+            <a:schemeClr val="lt1"/>
+          </a:fontRef>
+        </p:style>
+        <p:txBody>
+          <a:bodyPr rtlCol="0" anchor="ctr"/>
+          <a:lstStyle/>
+          <a:p>
+            <a:pPr algn="ctr"/>
+            <a:endParaRPr lang="en-CA"/>
+          </a:p>
+        </p:txBody>
+      </p:sp>
+      <p:sp>
+        <p:nvSpPr>
+          <p:cNvPr id="8" name="TextBox 7">
+            <a:extLst>
+              <a:ext uri="{FF2B5EF4-FFF2-40B4-BE49-F238E27FC236}">
+                <a16:creationId xmlns:a16="http://schemas.microsoft.com/office/drawing/2014/main" id="{31C85E2A-3BE4-F0E0-9586-59B05C470399}"/>
+              </a:ext>
+            </a:extLst>
+          </p:cNvPr>
+          <p:cNvSpPr txBox="1"/>
+          <p:nvPr/>
+        </p:nvSpPr>
+        <p:spPr>
+          <a:xfrm>
+            <a:off x="2094357" y="6308209"/>
+            <a:ext cx="7477506" cy="369332"/>
+          </a:xfrm>
+          <a:prstGeom prst="rect">
+            <a:avLst/>
+          </a:prstGeom>
+          <a:noFill/>
+        </p:spPr>
+        <p:txBody>
+          <a:bodyPr wrap="square">
+            <a:spAutoFit/>
+          </a:bodyPr>
+          <a:lstStyle/>
+          <a:p>
+            <a:r>
+              <a:rPr lang="en-CA" dirty="0"/>
+              <a:t>https://www.ncbi.nlm.nih.gov/geo/query/acc.cgi?acc=GSE134139</a:t>
+            </a:r>
+          </a:p>
+        </p:txBody>
+      </p:sp>
+      <p:cxnSp>
+        <p:nvCxnSpPr>
+          <p:cNvPr id="10" name="Straight Arrow Connector 9">
+            <a:extLst>
+              <a:ext uri="{FF2B5EF4-FFF2-40B4-BE49-F238E27FC236}">
+                <a16:creationId xmlns:a16="http://schemas.microsoft.com/office/drawing/2014/main" id="{6958431A-A2CE-BA66-CF54-CE30D7FFFF3E}"/>
+              </a:ext>
+            </a:extLst>
+          </p:cNvPr>
+          <p:cNvCxnSpPr>
+            <a:cxnSpLocks/>
+            <a:stCxn id="4" idx="2"/>
+            <a:endCxn id="5" idx="0"/>
+          </p:cNvCxnSpPr>
+          <p:nvPr/>
+        </p:nvCxnSpPr>
+        <p:spPr>
+          <a:xfrm flipH="1">
+            <a:off x="3159252" y="1792224"/>
+            <a:ext cx="2225040" cy="1336452"/>
+          </a:xfrm>
+          <a:prstGeom prst="straightConnector1">
+            <a:avLst/>
+          </a:prstGeom>
+          <a:ln w="38100">
+            <a:tailEnd type="triangle"/>
+          </a:ln>
+        </p:spPr>
+        <p:style>
+          <a:lnRef idx="1">
+            <a:schemeClr val="accent1"/>
+          </a:lnRef>
+          <a:fillRef idx="0">
+            <a:schemeClr val="accent1"/>
+          </a:fillRef>
+          <a:effectRef idx="0">
+            <a:schemeClr val="accent1"/>
+          </a:effectRef>
+          <a:fontRef idx="minor">
+            <a:schemeClr val="tx1"/>
+          </a:fontRef>
+        </p:style>
+      </p:cxnSp>
+      <p:cxnSp>
+        <p:nvCxnSpPr>
+          <p:cNvPr id="12" name="Straight Arrow Connector 11">
+            <a:extLst>
+              <a:ext uri="{FF2B5EF4-FFF2-40B4-BE49-F238E27FC236}">
+                <a16:creationId xmlns:a16="http://schemas.microsoft.com/office/drawing/2014/main" id="{FE13FE5E-3197-F346-F644-8DD6F8D9580B}"/>
+              </a:ext>
+            </a:extLst>
+          </p:cNvPr>
+          <p:cNvCxnSpPr>
+            <a:cxnSpLocks/>
+            <a:stCxn id="4" idx="2"/>
+            <a:endCxn id="6" idx="0"/>
+          </p:cNvCxnSpPr>
+          <p:nvPr/>
+        </p:nvCxnSpPr>
+        <p:spPr>
+          <a:xfrm>
+            <a:off x="5384292" y="1792224"/>
+            <a:ext cx="2859024" cy="1336452"/>
+          </a:xfrm>
+          <a:prstGeom prst="straightConnector1">
+            <a:avLst/>
+          </a:prstGeom>
+          <a:ln w="38100">
+            <a:tailEnd type="triangle"/>
+          </a:ln>
+        </p:spPr>
+        <p:style>
+          <a:lnRef idx="1">
+            <a:schemeClr val="accent1"/>
+          </a:lnRef>
+          <a:fillRef idx="0">
+            <a:schemeClr val="accent1"/>
+          </a:fillRef>
+          <a:effectRef idx="0">
+            <a:schemeClr val="accent1"/>
+          </a:effectRef>
+          <a:fontRef idx="minor">
+            <a:schemeClr val="tx1"/>
+          </a:fontRef>
+        </p:style>
+      </p:cxnSp>
+      <p:sp>
+        <p:nvSpPr>
+          <p:cNvPr id="14" name="TextBox 13">
+            <a:extLst>
+              <a:ext uri="{FF2B5EF4-FFF2-40B4-BE49-F238E27FC236}">
+                <a16:creationId xmlns:a16="http://schemas.microsoft.com/office/drawing/2014/main" id="{D1132621-C0E9-D945-9AC2-E637B85C32FF}"/>
+              </a:ext>
+            </a:extLst>
+          </p:cNvPr>
+          <p:cNvSpPr txBox="1"/>
+          <p:nvPr/>
+        </p:nvSpPr>
+        <p:spPr>
+          <a:xfrm>
+            <a:off x="4715797" y="1323618"/>
+            <a:ext cx="1250663" cy="369332"/>
+          </a:xfrm>
+          <a:prstGeom prst="rect">
+            <a:avLst/>
+          </a:prstGeom>
+          <a:noFill/>
+        </p:spPr>
+        <p:txBody>
+          <a:bodyPr wrap="none" rtlCol="0">
+            <a:spAutoFit/>
+          </a:bodyPr>
+          <a:lstStyle/>
+          <a:p>
+            <a:r>
+              <a:rPr lang="en-US" dirty="0"/>
+              <a:t>GSE134139</a:t>
+            </a:r>
+            <a:endParaRPr lang="en-CA" dirty="0"/>
+          </a:p>
+        </p:txBody>
+      </p:sp>
+      <p:sp>
+        <p:nvSpPr>
+          <p:cNvPr id="17" name="TextBox 16">
+            <a:extLst>
+              <a:ext uri="{FF2B5EF4-FFF2-40B4-BE49-F238E27FC236}">
+                <a16:creationId xmlns:a16="http://schemas.microsoft.com/office/drawing/2014/main" id="{0B290553-83E6-1403-C1B2-484CFA69451E}"/>
+              </a:ext>
+            </a:extLst>
+          </p:cNvPr>
+          <p:cNvSpPr txBox="1"/>
+          <p:nvPr/>
+        </p:nvSpPr>
+        <p:spPr>
+          <a:xfrm>
+            <a:off x="1419716" y="3290675"/>
+            <a:ext cx="3306097" cy="811761"/>
+          </a:xfrm>
+          <a:prstGeom prst="rect">
+            <a:avLst/>
+          </a:prstGeom>
+          <a:noFill/>
+        </p:spPr>
+        <p:txBody>
+          <a:bodyPr wrap="square">
+            <a:spAutoFit/>
+          </a:bodyPr>
+          <a:lstStyle/>
+          <a:p>
+            <a:pPr>
+              <a:lnSpc>
+                <a:spcPts val="1425"/>
+              </a:lnSpc>
+              <a:buNone/>
+            </a:pPr>
+            <a:r>
+              <a:rPr lang="en-CA" sz="1200" b="0" dirty="0">
+                <a:solidFill>
+                  <a:srgbClr val="000000"/>
+                </a:solidFill>
+                <a:effectLst/>
+                <a:latin typeface="Courier New" panose="02070309020205020404" pitchFamily="49" charset="0"/>
+              </a:rPr>
+              <a:t>CTRL_MATRIX = </a:t>
+            </a:r>
+            <a:r>
+              <a:rPr lang="en-CA" sz="1200" b="0" dirty="0">
+                <a:solidFill>
+                  <a:srgbClr val="A31515"/>
+                </a:solidFill>
+                <a:effectLst/>
+                <a:latin typeface="Courier New" panose="02070309020205020404" pitchFamily="49" charset="0"/>
+              </a:rPr>
+              <a:t>"GSM3937878_ctrl_matrix.mtx"</a:t>
+            </a:r>
+            <a:endParaRPr lang="en-CA" sz="1200" b="0" dirty="0">
+              <a:solidFill>
+                <a:srgbClr val="000000"/>
+              </a:solidFill>
+              <a:effectLst/>
+              <a:latin typeface="Courier New" panose="02070309020205020404" pitchFamily="49" charset="0"/>
+            </a:endParaRPr>
+          </a:p>
+          <a:p>
+            <a:pPr>
+              <a:lnSpc>
+                <a:spcPts val="1425"/>
+              </a:lnSpc>
+              <a:buNone/>
+            </a:pPr>
+            <a:r>
+              <a:rPr lang="en-CA" sz="1200" b="0" dirty="0">
+                <a:solidFill>
+                  <a:srgbClr val="000000"/>
+                </a:solidFill>
+                <a:effectLst/>
+                <a:latin typeface="Courier New" panose="02070309020205020404" pitchFamily="49" charset="0"/>
+              </a:rPr>
+              <a:t>CTRL_FEAT   = </a:t>
+            </a:r>
+            <a:r>
+              <a:rPr lang="en-CA" sz="1200" b="0" dirty="0">
+                <a:solidFill>
+                  <a:srgbClr val="A31515"/>
+                </a:solidFill>
+                <a:effectLst/>
+                <a:latin typeface="Courier New" panose="02070309020205020404" pitchFamily="49" charset="0"/>
+              </a:rPr>
+              <a:t>"GSM3937878_ctrl_features.tsv"</a:t>
+            </a:r>
+            <a:endParaRPr lang="en-CA" sz="1200" b="0" dirty="0">
+              <a:solidFill>
+                <a:srgbClr val="000000"/>
+              </a:solidFill>
+              <a:effectLst/>
+              <a:latin typeface="Courier New" panose="02070309020205020404" pitchFamily="49" charset="0"/>
+            </a:endParaRPr>
+          </a:p>
+        </p:txBody>
+      </p:sp>
+      <p:sp>
+        <p:nvSpPr>
+          <p:cNvPr id="26" name="TextBox 25">
+            <a:extLst>
+              <a:ext uri="{FF2B5EF4-FFF2-40B4-BE49-F238E27FC236}">
+                <a16:creationId xmlns:a16="http://schemas.microsoft.com/office/drawing/2014/main" id="{13E1C20D-9488-BC28-02EE-7427FD63BA08}"/>
+              </a:ext>
+            </a:extLst>
+          </p:cNvPr>
+          <p:cNvSpPr txBox="1"/>
+          <p:nvPr/>
+        </p:nvSpPr>
+        <p:spPr>
+          <a:xfrm>
+            <a:off x="6635115" y="3290675"/>
+            <a:ext cx="3389376" cy="811761"/>
+          </a:xfrm>
+          <a:prstGeom prst="rect">
+            <a:avLst/>
+          </a:prstGeom>
+          <a:noFill/>
+        </p:spPr>
+        <p:txBody>
+          <a:bodyPr wrap="square">
+            <a:spAutoFit/>
+          </a:bodyPr>
+          <a:lstStyle/>
+          <a:p>
+            <a:pPr>
+              <a:lnSpc>
+                <a:spcPts val="1425"/>
+              </a:lnSpc>
+              <a:buNone/>
+            </a:pPr>
+            <a:r>
+              <a:rPr lang="en-CA" sz="1200" b="0" dirty="0">
+                <a:solidFill>
+                  <a:srgbClr val="000000"/>
+                </a:solidFill>
+                <a:effectLst/>
+                <a:latin typeface="Courier New" panose="02070309020205020404" pitchFamily="49" charset="0"/>
+              </a:rPr>
+              <a:t>PTPN2_MATRIX = </a:t>
+            </a:r>
+            <a:r>
+              <a:rPr lang="en-CA" sz="1200" b="0" dirty="0">
+                <a:solidFill>
+                  <a:srgbClr val="A31515"/>
+                </a:solidFill>
+                <a:effectLst/>
+                <a:latin typeface="Courier New" panose="02070309020205020404" pitchFamily="49" charset="0"/>
+              </a:rPr>
+              <a:t>"GSM3937879_Ptpn2_matrix.mtx"</a:t>
+            </a:r>
+            <a:endParaRPr lang="en-CA" sz="1200" b="0" dirty="0">
+              <a:solidFill>
+                <a:srgbClr val="000000"/>
+              </a:solidFill>
+              <a:effectLst/>
+              <a:latin typeface="Courier New" panose="02070309020205020404" pitchFamily="49" charset="0"/>
+            </a:endParaRPr>
+          </a:p>
+          <a:p>
+            <a:pPr>
+              <a:lnSpc>
+                <a:spcPts val="1425"/>
+              </a:lnSpc>
+              <a:buNone/>
+            </a:pPr>
+            <a:r>
+              <a:rPr lang="en-CA" sz="1200" b="0" dirty="0">
+                <a:solidFill>
+                  <a:srgbClr val="000000"/>
+                </a:solidFill>
+                <a:effectLst/>
+                <a:latin typeface="Courier New" panose="02070309020205020404" pitchFamily="49" charset="0"/>
+              </a:rPr>
+              <a:t>PTPN2_FEAT   = </a:t>
+            </a:r>
+            <a:r>
+              <a:rPr lang="en-CA" sz="1200" b="0" dirty="0">
+                <a:solidFill>
+                  <a:srgbClr val="A31515"/>
+                </a:solidFill>
+                <a:effectLst/>
+                <a:latin typeface="Courier New" panose="02070309020205020404" pitchFamily="49" charset="0"/>
+              </a:rPr>
+              <a:t>"GSM3937879_Ptpn2_features.tsv"</a:t>
+            </a:r>
+            <a:endParaRPr lang="en-CA" sz="1200" b="0" dirty="0">
+              <a:solidFill>
+                <a:srgbClr val="000000"/>
+              </a:solidFill>
+              <a:effectLst/>
+              <a:latin typeface="Courier New" panose="02070309020205020404" pitchFamily="49" charset="0"/>
+            </a:endParaRPr>
+          </a:p>
+        </p:txBody>
+      </p:sp>
+      <p:sp>
+        <p:nvSpPr>
+          <p:cNvPr id="27" name="TextBox 26">
+            <a:extLst>
+              <a:ext uri="{FF2B5EF4-FFF2-40B4-BE49-F238E27FC236}">
+                <a16:creationId xmlns:a16="http://schemas.microsoft.com/office/drawing/2014/main" id="{610377D2-2FB5-2A56-A1EC-1D4CD85F2FFB}"/>
+              </a:ext>
+            </a:extLst>
+          </p:cNvPr>
+          <p:cNvSpPr txBox="1"/>
+          <p:nvPr/>
+        </p:nvSpPr>
+        <p:spPr>
+          <a:xfrm>
+            <a:off x="2261997" y="4315967"/>
+            <a:ext cx="1621534" cy="369332"/>
+          </a:xfrm>
+          <a:prstGeom prst="rect">
+            <a:avLst/>
+          </a:prstGeom>
+          <a:noFill/>
+        </p:spPr>
+        <p:txBody>
+          <a:bodyPr wrap="none" rtlCol="0">
+            <a:spAutoFit/>
+          </a:bodyPr>
+          <a:lstStyle/>
+          <a:p>
+            <a:r>
+              <a:rPr lang="en-US" dirty="0"/>
+              <a:t>Control Sample</a:t>
+            </a:r>
+            <a:endParaRPr lang="en-CA" dirty="0"/>
+          </a:p>
+        </p:txBody>
+      </p:sp>
+      <p:sp>
+        <p:nvSpPr>
+          <p:cNvPr id="28" name="TextBox 27">
+            <a:extLst>
+              <a:ext uri="{FF2B5EF4-FFF2-40B4-BE49-F238E27FC236}">
+                <a16:creationId xmlns:a16="http://schemas.microsoft.com/office/drawing/2014/main" id="{92ABE879-518D-9B41-10C7-F77948CE6867}"/>
+              </a:ext>
+            </a:extLst>
+          </p:cNvPr>
+          <p:cNvSpPr txBox="1"/>
+          <p:nvPr/>
+        </p:nvSpPr>
+        <p:spPr>
+          <a:xfrm>
+            <a:off x="7391790" y="4315967"/>
+            <a:ext cx="1876026" cy="369332"/>
+          </a:xfrm>
+          <a:prstGeom prst="rect">
+            <a:avLst/>
+          </a:prstGeom>
+          <a:noFill/>
+        </p:spPr>
+        <p:txBody>
+          <a:bodyPr wrap="none" rtlCol="0">
+            <a:spAutoFit/>
+          </a:bodyPr>
+          <a:lstStyle/>
+          <a:p>
+            <a:r>
+              <a:rPr lang="en-US" dirty="0"/>
+              <a:t>Perturbed Sample</a:t>
+            </a:r>
+            <a:endParaRPr lang="en-CA" dirty="0"/>
+          </a:p>
+        </p:txBody>
+      </p:sp>
+      <p:sp>
+        <p:nvSpPr>
+          <p:cNvPr id="30" name="TextBox 29">
+            <a:extLst>
+              <a:ext uri="{FF2B5EF4-FFF2-40B4-BE49-F238E27FC236}">
+                <a16:creationId xmlns:a16="http://schemas.microsoft.com/office/drawing/2014/main" id="{0E38BE27-ECFF-781F-7BF9-F08CF0DD32EE}"/>
+              </a:ext>
+            </a:extLst>
+          </p:cNvPr>
+          <p:cNvSpPr txBox="1"/>
+          <p:nvPr/>
+        </p:nvSpPr>
+        <p:spPr>
+          <a:xfrm>
+            <a:off x="635508" y="5725346"/>
+            <a:ext cx="10395204" cy="369332"/>
+          </a:xfrm>
+          <a:prstGeom prst="rect">
+            <a:avLst/>
+          </a:prstGeom>
+          <a:noFill/>
+        </p:spPr>
+        <p:txBody>
+          <a:bodyPr wrap="square">
+            <a:spAutoFit/>
+          </a:bodyPr>
+          <a:lstStyle/>
+          <a:p>
+            <a:r>
+              <a:rPr lang="en-CA" b="0" i="0" u="sng" dirty="0">
+                <a:solidFill>
+                  <a:srgbClr val="0969DA"/>
+                </a:solidFill>
+                <a:effectLst/>
+                <a:latin typeface="-apple-system"/>
+                <a:hlinkClick r:id="rId2"/>
+              </a:rPr>
+              <a:t>https://drive.google.com/drive/folders/1AAI4KU9G-UHoKo72Ne6iGAaCgFPADIW3?usp=drive_link</a:t>
+            </a:r>
+            <a:endParaRPr lang="en-CA" dirty="0"/>
+          </a:p>
+        </p:txBody>
+      </p:sp>
+    </p:spTree>
+    <p:extLst>
+      <p:ext uri="{BB962C8B-B14F-4D97-AF65-F5344CB8AC3E}">
+        <p14:creationId xmlns:p14="http://schemas.microsoft.com/office/powerpoint/2010/main" val="2284238485"/>
+      </p:ext>
+    </p:extLst>
+  </p:cSld>
+  <p:clrMapOvr>
+    <a:masterClrMapping/>
+  </p:clrMapOvr>
+</p:sld>
+</file>
+
+<file path=ppt/slides/slide8.xml><?xml version="1.0" encoding="utf-8"?>
 <p:sld xmlns:a="http://schemas.openxmlformats.org/drawingml/2006/main" xmlns:r="http://schemas.openxmlformats.org/officeDocument/2006/relationships" xmlns:p="http://schemas.openxmlformats.org/presentationml/2006/main">
   <p:cSld>
     <p:spTree>
@@ -18476,7 +19346,7 @@
 </p:sld>
 </file>
 
-<file path=ppt/slides/slide8.xml><?xml version="1.0" encoding="utf-8"?>
+<file path=ppt/slides/slide9.xml><?xml version="1.0" encoding="utf-8"?>
 <p:sld xmlns:a="http://schemas.openxmlformats.org/drawingml/2006/main" xmlns:r="http://schemas.openxmlformats.org/officeDocument/2006/relationships" xmlns:p="http://schemas.openxmlformats.org/presentationml/2006/main">
   <p:cSld>
     <p:spTree>
@@ -18543,184 +19413,6 @@
     <p:extLst>
       <p:ext uri="{BB962C8B-B14F-4D97-AF65-F5344CB8AC3E}">
         <p14:creationId xmlns:p14="http://schemas.microsoft.com/office/powerpoint/2010/main" val="2099127183"/>
-      </p:ext>
-    </p:extLst>
-  </p:cSld>
-  <p:clrMapOvr>
-    <a:masterClrMapping/>
-  </p:clrMapOvr>
-</p:sld>
-</file>
-
-<file path=ppt/slides/slide9.xml><?xml version="1.0" encoding="utf-8"?>
-<p:sld xmlns:a="http://schemas.openxmlformats.org/drawingml/2006/main" xmlns:r="http://schemas.openxmlformats.org/officeDocument/2006/relationships" xmlns:p="http://schemas.openxmlformats.org/presentationml/2006/main">
-  <p:cSld>
-    <p:spTree>
-      <p:nvGrpSpPr>
-        <p:cNvPr id="1" name=""/>
-        <p:cNvGrpSpPr/>
-        <p:nvPr/>
-      </p:nvGrpSpPr>
-      <p:grpSpPr>
-        <a:xfrm>
-          <a:off x="0" y="0"/>
-          <a:ext cx="0" cy="0"/>
-          <a:chOff x="0" y="0"/>
-          <a:chExt cx="0" cy="0"/>
-        </a:xfrm>
-      </p:grpSpPr>
-      <p:sp>
-        <p:nvSpPr>
-          <p:cNvPr id="2" name="Title 1">
-            <a:extLst>
-              <a:ext uri="{FF2B5EF4-FFF2-40B4-BE49-F238E27FC236}">
-                <a16:creationId xmlns:a16="http://schemas.microsoft.com/office/drawing/2014/main" id="{5AB318FC-B8B4-6DC6-27B2-A905C899CE22}"/>
-              </a:ext>
-            </a:extLst>
-          </p:cNvPr>
-          <p:cNvSpPr>
-            <a:spLocks noGrp="1"/>
-          </p:cNvSpPr>
-          <p:nvPr>
-            <p:ph type="title"/>
-          </p:nvPr>
-        </p:nvSpPr>
-        <p:spPr/>
-        <p:txBody>
-          <a:bodyPr>
-            <a:normAutofit/>
-          </a:bodyPr>
-          <a:lstStyle/>
-          <a:p>
-            <a:r>
-              <a:rPr lang="en-US" sz="2000" b="1" dirty="0">
-                <a:latin typeface="Times New Roman" panose="02020603050405020304" pitchFamily="18" charset="0"/>
-                <a:cs typeface="Times New Roman" panose="02020603050405020304" pitchFamily="18" charset="0"/>
-              </a:rPr>
-              <a:t>Crispr Knockout (Single Perturbation)</a:t>
-            </a:r>
-            <a:endParaRPr lang="en-CA" sz="2000" b="1" dirty="0">
-              <a:latin typeface="Times New Roman" panose="02020603050405020304" pitchFamily="18" charset="0"/>
-              <a:cs typeface="Times New Roman" panose="02020603050405020304" pitchFamily="18" charset="0"/>
-            </a:endParaRPr>
-          </a:p>
-        </p:txBody>
-      </p:sp>
-      <p:sp>
-        <p:nvSpPr>
-          <p:cNvPr id="3" name="Content Placeholder 2">
-            <a:extLst>
-              <a:ext uri="{FF2B5EF4-FFF2-40B4-BE49-F238E27FC236}">
-                <a16:creationId xmlns:a16="http://schemas.microsoft.com/office/drawing/2014/main" id="{45BCD918-5356-F693-7CC9-A8665A375746}"/>
-              </a:ext>
-            </a:extLst>
-          </p:cNvPr>
-          <p:cNvSpPr>
-            <a:spLocks noGrp="1"/>
-          </p:cNvSpPr>
-          <p:nvPr>
-            <p:ph idx="1"/>
-          </p:nvPr>
-        </p:nvSpPr>
-        <p:spPr>
-          <a:xfrm>
-            <a:off x="765048" y="1533017"/>
-            <a:ext cx="10515600" cy="4351338"/>
-          </a:xfrm>
-        </p:spPr>
-        <p:txBody>
-          <a:bodyPr>
-            <a:normAutofit/>
-          </a:bodyPr>
-          <a:lstStyle/>
-          <a:p>
-            <a:pPr marL="0" indent="0">
-              <a:buNone/>
-            </a:pPr>
-            <a:r>
-              <a:rPr lang="en-CA" sz="1800" b="1" dirty="0" err="1">
-                <a:latin typeface="Times New Roman" panose="02020603050405020304" pitchFamily="18" charset="0"/>
-                <a:cs typeface="Times New Roman" panose="02020603050405020304" pitchFamily="18" charset="0"/>
-              </a:rPr>
-              <a:t>Unperturb</a:t>
-            </a:r>
-            <a:r>
-              <a:rPr lang="en-CA" sz="1800" b="1" dirty="0">
-                <a:latin typeface="Times New Roman" panose="02020603050405020304" pitchFamily="18" charset="0"/>
-                <a:cs typeface="Times New Roman" panose="02020603050405020304" pitchFamily="18" charset="0"/>
-              </a:rPr>
-              <a:t> data (Control Sample) and Perturb data with CRISPRKO</a:t>
-            </a:r>
-          </a:p>
-          <a:p>
-            <a:pPr marL="0" indent="0">
-              <a:buNone/>
-            </a:pPr>
-            <a:endParaRPr lang="en-CA" sz="1800" dirty="0">
-              <a:latin typeface="Times New Roman" panose="02020603050405020304" pitchFamily="18" charset="0"/>
-              <a:cs typeface="Times New Roman" panose="02020603050405020304" pitchFamily="18" charset="0"/>
-            </a:endParaRPr>
-          </a:p>
-          <a:p>
-            <a:pPr marL="0" indent="0">
-              <a:buNone/>
-            </a:pPr>
-            <a:r>
-              <a:rPr lang="en-CA" sz="1800" dirty="0">
-                <a:latin typeface="Times New Roman" panose="02020603050405020304" pitchFamily="18" charset="0"/>
-                <a:cs typeface="Times New Roman" panose="02020603050405020304" pitchFamily="18" charset="0"/>
-              </a:rPr>
-              <a:t>https://www.ncbi.nlm.nih.gov/geo/query/acc.cgi?acc=GSE134139</a:t>
-            </a:r>
-          </a:p>
-          <a:p>
-            <a:pPr marL="0" indent="0">
-              <a:buNone/>
-            </a:pPr>
-            <a:endParaRPr lang="en-CA" sz="1800" dirty="0">
-              <a:latin typeface="Times New Roman" panose="02020603050405020304" pitchFamily="18" charset="0"/>
-              <a:cs typeface="Times New Roman" panose="02020603050405020304" pitchFamily="18" charset="0"/>
-            </a:endParaRPr>
-          </a:p>
-          <a:p>
-            <a:pPr marL="0" indent="0">
-              <a:buNone/>
-            </a:pPr>
-            <a:r>
-              <a:rPr lang="en-CA" sz="1800" dirty="0">
-                <a:latin typeface="Times New Roman" panose="02020603050405020304" pitchFamily="18" charset="0"/>
-                <a:cs typeface="Times New Roman" panose="02020603050405020304" pitchFamily="18" charset="0"/>
-              </a:rPr>
-              <a:t>https://www.ncbi.nlm.nih.gov/geo/query/acc.cgi?acc=GSE156478</a:t>
-            </a:r>
-          </a:p>
-          <a:p>
-            <a:pPr marL="0" indent="0">
-              <a:buNone/>
-            </a:pPr>
-            <a:endParaRPr lang="en-CA" sz="1800" dirty="0">
-              <a:latin typeface="Times New Roman" panose="02020603050405020304" pitchFamily="18" charset="0"/>
-              <a:cs typeface="Times New Roman" panose="02020603050405020304" pitchFamily="18" charset="0"/>
-            </a:endParaRPr>
-          </a:p>
-          <a:p>
-            <a:pPr marL="0" indent="0">
-              <a:buNone/>
-            </a:pPr>
-            <a:r>
-              <a:rPr lang="en-CA" sz="1800" dirty="0">
-                <a:latin typeface="Times New Roman" panose="02020603050405020304" pitchFamily="18" charset="0"/>
-                <a:cs typeface="Times New Roman" panose="02020603050405020304" pitchFamily="18" charset="0"/>
-              </a:rPr>
-              <a:t>https://www.ncbi.nlm.nih.gov/geo/query/acc.cgi?acc=GSE126310</a:t>
-            </a:r>
-          </a:p>
-        </p:txBody>
-      </p:sp>
-    </p:spTree>
-    <p:extLst>
-      <p:ext uri="{BB962C8B-B14F-4D97-AF65-F5344CB8AC3E}">
-        <p14:creationId xmlns:p14="http://schemas.microsoft.com/office/powerpoint/2010/main" val="2998759684"/>
       </p:ext>
     </p:extLst>
   </p:cSld>

--- a/ppt slides for omic codeathon (1) (1).pptx
+++ b/ppt slides for omic codeathon (1) (1).pptx
@@ -9525,13 +9525,13 @@
         </p:nvSpPr>
         <p:spPr>
           <a:xfrm>
-            <a:off x="993648" y="945896"/>
+            <a:off x="1124712" y="1658122"/>
             <a:ext cx="9942576" cy="2387600"/>
           </a:xfrm>
         </p:spPr>
         <p:txBody>
           <a:bodyPr>
-            <a:normAutofit/>
+            <a:normAutofit fontScale="90000"/>
           </a:bodyPr>
           <a:lstStyle/>
           <a:p>
@@ -9542,7 +9542,26 @@
               </a:rPr>
               <a:t>Escaping Local Optima in the Waddington Landscape: A Multi-Stage TRPO-PPO Approach for Single-Cell Gene Perturbation Analysis</a:t>
             </a:r>
-            <a:endParaRPr lang="en-CA" sz="4000" b="1" dirty="0">
+            <a:br>
+              <a:rPr lang="en-CA" sz="4000" dirty="0">
+                <a:latin typeface="Times New Roman" panose="02020603050405020304" pitchFamily="18" charset="0"/>
+                <a:cs typeface="Times New Roman" panose="02020603050405020304" pitchFamily="18" charset="0"/>
+              </a:rPr>
+            </a:br>
+            <a:br>
+              <a:rPr lang="en-CA" sz="4000" dirty="0">
+                <a:latin typeface="Times New Roman" panose="02020603050405020304" pitchFamily="18" charset="0"/>
+                <a:cs typeface="Times New Roman" panose="02020603050405020304" pitchFamily="18" charset="0"/>
+              </a:rPr>
+            </a:br>
+            <a:r>
+              <a:rPr lang="en-CA" sz="2000" dirty="0">
+                <a:latin typeface="Times New Roman" panose="02020603050405020304" pitchFamily="18" charset="0"/>
+                <a:cs typeface="Times New Roman" panose="02020603050405020304" pitchFamily="18" charset="0"/>
+              </a:rPr>
+              <a:t>Boabang Francis</a:t>
+            </a:r>
+            <a:endParaRPr lang="en-CA" sz="2000" b="1" dirty="0">
               <a:latin typeface="Times New Roman" panose="02020603050405020304" pitchFamily="18" charset="0"/>
               <a:cs typeface="Times New Roman" panose="02020603050405020304" pitchFamily="18" charset="0"/>
             </a:endParaRPr>
@@ -9578,8 +9597,8 @@
         </p:blipFill>
         <p:spPr bwMode="auto">
           <a:xfrm>
-            <a:off x="1450849" y="4224528"/>
-            <a:ext cx="3032760" cy="2487168"/>
+            <a:off x="1956815" y="4639472"/>
+            <a:ext cx="2526793" cy="2072224"/>
           </a:xfrm>
           <a:prstGeom prst="rect">
             <a:avLst/>
@@ -9625,8 +9644,8 @@
         </p:blipFill>
         <p:spPr bwMode="auto">
           <a:xfrm>
-            <a:off x="6967728" y="4412390"/>
-            <a:ext cx="3032760" cy="2299306"/>
+            <a:off x="7790688" y="5036322"/>
+            <a:ext cx="2209800" cy="1675374"/>
           </a:xfrm>
           <a:prstGeom prst="rect">
             <a:avLst/>

--- a/ppt slides for omic codeathon (1) (1).pptx
+++ b/ppt slides for omic codeathon (1) (1).pptx
@@ -5,7 +5,7 @@
     <p:sldMasterId id="2147483660" r:id="rId1"/>
   </p:sldMasterIdLst>
   <p:notesMasterIdLst>
-    <p:notesMasterId r:id="rId28"/>
+    <p:notesMasterId r:id="rId29"/>
   </p:notesMasterIdLst>
   <p:sldIdLst>
     <p:sldId id="256" r:id="rId2"/>
@@ -30,10 +30,11 @@
     <p:sldId id="280" r:id="rId21"/>
     <p:sldId id="285" r:id="rId22"/>
     <p:sldId id="281" r:id="rId23"/>
-    <p:sldId id="282" r:id="rId24"/>
-    <p:sldId id="283" r:id="rId25"/>
-    <p:sldId id="259" r:id="rId26"/>
-    <p:sldId id="286" r:id="rId27"/>
+    <p:sldId id="283" r:id="rId24"/>
+    <p:sldId id="288" r:id="rId25"/>
+    <p:sldId id="282" r:id="rId26"/>
+    <p:sldId id="259" r:id="rId27"/>
+    <p:sldId id="286" r:id="rId28"/>
   </p:sldIdLst>
   <p:sldSz cx="12192000" cy="6858000"/>
   <p:notesSz cx="6858000" cy="9144000"/>
@@ -14163,7 +14164,7 @@
                 <a:latin typeface="Times New Roman" panose="02020603050405020304" pitchFamily="18" charset="0"/>
                 <a:cs typeface="Times New Roman" panose="02020603050405020304" pitchFamily="18" charset="0"/>
               </a:rPr>
-              <a:t>Crisper Knockout Evaluation</a:t>
+              <a:t>Crisper Knockout Evaluation Setting</a:t>
             </a:r>
           </a:p>
           <a:p>
@@ -14172,7 +14173,7 @@
                 <a:latin typeface="Times New Roman" panose="02020603050405020304" pitchFamily="18" charset="0"/>
                 <a:cs typeface="Times New Roman" panose="02020603050405020304" pitchFamily="18" charset="0"/>
               </a:rPr>
-              <a:t>Drug Development</a:t>
+              <a:t>Drug Development Evaluation Setting</a:t>
             </a:r>
           </a:p>
           <a:p>
@@ -14488,7 +14489,12 @@
             <p:ph type="title"/>
           </p:nvPr>
         </p:nvSpPr>
-        <p:spPr/>
+        <p:spPr>
+          <a:xfrm>
+            <a:off x="915902" y="210381"/>
+            <a:ext cx="10515600" cy="1325563"/>
+          </a:xfrm>
+        </p:spPr>
         <p:txBody>
           <a:bodyPr>
             <a:normAutofit/>
@@ -14503,31 +14509,53 @@
           </a:p>
         </p:txBody>
       </p:sp>
-      <p:sp>
-        <p:nvSpPr>
-          <p:cNvPr id="3" name="Content Placeholder 2">
+      <p:pic>
+        <p:nvPicPr>
+          <p:cNvPr id="1026" name="Picture 2">
             <a:extLst>
               <a:ext uri="{FF2B5EF4-FFF2-40B4-BE49-F238E27FC236}">
-                <a16:creationId xmlns:a16="http://schemas.microsoft.com/office/drawing/2014/main" id="{B9F0685F-225E-A50F-8000-8A31985B1C9A}"/>
+                <a16:creationId xmlns:a16="http://schemas.microsoft.com/office/drawing/2014/main" id="{E34576B2-0A76-798B-527F-74160E3B5944}"/>
               </a:ext>
             </a:extLst>
           </p:cNvPr>
-          <p:cNvSpPr>
-            <a:spLocks noGrp="1"/>
-          </p:cNvSpPr>
-          <p:nvPr>
-            <p:ph idx="1"/>
-          </p:nvPr>
-        </p:nvSpPr>
-        <p:spPr/>
-        <p:txBody>
-          <a:bodyPr/>
-          <a:lstStyle/>
-          <a:p>
-            <a:endParaRPr lang="en-CA"/>
-          </a:p>
-        </p:txBody>
-      </p:sp>
+          <p:cNvPicPr>
+            <a:picLocks noChangeAspect="1" noChangeArrowheads="1"/>
+          </p:cNvPicPr>
+          <p:nvPr/>
+        </p:nvPicPr>
+        <p:blipFill>
+          <a:blip r:embed="rId2">
+            <a:extLst>
+              <a:ext uri="{28A0092B-C50C-407E-A947-70E740481C1C}">
+                <a14:useLocalDpi xmlns:a14="http://schemas.microsoft.com/office/drawing/2010/main" val="0"/>
+              </a:ext>
+            </a:extLst>
+          </a:blip>
+          <a:srcRect/>
+          <a:stretch>
+            <a:fillRect/>
+          </a:stretch>
+        </p:blipFill>
+        <p:spPr bwMode="auto">
+          <a:xfrm>
+            <a:off x="1863639" y="1849610"/>
+            <a:ext cx="8464721" cy="4572926"/>
+          </a:xfrm>
+          <a:prstGeom prst="rect">
+            <a:avLst/>
+          </a:prstGeom>
+          <a:noFill/>
+          <a:extLst>
+            <a:ext uri="{909E8E84-426E-40DD-AFC4-6F175D3DCCD1}">
+              <a14:hiddenFill xmlns:a14="http://schemas.microsoft.com/office/drawing/2010/main">
+                <a:solidFill>
+                  <a:srgbClr val="FFFFFF"/>
+                </a:solidFill>
+              </a14:hiddenFill>
+            </a:ext>
+          </a:extLst>
+        </p:spPr>
+      </p:pic>
     </p:spTree>
     <p:extLst>
       <p:ext uri="{BB962C8B-B14F-4D97-AF65-F5344CB8AC3E}">
@@ -14542,6 +14570,2867 @@
 </file>
 
 <file path=ppt/slides/slide23.xml><?xml version="1.0" encoding="utf-8"?>
+<p:sld xmlns:a="http://schemas.openxmlformats.org/drawingml/2006/main" xmlns:r="http://schemas.openxmlformats.org/officeDocument/2006/relationships" xmlns:p="http://schemas.openxmlformats.org/presentationml/2006/main">
+  <p:cSld>
+    <p:spTree>
+      <p:nvGrpSpPr>
+        <p:cNvPr id="1" name=""/>
+        <p:cNvGrpSpPr/>
+        <p:nvPr/>
+      </p:nvGrpSpPr>
+      <p:grpSpPr>
+        <a:xfrm>
+          <a:off x="0" y="0"/>
+          <a:ext cx="0" cy="0"/>
+          <a:chOff x="0" y="0"/>
+          <a:chExt cx="0" cy="0"/>
+        </a:xfrm>
+      </p:grpSpPr>
+      <p:sp>
+        <p:nvSpPr>
+          <p:cNvPr id="2" name="Title 1">
+            <a:extLst>
+              <a:ext uri="{FF2B5EF4-FFF2-40B4-BE49-F238E27FC236}">
+                <a16:creationId xmlns:a16="http://schemas.microsoft.com/office/drawing/2014/main" id="{1B2ED77D-B13D-C708-4A40-03ED96CC862E}"/>
+              </a:ext>
+            </a:extLst>
+          </p:cNvPr>
+          <p:cNvSpPr>
+            <a:spLocks noGrp="1"/>
+          </p:cNvSpPr>
+          <p:nvPr>
+            <p:ph type="title"/>
+          </p:nvPr>
+        </p:nvSpPr>
+        <p:spPr/>
+        <p:txBody>
+          <a:bodyPr>
+            <a:normAutofit/>
+          </a:bodyPr>
+          <a:lstStyle/>
+          <a:p>
+            <a:r>
+              <a:rPr lang="en-US" sz="2400" b="1" dirty="0"/>
+              <a:t>Results</a:t>
+            </a:r>
+            <a:endParaRPr lang="en-CA" sz="2400" b="1" dirty="0"/>
+          </a:p>
+        </p:txBody>
+      </p:sp>
+      <p:graphicFrame>
+        <p:nvGraphicFramePr>
+          <p:cNvPr id="4" name="Table 3">
+            <a:extLst>
+              <a:ext uri="{FF2B5EF4-FFF2-40B4-BE49-F238E27FC236}">
+                <a16:creationId xmlns:a16="http://schemas.microsoft.com/office/drawing/2014/main" id="{E9D5AA26-372F-D8BB-8B43-A049C84137F1}"/>
+              </a:ext>
+            </a:extLst>
+          </p:cNvPr>
+          <p:cNvGraphicFramePr>
+            <a:graphicFrameLocks noGrp="1"/>
+          </p:cNvGraphicFramePr>
+          <p:nvPr>
+            <p:extLst>
+              <p:ext uri="{D42A27DB-BD31-4B8C-83A1-F6EECF244321}">
+                <p14:modId xmlns:p14="http://schemas.microsoft.com/office/powerpoint/2010/main" val="417492942"/>
+              </p:ext>
+            </p:extLst>
+          </p:nvPr>
+        </p:nvGraphicFramePr>
+        <p:xfrm>
+          <a:off x="542778" y="2017749"/>
+          <a:ext cx="10515600" cy="1828800"/>
+        </p:xfrm>
+        <a:graphic>
+          <a:graphicData uri="http://schemas.openxmlformats.org/drawingml/2006/table">
+            <a:tbl>
+              <a:tblPr/>
+              <a:tblGrid>
+                <a:gridCol w="2628900">
+                  <a:extLst>
+                    <a:ext uri="{9D8B030D-6E8A-4147-A177-3AD203B41FA5}">
+                      <a16:colId xmlns:a16="http://schemas.microsoft.com/office/drawing/2014/main" val="3048872658"/>
+                    </a:ext>
+                  </a:extLst>
+                </a:gridCol>
+                <a:gridCol w="2628900">
+                  <a:extLst>
+                    <a:ext uri="{9D8B030D-6E8A-4147-A177-3AD203B41FA5}">
+                      <a16:colId xmlns:a16="http://schemas.microsoft.com/office/drawing/2014/main" val="933983716"/>
+                    </a:ext>
+                  </a:extLst>
+                </a:gridCol>
+                <a:gridCol w="2628900">
+                  <a:extLst>
+                    <a:ext uri="{9D8B030D-6E8A-4147-A177-3AD203B41FA5}">
+                      <a16:colId xmlns:a16="http://schemas.microsoft.com/office/drawing/2014/main" val="1226521377"/>
+                    </a:ext>
+                  </a:extLst>
+                </a:gridCol>
+                <a:gridCol w="2628900">
+                  <a:extLst>
+                    <a:ext uri="{9D8B030D-6E8A-4147-A177-3AD203B41FA5}">
+                      <a16:colId xmlns:a16="http://schemas.microsoft.com/office/drawing/2014/main" val="2028874475"/>
+                    </a:ext>
+                  </a:extLst>
+                </a:gridCol>
+              </a:tblGrid>
+              <a:tr h="0">
+                <a:tc>
+                  <a:txBody>
+                    <a:bodyPr/>
+                    <a:lstStyle/>
+                    <a:p>
+                      <a:pPr>
+                        <a:buNone/>
+                      </a:pPr>
+                      <a:r>
+                        <a:rPr lang="en-CA"/>
+                        <a:t>System</a:t>
+                      </a:r>
+                    </a:p>
+                  </a:txBody>
+                  <a:tcPr anchor="ctr">
+                    <a:lnL>
+                      <a:noFill/>
+                    </a:lnL>
+                    <a:lnR>
+                      <a:noFill/>
+                    </a:lnR>
+                    <a:lnT>
+                      <a:noFill/>
+                    </a:lnT>
+                    <a:lnB>
+                      <a:noFill/>
+                    </a:lnB>
+                    <a:noFill/>
+                  </a:tcPr>
+                </a:tc>
+                <a:tc>
+                  <a:txBody>
+                    <a:bodyPr/>
+                    <a:lstStyle/>
+                    <a:p>
+                      <a:pPr>
+                        <a:buNone/>
+                      </a:pPr>
+                      <a:r>
+                        <a:rPr lang="en-CA"/>
+                        <a:t>Algorithm</a:t>
+                      </a:r>
+                    </a:p>
+                  </a:txBody>
+                  <a:tcPr anchor="ctr">
+                    <a:lnL>
+                      <a:noFill/>
+                    </a:lnL>
+                    <a:lnR>
+                      <a:noFill/>
+                    </a:lnR>
+                    <a:lnT>
+                      <a:noFill/>
+                    </a:lnT>
+                    <a:lnB>
+                      <a:noFill/>
+                    </a:lnB>
+                    <a:noFill/>
+                  </a:tcPr>
+                </a:tc>
+                <a:tc>
+                  <a:txBody>
+                    <a:bodyPr/>
+                    <a:lstStyle/>
+                    <a:p>
+                      <a:pPr>
+                        <a:buNone/>
+                      </a:pPr>
+                      <a:r>
+                        <a:rPr lang="en-CA"/>
+                        <a:t>DTW</a:t>
+                      </a:r>
+                    </a:p>
+                  </a:txBody>
+                  <a:tcPr anchor="ctr">
+                    <a:lnL>
+                      <a:noFill/>
+                    </a:lnL>
+                    <a:lnR>
+                      <a:noFill/>
+                    </a:lnR>
+                    <a:lnT>
+                      <a:noFill/>
+                    </a:lnT>
+                    <a:lnB>
+                      <a:noFill/>
+                    </a:lnB>
+                    <a:noFill/>
+                  </a:tcPr>
+                </a:tc>
+                <a:tc>
+                  <a:txBody>
+                    <a:bodyPr/>
+                    <a:lstStyle/>
+                    <a:p>
+                      <a:pPr>
+                        <a:buNone/>
+                      </a:pPr>
+                      <a:r>
+                        <a:rPr lang="en-CA"/>
+                        <a:t>Wasserstein</a:t>
+                      </a:r>
+                    </a:p>
+                  </a:txBody>
+                  <a:tcPr anchor="ctr">
+                    <a:lnL>
+                      <a:noFill/>
+                    </a:lnL>
+                    <a:lnR>
+                      <a:noFill/>
+                    </a:lnR>
+                    <a:lnT>
+                      <a:noFill/>
+                    </a:lnT>
+                    <a:lnB>
+                      <a:noFill/>
+                    </a:lnB>
+                    <a:noFill/>
+                  </a:tcPr>
+                </a:tc>
+                <a:extLst>
+                  <a:ext uri="{0D108BD9-81ED-4DB2-BD59-A6C34878D82A}">
+                    <a16:rowId xmlns:a16="http://schemas.microsoft.com/office/drawing/2014/main" val="2542318273"/>
+                  </a:ext>
+                </a:extLst>
+              </a:tr>
+              <a:tr h="0">
+                <a:tc>
+                  <a:txBody>
+                    <a:bodyPr/>
+                    <a:lstStyle/>
+                    <a:p>
+                      <a:pPr>
+                        <a:buNone/>
+                      </a:pPr>
+                      <a:r>
+                        <a:rPr lang="en-CA"/>
+                        <a:t>CTRL</a:t>
+                      </a:r>
+                    </a:p>
+                  </a:txBody>
+                  <a:tcPr anchor="ctr">
+                    <a:lnL>
+                      <a:noFill/>
+                    </a:lnL>
+                    <a:lnR>
+                      <a:noFill/>
+                    </a:lnR>
+                    <a:lnT>
+                      <a:noFill/>
+                    </a:lnT>
+                    <a:lnB>
+                      <a:noFill/>
+                    </a:lnB>
+                    <a:noFill/>
+                  </a:tcPr>
+                </a:tc>
+                <a:tc>
+                  <a:txBody>
+                    <a:bodyPr/>
+                    <a:lstStyle/>
+                    <a:p>
+                      <a:pPr>
+                        <a:buNone/>
+                      </a:pPr>
+                      <a:r>
+                        <a:rPr lang="en-CA"/>
+                        <a:t>PPO</a:t>
+                      </a:r>
+                    </a:p>
+                  </a:txBody>
+                  <a:tcPr anchor="ctr">
+                    <a:lnL>
+                      <a:noFill/>
+                    </a:lnL>
+                    <a:lnR>
+                      <a:noFill/>
+                    </a:lnR>
+                    <a:lnT>
+                      <a:noFill/>
+                    </a:lnT>
+                    <a:lnB>
+                      <a:noFill/>
+                    </a:lnB>
+                    <a:noFill/>
+                  </a:tcPr>
+                </a:tc>
+                <a:tc>
+                  <a:txBody>
+                    <a:bodyPr/>
+                    <a:lstStyle/>
+                    <a:p>
+                      <a:pPr>
+                        <a:buNone/>
+                      </a:pPr>
+                      <a:r>
+                        <a:rPr lang="en-CA"/>
+                        <a:t>2.997</a:t>
+                      </a:r>
+                    </a:p>
+                  </a:txBody>
+                  <a:tcPr anchor="ctr">
+                    <a:lnL>
+                      <a:noFill/>
+                    </a:lnL>
+                    <a:lnR>
+                      <a:noFill/>
+                    </a:lnR>
+                    <a:lnT>
+                      <a:noFill/>
+                    </a:lnT>
+                    <a:lnB>
+                      <a:noFill/>
+                    </a:lnB>
+                    <a:noFill/>
+                  </a:tcPr>
+                </a:tc>
+                <a:tc>
+                  <a:txBody>
+                    <a:bodyPr/>
+                    <a:lstStyle/>
+                    <a:p>
+                      <a:pPr>
+                        <a:buNone/>
+                      </a:pPr>
+                      <a:r>
+                        <a:rPr lang="en-CA"/>
+                        <a:t>1.183</a:t>
+                      </a:r>
+                    </a:p>
+                  </a:txBody>
+                  <a:tcPr anchor="ctr">
+                    <a:lnL>
+                      <a:noFill/>
+                    </a:lnL>
+                    <a:lnR>
+                      <a:noFill/>
+                    </a:lnR>
+                    <a:lnT>
+                      <a:noFill/>
+                    </a:lnT>
+                    <a:lnB>
+                      <a:noFill/>
+                    </a:lnB>
+                    <a:noFill/>
+                  </a:tcPr>
+                </a:tc>
+                <a:extLst>
+                  <a:ext uri="{0D108BD9-81ED-4DB2-BD59-A6C34878D82A}">
+                    <a16:rowId xmlns:a16="http://schemas.microsoft.com/office/drawing/2014/main" val="242166470"/>
+                  </a:ext>
+                </a:extLst>
+              </a:tr>
+              <a:tr h="0">
+                <a:tc>
+                  <a:txBody>
+                    <a:bodyPr/>
+                    <a:lstStyle/>
+                    <a:p>
+                      <a:pPr>
+                        <a:buNone/>
+                      </a:pPr>
+                      <a:r>
+                        <a:rPr lang="en-CA"/>
+                        <a:t>CTRL</a:t>
+                      </a:r>
+                    </a:p>
+                  </a:txBody>
+                  <a:tcPr anchor="ctr">
+                    <a:lnL>
+                      <a:noFill/>
+                    </a:lnL>
+                    <a:lnR>
+                      <a:noFill/>
+                    </a:lnR>
+                    <a:lnT>
+                      <a:noFill/>
+                    </a:lnT>
+                    <a:lnB>
+                      <a:noFill/>
+                    </a:lnB>
+                    <a:noFill/>
+                  </a:tcPr>
+                </a:tc>
+                <a:tc>
+                  <a:txBody>
+                    <a:bodyPr/>
+                    <a:lstStyle/>
+                    <a:p>
+                      <a:pPr>
+                        <a:buNone/>
+                      </a:pPr>
+                      <a:r>
+                        <a:rPr lang="en-CA"/>
+                        <a:t>TRPO→PPO</a:t>
+                      </a:r>
+                    </a:p>
+                  </a:txBody>
+                  <a:tcPr anchor="ctr">
+                    <a:lnL>
+                      <a:noFill/>
+                    </a:lnL>
+                    <a:lnR>
+                      <a:noFill/>
+                    </a:lnR>
+                    <a:lnT>
+                      <a:noFill/>
+                    </a:lnT>
+                    <a:lnB>
+                      <a:noFill/>
+                    </a:lnB>
+                    <a:noFill/>
+                  </a:tcPr>
+                </a:tc>
+                <a:tc>
+                  <a:txBody>
+                    <a:bodyPr/>
+                    <a:lstStyle/>
+                    <a:p>
+                      <a:pPr>
+                        <a:buNone/>
+                      </a:pPr>
+                      <a:r>
+                        <a:rPr lang="en-CA"/>
+                        <a:t>2.721</a:t>
+                      </a:r>
+                    </a:p>
+                  </a:txBody>
+                  <a:tcPr anchor="ctr">
+                    <a:lnL>
+                      <a:noFill/>
+                    </a:lnL>
+                    <a:lnR>
+                      <a:noFill/>
+                    </a:lnR>
+                    <a:lnT>
+                      <a:noFill/>
+                    </a:lnT>
+                    <a:lnB>
+                      <a:noFill/>
+                    </a:lnB>
+                    <a:noFill/>
+                  </a:tcPr>
+                </a:tc>
+                <a:tc>
+                  <a:txBody>
+                    <a:bodyPr/>
+                    <a:lstStyle/>
+                    <a:p>
+                      <a:pPr>
+                        <a:buNone/>
+                      </a:pPr>
+                      <a:r>
+                        <a:rPr lang="en-CA"/>
+                        <a:t>1.277</a:t>
+                      </a:r>
+                    </a:p>
+                  </a:txBody>
+                  <a:tcPr anchor="ctr">
+                    <a:lnL>
+                      <a:noFill/>
+                    </a:lnL>
+                    <a:lnR>
+                      <a:noFill/>
+                    </a:lnR>
+                    <a:lnT>
+                      <a:noFill/>
+                    </a:lnT>
+                    <a:lnB>
+                      <a:noFill/>
+                    </a:lnB>
+                    <a:noFill/>
+                  </a:tcPr>
+                </a:tc>
+                <a:extLst>
+                  <a:ext uri="{0D108BD9-81ED-4DB2-BD59-A6C34878D82A}">
+                    <a16:rowId xmlns:a16="http://schemas.microsoft.com/office/drawing/2014/main" val="1024624646"/>
+                  </a:ext>
+                </a:extLst>
+              </a:tr>
+              <a:tr h="0">
+                <a:tc>
+                  <a:txBody>
+                    <a:bodyPr/>
+                    <a:lstStyle/>
+                    <a:p>
+                      <a:pPr>
+                        <a:buNone/>
+                      </a:pPr>
+                      <a:r>
+                        <a:rPr lang="en-CA"/>
+                        <a:t>PTPN2</a:t>
+                      </a:r>
+                    </a:p>
+                  </a:txBody>
+                  <a:tcPr anchor="ctr">
+                    <a:lnL>
+                      <a:noFill/>
+                    </a:lnL>
+                    <a:lnR>
+                      <a:noFill/>
+                    </a:lnR>
+                    <a:lnT>
+                      <a:noFill/>
+                    </a:lnT>
+                    <a:lnB>
+                      <a:noFill/>
+                    </a:lnB>
+                    <a:noFill/>
+                  </a:tcPr>
+                </a:tc>
+                <a:tc>
+                  <a:txBody>
+                    <a:bodyPr/>
+                    <a:lstStyle/>
+                    <a:p>
+                      <a:pPr>
+                        <a:buNone/>
+                      </a:pPr>
+                      <a:r>
+                        <a:rPr lang="en-CA"/>
+                        <a:t>PPO</a:t>
+                      </a:r>
+                    </a:p>
+                  </a:txBody>
+                  <a:tcPr anchor="ctr">
+                    <a:lnL>
+                      <a:noFill/>
+                    </a:lnL>
+                    <a:lnR>
+                      <a:noFill/>
+                    </a:lnR>
+                    <a:lnT>
+                      <a:noFill/>
+                    </a:lnT>
+                    <a:lnB>
+                      <a:noFill/>
+                    </a:lnB>
+                    <a:noFill/>
+                  </a:tcPr>
+                </a:tc>
+                <a:tc>
+                  <a:txBody>
+                    <a:bodyPr/>
+                    <a:lstStyle/>
+                    <a:p>
+                      <a:pPr>
+                        <a:buNone/>
+                      </a:pPr>
+                      <a:r>
+                        <a:rPr lang="en-CA"/>
+                        <a:t>2.209</a:t>
+                      </a:r>
+                    </a:p>
+                  </a:txBody>
+                  <a:tcPr anchor="ctr">
+                    <a:lnL>
+                      <a:noFill/>
+                    </a:lnL>
+                    <a:lnR>
+                      <a:noFill/>
+                    </a:lnR>
+                    <a:lnT>
+                      <a:noFill/>
+                    </a:lnT>
+                    <a:lnB>
+                      <a:noFill/>
+                    </a:lnB>
+                    <a:noFill/>
+                  </a:tcPr>
+                </a:tc>
+                <a:tc>
+                  <a:txBody>
+                    <a:bodyPr/>
+                    <a:lstStyle/>
+                    <a:p>
+                      <a:pPr>
+                        <a:buNone/>
+                      </a:pPr>
+                      <a:r>
+                        <a:rPr lang="en-CA"/>
+                        <a:t>1.105</a:t>
+                      </a:r>
+                    </a:p>
+                  </a:txBody>
+                  <a:tcPr anchor="ctr">
+                    <a:lnL>
+                      <a:noFill/>
+                    </a:lnL>
+                    <a:lnR>
+                      <a:noFill/>
+                    </a:lnR>
+                    <a:lnT>
+                      <a:noFill/>
+                    </a:lnT>
+                    <a:lnB>
+                      <a:noFill/>
+                    </a:lnB>
+                    <a:noFill/>
+                  </a:tcPr>
+                </a:tc>
+                <a:extLst>
+                  <a:ext uri="{0D108BD9-81ED-4DB2-BD59-A6C34878D82A}">
+                    <a16:rowId xmlns:a16="http://schemas.microsoft.com/office/drawing/2014/main" val="2069544609"/>
+                  </a:ext>
+                </a:extLst>
+              </a:tr>
+              <a:tr h="0">
+                <a:tc>
+                  <a:txBody>
+                    <a:bodyPr/>
+                    <a:lstStyle/>
+                    <a:p>
+                      <a:pPr>
+                        <a:buNone/>
+                      </a:pPr>
+                      <a:r>
+                        <a:rPr lang="en-CA"/>
+                        <a:t>PTPN2</a:t>
+                      </a:r>
+                    </a:p>
+                  </a:txBody>
+                  <a:tcPr anchor="ctr">
+                    <a:lnL>
+                      <a:noFill/>
+                    </a:lnL>
+                    <a:lnR>
+                      <a:noFill/>
+                    </a:lnR>
+                    <a:lnT>
+                      <a:noFill/>
+                    </a:lnT>
+                    <a:lnB>
+                      <a:noFill/>
+                    </a:lnB>
+                    <a:noFill/>
+                  </a:tcPr>
+                </a:tc>
+                <a:tc>
+                  <a:txBody>
+                    <a:bodyPr/>
+                    <a:lstStyle/>
+                    <a:p>
+                      <a:pPr>
+                        <a:buNone/>
+                      </a:pPr>
+                      <a:r>
+                        <a:rPr lang="en-CA"/>
+                        <a:t>TRPO→PPO</a:t>
+                      </a:r>
+                    </a:p>
+                  </a:txBody>
+                  <a:tcPr anchor="ctr">
+                    <a:lnL>
+                      <a:noFill/>
+                    </a:lnL>
+                    <a:lnR>
+                      <a:noFill/>
+                    </a:lnR>
+                    <a:lnT>
+                      <a:noFill/>
+                    </a:lnT>
+                    <a:lnB>
+                      <a:noFill/>
+                    </a:lnB>
+                    <a:noFill/>
+                  </a:tcPr>
+                </a:tc>
+                <a:tc>
+                  <a:txBody>
+                    <a:bodyPr/>
+                    <a:lstStyle/>
+                    <a:p>
+                      <a:pPr>
+                        <a:buNone/>
+                      </a:pPr>
+                      <a:r>
+                        <a:rPr lang="en-CA"/>
+                        <a:t>2.204</a:t>
+                      </a:r>
+                    </a:p>
+                  </a:txBody>
+                  <a:tcPr anchor="ctr">
+                    <a:lnL>
+                      <a:noFill/>
+                    </a:lnL>
+                    <a:lnR>
+                      <a:noFill/>
+                    </a:lnR>
+                    <a:lnT>
+                      <a:noFill/>
+                    </a:lnT>
+                    <a:lnB>
+                      <a:noFill/>
+                    </a:lnB>
+                    <a:noFill/>
+                  </a:tcPr>
+                </a:tc>
+                <a:tc>
+                  <a:txBody>
+                    <a:bodyPr/>
+                    <a:lstStyle/>
+                    <a:p>
+                      <a:pPr>
+                        <a:buNone/>
+                      </a:pPr>
+                      <a:r>
+                        <a:rPr lang="en-CA" dirty="0"/>
+                        <a:t>1.102</a:t>
+                      </a:r>
+                    </a:p>
+                  </a:txBody>
+                  <a:tcPr anchor="ctr">
+                    <a:lnL>
+                      <a:noFill/>
+                    </a:lnL>
+                    <a:lnR>
+                      <a:noFill/>
+                    </a:lnR>
+                    <a:lnT>
+                      <a:noFill/>
+                    </a:lnT>
+                    <a:lnB>
+                      <a:noFill/>
+                    </a:lnB>
+                    <a:noFill/>
+                  </a:tcPr>
+                </a:tc>
+                <a:extLst>
+                  <a:ext uri="{0D108BD9-81ED-4DB2-BD59-A6C34878D82A}">
+                    <a16:rowId xmlns:a16="http://schemas.microsoft.com/office/drawing/2014/main" val="1952402833"/>
+                  </a:ext>
+                </a:extLst>
+              </a:tr>
+            </a:tbl>
+          </a:graphicData>
+        </a:graphic>
+      </p:graphicFrame>
+    </p:spTree>
+    <p:extLst>
+      <p:ext uri="{BB962C8B-B14F-4D97-AF65-F5344CB8AC3E}">
+        <p14:creationId xmlns:p14="http://schemas.microsoft.com/office/powerpoint/2010/main" val="1030376405"/>
+      </p:ext>
+    </p:extLst>
+  </p:cSld>
+  <p:clrMapOvr>
+    <a:masterClrMapping/>
+  </p:clrMapOvr>
+</p:sld>
+</file>
+
+<file path=ppt/slides/slide24.xml><?xml version="1.0" encoding="utf-8"?>
+<p:sld xmlns:a="http://schemas.openxmlformats.org/drawingml/2006/main" xmlns:r="http://schemas.openxmlformats.org/officeDocument/2006/relationships" xmlns:p="http://schemas.openxmlformats.org/presentationml/2006/main">
+  <p:cSld>
+    <p:spTree>
+      <p:nvGrpSpPr>
+        <p:cNvPr id="1" name="">
+          <a:extLst>
+            <a:ext uri="{FF2B5EF4-FFF2-40B4-BE49-F238E27FC236}">
+              <a16:creationId xmlns:a16="http://schemas.microsoft.com/office/drawing/2014/main" id="{56D61FC9-AEC9-6EB1-00B9-95B642884AA2}"/>
+            </a:ext>
+          </a:extLst>
+        </p:cNvPr>
+        <p:cNvGrpSpPr/>
+        <p:nvPr/>
+      </p:nvGrpSpPr>
+      <p:grpSpPr>
+        <a:xfrm>
+          <a:off x="0" y="0"/>
+          <a:ext cx="0" cy="0"/>
+          <a:chOff x="0" y="0"/>
+          <a:chExt cx="0" cy="0"/>
+        </a:xfrm>
+      </p:grpSpPr>
+      <p:sp>
+        <p:nvSpPr>
+          <p:cNvPr id="2" name="Title 1">
+            <a:extLst>
+              <a:ext uri="{FF2B5EF4-FFF2-40B4-BE49-F238E27FC236}">
+                <a16:creationId xmlns:a16="http://schemas.microsoft.com/office/drawing/2014/main" id="{C9C3D5B3-FA8C-C8B4-ABD3-86F6606B12D2}"/>
+              </a:ext>
+            </a:extLst>
+          </p:cNvPr>
+          <p:cNvSpPr>
+            <a:spLocks noGrp="1"/>
+          </p:cNvSpPr>
+          <p:nvPr>
+            <p:ph type="title"/>
+          </p:nvPr>
+        </p:nvSpPr>
+        <p:spPr/>
+        <p:txBody>
+          <a:bodyPr>
+            <a:normAutofit/>
+          </a:bodyPr>
+          <a:lstStyle/>
+          <a:p>
+            <a:r>
+              <a:rPr lang="en-US" sz="2400" b="1"/>
+              <a:t>Results</a:t>
+            </a:r>
+            <a:endParaRPr lang="en-CA" sz="2400" b="1" dirty="0"/>
+          </a:p>
+        </p:txBody>
+      </p:sp>
+      <p:graphicFrame>
+        <p:nvGraphicFramePr>
+          <p:cNvPr id="4" name="Table 3">
+            <a:extLst>
+              <a:ext uri="{FF2B5EF4-FFF2-40B4-BE49-F238E27FC236}">
+                <a16:creationId xmlns:a16="http://schemas.microsoft.com/office/drawing/2014/main" id="{115B2F35-D0EC-CC56-231E-CAC97A2CDC5A}"/>
+              </a:ext>
+            </a:extLst>
+          </p:cNvPr>
+          <p:cNvGraphicFramePr>
+            <a:graphicFrameLocks noGrp="1"/>
+          </p:cNvGraphicFramePr>
+          <p:nvPr>
+            <p:extLst>
+              <p:ext uri="{D42A27DB-BD31-4B8C-83A1-F6EECF244321}">
+                <p14:modId xmlns:p14="http://schemas.microsoft.com/office/powerpoint/2010/main" val="588015297"/>
+              </p:ext>
+            </p:extLst>
+          </p:nvPr>
+        </p:nvGraphicFramePr>
+        <p:xfrm>
+          <a:off x="883457" y="1810280"/>
+          <a:ext cx="10425086" cy="4382028"/>
+        </p:xfrm>
+        <a:graphic>
+          <a:graphicData uri="http://schemas.openxmlformats.org/drawingml/2006/table">
+            <a:tbl>
+              <a:tblPr/>
+              <a:tblGrid>
+                <a:gridCol w="1489298">
+                  <a:extLst>
+                    <a:ext uri="{9D8B030D-6E8A-4147-A177-3AD203B41FA5}">
+                      <a16:colId xmlns:a16="http://schemas.microsoft.com/office/drawing/2014/main" val="691652012"/>
+                    </a:ext>
+                  </a:extLst>
+                </a:gridCol>
+                <a:gridCol w="1489298">
+                  <a:extLst>
+                    <a:ext uri="{9D8B030D-6E8A-4147-A177-3AD203B41FA5}">
+                      <a16:colId xmlns:a16="http://schemas.microsoft.com/office/drawing/2014/main" val="3494577412"/>
+                    </a:ext>
+                  </a:extLst>
+                </a:gridCol>
+                <a:gridCol w="1489298">
+                  <a:extLst>
+                    <a:ext uri="{9D8B030D-6E8A-4147-A177-3AD203B41FA5}">
+                      <a16:colId xmlns:a16="http://schemas.microsoft.com/office/drawing/2014/main" val="4180678195"/>
+                    </a:ext>
+                  </a:extLst>
+                </a:gridCol>
+                <a:gridCol w="1489298">
+                  <a:extLst>
+                    <a:ext uri="{9D8B030D-6E8A-4147-A177-3AD203B41FA5}">
+                      <a16:colId xmlns:a16="http://schemas.microsoft.com/office/drawing/2014/main" val="2974442656"/>
+                    </a:ext>
+                  </a:extLst>
+                </a:gridCol>
+                <a:gridCol w="1489298">
+                  <a:extLst>
+                    <a:ext uri="{9D8B030D-6E8A-4147-A177-3AD203B41FA5}">
+                      <a16:colId xmlns:a16="http://schemas.microsoft.com/office/drawing/2014/main" val="297378597"/>
+                    </a:ext>
+                  </a:extLst>
+                </a:gridCol>
+                <a:gridCol w="1489298">
+                  <a:extLst>
+                    <a:ext uri="{9D8B030D-6E8A-4147-A177-3AD203B41FA5}">
+                      <a16:colId xmlns:a16="http://schemas.microsoft.com/office/drawing/2014/main" val="3569179526"/>
+                    </a:ext>
+                  </a:extLst>
+                </a:gridCol>
+                <a:gridCol w="1489298">
+                  <a:extLst>
+                    <a:ext uri="{9D8B030D-6E8A-4147-A177-3AD203B41FA5}">
+                      <a16:colId xmlns:a16="http://schemas.microsoft.com/office/drawing/2014/main" val="1100507030"/>
+                    </a:ext>
+                  </a:extLst>
+                </a:gridCol>
+              </a:tblGrid>
+              <a:tr h="362611">
+                <a:tc>
+                  <a:txBody>
+                    <a:bodyPr/>
+                    <a:lstStyle/>
+                    <a:p>
+                      <a:pPr>
+                        <a:buNone/>
+                      </a:pPr>
+                      <a:r>
+                        <a:rPr lang="en-CA" sz="1800"/>
+                        <a:t>System</a:t>
+                      </a:r>
+                    </a:p>
+                  </a:txBody>
+                  <a:tcPr marL="90653" marR="90653" marT="45326" marB="45326" anchor="ctr">
+                    <a:lnL>
+                      <a:noFill/>
+                    </a:lnL>
+                    <a:lnR>
+                      <a:noFill/>
+                    </a:lnR>
+                    <a:lnT>
+                      <a:noFill/>
+                    </a:lnT>
+                    <a:lnB>
+                      <a:noFill/>
+                    </a:lnB>
+                    <a:noFill/>
+                  </a:tcPr>
+                </a:tc>
+                <a:tc>
+                  <a:txBody>
+                    <a:bodyPr/>
+                    <a:lstStyle/>
+                    <a:p>
+                      <a:pPr>
+                        <a:buNone/>
+                      </a:pPr>
+                      <a:r>
+                        <a:rPr lang="en-CA" sz="1800"/>
+                        <a:t>Algorithm</a:t>
+                      </a:r>
+                    </a:p>
+                  </a:txBody>
+                  <a:tcPr marL="90653" marR="90653" marT="45326" marB="45326" anchor="ctr">
+                    <a:lnL>
+                      <a:noFill/>
+                    </a:lnL>
+                    <a:lnR>
+                      <a:noFill/>
+                    </a:lnR>
+                    <a:lnT>
+                      <a:noFill/>
+                    </a:lnT>
+                    <a:lnB>
+                      <a:noFill/>
+                    </a:lnB>
+                    <a:noFill/>
+                  </a:tcPr>
+                </a:tc>
+                <a:tc>
+                  <a:txBody>
+                    <a:bodyPr/>
+                    <a:lstStyle/>
+                    <a:p>
+                      <a:pPr>
+                        <a:buNone/>
+                      </a:pPr>
+                      <a:r>
+                        <a:rPr lang="en-CA" sz="1800"/>
+                        <a:t>MSE</a:t>
+                      </a:r>
+                    </a:p>
+                  </a:txBody>
+                  <a:tcPr marL="90653" marR="90653" marT="45326" marB="45326" anchor="ctr">
+                    <a:lnL>
+                      <a:noFill/>
+                    </a:lnL>
+                    <a:lnR>
+                      <a:noFill/>
+                    </a:lnR>
+                    <a:lnT>
+                      <a:noFill/>
+                    </a:lnT>
+                    <a:lnB>
+                      <a:noFill/>
+                    </a:lnB>
+                    <a:noFill/>
+                  </a:tcPr>
+                </a:tc>
+                <a:tc>
+                  <a:txBody>
+                    <a:bodyPr/>
+                    <a:lstStyle/>
+                    <a:p>
+                      <a:pPr>
+                        <a:buNone/>
+                      </a:pPr>
+                      <a:r>
+                        <a:rPr lang="en-CA" sz="1800"/>
+                        <a:t>RMSE</a:t>
+                      </a:r>
+                    </a:p>
+                  </a:txBody>
+                  <a:tcPr marL="90653" marR="90653" marT="45326" marB="45326" anchor="ctr">
+                    <a:lnL>
+                      <a:noFill/>
+                    </a:lnL>
+                    <a:lnR>
+                      <a:noFill/>
+                    </a:lnR>
+                    <a:lnT>
+                      <a:noFill/>
+                    </a:lnT>
+                    <a:lnB>
+                      <a:noFill/>
+                    </a:lnB>
+                    <a:noFill/>
+                  </a:tcPr>
+                </a:tc>
+                <a:tc>
+                  <a:txBody>
+                    <a:bodyPr/>
+                    <a:lstStyle/>
+                    <a:p>
+                      <a:pPr>
+                        <a:buNone/>
+                      </a:pPr>
+                      <a:r>
+                        <a:rPr lang="en-CA" sz="1800"/>
+                        <a:t>MAE</a:t>
+                      </a:r>
+                    </a:p>
+                  </a:txBody>
+                  <a:tcPr marL="90653" marR="90653" marT="45326" marB="45326" anchor="ctr">
+                    <a:lnL>
+                      <a:noFill/>
+                    </a:lnL>
+                    <a:lnR>
+                      <a:noFill/>
+                    </a:lnR>
+                    <a:lnT>
+                      <a:noFill/>
+                    </a:lnT>
+                    <a:lnB>
+                      <a:noFill/>
+                    </a:lnB>
+                    <a:noFill/>
+                  </a:tcPr>
+                </a:tc>
+                <a:tc>
+                  <a:txBody>
+                    <a:bodyPr/>
+                    <a:lstStyle/>
+                    <a:p>
+                      <a:pPr>
+                        <a:buNone/>
+                      </a:pPr>
+                      <a:r>
+                        <a:rPr lang="en-CA" sz="1800"/>
+                        <a:t>R²</a:t>
+                      </a:r>
+                    </a:p>
+                  </a:txBody>
+                  <a:tcPr marL="90653" marR="90653" marT="45326" marB="45326" anchor="ctr">
+                    <a:lnL>
+                      <a:noFill/>
+                    </a:lnL>
+                    <a:lnR>
+                      <a:noFill/>
+                    </a:lnR>
+                    <a:lnT>
+                      <a:noFill/>
+                    </a:lnT>
+                    <a:lnB>
+                      <a:noFill/>
+                    </a:lnB>
+                    <a:noFill/>
+                  </a:tcPr>
+                </a:tc>
+                <a:tc>
+                  <a:txBody>
+                    <a:bodyPr/>
+                    <a:lstStyle/>
+                    <a:p>
+                      <a:pPr>
+                        <a:buNone/>
+                      </a:pPr>
+                      <a:r>
+                        <a:rPr lang="en-CA" sz="1800"/>
+                        <a:t>Pearson</a:t>
+                      </a:r>
+                    </a:p>
+                  </a:txBody>
+                  <a:tcPr marL="90653" marR="90653" marT="45326" marB="45326" anchor="ctr">
+                    <a:lnL>
+                      <a:noFill/>
+                    </a:lnL>
+                    <a:lnR>
+                      <a:noFill/>
+                    </a:lnR>
+                    <a:lnT>
+                      <a:noFill/>
+                    </a:lnT>
+                    <a:lnB>
+                      <a:noFill/>
+                    </a:lnB>
+                    <a:noFill/>
+                  </a:tcPr>
+                </a:tc>
+                <a:extLst>
+                  <a:ext uri="{0D108BD9-81ED-4DB2-BD59-A6C34878D82A}">
+                    <a16:rowId xmlns:a16="http://schemas.microsoft.com/office/drawing/2014/main" val="488586187"/>
+                  </a:ext>
+                </a:extLst>
+              </a:tr>
+              <a:tr h="362611">
+                <a:tc>
+                  <a:txBody>
+                    <a:bodyPr/>
+                    <a:lstStyle/>
+                    <a:p>
+                      <a:pPr>
+                        <a:buNone/>
+                      </a:pPr>
+                      <a:r>
+                        <a:rPr lang="en-CA" sz="1800"/>
+                        <a:t>CTRL</a:t>
+                      </a:r>
+                    </a:p>
+                  </a:txBody>
+                  <a:tcPr marL="90653" marR="90653" marT="45326" marB="45326" anchor="ctr">
+                    <a:lnL>
+                      <a:noFill/>
+                    </a:lnL>
+                    <a:lnR>
+                      <a:noFill/>
+                    </a:lnR>
+                    <a:lnT>
+                      <a:noFill/>
+                    </a:lnT>
+                    <a:lnB>
+                      <a:noFill/>
+                    </a:lnB>
+                    <a:noFill/>
+                  </a:tcPr>
+                </a:tc>
+                <a:tc>
+                  <a:txBody>
+                    <a:bodyPr/>
+                    <a:lstStyle/>
+                    <a:p>
+                      <a:pPr>
+                        <a:buNone/>
+                      </a:pPr>
+                      <a:r>
+                        <a:rPr lang="en-CA" sz="1800"/>
+                        <a:t>PPO (Test)</a:t>
+                      </a:r>
+                    </a:p>
+                  </a:txBody>
+                  <a:tcPr marL="90653" marR="90653" marT="45326" marB="45326" anchor="ctr">
+                    <a:lnL>
+                      <a:noFill/>
+                    </a:lnL>
+                    <a:lnR>
+                      <a:noFill/>
+                    </a:lnR>
+                    <a:lnT>
+                      <a:noFill/>
+                    </a:lnT>
+                    <a:lnB>
+                      <a:noFill/>
+                    </a:lnB>
+                    <a:noFill/>
+                  </a:tcPr>
+                </a:tc>
+                <a:tc>
+                  <a:txBody>
+                    <a:bodyPr/>
+                    <a:lstStyle/>
+                    <a:p>
+                      <a:pPr>
+                        <a:buNone/>
+                      </a:pPr>
+                      <a:r>
+                        <a:rPr lang="en-CA" sz="1800"/>
+                        <a:t>1.524</a:t>
+                      </a:r>
+                    </a:p>
+                  </a:txBody>
+                  <a:tcPr marL="90653" marR="90653" marT="45326" marB="45326" anchor="ctr">
+                    <a:lnL>
+                      <a:noFill/>
+                    </a:lnL>
+                    <a:lnR>
+                      <a:noFill/>
+                    </a:lnR>
+                    <a:lnT>
+                      <a:noFill/>
+                    </a:lnT>
+                    <a:lnB>
+                      <a:noFill/>
+                    </a:lnB>
+                    <a:noFill/>
+                  </a:tcPr>
+                </a:tc>
+                <a:tc>
+                  <a:txBody>
+                    <a:bodyPr/>
+                    <a:lstStyle/>
+                    <a:p>
+                      <a:pPr>
+                        <a:buNone/>
+                      </a:pPr>
+                      <a:r>
+                        <a:rPr lang="en-CA" sz="1800"/>
+                        <a:t>1.205</a:t>
+                      </a:r>
+                    </a:p>
+                  </a:txBody>
+                  <a:tcPr marL="90653" marR="90653" marT="45326" marB="45326" anchor="ctr">
+                    <a:lnL>
+                      <a:noFill/>
+                    </a:lnL>
+                    <a:lnR>
+                      <a:noFill/>
+                    </a:lnR>
+                    <a:lnT>
+                      <a:noFill/>
+                    </a:lnT>
+                    <a:lnB>
+                      <a:noFill/>
+                    </a:lnB>
+                    <a:noFill/>
+                  </a:tcPr>
+                </a:tc>
+                <a:tc>
+                  <a:txBody>
+                    <a:bodyPr/>
+                    <a:lstStyle/>
+                    <a:p>
+                      <a:pPr>
+                        <a:buNone/>
+                      </a:pPr>
+                      <a:r>
+                        <a:rPr lang="en-CA" sz="1800"/>
+                        <a:t>1.118</a:t>
+                      </a:r>
+                    </a:p>
+                  </a:txBody>
+                  <a:tcPr marL="90653" marR="90653" marT="45326" marB="45326" anchor="ctr">
+                    <a:lnL>
+                      <a:noFill/>
+                    </a:lnL>
+                    <a:lnR>
+                      <a:noFill/>
+                    </a:lnR>
+                    <a:lnT>
+                      <a:noFill/>
+                    </a:lnT>
+                    <a:lnB>
+                      <a:noFill/>
+                    </a:lnB>
+                    <a:noFill/>
+                  </a:tcPr>
+                </a:tc>
+                <a:tc>
+                  <a:txBody>
+                    <a:bodyPr/>
+                    <a:lstStyle/>
+                    <a:p>
+                      <a:pPr>
+                        <a:buNone/>
+                      </a:pPr>
+                      <a:r>
+                        <a:rPr lang="en-CA" sz="1800"/>
+                        <a:t>0.351</a:t>
+                      </a:r>
+                    </a:p>
+                  </a:txBody>
+                  <a:tcPr marL="90653" marR="90653" marT="45326" marB="45326" anchor="ctr">
+                    <a:lnL>
+                      <a:noFill/>
+                    </a:lnL>
+                    <a:lnR>
+                      <a:noFill/>
+                    </a:lnR>
+                    <a:lnT>
+                      <a:noFill/>
+                    </a:lnT>
+                    <a:lnB>
+                      <a:noFill/>
+                    </a:lnB>
+                    <a:noFill/>
+                  </a:tcPr>
+                </a:tc>
+                <a:tc>
+                  <a:txBody>
+                    <a:bodyPr/>
+                    <a:lstStyle/>
+                    <a:p>
+                      <a:pPr>
+                        <a:buNone/>
+                      </a:pPr>
+                      <a:r>
+                        <a:rPr lang="en-CA" sz="1800"/>
+                        <a:t>0.950</a:t>
+                      </a:r>
+                    </a:p>
+                  </a:txBody>
+                  <a:tcPr marL="90653" marR="90653" marT="45326" marB="45326" anchor="ctr">
+                    <a:lnL>
+                      <a:noFill/>
+                    </a:lnL>
+                    <a:lnR>
+                      <a:noFill/>
+                    </a:lnR>
+                    <a:lnT>
+                      <a:noFill/>
+                    </a:lnT>
+                    <a:lnB>
+                      <a:noFill/>
+                    </a:lnB>
+                    <a:noFill/>
+                  </a:tcPr>
+                </a:tc>
+                <a:extLst>
+                  <a:ext uri="{0D108BD9-81ED-4DB2-BD59-A6C34878D82A}">
+                    <a16:rowId xmlns:a16="http://schemas.microsoft.com/office/drawing/2014/main" val="2309450861"/>
+                  </a:ext>
+                </a:extLst>
+              </a:tr>
+              <a:tr h="362611">
+                <a:tc>
+                  <a:txBody>
+                    <a:bodyPr/>
+                    <a:lstStyle/>
+                    <a:p>
+                      <a:pPr>
+                        <a:buNone/>
+                      </a:pPr>
+                      <a:r>
+                        <a:rPr lang="en-CA" sz="1800"/>
+                        <a:t>CTRL</a:t>
+                      </a:r>
+                    </a:p>
+                  </a:txBody>
+                  <a:tcPr marL="90653" marR="90653" marT="45326" marB="45326" anchor="ctr">
+                    <a:lnL>
+                      <a:noFill/>
+                    </a:lnL>
+                    <a:lnR>
+                      <a:noFill/>
+                    </a:lnR>
+                    <a:lnT>
+                      <a:noFill/>
+                    </a:lnT>
+                    <a:lnB>
+                      <a:noFill/>
+                    </a:lnB>
+                    <a:noFill/>
+                  </a:tcPr>
+                </a:tc>
+                <a:tc>
+                  <a:txBody>
+                    <a:bodyPr/>
+                    <a:lstStyle/>
+                    <a:p>
+                      <a:pPr>
+                        <a:buNone/>
+                      </a:pPr>
+                      <a:r>
+                        <a:rPr lang="en-CA" sz="1800"/>
+                        <a:t>PPO (Train)</a:t>
+                      </a:r>
+                    </a:p>
+                  </a:txBody>
+                  <a:tcPr marL="90653" marR="90653" marT="45326" marB="45326" anchor="ctr">
+                    <a:lnL>
+                      <a:noFill/>
+                    </a:lnL>
+                    <a:lnR>
+                      <a:noFill/>
+                    </a:lnR>
+                    <a:lnT>
+                      <a:noFill/>
+                    </a:lnT>
+                    <a:lnB>
+                      <a:noFill/>
+                    </a:lnB>
+                    <a:noFill/>
+                  </a:tcPr>
+                </a:tc>
+                <a:tc>
+                  <a:txBody>
+                    <a:bodyPr/>
+                    <a:lstStyle/>
+                    <a:p>
+                      <a:pPr>
+                        <a:buNone/>
+                      </a:pPr>
+                      <a:r>
+                        <a:rPr lang="en-CA" sz="1800"/>
+                        <a:t>1.528</a:t>
+                      </a:r>
+                    </a:p>
+                  </a:txBody>
+                  <a:tcPr marL="90653" marR="90653" marT="45326" marB="45326" anchor="ctr">
+                    <a:lnL>
+                      <a:noFill/>
+                    </a:lnL>
+                    <a:lnR>
+                      <a:noFill/>
+                    </a:lnR>
+                    <a:lnT>
+                      <a:noFill/>
+                    </a:lnT>
+                    <a:lnB>
+                      <a:noFill/>
+                    </a:lnB>
+                    <a:noFill/>
+                  </a:tcPr>
+                </a:tc>
+                <a:tc>
+                  <a:txBody>
+                    <a:bodyPr/>
+                    <a:lstStyle/>
+                    <a:p>
+                      <a:pPr>
+                        <a:buNone/>
+                      </a:pPr>
+                      <a:r>
+                        <a:rPr lang="en-CA" sz="1800"/>
+                        <a:t>1.207</a:t>
+                      </a:r>
+                    </a:p>
+                  </a:txBody>
+                  <a:tcPr marL="90653" marR="90653" marT="45326" marB="45326" anchor="ctr">
+                    <a:lnL>
+                      <a:noFill/>
+                    </a:lnL>
+                    <a:lnR>
+                      <a:noFill/>
+                    </a:lnR>
+                    <a:lnT>
+                      <a:noFill/>
+                    </a:lnT>
+                    <a:lnB>
+                      <a:noFill/>
+                    </a:lnB>
+                    <a:noFill/>
+                  </a:tcPr>
+                </a:tc>
+                <a:tc>
+                  <a:txBody>
+                    <a:bodyPr/>
+                    <a:lstStyle/>
+                    <a:p>
+                      <a:pPr>
+                        <a:buNone/>
+                      </a:pPr>
+                      <a:r>
+                        <a:rPr lang="en-CA" sz="1800"/>
+                        <a:t>1.121</a:t>
+                      </a:r>
+                    </a:p>
+                  </a:txBody>
+                  <a:tcPr marL="90653" marR="90653" marT="45326" marB="45326" anchor="ctr">
+                    <a:lnL>
+                      <a:noFill/>
+                    </a:lnL>
+                    <a:lnR>
+                      <a:noFill/>
+                    </a:lnR>
+                    <a:lnT>
+                      <a:noFill/>
+                    </a:lnT>
+                    <a:lnB>
+                      <a:noFill/>
+                    </a:lnB>
+                    <a:noFill/>
+                  </a:tcPr>
+                </a:tc>
+                <a:tc>
+                  <a:txBody>
+                    <a:bodyPr/>
+                    <a:lstStyle/>
+                    <a:p>
+                      <a:pPr>
+                        <a:buNone/>
+                      </a:pPr>
+                      <a:r>
+                        <a:rPr lang="en-CA" sz="1800"/>
+                        <a:t>0.327</a:t>
+                      </a:r>
+                    </a:p>
+                  </a:txBody>
+                  <a:tcPr marL="90653" marR="90653" marT="45326" marB="45326" anchor="ctr">
+                    <a:lnL>
+                      <a:noFill/>
+                    </a:lnL>
+                    <a:lnR>
+                      <a:noFill/>
+                    </a:lnR>
+                    <a:lnT>
+                      <a:noFill/>
+                    </a:lnT>
+                    <a:lnB>
+                      <a:noFill/>
+                    </a:lnB>
+                    <a:noFill/>
+                  </a:tcPr>
+                </a:tc>
+                <a:tc>
+                  <a:txBody>
+                    <a:bodyPr/>
+                    <a:lstStyle/>
+                    <a:p>
+                      <a:pPr>
+                        <a:buNone/>
+                      </a:pPr>
+                      <a:r>
+                        <a:rPr lang="en-CA" sz="1800"/>
+                        <a:t>0.949</a:t>
+                      </a:r>
+                    </a:p>
+                  </a:txBody>
+                  <a:tcPr marL="90653" marR="90653" marT="45326" marB="45326" anchor="ctr">
+                    <a:lnL>
+                      <a:noFill/>
+                    </a:lnL>
+                    <a:lnR>
+                      <a:noFill/>
+                    </a:lnR>
+                    <a:lnT>
+                      <a:noFill/>
+                    </a:lnT>
+                    <a:lnB>
+                      <a:noFill/>
+                    </a:lnB>
+                    <a:noFill/>
+                  </a:tcPr>
+                </a:tc>
+                <a:extLst>
+                  <a:ext uri="{0D108BD9-81ED-4DB2-BD59-A6C34878D82A}">
+                    <a16:rowId xmlns:a16="http://schemas.microsoft.com/office/drawing/2014/main" val="3722683695"/>
+                  </a:ext>
+                </a:extLst>
+              </a:tr>
+              <a:tr h="634570">
+                <a:tc>
+                  <a:txBody>
+                    <a:bodyPr/>
+                    <a:lstStyle/>
+                    <a:p>
+                      <a:pPr>
+                        <a:buNone/>
+                      </a:pPr>
+                      <a:r>
+                        <a:rPr lang="en-CA" sz="1800"/>
+                        <a:t>CTRL</a:t>
+                      </a:r>
+                    </a:p>
+                  </a:txBody>
+                  <a:tcPr marL="90653" marR="90653" marT="45326" marB="45326" anchor="ctr">
+                    <a:lnL>
+                      <a:noFill/>
+                    </a:lnL>
+                    <a:lnR>
+                      <a:noFill/>
+                    </a:lnR>
+                    <a:lnT>
+                      <a:noFill/>
+                    </a:lnT>
+                    <a:lnB>
+                      <a:noFill/>
+                    </a:lnB>
+                    <a:noFill/>
+                  </a:tcPr>
+                </a:tc>
+                <a:tc>
+                  <a:txBody>
+                    <a:bodyPr/>
+                    <a:lstStyle/>
+                    <a:p>
+                      <a:pPr>
+                        <a:buNone/>
+                      </a:pPr>
+                      <a:r>
+                        <a:rPr lang="en-CA" sz="1800"/>
+                        <a:t>TRPO→PPO (Test)</a:t>
+                      </a:r>
+                    </a:p>
+                  </a:txBody>
+                  <a:tcPr marL="90653" marR="90653" marT="45326" marB="45326" anchor="ctr">
+                    <a:lnL>
+                      <a:noFill/>
+                    </a:lnL>
+                    <a:lnR>
+                      <a:noFill/>
+                    </a:lnR>
+                    <a:lnT>
+                      <a:noFill/>
+                    </a:lnT>
+                    <a:lnB>
+                      <a:noFill/>
+                    </a:lnB>
+                    <a:noFill/>
+                  </a:tcPr>
+                </a:tc>
+                <a:tc>
+                  <a:txBody>
+                    <a:bodyPr/>
+                    <a:lstStyle/>
+                    <a:p>
+                      <a:pPr>
+                        <a:buNone/>
+                      </a:pPr>
+                      <a:r>
+                        <a:rPr lang="en-CA" sz="1800"/>
+                        <a:t>0.162</a:t>
+                      </a:r>
+                    </a:p>
+                  </a:txBody>
+                  <a:tcPr marL="90653" marR="90653" marT="45326" marB="45326" anchor="ctr">
+                    <a:lnL>
+                      <a:noFill/>
+                    </a:lnL>
+                    <a:lnR>
+                      <a:noFill/>
+                    </a:lnR>
+                    <a:lnT>
+                      <a:noFill/>
+                    </a:lnT>
+                    <a:lnB>
+                      <a:noFill/>
+                    </a:lnB>
+                    <a:noFill/>
+                  </a:tcPr>
+                </a:tc>
+                <a:tc>
+                  <a:txBody>
+                    <a:bodyPr/>
+                    <a:lstStyle/>
+                    <a:p>
+                      <a:pPr>
+                        <a:buNone/>
+                      </a:pPr>
+                      <a:r>
+                        <a:rPr lang="en-CA" sz="1800"/>
+                        <a:t>0.373</a:t>
+                      </a:r>
+                    </a:p>
+                  </a:txBody>
+                  <a:tcPr marL="90653" marR="90653" marT="45326" marB="45326" anchor="ctr">
+                    <a:lnL>
+                      <a:noFill/>
+                    </a:lnL>
+                    <a:lnR>
+                      <a:noFill/>
+                    </a:lnR>
+                    <a:lnT>
+                      <a:noFill/>
+                    </a:lnT>
+                    <a:lnB>
+                      <a:noFill/>
+                    </a:lnB>
+                    <a:noFill/>
+                  </a:tcPr>
+                </a:tc>
+                <a:tc>
+                  <a:txBody>
+                    <a:bodyPr/>
+                    <a:lstStyle/>
+                    <a:p>
+                      <a:pPr>
+                        <a:buNone/>
+                      </a:pPr>
+                      <a:r>
+                        <a:rPr lang="en-CA" sz="1800"/>
+                        <a:t>0.322</a:t>
+                      </a:r>
+                    </a:p>
+                  </a:txBody>
+                  <a:tcPr marL="90653" marR="90653" marT="45326" marB="45326" anchor="ctr">
+                    <a:lnL>
+                      <a:noFill/>
+                    </a:lnL>
+                    <a:lnR>
+                      <a:noFill/>
+                    </a:lnR>
+                    <a:lnT>
+                      <a:noFill/>
+                    </a:lnT>
+                    <a:lnB>
+                      <a:noFill/>
+                    </a:lnB>
+                    <a:noFill/>
+                  </a:tcPr>
+                </a:tc>
+                <a:tc>
+                  <a:txBody>
+                    <a:bodyPr/>
+                    <a:lstStyle/>
+                    <a:p>
+                      <a:pPr>
+                        <a:buNone/>
+                      </a:pPr>
+                      <a:r>
+                        <a:rPr lang="en-CA" sz="1800"/>
+                        <a:t>0.937</a:t>
+                      </a:r>
+                    </a:p>
+                  </a:txBody>
+                  <a:tcPr marL="90653" marR="90653" marT="45326" marB="45326" anchor="ctr">
+                    <a:lnL>
+                      <a:noFill/>
+                    </a:lnL>
+                    <a:lnR>
+                      <a:noFill/>
+                    </a:lnR>
+                    <a:lnT>
+                      <a:noFill/>
+                    </a:lnT>
+                    <a:lnB>
+                      <a:noFill/>
+                    </a:lnB>
+                    <a:noFill/>
+                  </a:tcPr>
+                </a:tc>
+                <a:tc>
+                  <a:txBody>
+                    <a:bodyPr/>
+                    <a:lstStyle/>
+                    <a:p>
+                      <a:pPr>
+                        <a:buNone/>
+                      </a:pPr>
+                      <a:r>
+                        <a:rPr lang="en-CA" sz="1800"/>
+                        <a:t>0.988</a:t>
+                      </a:r>
+                    </a:p>
+                  </a:txBody>
+                  <a:tcPr marL="90653" marR="90653" marT="45326" marB="45326" anchor="ctr">
+                    <a:lnL>
+                      <a:noFill/>
+                    </a:lnL>
+                    <a:lnR>
+                      <a:noFill/>
+                    </a:lnR>
+                    <a:lnT>
+                      <a:noFill/>
+                    </a:lnT>
+                    <a:lnB>
+                      <a:noFill/>
+                    </a:lnB>
+                    <a:noFill/>
+                  </a:tcPr>
+                </a:tc>
+                <a:extLst>
+                  <a:ext uri="{0D108BD9-81ED-4DB2-BD59-A6C34878D82A}">
+                    <a16:rowId xmlns:a16="http://schemas.microsoft.com/office/drawing/2014/main" val="1855217704"/>
+                  </a:ext>
+                </a:extLst>
+              </a:tr>
+              <a:tr h="634570">
+                <a:tc>
+                  <a:txBody>
+                    <a:bodyPr/>
+                    <a:lstStyle/>
+                    <a:p>
+                      <a:pPr>
+                        <a:buNone/>
+                      </a:pPr>
+                      <a:r>
+                        <a:rPr lang="en-CA" sz="1800"/>
+                        <a:t>CTRL</a:t>
+                      </a:r>
+                    </a:p>
+                  </a:txBody>
+                  <a:tcPr marL="90653" marR="90653" marT="45326" marB="45326" anchor="ctr">
+                    <a:lnL>
+                      <a:noFill/>
+                    </a:lnL>
+                    <a:lnR>
+                      <a:noFill/>
+                    </a:lnR>
+                    <a:lnT>
+                      <a:noFill/>
+                    </a:lnT>
+                    <a:lnB>
+                      <a:noFill/>
+                    </a:lnB>
+                    <a:noFill/>
+                  </a:tcPr>
+                </a:tc>
+                <a:tc>
+                  <a:txBody>
+                    <a:bodyPr/>
+                    <a:lstStyle/>
+                    <a:p>
+                      <a:pPr>
+                        <a:buNone/>
+                      </a:pPr>
+                      <a:r>
+                        <a:rPr lang="en-CA" sz="1800"/>
+                        <a:t>TRPO→PPO (Train)</a:t>
+                      </a:r>
+                    </a:p>
+                  </a:txBody>
+                  <a:tcPr marL="90653" marR="90653" marT="45326" marB="45326" anchor="ctr">
+                    <a:lnL>
+                      <a:noFill/>
+                    </a:lnL>
+                    <a:lnR>
+                      <a:noFill/>
+                    </a:lnR>
+                    <a:lnT>
+                      <a:noFill/>
+                    </a:lnT>
+                    <a:lnB>
+                      <a:noFill/>
+                    </a:lnB>
+                    <a:noFill/>
+                  </a:tcPr>
+                </a:tc>
+                <a:tc>
+                  <a:txBody>
+                    <a:bodyPr/>
+                    <a:lstStyle/>
+                    <a:p>
+                      <a:pPr>
+                        <a:buNone/>
+                      </a:pPr>
+                      <a:r>
+                        <a:rPr lang="en-CA" sz="1800"/>
+                        <a:t>0.167</a:t>
+                      </a:r>
+                    </a:p>
+                  </a:txBody>
+                  <a:tcPr marL="90653" marR="90653" marT="45326" marB="45326" anchor="ctr">
+                    <a:lnL>
+                      <a:noFill/>
+                    </a:lnL>
+                    <a:lnR>
+                      <a:noFill/>
+                    </a:lnR>
+                    <a:lnT>
+                      <a:noFill/>
+                    </a:lnT>
+                    <a:lnB>
+                      <a:noFill/>
+                    </a:lnB>
+                    <a:noFill/>
+                  </a:tcPr>
+                </a:tc>
+                <a:tc>
+                  <a:txBody>
+                    <a:bodyPr/>
+                    <a:lstStyle/>
+                    <a:p>
+                      <a:pPr>
+                        <a:buNone/>
+                      </a:pPr>
+                      <a:r>
+                        <a:rPr lang="en-CA" sz="1800"/>
+                        <a:t>0.379</a:t>
+                      </a:r>
+                    </a:p>
+                  </a:txBody>
+                  <a:tcPr marL="90653" marR="90653" marT="45326" marB="45326" anchor="ctr">
+                    <a:lnL>
+                      <a:noFill/>
+                    </a:lnL>
+                    <a:lnR>
+                      <a:noFill/>
+                    </a:lnR>
+                    <a:lnT>
+                      <a:noFill/>
+                    </a:lnT>
+                    <a:lnB>
+                      <a:noFill/>
+                    </a:lnB>
+                    <a:noFill/>
+                  </a:tcPr>
+                </a:tc>
+                <a:tc>
+                  <a:txBody>
+                    <a:bodyPr/>
+                    <a:lstStyle/>
+                    <a:p>
+                      <a:pPr>
+                        <a:buNone/>
+                      </a:pPr>
+                      <a:r>
+                        <a:rPr lang="en-CA" sz="1800"/>
+                        <a:t>0.327</a:t>
+                      </a:r>
+                    </a:p>
+                  </a:txBody>
+                  <a:tcPr marL="90653" marR="90653" marT="45326" marB="45326" anchor="ctr">
+                    <a:lnL>
+                      <a:noFill/>
+                    </a:lnL>
+                    <a:lnR>
+                      <a:noFill/>
+                    </a:lnR>
+                    <a:lnT>
+                      <a:noFill/>
+                    </a:lnT>
+                    <a:lnB>
+                      <a:noFill/>
+                    </a:lnB>
+                    <a:noFill/>
+                  </a:tcPr>
+                </a:tc>
+                <a:tc>
+                  <a:txBody>
+                    <a:bodyPr/>
+                    <a:lstStyle/>
+                    <a:p>
+                      <a:pPr>
+                        <a:buNone/>
+                      </a:pPr>
+                      <a:r>
+                        <a:rPr lang="en-CA" sz="1800"/>
+                        <a:t>0.930</a:t>
+                      </a:r>
+                    </a:p>
+                  </a:txBody>
+                  <a:tcPr marL="90653" marR="90653" marT="45326" marB="45326" anchor="ctr">
+                    <a:lnL>
+                      <a:noFill/>
+                    </a:lnL>
+                    <a:lnR>
+                      <a:noFill/>
+                    </a:lnR>
+                    <a:lnT>
+                      <a:noFill/>
+                    </a:lnT>
+                    <a:lnB>
+                      <a:noFill/>
+                    </a:lnB>
+                    <a:noFill/>
+                  </a:tcPr>
+                </a:tc>
+                <a:tc>
+                  <a:txBody>
+                    <a:bodyPr/>
+                    <a:lstStyle/>
+                    <a:p>
+                      <a:pPr>
+                        <a:buNone/>
+                      </a:pPr>
+                      <a:r>
+                        <a:rPr lang="en-CA" sz="1800"/>
+                        <a:t>0.986</a:t>
+                      </a:r>
+                    </a:p>
+                  </a:txBody>
+                  <a:tcPr marL="90653" marR="90653" marT="45326" marB="45326" anchor="ctr">
+                    <a:lnL>
+                      <a:noFill/>
+                    </a:lnL>
+                    <a:lnR>
+                      <a:noFill/>
+                    </a:lnR>
+                    <a:lnT>
+                      <a:noFill/>
+                    </a:lnT>
+                    <a:lnB>
+                      <a:noFill/>
+                    </a:lnB>
+                    <a:noFill/>
+                  </a:tcPr>
+                </a:tc>
+                <a:extLst>
+                  <a:ext uri="{0D108BD9-81ED-4DB2-BD59-A6C34878D82A}">
+                    <a16:rowId xmlns:a16="http://schemas.microsoft.com/office/drawing/2014/main" val="1700657450"/>
+                  </a:ext>
+                </a:extLst>
+              </a:tr>
+              <a:tr h="362611">
+                <a:tc>
+                  <a:txBody>
+                    <a:bodyPr/>
+                    <a:lstStyle/>
+                    <a:p>
+                      <a:pPr>
+                        <a:buNone/>
+                      </a:pPr>
+                      <a:r>
+                        <a:rPr lang="en-CA" sz="1800"/>
+                        <a:t>PTPN2</a:t>
+                      </a:r>
+                    </a:p>
+                  </a:txBody>
+                  <a:tcPr marL="90653" marR="90653" marT="45326" marB="45326" anchor="ctr">
+                    <a:lnL>
+                      <a:noFill/>
+                    </a:lnL>
+                    <a:lnR>
+                      <a:noFill/>
+                    </a:lnR>
+                    <a:lnT>
+                      <a:noFill/>
+                    </a:lnT>
+                    <a:lnB>
+                      <a:noFill/>
+                    </a:lnB>
+                    <a:noFill/>
+                  </a:tcPr>
+                </a:tc>
+                <a:tc>
+                  <a:txBody>
+                    <a:bodyPr/>
+                    <a:lstStyle/>
+                    <a:p>
+                      <a:pPr>
+                        <a:buNone/>
+                      </a:pPr>
+                      <a:r>
+                        <a:rPr lang="en-CA" sz="1800"/>
+                        <a:t>PPO (Test)</a:t>
+                      </a:r>
+                    </a:p>
+                  </a:txBody>
+                  <a:tcPr marL="90653" marR="90653" marT="45326" marB="45326" anchor="ctr">
+                    <a:lnL>
+                      <a:noFill/>
+                    </a:lnL>
+                    <a:lnR>
+                      <a:noFill/>
+                    </a:lnR>
+                    <a:lnT>
+                      <a:noFill/>
+                    </a:lnT>
+                    <a:lnB>
+                      <a:noFill/>
+                    </a:lnB>
+                    <a:noFill/>
+                  </a:tcPr>
+                </a:tc>
+                <a:tc>
+                  <a:txBody>
+                    <a:bodyPr/>
+                    <a:lstStyle/>
+                    <a:p>
+                      <a:pPr>
+                        <a:buNone/>
+                      </a:pPr>
+                      <a:r>
+                        <a:rPr lang="en-CA" sz="1800"/>
+                        <a:t>0.000</a:t>
+                      </a:r>
+                    </a:p>
+                  </a:txBody>
+                  <a:tcPr marL="90653" marR="90653" marT="45326" marB="45326" anchor="ctr">
+                    <a:lnL>
+                      <a:noFill/>
+                    </a:lnL>
+                    <a:lnR>
+                      <a:noFill/>
+                    </a:lnR>
+                    <a:lnT>
+                      <a:noFill/>
+                    </a:lnT>
+                    <a:lnB>
+                      <a:noFill/>
+                    </a:lnB>
+                    <a:noFill/>
+                  </a:tcPr>
+                </a:tc>
+                <a:tc>
+                  <a:txBody>
+                    <a:bodyPr/>
+                    <a:lstStyle/>
+                    <a:p>
+                      <a:pPr>
+                        <a:buNone/>
+                      </a:pPr>
+                      <a:r>
+                        <a:rPr lang="en-CA" sz="1800"/>
+                        <a:t>0.000</a:t>
+                      </a:r>
+                    </a:p>
+                  </a:txBody>
+                  <a:tcPr marL="90653" marR="90653" marT="45326" marB="45326" anchor="ctr">
+                    <a:lnL>
+                      <a:noFill/>
+                    </a:lnL>
+                    <a:lnR>
+                      <a:noFill/>
+                    </a:lnR>
+                    <a:lnT>
+                      <a:noFill/>
+                    </a:lnT>
+                    <a:lnB>
+                      <a:noFill/>
+                    </a:lnB>
+                    <a:noFill/>
+                  </a:tcPr>
+                </a:tc>
+                <a:tc>
+                  <a:txBody>
+                    <a:bodyPr/>
+                    <a:lstStyle/>
+                    <a:p>
+                      <a:pPr>
+                        <a:buNone/>
+                      </a:pPr>
+                      <a:r>
+                        <a:rPr lang="en-CA" sz="1800"/>
+                        <a:t>0.000</a:t>
+                      </a:r>
+                    </a:p>
+                  </a:txBody>
+                  <a:tcPr marL="90653" marR="90653" marT="45326" marB="45326" anchor="ctr">
+                    <a:lnL>
+                      <a:noFill/>
+                    </a:lnL>
+                    <a:lnR>
+                      <a:noFill/>
+                    </a:lnR>
+                    <a:lnT>
+                      <a:noFill/>
+                    </a:lnT>
+                    <a:lnB>
+                      <a:noFill/>
+                    </a:lnB>
+                    <a:noFill/>
+                  </a:tcPr>
+                </a:tc>
+                <a:tc>
+                  <a:txBody>
+                    <a:bodyPr/>
+                    <a:lstStyle/>
+                    <a:p>
+                      <a:pPr>
+                        <a:buNone/>
+                      </a:pPr>
+                      <a:r>
+                        <a:rPr lang="en-CA" sz="1800"/>
+                        <a:t>1.000</a:t>
+                      </a:r>
+                    </a:p>
+                  </a:txBody>
+                  <a:tcPr marL="90653" marR="90653" marT="45326" marB="45326" anchor="ctr">
+                    <a:lnL>
+                      <a:noFill/>
+                    </a:lnL>
+                    <a:lnR>
+                      <a:noFill/>
+                    </a:lnR>
+                    <a:lnT>
+                      <a:noFill/>
+                    </a:lnT>
+                    <a:lnB>
+                      <a:noFill/>
+                    </a:lnB>
+                    <a:noFill/>
+                  </a:tcPr>
+                </a:tc>
+                <a:tc>
+                  <a:txBody>
+                    <a:bodyPr/>
+                    <a:lstStyle/>
+                    <a:p>
+                      <a:pPr>
+                        <a:buNone/>
+                      </a:pPr>
+                      <a:r>
+                        <a:rPr lang="en-CA" sz="1800"/>
+                        <a:t>1.000</a:t>
+                      </a:r>
+                    </a:p>
+                  </a:txBody>
+                  <a:tcPr marL="90653" marR="90653" marT="45326" marB="45326" anchor="ctr">
+                    <a:lnL>
+                      <a:noFill/>
+                    </a:lnL>
+                    <a:lnR>
+                      <a:noFill/>
+                    </a:lnR>
+                    <a:lnT>
+                      <a:noFill/>
+                    </a:lnT>
+                    <a:lnB>
+                      <a:noFill/>
+                    </a:lnB>
+                    <a:noFill/>
+                  </a:tcPr>
+                </a:tc>
+                <a:extLst>
+                  <a:ext uri="{0D108BD9-81ED-4DB2-BD59-A6C34878D82A}">
+                    <a16:rowId xmlns:a16="http://schemas.microsoft.com/office/drawing/2014/main" val="4031135242"/>
+                  </a:ext>
+                </a:extLst>
+              </a:tr>
+              <a:tr h="362611">
+                <a:tc>
+                  <a:txBody>
+                    <a:bodyPr/>
+                    <a:lstStyle/>
+                    <a:p>
+                      <a:pPr>
+                        <a:buNone/>
+                      </a:pPr>
+                      <a:r>
+                        <a:rPr lang="en-CA" sz="1800"/>
+                        <a:t>PTPN2</a:t>
+                      </a:r>
+                    </a:p>
+                  </a:txBody>
+                  <a:tcPr marL="90653" marR="90653" marT="45326" marB="45326" anchor="ctr">
+                    <a:lnL>
+                      <a:noFill/>
+                    </a:lnL>
+                    <a:lnR>
+                      <a:noFill/>
+                    </a:lnR>
+                    <a:lnT>
+                      <a:noFill/>
+                    </a:lnT>
+                    <a:lnB>
+                      <a:noFill/>
+                    </a:lnB>
+                    <a:noFill/>
+                  </a:tcPr>
+                </a:tc>
+                <a:tc>
+                  <a:txBody>
+                    <a:bodyPr/>
+                    <a:lstStyle/>
+                    <a:p>
+                      <a:pPr>
+                        <a:buNone/>
+                      </a:pPr>
+                      <a:r>
+                        <a:rPr lang="en-CA" sz="1800"/>
+                        <a:t>PPO (Train)</a:t>
+                      </a:r>
+                    </a:p>
+                  </a:txBody>
+                  <a:tcPr marL="90653" marR="90653" marT="45326" marB="45326" anchor="ctr">
+                    <a:lnL>
+                      <a:noFill/>
+                    </a:lnL>
+                    <a:lnR>
+                      <a:noFill/>
+                    </a:lnR>
+                    <a:lnT>
+                      <a:noFill/>
+                    </a:lnT>
+                    <a:lnB>
+                      <a:noFill/>
+                    </a:lnB>
+                    <a:noFill/>
+                  </a:tcPr>
+                </a:tc>
+                <a:tc>
+                  <a:txBody>
+                    <a:bodyPr/>
+                    <a:lstStyle/>
+                    <a:p>
+                      <a:pPr>
+                        <a:buNone/>
+                      </a:pPr>
+                      <a:r>
+                        <a:rPr lang="en-CA" sz="1800"/>
+                        <a:t>0.000</a:t>
+                      </a:r>
+                    </a:p>
+                  </a:txBody>
+                  <a:tcPr marL="90653" marR="90653" marT="45326" marB="45326" anchor="ctr">
+                    <a:lnL>
+                      <a:noFill/>
+                    </a:lnL>
+                    <a:lnR>
+                      <a:noFill/>
+                    </a:lnR>
+                    <a:lnT>
+                      <a:noFill/>
+                    </a:lnT>
+                    <a:lnB>
+                      <a:noFill/>
+                    </a:lnB>
+                    <a:noFill/>
+                  </a:tcPr>
+                </a:tc>
+                <a:tc>
+                  <a:txBody>
+                    <a:bodyPr/>
+                    <a:lstStyle/>
+                    <a:p>
+                      <a:pPr>
+                        <a:buNone/>
+                      </a:pPr>
+                      <a:r>
+                        <a:rPr lang="en-CA" sz="1800"/>
+                        <a:t>0.000</a:t>
+                      </a:r>
+                    </a:p>
+                  </a:txBody>
+                  <a:tcPr marL="90653" marR="90653" marT="45326" marB="45326" anchor="ctr">
+                    <a:lnL>
+                      <a:noFill/>
+                    </a:lnL>
+                    <a:lnR>
+                      <a:noFill/>
+                    </a:lnR>
+                    <a:lnT>
+                      <a:noFill/>
+                    </a:lnT>
+                    <a:lnB>
+                      <a:noFill/>
+                    </a:lnB>
+                    <a:noFill/>
+                  </a:tcPr>
+                </a:tc>
+                <a:tc>
+                  <a:txBody>
+                    <a:bodyPr/>
+                    <a:lstStyle/>
+                    <a:p>
+                      <a:pPr>
+                        <a:buNone/>
+                      </a:pPr>
+                      <a:r>
+                        <a:rPr lang="en-CA" sz="1800"/>
+                        <a:t>0.000</a:t>
+                      </a:r>
+                    </a:p>
+                  </a:txBody>
+                  <a:tcPr marL="90653" marR="90653" marT="45326" marB="45326" anchor="ctr">
+                    <a:lnL>
+                      <a:noFill/>
+                    </a:lnL>
+                    <a:lnR>
+                      <a:noFill/>
+                    </a:lnR>
+                    <a:lnT>
+                      <a:noFill/>
+                    </a:lnT>
+                    <a:lnB>
+                      <a:noFill/>
+                    </a:lnB>
+                    <a:noFill/>
+                  </a:tcPr>
+                </a:tc>
+                <a:tc>
+                  <a:txBody>
+                    <a:bodyPr/>
+                    <a:lstStyle/>
+                    <a:p>
+                      <a:pPr>
+                        <a:buNone/>
+                      </a:pPr>
+                      <a:r>
+                        <a:rPr lang="en-CA" sz="1800"/>
+                        <a:t>1.000</a:t>
+                      </a:r>
+                    </a:p>
+                  </a:txBody>
+                  <a:tcPr marL="90653" marR="90653" marT="45326" marB="45326" anchor="ctr">
+                    <a:lnL>
+                      <a:noFill/>
+                    </a:lnL>
+                    <a:lnR>
+                      <a:noFill/>
+                    </a:lnR>
+                    <a:lnT>
+                      <a:noFill/>
+                    </a:lnT>
+                    <a:lnB>
+                      <a:noFill/>
+                    </a:lnB>
+                    <a:noFill/>
+                  </a:tcPr>
+                </a:tc>
+                <a:tc>
+                  <a:txBody>
+                    <a:bodyPr/>
+                    <a:lstStyle/>
+                    <a:p>
+                      <a:pPr>
+                        <a:buNone/>
+                      </a:pPr>
+                      <a:r>
+                        <a:rPr lang="en-CA" sz="1800"/>
+                        <a:t>1.000</a:t>
+                      </a:r>
+                    </a:p>
+                  </a:txBody>
+                  <a:tcPr marL="90653" marR="90653" marT="45326" marB="45326" anchor="ctr">
+                    <a:lnL>
+                      <a:noFill/>
+                    </a:lnL>
+                    <a:lnR>
+                      <a:noFill/>
+                    </a:lnR>
+                    <a:lnT>
+                      <a:noFill/>
+                    </a:lnT>
+                    <a:lnB>
+                      <a:noFill/>
+                    </a:lnB>
+                    <a:noFill/>
+                  </a:tcPr>
+                </a:tc>
+                <a:extLst>
+                  <a:ext uri="{0D108BD9-81ED-4DB2-BD59-A6C34878D82A}">
+                    <a16:rowId xmlns:a16="http://schemas.microsoft.com/office/drawing/2014/main" val="1802902718"/>
+                  </a:ext>
+                </a:extLst>
+              </a:tr>
+              <a:tr h="634570">
+                <a:tc>
+                  <a:txBody>
+                    <a:bodyPr/>
+                    <a:lstStyle/>
+                    <a:p>
+                      <a:pPr>
+                        <a:buNone/>
+                      </a:pPr>
+                      <a:r>
+                        <a:rPr lang="en-CA" sz="1800"/>
+                        <a:t>PTPN2</a:t>
+                      </a:r>
+                    </a:p>
+                  </a:txBody>
+                  <a:tcPr marL="90653" marR="90653" marT="45326" marB="45326" anchor="ctr">
+                    <a:lnL>
+                      <a:noFill/>
+                    </a:lnL>
+                    <a:lnR>
+                      <a:noFill/>
+                    </a:lnR>
+                    <a:lnT>
+                      <a:noFill/>
+                    </a:lnT>
+                    <a:lnB>
+                      <a:noFill/>
+                    </a:lnB>
+                    <a:noFill/>
+                  </a:tcPr>
+                </a:tc>
+                <a:tc>
+                  <a:txBody>
+                    <a:bodyPr/>
+                    <a:lstStyle/>
+                    <a:p>
+                      <a:pPr>
+                        <a:buNone/>
+                      </a:pPr>
+                      <a:r>
+                        <a:rPr lang="en-CA" sz="1800"/>
+                        <a:t>TRPO→PPO (Test)</a:t>
+                      </a:r>
+                    </a:p>
+                  </a:txBody>
+                  <a:tcPr marL="90653" marR="90653" marT="45326" marB="45326" anchor="ctr">
+                    <a:lnL>
+                      <a:noFill/>
+                    </a:lnL>
+                    <a:lnR>
+                      <a:noFill/>
+                    </a:lnR>
+                    <a:lnT>
+                      <a:noFill/>
+                    </a:lnT>
+                    <a:lnB>
+                      <a:noFill/>
+                    </a:lnB>
+                    <a:noFill/>
+                  </a:tcPr>
+                </a:tc>
+                <a:tc>
+                  <a:txBody>
+                    <a:bodyPr/>
+                    <a:lstStyle/>
+                    <a:p>
+                      <a:pPr>
+                        <a:buNone/>
+                      </a:pPr>
+                      <a:r>
+                        <a:rPr lang="en-CA" sz="1800"/>
+                        <a:t>0.000</a:t>
+                      </a:r>
+                    </a:p>
+                  </a:txBody>
+                  <a:tcPr marL="90653" marR="90653" marT="45326" marB="45326" anchor="ctr">
+                    <a:lnL>
+                      <a:noFill/>
+                    </a:lnL>
+                    <a:lnR>
+                      <a:noFill/>
+                    </a:lnR>
+                    <a:lnT>
+                      <a:noFill/>
+                    </a:lnT>
+                    <a:lnB>
+                      <a:noFill/>
+                    </a:lnB>
+                    <a:noFill/>
+                  </a:tcPr>
+                </a:tc>
+                <a:tc>
+                  <a:txBody>
+                    <a:bodyPr/>
+                    <a:lstStyle/>
+                    <a:p>
+                      <a:pPr>
+                        <a:buNone/>
+                      </a:pPr>
+                      <a:r>
+                        <a:rPr lang="en-CA" sz="1800"/>
+                        <a:t>0.000</a:t>
+                      </a:r>
+                    </a:p>
+                  </a:txBody>
+                  <a:tcPr marL="90653" marR="90653" marT="45326" marB="45326" anchor="ctr">
+                    <a:lnL>
+                      <a:noFill/>
+                    </a:lnL>
+                    <a:lnR>
+                      <a:noFill/>
+                    </a:lnR>
+                    <a:lnT>
+                      <a:noFill/>
+                    </a:lnT>
+                    <a:lnB>
+                      <a:noFill/>
+                    </a:lnB>
+                    <a:noFill/>
+                  </a:tcPr>
+                </a:tc>
+                <a:tc>
+                  <a:txBody>
+                    <a:bodyPr/>
+                    <a:lstStyle/>
+                    <a:p>
+                      <a:pPr>
+                        <a:buNone/>
+                      </a:pPr>
+                      <a:r>
+                        <a:rPr lang="en-CA" sz="1800"/>
+                        <a:t>0.000</a:t>
+                      </a:r>
+                    </a:p>
+                  </a:txBody>
+                  <a:tcPr marL="90653" marR="90653" marT="45326" marB="45326" anchor="ctr">
+                    <a:lnL>
+                      <a:noFill/>
+                    </a:lnL>
+                    <a:lnR>
+                      <a:noFill/>
+                    </a:lnR>
+                    <a:lnT>
+                      <a:noFill/>
+                    </a:lnT>
+                    <a:lnB>
+                      <a:noFill/>
+                    </a:lnB>
+                    <a:noFill/>
+                  </a:tcPr>
+                </a:tc>
+                <a:tc>
+                  <a:txBody>
+                    <a:bodyPr/>
+                    <a:lstStyle/>
+                    <a:p>
+                      <a:pPr>
+                        <a:buNone/>
+                      </a:pPr>
+                      <a:r>
+                        <a:rPr lang="en-CA" sz="1800"/>
+                        <a:t>1.000</a:t>
+                      </a:r>
+                    </a:p>
+                  </a:txBody>
+                  <a:tcPr marL="90653" marR="90653" marT="45326" marB="45326" anchor="ctr">
+                    <a:lnL>
+                      <a:noFill/>
+                    </a:lnL>
+                    <a:lnR>
+                      <a:noFill/>
+                    </a:lnR>
+                    <a:lnT>
+                      <a:noFill/>
+                    </a:lnT>
+                    <a:lnB>
+                      <a:noFill/>
+                    </a:lnB>
+                    <a:noFill/>
+                  </a:tcPr>
+                </a:tc>
+                <a:tc>
+                  <a:txBody>
+                    <a:bodyPr/>
+                    <a:lstStyle/>
+                    <a:p>
+                      <a:pPr>
+                        <a:buNone/>
+                      </a:pPr>
+                      <a:r>
+                        <a:rPr lang="en-CA" sz="1800"/>
+                        <a:t>1.000</a:t>
+                      </a:r>
+                    </a:p>
+                  </a:txBody>
+                  <a:tcPr marL="90653" marR="90653" marT="45326" marB="45326" anchor="ctr">
+                    <a:lnL>
+                      <a:noFill/>
+                    </a:lnL>
+                    <a:lnR>
+                      <a:noFill/>
+                    </a:lnR>
+                    <a:lnT>
+                      <a:noFill/>
+                    </a:lnT>
+                    <a:lnB>
+                      <a:noFill/>
+                    </a:lnB>
+                    <a:noFill/>
+                  </a:tcPr>
+                </a:tc>
+                <a:extLst>
+                  <a:ext uri="{0D108BD9-81ED-4DB2-BD59-A6C34878D82A}">
+                    <a16:rowId xmlns:a16="http://schemas.microsoft.com/office/drawing/2014/main" val="4161667456"/>
+                  </a:ext>
+                </a:extLst>
+              </a:tr>
+              <a:tr h="634570">
+                <a:tc>
+                  <a:txBody>
+                    <a:bodyPr/>
+                    <a:lstStyle/>
+                    <a:p>
+                      <a:pPr>
+                        <a:buNone/>
+                      </a:pPr>
+                      <a:r>
+                        <a:rPr lang="en-CA" sz="1800"/>
+                        <a:t>PTPN2</a:t>
+                      </a:r>
+                    </a:p>
+                  </a:txBody>
+                  <a:tcPr marL="90653" marR="90653" marT="45326" marB="45326" anchor="ctr">
+                    <a:lnL>
+                      <a:noFill/>
+                    </a:lnL>
+                    <a:lnR>
+                      <a:noFill/>
+                    </a:lnR>
+                    <a:lnT>
+                      <a:noFill/>
+                    </a:lnT>
+                    <a:lnB>
+                      <a:noFill/>
+                    </a:lnB>
+                    <a:noFill/>
+                  </a:tcPr>
+                </a:tc>
+                <a:tc>
+                  <a:txBody>
+                    <a:bodyPr/>
+                    <a:lstStyle/>
+                    <a:p>
+                      <a:pPr>
+                        <a:buNone/>
+                      </a:pPr>
+                      <a:r>
+                        <a:rPr lang="en-CA" sz="1800"/>
+                        <a:t>TRPO→PPO (Train)</a:t>
+                      </a:r>
+                    </a:p>
+                  </a:txBody>
+                  <a:tcPr marL="90653" marR="90653" marT="45326" marB="45326" anchor="ctr">
+                    <a:lnL>
+                      <a:noFill/>
+                    </a:lnL>
+                    <a:lnR>
+                      <a:noFill/>
+                    </a:lnR>
+                    <a:lnT>
+                      <a:noFill/>
+                    </a:lnT>
+                    <a:lnB>
+                      <a:noFill/>
+                    </a:lnB>
+                    <a:noFill/>
+                  </a:tcPr>
+                </a:tc>
+                <a:tc>
+                  <a:txBody>
+                    <a:bodyPr/>
+                    <a:lstStyle/>
+                    <a:p>
+                      <a:pPr>
+                        <a:buNone/>
+                      </a:pPr>
+                      <a:r>
+                        <a:rPr lang="en-CA" sz="1800"/>
+                        <a:t>0.000</a:t>
+                      </a:r>
+                    </a:p>
+                  </a:txBody>
+                  <a:tcPr marL="90653" marR="90653" marT="45326" marB="45326" anchor="ctr">
+                    <a:lnL>
+                      <a:noFill/>
+                    </a:lnL>
+                    <a:lnR>
+                      <a:noFill/>
+                    </a:lnR>
+                    <a:lnT>
+                      <a:noFill/>
+                    </a:lnT>
+                    <a:lnB>
+                      <a:noFill/>
+                    </a:lnB>
+                    <a:noFill/>
+                  </a:tcPr>
+                </a:tc>
+                <a:tc>
+                  <a:txBody>
+                    <a:bodyPr/>
+                    <a:lstStyle/>
+                    <a:p>
+                      <a:pPr>
+                        <a:buNone/>
+                      </a:pPr>
+                      <a:r>
+                        <a:rPr lang="en-CA" sz="1800"/>
+                        <a:t>0.000</a:t>
+                      </a:r>
+                    </a:p>
+                  </a:txBody>
+                  <a:tcPr marL="90653" marR="90653" marT="45326" marB="45326" anchor="ctr">
+                    <a:lnL>
+                      <a:noFill/>
+                    </a:lnL>
+                    <a:lnR>
+                      <a:noFill/>
+                    </a:lnR>
+                    <a:lnT>
+                      <a:noFill/>
+                    </a:lnT>
+                    <a:lnB>
+                      <a:noFill/>
+                    </a:lnB>
+                    <a:noFill/>
+                  </a:tcPr>
+                </a:tc>
+                <a:tc>
+                  <a:txBody>
+                    <a:bodyPr/>
+                    <a:lstStyle/>
+                    <a:p>
+                      <a:pPr>
+                        <a:buNone/>
+                      </a:pPr>
+                      <a:r>
+                        <a:rPr lang="en-CA" sz="1800"/>
+                        <a:t>0.000</a:t>
+                      </a:r>
+                    </a:p>
+                  </a:txBody>
+                  <a:tcPr marL="90653" marR="90653" marT="45326" marB="45326" anchor="ctr">
+                    <a:lnL>
+                      <a:noFill/>
+                    </a:lnL>
+                    <a:lnR>
+                      <a:noFill/>
+                    </a:lnR>
+                    <a:lnT>
+                      <a:noFill/>
+                    </a:lnT>
+                    <a:lnB>
+                      <a:noFill/>
+                    </a:lnB>
+                    <a:noFill/>
+                  </a:tcPr>
+                </a:tc>
+                <a:tc>
+                  <a:txBody>
+                    <a:bodyPr/>
+                    <a:lstStyle/>
+                    <a:p>
+                      <a:pPr>
+                        <a:buNone/>
+                      </a:pPr>
+                      <a:r>
+                        <a:rPr lang="en-CA" sz="1800"/>
+                        <a:t>1.000</a:t>
+                      </a:r>
+                    </a:p>
+                  </a:txBody>
+                  <a:tcPr marL="90653" marR="90653" marT="45326" marB="45326" anchor="ctr">
+                    <a:lnL>
+                      <a:noFill/>
+                    </a:lnL>
+                    <a:lnR>
+                      <a:noFill/>
+                    </a:lnR>
+                    <a:lnT>
+                      <a:noFill/>
+                    </a:lnT>
+                    <a:lnB>
+                      <a:noFill/>
+                    </a:lnB>
+                    <a:noFill/>
+                  </a:tcPr>
+                </a:tc>
+                <a:tc>
+                  <a:txBody>
+                    <a:bodyPr/>
+                    <a:lstStyle/>
+                    <a:p>
+                      <a:pPr>
+                        <a:buNone/>
+                      </a:pPr>
+                      <a:r>
+                        <a:rPr lang="en-CA" sz="1800" dirty="0"/>
+                        <a:t>1.000</a:t>
+                      </a:r>
+                    </a:p>
+                  </a:txBody>
+                  <a:tcPr marL="90653" marR="90653" marT="45326" marB="45326" anchor="ctr">
+                    <a:lnL>
+                      <a:noFill/>
+                    </a:lnL>
+                    <a:lnR>
+                      <a:noFill/>
+                    </a:lnR>
+                    <a:lnT>
+                      <a:noFill/>
+                    </a:lnT>
+                    <a:lnB>
+                      <a:noFill/>
+                    </a:lnB>
+                    <a:noFill/>
+                  </a:tcPr>
+                </a:tc>
+                <a:extLst>
+                  <a:ext uri="{0D108BD9-81ED-4DB2-BD59-A6C34878D82A}">
+                    <a16:rowId xmlns:a16="http://schemas.microsoft.com/office/drawing/2014/main" val="3527228105"/>
+                  </a:ext>
+                </a:extLst>
+              </a:tr>
+            </a:tbl>
+          </a:graphicData>
+        </a:graphic>
+      </p:graphicFrame>
+    </p:spTree>
+    <p:extLst>
+      <p:ext uri="{BB962C8B-B14F-4D97-AF65-F5344CB8AC3E}">
+        <p14:creationId xmlns:p14="http://schemas.microsoft.com/office/powerpoint/2010/main" val="1821026787"/>
+      </p:ext>
+    </p:extLst>
+  </p:cSld>
+  <p:clrMapOvr>
+    <a:masterClrMapping/>
+  </p:clrMapOvr>
+</p:sld>
+</file>
+
+<file path=ppt/slides/slide25.xml><?xml version="1.0" encoding="utf-8"?>
 <p:sld xmlns:a="http://schemas.openxmlformats.org/drawingml/2006/main" xmlns:r="http://schemas.openxmlformats.org/officeDocument/2006/relationships" xmlns:p="http://schemas.openxmlformats.org/presentationml/2006/main">
   <p:cSld>
     <p:spTree>
@@ -14589,6 +17478,53 @@
           </a:p>
         </p:txBody>
       </p:sp>
+      <p:pic>
+        <p:nvPicPr>
+          <p:cNvPr id="2050" name="Picture 2">
+            <a:extLst>
+              <a:ext uri="{FF2B5EF4-FFF2-40B4-BE49-F238E27FC236}">
+                <a16:creationId xmlns:a16="http://schemas.microsoft.com/office/drawing/2014/main" id="{D823702F-4671-44B4-696B-17AD4C31B230}"/>
+              </a:ext>
+            </a:extLst>
+          </p:cNvPr>
+          <p:cNvPicPr>
+            <a:picLocks noChangeAspect="1" noChangeArrowheads="1"/>
+          </p:cNvPicPr>
+          <p:nvPr/>
+        </p:nvPicPr>
+        <p:blipFill>
+          <a:blip r:embed="rId2">
+            <a:extLst>
+              <a:ext uri="{28A0092B-C50C-407E-A947-70E740481C1C}">
+                <a14:useLocalDpi xmlns:a14="http://schemas.microsoft.com/office/drawing/2010/main" val="0"/>
+              </a:ext>
+            </a:extLst>
+          </a:blip>
+          <a:srcRect/>
+          <a:stretch>
+            <a:fillRect/>
+          </a:stretch>
+        </p:blipFill>
+        <p:spPr bwMode="auto">
+          <a:xfrm>
+            <a:off x="2151063" y="1490662"/>
+            <a:ext cx="7716837" cy="4900613"/>
+          </a:xfrm>
+          <a:prstGeom prst="rect">
+            <a:avLst/>
+          </a:prstGeom>
+          <a:noFill/>
+          <a:extLst>
+            <a:ext uri="{909E8E84-426E-40DD-AFC4-6F175D3DCCD1}">
+              <a14:hiddenFill xmlns:a14="http://schemas.microsoft.com/office/drawing/2010/main">
+                <a:solidFill>
+                  <a:srgbClr val="FFFFFF"/>
+                </a:solidFill>
+              </a14:hiddenFill>
+            </a:ext>
+          </a:extLst>
+        </p:spPr>
+      </p:pic>
     </p:spTree>
     <p:extLst>
       <p:ext uri="{BB962C8B-B14F-4D97-AF65-F5344CB8AC3E}">
@@ -14602,93 +17538,7 @@
 </p:sld>
 </file>
 
-<file path=ppt/slides/slide24.xml><?xml version="1.0" encoding="utf-8"?>
-<p:sld xmlns:a="http://schemas.openxmlformats.org/drawingml/2006/main" xmlns:r="http://schemas.openxmlformats.org/officeDocument/2006/relationships" xmlns:p="http://schemas.openxmlformats.org/presentationml/2006/main">
-  <p:cSld>
-    <p:spTree>
-      <p:nvGrpSpPr>
-        <p:cNvPr id="1" name=""/>
-        <p:cNvGrpSpPr/>
-        <p:nvPr/>
-      </p:nvGrpSpPr>
-      <p:grpSpPr>
-        <a:xfrm>
-          <a:off x="0" y="0"/>
-          <a:ext cx="0" cy="0"/>
-          <a:chOff x="0" y="0"/>
-          <a:chExt cx="0" cy="0"/>
-        </a:xfrm>
-      </p:grpSpPr>
-      <p:sp>
-        <p:nvSpPr>
-          <p:cNvPr id="2" name="Title 1">
-            <a:extLst>
-              <a:ext uri="{FF2B5EF4-FFF2-40B4-BE49-F238E27FC236}">
-                <a16:creationId xmlns:a16="http://schemas.microsoft.com/office/drawing/2014/main" id="{1B2ED77D-B13D-C708-4A40-03ED96CC862E}"/>
-              </a:ext>
-            </a:extLst>
-          </p:cNvPr>
-          <p:cNvSpPr>
-            <a:spLocks noGrp="1"/>
-          </p:cNvSpPr>
-          <p:nvPr>
-            <p:ph type="title"/>
-          </p:nvPr>
-        </p:nvSpPr>
-        <p:spPr/>
-        <p:txBody>
-          <a:bodyPr>
-            <a:normAutofit/>
-          </a:bodyPr>
-          <a:lstStyle/>
-          <a:p>
-            <a:r>
-              <a:rPr lang="en-US" sz="2400" b="1" dirty="0"/>
-              <a:t>Results</a:t>
-            </a:r>
-            <a:endParaRPr lang="en-CA" sz="2400" b="1" dirty="0"/>
-          </a:p>
-        </p:txBody>
-      </p:sp>
-      <p:sp>
-        <p:nvSpPr>
-          <p:cNvPr id="3" name="Content Placeholder 2">
-            <a:extLst>
-              <a:ext uri="{FF2B5EF4-FFF2-40B4-BE49-F238E27FC236}">
-                <a16:creationId xmlns:a16="http://schemas.microsoft.com/office/drawing/2014/main" id="{C15818D5-2BD0-B799-18F4-634844EBFA2F}"/>
-              </a:ext>
-            </a:extLst>
-          </p:cNvPr>
-          <p:cNvSpPr>
-            <a:spLocks noGrp="1"/>
-          </p:cNvSpPr>
-          <p:nvPr>
-            <p:ph idx="1"/>
-          </p:nvPr>
-        </p:nvSpPr>
-        <p:spPr/>
-        <p:txBody>
-          <a:bodyPr/>
-          <a:lstStyle/>
-          <a:p>
-            <a:endParaRPr lang="en-CA"/>
-          </a:p>
-        </p:txBody>
-      </p:sp>
-    </p:spTree>
-    <p:extLst>
-      <p:ext uri="{BB962C8B-B14F-4D97-AF65-F5344CB8AC3E}">
-        <p14:creationId xmlns:p14="http://schemas.microsoft.com/office/powerpoint/2010/main" val="1030376405"/>
-      </p:ext>
-    </p:extLst>
-  </p:cSld>
-  <p:clrMapOvr>
-    <a:masterClrMapping/>
-  </p:clrMapOvr>
-</p:sld>
-</file>
-
-<file path=ppt/slides/slide25.xml><?xml version="1.0" encoding="utf-8"?>
+<file path=ppt/slides/slide26.xml><?xml version="1.0" encoding="utf-8"?>
 <p:sld xmlns:a="http://schemas.openxmlformats.org/drawingml/2006/main" xmlns:r="http://schemas.openxmlformats.org/officeDocument/2006/relationships" xmlns:p="http://schemas.openxmlformats.org/presentationml/2006/main">
   <p:cSld>
     <p:bg>
@@ -15199,7 +18049,7 @@
 </p:sld>
 </file>
 
-<file path=ppt/slides/slide26.xml><?xml version="1.0" encoding="utf-8"?>
+<file path=ppt/slides/slide27.xml><?xml version="1.0" encoding="utf-8"?>
 <p:sld xmlns:a="http://schemas.openxmlformats.org/drawingml/2006/main" xmlns:r="http://schemas.openxmlformats.org/officeDocument/2006/relationships" xmlns:p="http://schemas.openxmlformats.org/presentationml/2006/main">
   <p:cSld>
     <p:spTree>
@@ -15241,7 +18091,7 @@
           <a:p>
             <a:r>
               <a:rPr lang="en-US" sz="2400" b="1" dirty="0"/>
-              <a:t>Future</a:t>
+              <a:t>Future Work</a:t>
             </a:r>
             <a:endParaRPr lang="en-CA" sz="2400" b="1" dirty="0"/>
           </a:p>
@@ -15440,7 +18290,7 @@
                 </a:solidFill>
                 <a:effectLst/>
               </a:rPr>
-              <a:t>Systematically identify the optimal number of top genes that maximizes predictive performance while preserving biological relevance.</a:t>
+              <a:t>Systematically identify the optimal number of top genes(expressive genes) that maximizes predictive performance while preserving biological relevance.</a:t>
             </a:r>
           </a:p>
           <a:p>
@@ -17424,7 +20274,7 @@
                 <a:latin typeface="Times New Roman" panose="02020603050405020304" pitchFamily="18" charset="0"/>
                 <a:cs typeface="Times New Roman" panose="02020603050405020304" pitchFamily="18" charset="0"/>
               </a:rPr>
-              <a:t>Sample Data Example</a:t>
+              <a:t>Sample Data Example </a:t>
             </a:r>
             <a:endParaRPr lang="en-CA" sz="2400" dirty="0">
               <a:latin typeface="Times New Roman" panose="02020603050405020304" pitchFamily="18" charset="0"/>

--- a/ppt slides for omic codeathon (1) (1).pptx
+++ b/ppt slides for omic codeathon (1) (1).pptx
@@ -9526,7 +9526,7 @@
         </p:nvSpPr>
         <p:spPr>
           <a:xfrm>
-            <a:off x="1124712" y="1658122"/>
+            <a:off x="1124712" y="1162822"/>
             <a:ext cx="9942576" cy="2387600"/>
           </a:xfrm>
         </p:spPr>
@@ -9598,8 +9598,8 @@
         </p:blipFill>
         <p:spPr bwMode="auto">
           <a:xfrm>
-            <a:off x="1956815" y="4639472"/>
-            <a:ext cx="2526793" cy="2072224"/>
+            <a:off x="253399" y="5007747"/>
+            <a:ext cx="2042889" cy="1675374"/>
           </a:xfrm>
           <a:prstGeom prst="rect">
             <a:avLst/>
@@ -9645,8 +9645,8 @@
         </p:blipFill>
         <p:spPr bwMode="auto">
           <a:xfrm>
-            <a:off x="7790688" y="5036322"/>
-            <a:ext cx="2209800" cy="1675374"/>
+            <a:off x="10201083" y="5286375"/>
+            <a:ext cx="1842293" cy="1396746"/>
           </a:xfrm>
           <a:prstGeom prst="rect">
             <a:avLst/>
@@ -10523,8 +10523,8 @@
         </p:nvSpPr>
         <p:spPr>
           <a:xfrm>
-            <a:off x="589558" y="244742"/>
-            <a:ext cx="9258530" cy="1235225"/>
+            <a:off x="570508" y="173145"/>
+            <a:ext cx="9258530" cy="842063"/>
           </a:xfrm>
         </p:spPr>
         <p:txBody>
@@ -10542,17 +10542,76 @@
                 <a:ea typeface="+mj-ea"/>
                 <a:cs typeface="+mj-cs"/>
               </a:rPr>
-              <a:t>Results(Control sample/Perturbed sample) Multistep prediction</a:t>
+              <a:t>Results(Control sample/Perturbed sample)</a:t>
+            </a:r>
+          </a:p>
+        </p:txBody>
+      </p:sp>
+      <p:sp>
+        <p:nvSpPr>
+          <p:cNvPr id="4" name="TextBox 3">
+            <a:extLst>
+              <a:ext uri="{FF2B5EF4-FFF2-40B4-BE49-F238E27FC236}">
+                <a16:creationId xmlns:a16="http://schemas.microsoft.com/office/drawing/2014/main" id="{F1BB7669-37AA-B4A5-7FA5-BA63F2687B15}"/>
+              </a:ext>
+            </a:extLst>
+          </p:cNvPr>
+          <p:cNvSpPr txBox="1"/>
+          <p:nvPr/>
+        </p:nvSpPr>
+        <p:spPr>
+          <a:xfrm>
+            <a:off x="218113" y="5614068"/>
+            <a:ext cx="5848318" cy="1169551"/>
+          </a:xfrm>
+          <a:prstGeom prst="rect">
+            <a:avLst/>
+          </a:prstGeom>
+          <a:noFill/>
+        </p:spPr>
+        <p:txBody>
+          <a:bodyPr wrap="square" rtlCol="0">
+            <a:spAutoFit/>
+          </a:bodyPr>
+          <a:lstStyle/>
+          <a:p>
+            <a:r>
+              <a:rPr lang="en-US" sz="1400" dirty="0"/>
+              <a:t>CTRL: Control Sample</a:t>
+            </a:r>
+          </a:p>
+          <a:p>
+            <a:r>
+              <a:rPr lang="en-US" sz="1400" dirty="0"/>
+              <a:t>PTPN2: Perturb Sample</a:t>
+            </a:r>
+          </a:p>
+          <a:p>
+            <a:r>
+              <a:rPr lang="en-US" sz="1400" dirty="0"/>
+              <a:t>Trust region policy optimization</a:t>
+            </a:r>
+          </a:p>
+          <a:p>
+            <a:r>
+              <a:rPr lang="en-US" sz="1400" dirty="0"/>
+              <a:t>PPO: Proximal policy  optimization</a:t>
+            </a:r>
+          </a:p>
+          <a:p>
+            <a:r>
+              <a:rPr lang="en-CA" sz="1400" dirty="0"/>
+              <a:t>Prediction HORIZON    = 1  </a:t>
             </a:r>
           </a:p>
         </p:txBody>
       </p:sp>
       <p:graphicFrame>
         <p:nvGraphicFramePr>
-          <p:cNvPr id="3" name="Table 2">
+          <p:cNvPr id="5" name="Table 4">
             <a:extLst>
               <a:ext uri="{FF2B5EF4-FFF2-40B4-BE49-F238E27FC236}">
-                <a16:creationId xmlns:a16="http://schemas.microsoft.com/office/drawing/2014/main" id="{598E35EE-DDDE-6868-AB01-7D35B5011805}"/>
+                <a16:creationId xmlns:a16="http://schemas.microsoft.com/office/drawing/2014/main" id="{6244324C-C7D1-8E75-7007-FBA45CAAC7FB}"/>
               </a:ext>
             </a:extLst>
           </p:cNvPr>
@@ -10562,71 +10621,71 @@
           <p:nvPr>
             <p:extLst>
               <p:ext uri="{D42A27DB-BD31-4B8C-83A1-F6EECF244321}">
-                <p14:modId xmlns:p14="http://schemas.microsoft.com/office/powerpoint/2010/main" val="3203429112"/>
+                <p14:modId xmlns:p14="http://schemas.microsoft.com/office/powerpoint/2010/main" val="612837851"/>
               </p:ext>
             </p:extLst>
           </p:nvPr>
         </p:nvGraphicFramePr>
         <p:xfrm>
-          <a:off x="589558" y="1214340"/>
-          <a:ext cx="10357568" cy="3844620"/>
+          <a:off x="883456" y="1188352"/>
+          <a:ext cx="10425086" cy="4351335"/>
         </p:xfrm>
         <a:graphic>
           <a:graphicData uri="http://schemas.openxmlformats.org/drawingml/2006/table">
             <a:tbl>
-              <a:tblPr firstRow="1" bandRow="1"/>
+              <a:tblPr/>
               <a:tblGrid>
-                <a:gridCol w="1053395">
+                <a:gridCol w="1489298">
                   <a:extLst>
                     <a:ext uri="{9D8B030D-6E8A-4147-A177-3AD203B41FA5}">
-                      <a16:colId xmlns:a16="http://schemas.microsoft.com/office/drawing/2014/main" val="1019583549"/>
+                      <a16:colId xmlns:a16="http://schemas.microsoft.com/office/drawing/2014/main" val="257090424"/>
                     </a:ext>
                   </a:extLst>
                 </a:gridCol>
-                <a:gridCol w="1344515">
+                <a:gridCol w="1489298">
                   <a:extLst>
                     <a:ext uri="{9D8B030D-6E8A-4147-A177-3AD203B41FA5}">
-                      <a16:colId xmlns:a16="http://schemas.microsoft.com/office/drawing/2014/main" val="4042137640"/>
+                      <a16:colId xmlns:a16="http://schemas.microsoft.com/office/drawing/2014/main" val="3346602704"/>
                     </a:ext>
                   </a:extLst>
                 </a:gridCol>
-                <a:gridCol w="1682508">
+                <a:gridCol w="1489298">
                   <a:extLst>
                     <a:ext uri="{9D8B030D-6E8A-4147-A177-3AD203B41FA5}">
-                      <a16:colId xmlns:a16="http://schemas.microsoft.com/office/drawing/2014/main" val="934818834"/>
+                      <a16:colId xmlns:a16="http://schemas.microsoft.com/office/drawing/2014/main" val="801850568"/>
                     </a:ext>
                   </a:extLst>
                 </a:gridCol>
-                <a:gridCol w="1607028">
+                <a:gridCol w="1489298">
                   <a:extLst>
                     <a:ext uri="{9D8B030D-6E8A-4147-A177-3AD203B41FA5}">
-                      <a16:colId xmlns:a16="http://schemas.microsoft.com/office/drawing/2014/main" val="4253248227"/>
+                      <a16:colId xmlns:a16="http://schemas.microsoft.com/office/drawing/2014/main" val="2831654327"/>
                     </a:ext>
                   </a:extLst>
                 </a:gridCol>
-                <a:gridCol w="1607028">
+                <a:gridCol w="1489298">
                   <a:extLst>
                     <a:ext uri="{9D8B030D-6E8A-4147-A177-3AD203B41FA5}">
-                      <a16:colId xmlns:a16="http://schemas.microsoft.com/office/drawing/2014/main" val="1617347277"/>
+                      <a16:colId xmlns:a16="http://schemas.microsoft.com/office/drawing/2014/main" val="2731428822"/>
                     </a:ext>
                   </a:extLst>
                 </a:gridCol>
-                <a:gridCol w="1531547">
+                <a:gridCol w="1489298">
                   <a:extLst>
                     <a:ext uri="{9D8B030D-6E8A-4147-A177-3AD203B41FA5}">
-                      <a16:colId xmlns:a16="http://schemas.microsoft.com/office/drawing/2014/main" val="494018100"/>
+                      <a16:colId xmlns:a16="http://schemas.microsoft.com/office/drawing/2014/main" val="4085199551"/>
                     </a:ext>
                   </a:extLst>
                 </a:gridCol>
-                <a:gridCol w="1531547">
+                <a:gridCol w="1489298">
                   <a:extLst>
                     <a:ext uri="{9D8B030D-6E8A-4147-A177-3AD203B41FA5}">
-                      <a16:colId xmlns:a16="http://schemas.microsoft.com/office/drawing/2014/main" val="2789593751"/>
+                      <a16:colId xmlns:a16="http://schemas.microsoft.com/office/drawing/2014/main" val="4067453655"/>
                     </a:ext>
                   </a:extLst>
                 </a:gridCol>
               </a:tblGrid>
-              <a:tr h="268980">
+              <a:tr h="362611">
                 <a:tc>
                   <a:txBody>
                     <a:bodyPr/>
@@ -10636,13 +10695,12 @@
                         <a:buNone/>
                       </a:pPr>
                       <a:r>
-                        <a:rPr lang="en-CA" sz="1200" b="1"/>
+                        <a:rPr lang="en-CA" sz="1200" dirty="0"/>
                         <a:t>System</a:t>
                       </a:r>
-                      <a:endParaRPr lang="en-CA" sz="1200"/>
                     </a:p>
                   </a:txBody>
-                  <a:tcPr marL="60494" marR="60494" marT="30247" marB="30247" anchor="ctr">
+                  <a:tcPr marL="90653" marR="90653" marT="45326" marB="45326" anchor="ctr">
                     <a:lnL>
                       <a:noFill/>
                     </a:lnL>
@@ -10667,13 +10725,12 @@
                         <a:buNone/>
                       </a:pPr>
                       <a:r>
-                        <a:rPr lang="en-CA" sz="1200" b="1" dirty="0"/>
+                        <a:rPr lang="en-CA" sz="1200"/>
                         <a:t>Algorithm</a:t>
                       </a:r>
-                      <a:endParaRPr lang="en-CA" sz="1200" dirty="0"/>
                     </a:p>
                   </a:txBody>
-                  <a:tcPr marL="60494" marR="60494" marT="30247" marB="30247" anchor="ctr">
+                  <a:tcPr marL="90653" marR="90653" marT="45326" marB="45326" anchor="ctr">
                     <a:lnL>
                       <a:noFill/>
                     </a:lnL>
@@ -10698,13 +10755,12 @@
                         <a:buNone/>
                       </a:pPr>
                       <a:r>
-                        <a:rPr lang="en-CA" sz="1200" b="1"/>
+                        <a:rPr lang="en-CA" sz="1200"/>
                         <a:t>MSE</a:t>
                       </a:r>
-                      <a:endParaRPr lang="en-CA" sz="1200"/>
                     </a:p>
                   </a:txBody>
-                  <a:tcPr marL="60494" marR="60494" marT="30247" marB="30247" anchor="ctr">
+                  <a:tcPr marL="90653" marR="90653" marT="45326" marB="45326" anchor="ctr">
                     <a:lnL>
                       <a:noFill/>
                     </a:lnL>
@@ -10729,13 +10785,12 @@
                         <a:buNone/>
                       </a:pPr>
                       <a:r>
-                        <a:rPr lang="en-CA" sz="1200" b="1"/>
+                        <a:rPr lang="en-CA" sz="1200"/>
                         <a:t>RMSE</a:t>
                       </a:r>
-                      <a:endParaRPr lang="en-CA" sz="1200"/>
                     </a:p>
                   </a:txBody>
-                  <a:tcPr marL="60494" marR="60494" marT="30247" marB="30247" anchor="ctr">
+                  <a:tcPr marL="90653" marR="90653" marT="45326" marB="45326" anchor="ctr">
                     <a:lnL>
                       <a:noFill/>
                     </a:lnL>
@@ -10760,13 +10815,12 @@
                         <a:buNone/>
                       </a:pPr>
                       <a:r>
-                        <a:rPr lang="en-CA" sz="1200" b="1"/>
+                        <a:rPr lang="en-CA" sz="1200"/>
                         <a:t>MAE</a:t>
                       </a:r>
-                      <a:endParaRPr lang="en-CA" sz="1200"/>
                     </a:p>
                   </a:txBody>
-                  <a:tcPr marL="60494" marR="60494" marT="30247" marB="30247" anchor="ctr">
+                  <a:tcPr marL="90653" marR="90653" marT="45326" marB="45326" anchor="ctr">
                     <a:lnL>
                       <a:noFill/>
                     </a:lnL>
@@ -10791,13 +10845,12 @@
                         <a:buNone/>
                       </a:pPr>
                       <a:r>
-                        <a:rPr lang="en-CA" sz="1200" b="1"/>
+                        <a:rPr lang="en-CA" sz="1200"/>
                         <a:t>R²</a:t>
                       </a:r>
-                      <a:endParaRPr lang="en-CA" sz="1200"/>
                     </a:p>
                   </a:txBody>
-                  <a:tcPr marL="60494" marR="60494" marT="30247" marB="30247" anchor="ctr">
+                  <a:tcPr marL="90653" marR="90653" marT="45326" marB="45326" anchor="ctr">
                     <a:lnL>
                       <a:noFill/>
                     </a:lnL>
@@ -10822,13 +10875,12 @@
                         <a:buNone/>
                       </a:pPr>
                       <a:r>
-                        <a:rPr lang="en-CA" sz="1200" b="1"/>
+                        <a:rPr lang="en-CA" sz="1200"/>
                         <a:t>Pearson</a:t>
                       </a:r>
-                      <a:endParaRPr lang="en-CA" sz="1200"/>
                     </a:p>
                   </a:txBody>
-                  <a:tcPr marL="60494" marR="60494" marT="30247" marB="30247" anchor="ctr">
+                  <a:tcPr marL="90653" marR="90653" marT="45326" marB="45326" anchor="ctr">
                     <a:lnL>
                       <a:noFill/>
                     </a:lnL>
@@ -10846,11 +10898,11 @@
                 </a:tc>
                 <a:extLst>
                   <a:ext uri="{0D108BD9-81ED-4DB2-BD59-A6C34878D82A}">
-                    <a16:rowId xmlns:a16="http://schemas.microsoft.com/office/drawing/2014/main" val="1278196632"/>
+                    <a16:rowId xmlns:a16="http://schemas.microsoft.com/office/drawing/2014/main" val="2439124447"/>
                   </a:ext>
                 </a:extLst>
               </a:tr>
-              <a:tr h="446955">
+              <a:tr h="362611">
                 <a:tc>
                   <a:txBody>
                     <a:bodyPr/>
@@ -10865,7 +10917,7 @@
                       </a:r>
                     </a:p>
                   </a:txBody>
-                  <a:tcPr marL="60494" marR="60494" marT="30247" marB="30247" anchor="ctr">
+                  <a:tcPr marL="90653" marR="90653" marT="45326" marB="45326" anchor="ctr">
                     <a:lnL>
                       <a:noFill/>
                     </a:lnL>
@@ -10895,7 +10947,7 @@
                       </a:r>
                     </a:p>
                   </a:txBody>
-                  <a:tcPr marL="60494" marR="60494" marT="30247" marB="30247" anchor="ctr">
+                  <a:tcPr marL="90653" marR="90653" marT="45326" marB="45326" anchor="ctr">
                     <a:lnL>
                       <a:noFill/>
                     </a:lnL>
@@ -10921,11 +10973,11 @@
                       </a:pPr>
                       <a:r>
                         <a:rPr lang="en-CA" sz="1200"/>
-                        <a:t>0.07621537540750258</a:t>
+                        <a:t>0.138</a:t>
                       </a:r>
                     </a:p>
                   </a:txBody>
-                  <a:tcPr marL="60494" marR="60494" marT="30247" marB="30247" anchor="ctr">
+                  <a:tcPr marL="90653" marR="90653" marT="45326" marB="45326" anchor="ctr">
                     <a:lnL>
                       <a:noFill/>
                     </a:lnL>
@@ -10951,11 +11003,11 @@
                       </a:pPr>
                       <a:r>
                         <a:rPr lang="en-CA" sz="1200"/>
-                        <a:t>0.26510132526414987</a:t>
+                        <a:t>0.371</a:t>
                       </a:r>
                     </a:p>
                   </a:txBody>
-                  <a:tcPr marL="60494" marR="60494" marT="30247" marB="30247" anchor="ctr">
+                  <a:tcPr marL="90653" marR="90653" marT="45326" marB="45326" anchor="ctr">
                     <a:lnL>
                       <a:noFill/>
                     </a:lnL>
@@ -10981,11 +11033,11 @@
                       </a:pPr>
                       <a:r>
                         <a:rPr lang="en-CA" sz="1200"/>
-                        <a:t>0.23189670823771377</a:t>
+                        <a:t>0.360</a:t>
                       </a:r>
                     </a:p>
                   </a:txBody>
-                  <a:tcPr marL="60494" marR="60494" marT="30247" marB="30247" anchor="ctr">
+                  <a:tcPr marL="90653" marR="90653" marT="45326" marB="45326" anchor="ctr">
                     <a:lnL>
                       <a:noFill/>
                     </a:lnL>
@@ -11011,11 +11063,11 @@
                       </a:pPr>
                       <a:r>
                         <a:rPr lang="en-CA" sz="1200"/>
-                        <a:t>0.9183019091343058</a:t>
+                        <a:t>0.865</a:t>
                       </a:r>
                     </a:p>
                   </a:txBody>
-                  <a:tcPr marL="60494" marR="60494" marT="30247" marB="30247" anchor="ctr">
+                  <a:tcPr marL="90653" marR="90653" marT="45326" marB="45326" anchor="ctr">
                     <a:lnL>
                       <a:noFill/>
                     </a:lnL>
@@ -11041,11 +11093,11 @@
                       </a:pPr>
                       <a:r>
                         <a:rPr lang="en-CA" sz="1200"/>
-                        <a:t>0.9869762223628038</a:t>
+                        <a:t>0.993</a:t>
                       </a:r>
                     </a:p>
                   </a:txBody>
-                  <a:tcPr marL="60494" marR="60494" marT="30247" marB="30247" anchor="ctr">
+                  <a:tcPr marL="90653" marR="90653" marT="45326" marB="45326" anchor="ctr">
                     <a:lnL>
                       <a:noFill/>
                     </a:lnL>
@@ -11063,11 +11115,11 @@
                 </a:tc>
                 <a:extLst>
                   <a:ext uri="{0D108BD9-81ED-4DB2-BD59-A6C34878D82A}">
-                    <a16:rowId xmlns:a16="http://schemas.microsoft.com/office/drawing/2014/main" val="2377649538"/>
+                    <a16:rowId xmlns:a16="http://schemas.microsoft.com/office/drawing/2014/main" val="2569451864"/>
                   </a:ext>
                 </a:extLst>
               </a:tr>
-              <a:tr h="446955">
+              <a:tr h="362611">
                 <a:tc>
                   <a:txBody>
                     <a:bodyPr/>
@@ -11082,7 +11134,7 @@
                       </a:r>
                     </a:p>
                   </a:txBody>
-                  <a:tcPr marL="60494" marR="60494" marT="30247" marB="30247" anchor="ctr">
+                  <a:tcPr marL="90653" marR="90653" marT="45326" marB="45326" anchor="ctr">
                     <a:lnL>
                       <a:noFill/>
                     </a:lnL>
@@ -11112,7 +11164,7 @@
                       </a:r>
                     </a:p>
                   </a:txBody>
-                  <a:tcPr marL="60494" marR="60494" marT="30247" marB="30247" anchor="ctr">
+                  <a:tcPr marL="90653" marR="90653" marT="45326" marB="45326" anchor="ctr">
                     <a:lnL>
                       <a:noFill/>
                     </a:lnL>
@@ -11138,11 +11190,11 @@
                       </a:pPr>
                       <a:r>
                         <a:rPr lang="en-CA" sz="1200"/>
-                        <a:t>0.07655992747509274</a:t>
+                        <a:t>0.139</a:t>
                       </a:r>
                     </a:p>
                   </a:txBody>
-                  <a:tcPr marL="60494" marR="60494" marT="30247" marB="30247" anchor="ctr">
+                  <a:tcPr marL="90653" marR="90653" marT="45326" marB="45326" anchor="ctr">
                     <a:lnL>
                       <a:noFill/>
                     </a:lnL>
@@ -11168,11 +11220,11 @@
                       </a:pPr>
                       <a:r>
                         <a:rPr lang="en-CA" sz="1200"/>
-                        <a:t>0.26560311284950155</a:t>
+                        <a:t>0.372</a:t>
                       </a:r>
                     </a:p>
                   </a:txBody>
-                  <a:tcPr marL="60494" marR="60494" marT="30247" marB="30247" anchor="ctr">
+                  <a:tcPr marL="90653" marR="90653" marT="45326" marB="45326" anchor="ctr">
                     <a:lnL>
                       <a:noFill/>
                     </a:lnL>
@@ -11198,11 +11250,11 @@
                       </a:pPr>
                       <a:r>
                         <a:rPr lang="en-CA" sz="1200"/>
-                        <a:t>0.23263436491633283</a:t>
+                        <a:t>0.361</a:t>
                       </a:r>
                     </a:p>
                   </a:txBody>
-                  <a:tcPr marL="60494" marR="60494" marT="30247" marB="30247" anchor="ctr">
+                  <a:tcPr marL="90653" marR="90653" marT="45326" marB="45326" anchor="ctr">
                     <a:lnL>
                       <a:noFill/>
                     </a:lnL>
@@ -11228,11 +11280,11 @@
                       </a:pPr>
                       <a:r>
                         <a:rPr lang="en-CA" sz="1200"/>
-                        <a:t>0.9141653508975588</a:t>
+                        <a:t>0.860</a:t>
                       </a:r>
                     </a:p>
                   </a:txBody>
-                  <a:tcPr marL="60494" marR="60494" marT="30247" marB="30247" anchor="ctr">
+                  <a:tcPr marL="90653" marR="90653" marT="45326" marB="45326" anchor="ctr">
                     <a:lnL>
                       <a:noFill/>
                     </a:lnL>
@@ -11258,11 +11310,11 @@
                       </a:pPr>
                       <a:r>
                         <a:rPr lang="en-CA" sz="1200"/>
-                        <a:t>0.9863204138203998</a:t>
+                        <a:t>0.993</a:t>
                       </a:r>
                     </a:p>
                   </a:txBody>
-                  <a:tcPr marL="60494" marR="60494" marT="30247" marB="30247" anchor="ctr">
+                  <a:tcPr marL="90653" marR="90653" marT="45326" marB="45326" anchor="ctr">
                     <a:lnL>
                       <a:noFill/>
                     </a:lnL>
@@ -11280,11 +11332,11 @@
                 </a:tc>
                 <a:extLst>
                   <a:ext uri="{0D108BD9-81ED-4DB2-BD59-A6C34878D82A}">
-                    <a16:rowId xmlns:a16="http://schemas.microsoft.com/office/drawing/2014/main" val="78110407"/>
+                    <a16:rowId xmlns:a16="http://schemas.microsoft.com/office/drawing/2014/main" val="2590472158"/>
                   </a:ext>
                 </a:extLst>
               </a:tr>
-              <a:tr h="446955">
+              <a:tr h="634570">
                 <a:tc>
                   <a:txBody>
                     <a:bodyPr/>
@@ -11299,7 +11351,7 @@
                       </a:r>
                     </a:p>
                   </a:txBody>
-                  <a:tcPr marL="60494" marR="60494" marT="30247" marB="30247" anchor="ctr">
+                  <a:tcPr marL="90653" marR="90653" marT="45326" marB="45326" anchor="ctr">
                     <a:lnL>
                       <a:noFill/>
                     </a:lnL>
@@ -11329,7 +11381,7 @@
                       </a:r>
                     </a:p>
                   </a:txBody>
-                  <a:tcPr marL="60494" marR="60494" marT="30247" marB="30247" anchor="ctr">
+                  <a:tcPr marL="90653" marR="90653" marT="45326" marB="45326" anchor="ctr">
                     <a:lnL>
                       <a:noFill/>
                     </a:lnL>
@@ -11355,41 +11407,11 @@
                       </a:pPr>
                       <a:r>
                         <a:rPr lang="en-CA" sz="1200"/>
-                        <a:t>0.006545579980191742</a:t>
+                        <a:t>0.002</a:t>
                       </a:r>
                     </a:p>
                   </a:txBody>
-                  <a:tcPr marL="60494" marR="60494" marT="30247" marB="30247" anchor="ctr">
-                    <a:lnL>
-                      <a:noFill/>
-                    </a:lnL>
-                    <a:lnR>
-                      <a:noFill/>
-                    </a:lnR>
-                    <a:lnT>
-                      <a:noFill/>
-                    </a:lnT>
-                    <a:lnB>
-                      <a:noFill/>
-                    </a:lnB>
-                    <a:noFill/>
-                  </a:tcPr>
-                </a:tc>
-                <a:tc>
-                  <a:txBody>
-                    <a:bodyPr/>
-                    <a:lstStyle/>
-                    <a:p>
-                      <a:pPr>
-                        <a:buNone/>
-                      </a:pPr>
-                      <a:r>
-                        <a:rPr lang="en-CA" sz="1200" dirty="0"/>
-                        <a:t>0.07270223816688927</a:t>
-                      </a:r>
-                    </a:p>
-                  </a:txBody>
-                  <a:tcPr marL="60494" marR="60494" marT="30247" marB="30247" anchor="ctr">
+                  <a:tcPr marL="90653" marR="90653" marT="45326" marB="45326" anchor="ctr">
                     <a:lnL>
                       <a:noFill/>
                     </a:lnL>
@@ -11415,11 +11437,11 @@
                       </a:pPr>
                       <a:r>
                         <a:rPr lang="en-CA" sz="1200"/>
-                        <a:t>0.05528135021249282</a:t>
+                        <a:t>0.042</a:t>
                       </a:r>
                     </a:p>
                   </a:txBody>
-                  <a:tcPr marL="60494" marR="60494" marT="30247" marB="30247" anchor="ctr">
+                  <a:tcPr marL="90653" marR="90653" marT="45326" marB="45326" anchor="ctr">
                     <a:lnL>
                       <a:noFill/>
                     </a:lnL>
@@ -11445,11 +11467,11 @@
                       </a:pPr>
                       <a:r>
                         <a:rPr lang="en-CA" sz="1200"/>
-                        <a:t>0.9932162093705145</a:t>
+                        <a:t>0.034</a:t>
                       </a:r>
                     </a:p>
                   </a:txBody>
-                  <a:tcPr marL="60494" marR="60494" marT="30247" marB="30247" anchor="ctr">
+                  <a:tcPr marL="90653" marR="90653" marT="45326" marB="45326" anchor="ctr">
                     <a:lnL>
                       <a:noFill/>
                     </a:lnL>
@@ -11475,11 +11497,11 @@
                       </a:pPr>
                       <a:r>
                         <a:rPr lang="en-CA" sz="1200"/>
-                        <a:t>0.9973747535338707</a:t>
+                        <a:t>0.998</a:t>
                       </a:r>
                     </a:p>
                   </a:txBody>
-                  <a:tcPr marL="60494" marR="60494" marT="30247" marB="30247" anchor="ctr">
+                  <a:tcPr marL="90653" marR="90653" marT="45326" marB="45326" anchor="ctr">
                     <a:lnL>
                       <a:noFill/>
                     </a:lnL>
@@ -11495,13 +11517,6 @@
                     <a:noFill/>
                   </a:tcPr>
                 </a:tc>
-                <a:extLst>
-                  <a:ext uri="{0D108BD9-81ED-4DB2-BD59-A6C34878D82A}">
-                    <a16:rowId xmlns:a16="http://schemas.microsoft.com/office/drawing/2014/main" val="2880987976"/>
-                  </a:ext>
-                </a:extLst>
-              </a:tr>
-              <a:tr h="446955">
                 <a:tc>
                   <a:txBody>
                     <a:bodyPr/>
@@ -11511,12 +11526,49 @@
                         <a:buNone/>
                       </a:pPr>
                       <a:r>
-                        <a:rPr lang="en-CA" sz="1200" dirty="0"/>
+                        <a:rPr lang="en-CA" sz="1200"/>
+                        <a:t>0.999</a:t>
+                      </a:r>
+                    </a:p>
+                  </a:txBody>
+                  <a:tcPr marL="90653" marR="90653" marT="45326" marB="45326" anchor="ctr">
+                    <a:lnL>
+                      <a:noFill/>
+                    </a:lnL>
+                    <a:lnR>
+                      <a:noFill/>
+                    </a:lnR>
+                    <a:lnT>
+                      <a:noFill/>
+                    </a:lnT>
+                    <a:lnB>
+                      <a:noFill/>
+                    </a:lnB>
+                    <a:noFill/>
+                  </a:tcPr>
+                </a:tc>
+                <a:extLst>
+                  <a:ext uri="{0D108BD9-81ED-4DB2-BD59-A6C34878D82A}">
+                    <a16:rowId xmlns:a16="http://schemas.microsoft.com/office/drawing/2014/main" val="2158012375"/>
+                  </a:ext>
+                </a:extLst>
+              </a:tr>
+              <a:tr h="634570">
+                <a:tc>
+                  <a:txBody>
+                    <a:bodyPr/>
+                    <a:lstStyle/>
+                    <a:p>
+                      <a:pPr>
+                        <a:buNone/>
+                      </a:pPr>
+                      <a:r>
+                        <a:rPr lang="en-CA" sz="1200"/>
                         <a:t>CTRL</a:t>
                       </a:r>
                     </a:p>
                   </a:txBody>
-                  <a:tcPr marL="60494" marR="60494" marT="30247" marB="30247" anchor="ctr">
+                  <a:tcPr marL="90653" marR="90653" marT="45326" marB="45326" anchor="ctr">
                     <a:lnL>
                       <a:noFill/>
                     </a:lnL>
@@ -11546,7 +11598,7 @@
                       </a:r>
                     </a:p>
                   </a:txBody>
-                  <a:tcPr marL="60494" marR="60494" marT="30247" marB="30247" anchor="ctr">
+                  <a:tcPr marL="90653" marR="90653" marT="45326" marB="45326" anchor="ctr">
                     <a:lnL>
                       <a:noFill/>
                     </a:lnL>
@@ -11572,11 +11624,11 @@
                       </a:pPr>
                       <a:r>
                         <a:rPr lang="en-CA" sz="1200"/>
-                        <a:t>0.005986573956886724</a:t>
+                        <a:t>0.002</a:t>
                       </a:r>
                     </a:p>
                   </a:txBody>
-                  <a:tcPr marL="60494" marR="60494" marT="30247" marB="30247" anchor="ctr">
+                  <a:tcPr marL="90653" marR="90653" marT="45326" marB="45326" anchor="ctr">
                     <a:lnL>
                       <a:noFill/>
                     </a:lnL>
@@ -11602,11 +11654,11 @@
                       </a:pPr>
                       <a:r>
                         <a:rPr lang="en-CA" sz="1200"/>
-                        <a:t>0.06986042604142284</a:t>
+                        <a:t>0.042</a:t>
                       </a:r>
                     </a:p>
                   </a:txBody>
-                  <a:tcPr marL="60494" marR="60494" marT="30247" marB="30247" anchor="ctr">
+                  <a:tcPr marL="90653" marR="90653" marT="45326" marB="45326" anchor="ctr">
                     <a:lnL>
                       <a:noFill/>
                     </a:lnL>
@@ -11632,11 +11684,11 @@
                       </a:pPr>
                       <a:r>
                         <a:rPr lang="en-CA" sz="1200"/>
-                        <a:t>0.05376226621968993</a:t>
+                        <a:t>0.034</a:t>
                       </a:r>
                     </a:p>
                   </a:txBody>
-                  <a:tcPr marL="60494" marR="60494" marT="30247" marB="30247" anchor="ctr">
+                  <a:tcPr marL="90653" marR="90653" marT="45326" marB="45326" anchor="ctr">
                     <a:lnL>
                       <a:noFill/>
                     </a:lnL>
@@ -11662,11 +11714,11 @@
                       </a:pPr>
                       <a:r>
                         <a:rPr lang="en-CA" sz="1200"/>
-                        <a:t>0.9933130782226036</a:t>
+                        <a:t>0.998</a:t>
                       </a:r>
                     </a:p>
                   </a:txBody>
-                  <a:tcPr marL="60494" marR="60494" marT="30247" marB="30247" anchor="ctr">
+                  <a:tcPr marL="90653" marR="90653" marT="45326" marB="45326" anchor="ctr">
                     <a:lnL>
                       <a:noFill/>
                     </a:lnL>
@@ -11692,11 +11744,11 @@
                       </a:pPr>
                       <a:r>
                         <a:rPr lang="en-CA" sz="1200"/>
-                        <a:t>0.9973907777414155</a:t>
+                        <a:t>0.999</a:t>
                       </a:r>
                     </a:p>
                   </a:txBody>
-                  <a:tcPr marL="60494" marR="60494" marT="30247" marB="30247" anchor="ctr">
+                  <a:tcPr marL="90653" marR="90653" marT="45326" marB="45326" anchor="ctr">
                     <a:lnL>
                       <a:noFill/>
                     </a:lnL>
@@ -11714,11 +11766,11 @@
                 </a:tc>
                 <a:extLst>
                   <a:ext uri="{0D108BD9-81ED-4DB2-BD59-A6C34878D82A}">
-                    <a16:rowId xmlns:a16="http://schemas.microsoft.com/office/drawing/2014/main" val="1509458932"/>
+                    <a16:rowId xmlns:a16="http://schemas.microsoft.com/office/drawing/2014/main" val="445757522"/>
                   </a:ext>
                 </a:extLst>
               </a:tr>
-              <a:tr h="446955">
+              <a:tr h="362611">
                 <a:tc>
                   <a:txBody>
                     <a:bodyPr/>
@@ -11733,7 +11785,7 @@
                       </a:r>
                     </a:p>
                   </a:txBody>
-                  <a:tcPr marL="60494" marR="60494" marT="30247" marB="30247" anchor="ctr">
+                  <a:tcPr marL="90653" marR="90653" marT="45326" marB="45326" anchor="ctr">
                     <a:lnL>
                       <a:noFill/>
                     </a:lnL>
@@ -11763,7 +11815,7 @@
                       </a:r>
                     </a:p>
                   </a:txBody>
-                  <a:tcPr marL="60494" marR="60494" marT="30247" marB="30247" anchor="ctr">
+                  <a:tcPr marL="90653" marR="90653" marT="45326" marB="45326" anchor="ctr">
                     <a:lnL>
                       <a:noFill/>
                     </a:lnL>
@@ -11789,11 +11841,11 @@
                       </a:pPr>
                       <a:r>
                         <a:rPr lang="en-CA" sz="1200"/>
-                        <a:t>0.08415601347926362</a:t>
+                        <a:t>0.000</a:t>
                       </a:r>
                     </a:p>
                   </a:txBody>
-                  <a:tcPr marL="60494" marR="60494" marT="30247" marB="30247" anchor="ctr">
+                  <a:tcPr marL="90653" marR="90653" marT="45326" marB="45326" anchor="ctr">
                     <a:lnL>
                       <a:noFill/>
                     </a:lnL>
@@ -11819,11 +11871,11 @@
                       </a:pPr>
                       <a:r>
                         <a:rPr lang="en-CA" sz="1200"/>
-                        <a:t>0.27599469458382264</a:t>
+                        <a:t>0.000</a:t>
                       </a:r>
                     </a:p>
                   </a:txBody>
-                  <a:tcPr marL="60494" marR="60494" marT="30247" marB="30247" anchor="ctr">
+                  <a:tcPr marL="90653" marR="90653" marT="45326" marB="45326" anchor="ctr">
                     <a:lnL>
                       <a:noFill/>
                     </a:lnL>
@@ -11849,11 +11901,11 @@
                       </a:pPr>
                       <a:r>
                         <a:rPr lang="en-CA" sz="1200"/>
-                        <a:t>0.16415781746136732</a:t>
+                        <a:t>0.000</a:t>
                       </a:r>
                     </a:p>
                   </a:txBody>
-                  <a:tcPr marL="60494" marR="60494" marT="30247" marB="30247" anchor="ctr">
+                  <a:tcPr marL="90653" marR="90653" marT="45326" marB="45326" anchor="ctr">
                     <a:lnL>
                       <a:noFill/>
                     </a:lnL>
@@ -11879,11 +11931,11 @@
                       </a:pPr>
                       <a:r>
                         <a:rPr lang="en-CA" sz="1200"/>
-                        <a:t>0.9212132723167025</a:t>
+                        <a:t>1.000</a:t>
                       </a:r>
                     </a:p>
                   </a:txBody>
-                  <a:tcPr marL="60494" marR="60494" marT="30247" marB="30247" anchor="ctr">
+                  <a:tcPr marL="90653" marR="90653" marT="45326" marB="45326" anchor="ctr">
                     <a:lnL>
                       <a:noFill/>
                     </a:lnL>
@@ -11909,11 +11961,11 @@
                       </a:pPr>
                       <a:r>
                         <a:rPr lang="en-CA" sz="1200"/>
-                        <a:t>0.9647337591518942</a:t>
+                        <a:t>1.000</a:t>
                       </a:r>
                     </a:p>
                   </a:txBody>
-                  <a:tcPr marL="60494" marR="60494" marT="30247" marB="30247" anchor="ctr">
+                  <a:tcPr marL="90653" marR="90653" marT="45326" marB="45326" anchor="ctr">
                     <a:lnL>
                       <a:noFill/>
                     </a:lnL>
@@ -11931,11 +11983,11 @@
                 </a:tc>
                 <a:extLst>
                   <a:ext uri="{0D108BD9-81ED-4DB2-BD59-A6C34878D82A}">
-                    <a16:rowId xmlns:a16="http://schemas.microsoft.com/office/drawing/2014/main" val="1457632432"/>
+                    <a16:rowId xmlns:a16="http://schemas.microsoft.com/office/drawing/2014/main" val="1993833400"/>
                   </a:ext>
                 </a:extLst>
               </a:tr>
-              <a:tr h="446955">
+              <a:tr h="362611">
                 <a:tc>
                   <a:txBody>
                     <a:bodyPr/>
@@ -11950,37 +12002,7 @@
                       </a:r>
                     </a:p>
                   </a:txBody>
-                  <a:tcPr marL="60494" marR="60494" marT="30247" marB="30247" anchor="ctr">
-                    <a:lnL>
-                      <a:noFill/>
-                    </a:lnL>
-                    <a:lnR>
-                      <a:noFill/>
-                    </a:lnR>
-                    <a:lnT>
-                      <a:noFill/>
-                    </a:lnT>
-                    <a:lnB>
-                      <a:noFill/>
-                    </a:lnB>
-                    <a:noFill/>
-                  </a:tcPr>
-                </a:tc>
-                <a:tc>
-                  <a:txBody>
-                    <a:bodyPr/>
-                    <a:lstStyle/>
-                    <a:p>
-                      <a:pPr>
-                        <a:buNone/>
-                      </a:pPr>
-                      <a:r>
-                        <a:rPr lang="en-CA" sz="1200" dirty="0"/>
-                        <a:t>PPO (Train)</a:t>
-                      </a:r>
-                    </a:p>
-                  </a:txBody>
-                  <a:tcPr marL="60494" marR="60494" marT="30247" marB="30247" anchor="ctr">
+                  <a:tcPr marL="90653" marR="90653" marT="45326" marB="45326" anchor="ctr">
                     <a:lnL>
                       <a:noFill/>
                     </a:lnL>
@@ -12006,11 +12028,11 @@
                       </a:pPr>
                       <a:r>
                         <a:rPr lang="en-CA" sz="1200"/>
-                        <a:t>0.11324855781577785</a:t>
+                        <a:t>PPO (Train)</a:t>
                       </a:r>
                     </a:p>
                   </a:txBody>
-                  <a:tcPr marL="60494" marR="60494" marT="30247" marB="30247" anchor="ctr">
+                  <a:tcPr marL="90653" marR="90653" marT="45326" marB="45326" anchor="ctr">
                     <a:lnL>
                       <a:noFill/>
                     </a:lnL>
@@ -12036,11 +12058,11 @@
                       </a:pPr>
                       <a:r>
                         <a:rPr lang="en-CA" sz="1200"/>
-                        <a:t>0.3197073092444613</a:t>
+                        <a:t>0.000</a:t>
                       </a:r>
                     </a:p>
                   </a:txBody>
-                  <a:tcPr marL="60494" marR="60494" marT="30247" marB="30247" anchor="ctr">
+                  <a:tcPr marL="90653" marR="90653" marT="45326" marB="45326" anchor="ctr">
                     <a:lnL>
                       <a:noFill/>
                     </a:lnL>
@@ -12066,11 +12088,11 @@
                       </a:pPr>
                       <a:r>
                         <a:rPr lang="en-CA" sz="1200"/>
-                        <a:t>0.16034458577632904</a:t>
+                        <a:t>0.000</a:t>
                       </a:r>
                     </a:p>
                   </a:txBody>
-                  <a:tcPr marL="60494" marR="60494" marT="30247" marB="30247" anchor="ctr">
+                  <a:tcPr marL="90653" marR="90653" marT="45326" marB="45326" anchor="ctr">
                     <a:lnL>
                       <a:noFill/>
                     </a:lnL>
@@ -12096,11 +12118,11 @@
                       </a:pPr>
                       <a:r>
                         <a:rPr lang="en-CA" sz="1200"/>
-                        <a:t>0.9097731185370478</a:t>
+                        <a:t>0.000</a:t>
                       </a:r>
                     </a:p>
                   </a:txBody>
-                  <a:tcPr marL="60494" marR="60494" marT="30247" marB="30247" anchor="ctr">
+                  <a:tcPr marL="90653" marR="90653" marT="45326" marB="45326" anchor="ctr">
                     <a:lnL>
                       <a:noFill/>
                     </a:lnL>
@@ -12126,11 +12148,41 @@
                       </a:pPr>
                       <a:r>
                         <a:rPr lang="en-CA" sz="1200"/>
-                        <a:t>0.9584318552580068</a:t>
+                        <a:t>1.000</a:t>
                       </a:r>
                     </a:p>
                   </a:txBody>
-                  <a:tcPr marL="60494" marR="60494" marT="30247" marB="30247" anchor="ctr">
+                  <a:tcPr marL="90653" marR="90653" marT="45326" marB="45326" anchor="ctr">
+                    <a:lnL>
+                      <a:noFill/>
+                    </a:lnL>
+                    <a:lnR>
+                      <a:noFill/>
+                    </a:lnR>
+                    <a:lnT>
+                      <a:noFill/>
+                    </a:lnT>
+                    <a:lnB>
+                      <a:noFill/>
+                    </a:lnB>
+                    <a:noFill/>
+                  </a:tcPr>
+                </a:tc>
+                <a:tc>
+                  <a:txBody>
+                    <a:bodyPr/>
+                    <a:lstStyle/>
+                    <a:p>
+                      <a:pPr>
+                        <a:buNone/>
+                      </a:pPr>
+                      <a:r>
+                        <a:rPr lang="en-CA" sz="1200"/>
+                        <a:t>1.000</a:t>
+                      </a:r>
+                    </a:p>
+                  </a:txBody>
+                  <a:tcPr marL="90653" marR="90653" marT="45326" marB="45326" anchor="ctr">
                     <a:lnL>
                       <a:noFill/>
                     </a:lnL>
@@ -12148,11 +12200,11 @@
                 </a:tc>
                 <a:extLst>
                   <a:ext uri="{0D108BD9-81ED-4DB2-BD59-A6C34878D82A}">
-                    <a16:rowId xmlns:a16="http://schemas.microsoft.com/office/drawing/2014/main" val="3351439613"/>
+                    <a16:rowId xmlns:a16="http://schemas.microsoft.com/office/drawing/2014/main" val="4118092011"/>
                   </a:ext>
                 </a:extLst>
               </a:tr>
-              <a:tr h="446955">
+              <a:tr h="634570">
                 <a:tc>
                   <a:txBody>
                     <a:bodyPr/>
@@ -12167,7 +12219,7 @@
                       </a:r>
                     </a:p>
                   </a:txBody>
-                  <a:tcPr marL="60494" marR="60494" marT="30247" marB="30247" anchor="ctr">
+                  <a:tcPr marL="90653" marR="90653" marT="45326" marB="45326" anchor="ctr">
                     <a:lnL>
                       <a:noFill/>
                     </a:lnL>
@@ -12197,7 +12249,7 @@
                       </a:r>
                     </a:p>
                   </a:txBody>
-                  <a:tcPr marL="60494" marR="60494" marT="30247" marB="30247" anchor="ctr">
+                  <a:tcPr marL="90653" marR="90653" marT="45326" marB="45326" anchor="ctr">
                     <a:lnL>
                       <a:noFill/>
                     </a:lnL>
@@ -12223,11 +12275,11 @@
                       </a:pPr>
                       <a:r>
                         <a:rPr lang="en-CA" sz="1200"/>
-                        <a:t>0.08934188078575094</a:t>
+                        <a:t>0.000</a:t>
                       </a:r>
                     </a:p>
                   </a:txBody>
-                  <a:tcPr marL="60494" marR="60494" marT="30247" marB="30247" anchor="ctr">
+                  <a:tcPr marL="90653" marR="90653" marT="45326" marB="45326" anchor="ctr">
                     <a:lnL>
                       <a:noFill/>
                     </a:lnL>
@@ -12253,11 +12305,11 @@
                       </a:pPr>
                       <a:r>
                         <a:rPr lang="en-CA" sz="1200"/>
-                        <a:t>0.28246176930900474</a:t>
+                        <a:t>0.000</a:t>
                       </a:r>
                     </a:p>
                   </a:txBody>
-                  <a:tcPr marL="60494" marR="60494" marT="30247" marB="30247" anchor="ctr">
+                  <a:tcPr marL="90653" marR="90653" marT="45326" marB="45326" anchor="ctr">
                     <a:lnL>
                       <a:noFill/>
                     </a:lnL>
@@ -12283,11 +12335,11 @@
                       </a:pPr>
                       <a:r>
                         <a:rPr lang="en-CA" sz="1200"/>
-                        <a:t>0.16750736393291374</a:t>
+                        <a:t>0.000</a:t>
                       </a:r>
                     </a:p>
                   </a:txBody>
-                  <a:tcPr marL="60494" marR="60494" marT="30247" marB="30247" anchor="ctr">
+                  <a:tcPr marL="90653" marR="90653" marT="45326" marB="45326" anchor="ctr">
                     <a:lnL>
                       <a:noFill/>
                     </a:lnL>
@@ -12313,11 +12365,11 @@
                       </a:pPr>
                       <a:r>
                         <a:rPr lang="en-CA" sz="1200"/>
-                        <a:t>0.9235682035314625</a:t>
+                        <a:t>1.000</a:t>
                       </a:r>
                     </a:p>
                   </a:txBody>
-                  <a:tcPr marL="60494" marR="60494" marT="30247" marB="30247" anchor="ctr">
+                  <a:tcPr marL="90653" marR="90653" marT="45326" marB="45326" anchor="ctr">
                     <a:lnL>
                       <a:noFill/>
                     </a:lnL>
@@ -12343,11 +12395,11 @@
                       </a:pPr>
                       <a:r>
                         <a:rPr lang="en-CA" sz="1200"/>
-                        <a:t>0.9658645719485868</a:t>
+                        <a:t>1.000</a:t>
                       </a:r>
                     </a:p>
                   </a:txBody>
-                  <a:tcPr marL="60494" marR="60494" marT="30247" marB="30247" anchor="ctr">
+                  <a:tcPr marL="90653" marR="90653" marT="45326" marB="45326" anchor="ctr">
                     <a:lnL>
                       <a:noFill/>
                     </a:lnL>
@@ -12365,11 +12417,11 @@
                 </a:tc>
                 <a:extLst>
                   <a:ext uri="{0D108BD9-81ED-4DB2-BD59-A6C34878D82A}">
-                    <a16:rowId xmlns:a16="http://schemas.microsoft.com/office/drawing/2014/main" val="1157665939"/>
+                    <a16:rowId xmlns:a16="http://schemas.microsoft.com/office/drawing/2014/main" val="2631687750"/>
                   </a:ext>
                 </a:extLst>
               </a:tr>
-              <a:tr h="446955">
+              <a:tr h="634570">
                 <a:tc>
                   <a:txBody>
                     <a:bodyPr/>
@@ -12384,7 +12436,37 @@
                       </a:r>
                     </a:p>
                   </a:txBody>
-                  <a:tcPr marL="60494" marR="60494" marT="30247" marB="30247" anchor="ctr">
+                  <a:tcPr marL="90653" marR="90653" marT="45326" marB="45326" anchor="ctr">
+                    <a:lnL>
+                      <a:noFill/>
+                    </a:lnL>
+                    <a:lnR>
+                      <a:noFill/>
+                    </a:lnR>
+                    <a:lnT>
+                      <a:noFill/>
+                    </a:lnT>
+                    <a:lnB>
+                      <a:noFill/>
+                    </a:lnB>
+                    <a:noFill/>
+                  </a:tcPr>
+                </a:tc>
+                <a:tc>
+                  <a:txBody>
+                    <a:bodyPr/>
+                    <a:lstStyle/>
+                    <a:p>
+                      <a:pPr>
+                        <a:buNone/>
+                      </a:pPr>
+                      <a:r>
+                        <a:rPr lang="en-CA" sz="1200" dirty="0"/>
+                        <a:t>TRPO→PPO (Train)</a:t>
+                      </a:r>
+                    </a:p>
+                  </a:txBody>
+                  <a:tcPr marL="90653" marR="90653" marT="45326" marB="45326" anchor="ctr">
                     <a:lnL>
                       <a:noFill/>
                     </a:lnL>
@@ -12410,11 +12492,11 @@
                       </a:pPr>
                       <a:r>
                         <a:rPr lang="en-CA" sz="1200"/>
-                        <a:t>TRPO→PPO (Train)</a:t>
+                        <a:t>0.000</a:t>
                       </a:r>
                     </a:p>
                   </a:txBody>
-                  <a:tcPr marL="60494" marR="60494" marT="30247" marB="30247" anchor="ctr">
+                  <a:tcPr marL="90653" marR="90653" marT="45326" marB="45326" anchor="ctr">
                     <a:lnL>
                       <a:noFill/>
                     </a:lnL>
@@ -12440,11 +12522,11 @@
                       </a:pPr>
                       <a:r>
                         <a:rPr lang="en-CA" sz="1200"/>
-                        <a:t>0.11469726720503692</a:t>
+                        <a:t>0.000</a:t>
                       </a:r>
                     </a:p>
                   </a:txBody>
-                  <a:tcPr marL="60494" marR="60494" marT="30247" marB="30247" anchor="ctr">
+                  <a:tcPr marL="90653" marR="90653" marT="45326" marB="45326" anchor="ctr">
                     <a:lnL>
                       <a:noFill/>
                     </a:lnL>
@@ -12470,11 +12552,11 @@
                       </a:pPr>
                       <a:r>
                         <a:rPr lang="en-CA" sz="1200"/>
-                        <a:t>0.324746063255925</a:t>
+                        <a:t>0.000</a:t>
                       </a:r>
                     </a:p>
                   </a:txBody>
-                  <a:tcPr marL="60494" marR="60494" marT="30247" marB="30247" anchor="ctr">
+                  <a:tcPr marL="90653" marR="90653" marT="45326" marB="45326" anchor="ctr">
                     <a:lnL>
                       <a:noFill/>
                     </a:lnL>
@@ -12500,41 +12582,11 @@
                       </a:pPr>
                       <a:r>
                         <a:rPr lang="en-CA" sz="1200"/>
-                        <a:t>0.1618666891650907</a:t>
+                        <a:t>1.000</a:t>
                       </a:r>
                     </a:p>
                   </a:txBody>
-                  <a:tcPr marL="60494" marR="60494" marT="30247" marB="30247" anchor="ctr">
-                    <a:lnL>
-                      <a:noFill/>
-                    </a:lnL>
-                    <a:lnR>
-                      <a:noFill/>
-                    </a:lnR>
-                    <a:lnT>
-                      <a:noFill/>
-                    </a:lnT>
-                    <a:lnB>
-                      <a:noFill/>
-                    </a:lnB>
-                    <a:noFill/>
-                  </a:tcPr>
-                </a:tc>
-                <a:tc>
-                  <a:txBody>
-                    <a:bodyPr/>
-                    <a:lstStyle/>
-                    <a:p>
-                      <a:pPr>
-                        <a:buNone/>
-                      </a:pPr>
-                      <a:r>
-                        <a:rPr lang="en-CA" sz="1200"/>
-                        <a:t>0.9097111821174622</a:t>
-                      </a:r>
-                    </a:p>
-                  </a:txBody>
-                  <a:tcPr marL="60494" marR="60494" marT="30247" marB="30247" anchor="ctr">
+                  <a:tcPr marL="90653" marR="90653" marT="45326" marB="45326" anchor="ctr">
                     <a:lnL>
                       <a:noFill/>
                     </a:lnL>
@@ -12560,11 +12612,11 @@
                       </a:pPr>
                       <a:r>
                         <a:rPr lang="en-CA" sz="1200" dirty="0"/>
-                        <a:t>0.9574728767252815</a:t>
+                        <a:t>1.000</a:t>
                       </a:r>
                     </a:p>
                   </a:txBody>
-                  <a:tcPr marL="60494" marR="60494" marT="30247" marB="30247" anchor="ctr">
+                  <a:tcPr marL="90653" marR="90653" marT="45326" marB="45326" anchor="ctr">
                     <a:lnL>
                       <a:noFill/>
                     </a:lnL>
@@ -12582,7 +12634,7 @@
                 </a:tc>
                 <a:extLst>
                   <a:ext uri="{0D108BD9-81ED-4DB2-BD59-A6C34878D82A}">
-                    <a16:rowId xmlns:a16="http://schemas.microsoft.com/office/drawing/2014/main" val="2939198355"/>
+                    <a16:rowId xmlns:a16="http://schemas.microsoft.com/office/drawing/2014/main" val="1581330692"/>
                   </a:ext>
                 </a:extLst>
               </a:tr>
@@ -12590,68 +12642,6 @@
           </a:graphicData>
         </a:graphic>
       </p:graphicFrame>
-      <p:sp>
-        <p:nvSpPr>
-          <p:cNvPr id="4" name="TextBox 3">
-            <a:extLst>
-              <a:ext uri="{FF2B5EF4-FFF2-40B4-BE49-F238E27FC236}">
-                <a16:creationId xmlns:a16="http://schemas.microsoft.com/office/drawing/2014/main" id="{F1BB7669-37AA-B4A5-7FA5-BA63F2687B15}"/>
-              </a:ext>
-            </a:extLst>
-          </p:cNvPr>
-          <p:cNvSpPr txBox="1"/>
-          <p:nvPr/>
-        </p:nvSpPr>
-        <p:spPr>
-          <a:xfrm>
-            <a:off x="247680" y="5488470"/>
-            <a:ext cx="5848318" cy="1569660"/>
-          </a:xfrm>
-          <a:prstGeom prst="rect">
-            <a:avLst/>
-          </a:prstGeom>
-          <a:noFill/>
-        </p:spPr>
-        <p:txBody>
-          <a:bodyPr wrap="square" rtlCol="0">
-            <a:spAutoFit/>
-          </a:bodyPr>
-          <a:lstStyle/>
-          <a:p>
-            <a:r>
-              <a:rPr lang="en-US" sz="1600" dirty="0"/>
-              <a:t>CTRL: Control Sample</a:t>
-            </a:r>
-          </a:p>
-          <a:p>
-            <a:r>
-              <a:rPr lang="en-US" sz="1600" dirty="0"/>
-              <a:t>PTPN2: Perturb Sample</a:t>
-            </a:r>
-          </a:p>
-          <a:p>
-            <a:r>
-              <a:rPr lang="en-US" sz="1600" dirty="0"/>
-              <a:t>Trust region policy optimization</a:t>
-            </a:r>
-          </a:p>
-          <a:p>
-            <a:r>
-              <a:rPr lang="en-US" sz="1600" dirty="0"/>
-              <a:t>PPO: Proximal policy  optimization</a:t>
-            </a:r>
-          </a:p>
-          <a:p>
-            <a:r>
-              <a:rPr lang="en-CA" sz="1600" dirty="0"/>
-              <a:t>HORIZON    = 2   multi-step prediction length for both systems</a:t>
-            </a:r>
-          </a:p>
-          <a:p>
-            <a:endParaRPr lang="en-CA" sz="1600" dirty="0"/>
-          </a:p>
-        </p:txBody>
-      </p:sp>
     </p:spTree>
     <p:extLst>
       <p:ext uri="{BB962C8B-B14F-4D97-AF65-F5344CB8AC3E}">
@@ -12760,7 +12750,7 @@
             </a:pPr>
             <a:r>
               <a:rPr lang="en-CA" sz="1600" dirty="0"/>
-              <a:t>In contrast, the PTPN2 system shows much smaller performance differences between PPO and TRPO→PPO. This is because PTPN2 is driven by a model-based reinforcement learning formulation, where the dynamics are already constrained by real perturbation embeddings and a biologically grounded transition model. The agent does not require extensive exploration to discover useful directions, and therefore PPO alone can already fit the structured environment effectively. As a result, TRPO contributes only incremental improvements rather than the dramatic gains observed in CTRL. The PTPN2 landscape is sharper, less stochastic, and more directed, meaning the optimization problem is closer to supervised refinement than exploratory RL. Consequently, the difference between PPO and TRPO→PPO narrows, reflecting the reduced role of exploration in a model-based setting</a:t>
+              <a:t>In contrast, the PTPN2 system shows comparable differences between PPO and TRPO→PPO. This is because PTPN2 is driven by a model-based reinforcement learning formulation, where the dynamics are already constrained by real perturbation embeddings and a biologically grounded transition model. The agent does not require extensive exploration to discover useful directions, and therefore PPO alone can already fit the structured environment effectively. As a result, TRPO contributes only incremental improvements rather than the dramatic gains observed in CTRL. The PTPN2 landscape is sharper, less stochastic, and more directed, meaning the optimization problem is closer to supervised refinement than exploratory RL. Consequently, the difference between PPO and TRPO→PPO narrows, reflecting the reduced role of exploration in a model-based setting</a:t>
             </a:r>
           </a:p>
         </p:txBody>
@@ -12828,10 +12818,10 @@
       </p:sp>
       <p:pic>
         <p:nvPicPr>
-          <p:cNvPr id="1026" name="Picture 2">
+          <p:cNvPr id="5122" name="Picture 2">
             <a:extLst>
               <a:ext uri="{FF2B5EF4-FFF2-40B4-BE49-F238E27FC236}">
-                <a16:creationId xmlns:a16="http://schemas.microsoft.com/office/drawing/2014/main" id="{06A1FA2F-FE4E-ED0B-56E1-85DFF6C5D681}"/>
+                <a16:creationId xmlns:a16="http://schemas.microsoft.com/office/drawing/2014/main" id="{08B76761-AE24-3939-18CF-2CA349BDA761}"/>
               </a:ext>
             </a:extLst>
           </p:cNvPr>
@@ -12855,8 +12845,8 @@
         </p:blipFill>
         <p:spPr bwMode="auto">
           <a:xfrm>
-            <a:off x="1367370" y="2107691"/>
-            <a:ext cx="9457260" cy="4248023"/>
+            <a:off x="1785938" y="1571625"/>
+            <a:ext cx="8620125" cy="3714750"/>
           </a:xfrm>
           <a:prstGeom prst="rect">
             <a:avLst/>
@@ -13035,7 +13025,7 @@
         <p:spPr>
           <a:xfrm>
             <a:off x="765048" y="193143"/>
-            <a:ext cx="10515600" cy="1325563"/>
+            <a:ext cx="10515600" cy="530757"/>
           </a:xfrm>
         </p:spPr>
         <p:txBody>
@@ -13101,10 +13091,10 @@
       </p:sp>
       <p:graphicFrame>
         <p:nvGraphicFramePr>
-          <p:cNvPr id="14" name="Table 13">
+          <p:cNvPr id="6" name="Table 5">
             <a:extLst>
               <a:ext uri="{FF2B5EF4-FFF2-40B4-BE49-F238E27FC236}">
-                <a16:creationId xmlns:a16="http://schemas.microsoft.com/office/drawing/2014/main" id="{5451294D-75F5-16D6-182A-E8C7E6424637}"/>
+                <a16:creationId xmlns:a16="http://schemas.microsoft.com/office/drawing/2014/main" id="{35A9D0B9-1A51-6321-AC0D-E90EB1C7577F}"/>
               </a:ext>
             </a:extLst>
           </p:cNvPr>
@@ -13114,13 +13104,13 @@
           <p:nvPr>
             <p:extLst>
               <p:ext uri="{D42A27DB-BD31-4B8C-83A1-F6EECF244321}">
-                <p14:modId xmlns:p14="http://schemas.microsoft.com/office/powerpoint/2010/main" val="364346857"/>
+                <p14:modId xmlns:p14="http://schemas.microsoft.com/office/powerpoint/2010/main" val="2464292590"/>
               </p:ext>
             </p:extLst>
           </p:nvPr>
         </p:nvGraphicFramePr>
         <p:xfrm>
-          <a:off x="838200" y="1327292"/>
+          <a:off x="1003173" y="1162050"/>
           <a:ext cx="10515600" cy="1828800"/>
         </p:xfrm>
         <a:graphic>
@@ -13131,28 +13121,28 @@
                 <a:gridCol w="2628900">
                   <a:extLst>
                     <a:ext uri="{9D8B030D-6E8A-4147-A177-3AD203B41FA5}">
-                      <a16:colId xmlns:a16="http://schemas.microsoft.com/office/drawing/2014/main" val="1356210393"/>
+                      <a16:colId xmlns:a16="http://schemas.microsoft.com/office/drawing/2014/main" val="2201055357"/>
                     </a:ext>
                   </a:extLst>
                 </a:gridCol>
                 <a:gridCol w="2628900">
                   <a:extLst>
                     <a:ext uri="{9D8B030D-6E8A-4147-A177-3AD203B41FA5}">
-                      <a16:colId xmlns:a16="http://schemas.microsoft.com/office/drawing/2014/main" val="260120249"/>
+                      <a16:colId xmlns:a16="http://schemas.microsoft.com/office/drawing/2014/main" val="1576787890"/>
                     </a:ext>
                   </a:extLst>
                 </a:gridCol>
                 <a:gridCol w="2628900">
                   <a:extLst>
                     <a:ext uri="{9D8B030D-6E8A-4147-A177-3AD203B41FA5}">
-                      <a16:colId xmlns:a16="http://schemas.microsoft.com/office/drawing/2014/main" val="263537650"/>
+                      <a16:colId xmlns:a16="http://schemas.microsoft.com/office/drawing/2014/main" val="2002103820"/>
                     </a:ext>
                   </a:extLst>
                 </a:gridCol>
                 <a:gridCol w="2628900">
                   <a:extLst>
                     <a:ext uri="{9D8B030D-6E8A-4147-A177-3AD203B41FA5}">
-                      <a16:colId xmlns:a16="http://schemas.microsoft.com/office/drawing/2014/main" val="1989654857"/>
+                      <a16:colId xmlns:a16="http://schemas.microsoft.com/office/drawing/2014/main" val="843929939"/>
                     </a:ext>
                   </a:extLst>
                 </a:gridCol>
@@ -13167,10 +13157,9 @@
                         <a:buNone/>
                       </a:pPr>
                       <a:r>
-                        <a:rPr lang="en-CA" b="1" dirty="0"/>
+                        <a:rPr lang="en-CA"/>
                         <a:t>System</a:t>
                       </a:r>
-                      <a:endParaRPr lang="en-CA" dirty="0"/>
                     </a:p>
                   </a:txBody>
                   <a:tcPr anchor="ctr">
@@ -13198,10 +13187,9 @@
                         <a:buNone/>
                       </a:pPr>
                       <a:r>
-                        <a:rPr lang="en-CA" b="1"/>
+                        <a:rPr lang="en-CA" dirty="0"/>
                         <a:t>Algorithm</a:t>
                       </a:r>
-                      <a:endParaRPr lang="en-CA"/>
                     </a:p>
                   </a:txBody>
                   <a:tcPr anchor="ctr">
@@ -13229,10 +13217,9 @@
                         <a:buNone/>
                       </a:pPr>
                       <a:r>
-                        <a:rPr lang="en-CA" b="1"/>
+                        <a:rPr lang="en-CA"/>
                         <a:t>DTW</a:t>
                       </a:r>
-                      <a:endParaRPr lang="en-CA"/>
                     </a:p>
                   </a:txBody>
                   <a:tcPr anchor="ctr">
@@ -13260,10 +13247,9 @@
                         <a:buNone/>
                       </a:pPr>
                       <a:r>
-                        <a:rPr lang="en-CA" b="1"/>
+                        <a:rPr lang="en-CA"/>
                         <a:t>Wasserstein</a:t>
                       </a:r>
-                      <a:endParaRPr lang="en-CA"/>
                     </a:p>
                   </a:txBody>
                   <a:tcPr anchor="ctr">
@@ -13284,7 +13270,134 @@
                 </a:tc>
                 <a:extLst>
                   <a:ext uri="{0D108BD9-81ED-4DB2-BD59-A6C34878D82A}">
-                    <a16:rowId xmlns:a16="http://schemas.microsoft.com/office/drawing/2014/main" val="889518504"/>
+                    <a16:rowId xmlns:a16="http://schemas.microsoft.com/office/drawing/2014/main" val="1377964396"/>
+                  </a:ext>
+                </a:extLst>
+              </a:tr>
+              <a:tr h="0">
+                <a:tc>
+                  <a:txBody>
+                    <a:bodyPr/>
+                    <a:lstStyle/>
+                    <a:p>
+                      <a:pPr>
+                        <a:buNone/>
+                      </a:pPr>
+                      <a:r>
+                        <a:rPr lang="en-CA"/>
+                        <a:t>CTRL</a:t>
+                      </a:r>
+                    </a:p>
+                  </a:txBody>
+                  <a:tcPr anchor="ctr">
+                    <a:lnL>
+                      <a:noFill/>
+                    </a:lnL>
+                    <a:lnR>
+                      <a:noFill/>
+                    </a:lnR>
+                    <a:lnT>
+                      <a:noFill/>
+                    </a:lnT>
+                    <a:lnB>
+                      <a:noFill/>
+                    </a:lnB>
+                    <a:noFill/>
+                  </a:tcPr>
+                </a:tc>
+                <a:tc>
+                  <a:txBody>
+                    <a:bodyPr/>
+                    <a:lstStyle/>
+                    <a:p>
+                      <a:pPr>
+                        <a:buNone/>
+                      </a:pPr>
+                      <a:r>
+                        <a:rPr lang="en-CA"/>
+                        <a:t>PPO</a:t>
+                      </a:r>
+                    </a:p>
+                  </a:txBody>
+                  <a:tcPr anchor="ctr">
+                    <a:lnL>
+                      <a:noFill/>
+                    </a:lnL>
+                    <a:lnR>
+                      <a:noFill/>
+                    </a:lnR>
+                    <a:lnT>
+                      <a:noFill/>
+                    </a:lnT>
+                    <a:lnB>
+                      <a:noFill/>
+                    </a:lnB>
+                    <a:noFill/>
+                  </a:tcPr>
+                </a:tc>
+                <a:tc>
+                  <a:txBody>
+                    <a:bodyPr/>
+                    <a:lstStyle/>
+                    <a:p>
+                      <a:pPr>
+                        <a:buNone/>
+                      </a:pPr>
+                      <a:r>
+                        <a:rPr lang="en-CA"/>
+                        <a:t>0.935</a:t>
+                      </a:r>
+                    </a:p>
+                  </a:txBody>
+                  <a:tcPr anchor="ctr">
+                    <a:lnL>
+                      <a:noFill/>
+                    </a:lnL>
+                    <a:lnR>
+                      <a:noFill/>
+                    </a:lnR>
+                    <a:lnT>
+                      <a:noFill/>
+                    </a:lnT>
+                    <a:lnB>
+                      <a:noFill/>
+                    </a:lnB>
+                    <a:noFill/>
+                  </a:tcPr>
+                </a:tc>
+                <a:tc>
+                  <a:txBody>
+                    <a:bodyPr/>
+                    <a:lstStyle/>
+                    <a:p>
+                      <a:pPr>
+                        <a:buNone/>
+                      </a:pPr>
+                      <a:r>
+                        <a:rPr lang="en-CA"/>
+                        <a:t>0.362</a:t>
+                      </a:r>
+                    </a:p>
+                  </a:txBody>
+                  <a:tcPr anchor="ctr">
+                    <a:lnL>
+                      <a:noFill/>
+                    </a:lnL>
+                    <a:lnR>
+                      <a:noFill/>
+                    </a:lnR>
+                    <a:lnT>
+                      <a:noFill/>
+                    </a:lnT>
+                    <a:lnB>
+                      <a:noFill/>
+                    </a:lnB>
+                    <a:noFill/>
+                  </a:tcPr>
+                </a:tc>
+                <a:extLst>
+                  <a:ext uri="{0D108BD9-81ED-4DB2-BD59-A6C34878D82A}">
+                    <a16:rowId xmlns:a16="http://schemas.microsoft.com/office/drawing/2014/main" val="1471995102"/>
                   </a:ext>
                 </a:extLst>
               </a:tr>
@@ -13329,7 +13442,7 @@
                       </a:pPr>
                       <a:r>
                         <a:rPr lang="en-CA"/>
-                        <a:t>PPO</a:t>
+                        <a:t>TRPO→PPO</a:t>
                       </a:r>
                     </a:p>
                   </a:txBody>
@@ -13359,7 +13472,7 @@
                       </a:pPr>
                       <a:r>
                         <a:rPr lang="en-CA"/>
-                        <a:t>2.2417448443954746</a:t>
+                        <a:t>0.872</a:t>
                       </a:r>
                     </a:p>
                   </a:txBody>
@@ -13389,7 +13502,7 @@
                       </a:pPr>
                       <a:r>
                         <a:rPr lang="en-CA"/>
-                        <a:t>0.6897473707928954</a:t>
+                        <a:t>0.432</a:t>
                       </a:r>
                     </a:p>
                   </a:txBody>
@@ -13411,7 +13524,7 @@
                 </a:tc>
                 <a:extLst>
                   <a:ext uri="{0D108BD9-81ED-4DB2-BD59-A6C34878D82A}">
-                    <a16:rowId xmlns:a16="http://schemas.microsoft.com/office/drawing/2014/main" val="2379941924"/>
+                    <a16:rowId xmlns:a16="http://schemas.microsoft.com/office/drawing/2014/main" val="2052915524"/>
                   </a:ext>
                 </a:extLst>
               </a:tr>
@@ -13425,8 +13538,135 @@
                         <a:buNone/>
                       </a:pPr>
                       <a:r>
-                        <a:rPr lang="en-CA" dirty="0"/>
-                        <a:t>CTRL</a:t>
+                        <a:rPr lang="en-CA"/>
+                        <a:t>PTPN2</a:t>
+                      </a:r>
+                    </a:p>
+                  </a:txBody>
+                  <a:tcPr anchor="ctr">
+                    <a:lnL>
+                      <a:noFill/>
+                    </a:lnL>
+                    <a:lnR>
+                      <a:noFill/>
+                    </a:lnR>
+                    <a:lnT>
+                      <a:noFill/>
+                    </a:lnT>
+                    <a:lnB>
+                      <a:noFill/>
+                    </a:lnB>
+                    <a:noFill/>
+                  </a:tcPr>
+                </a:tc>
+                <a:tc>
+                  <a:txBody>
+                    <a:bodyPr/>
+                    <a:lstStyle/>
+                    <a:p>
+                      <a:pPr>
+                        <a:buNone/>
+                      </a:pPr>
+                      <a:r>
+                        <a:rPr lang="en-CA"/>
+                        <a:t>PPO</a:t>
+                      </a:r>
+                    </a:p>
+                  </a:txBody>
+                  <a:tcPr anchor="ctr">
+                    <a:lnL>
+                      <a:noFill/>
+                    </a:lnL>
+                    <a:lnR>
+                      <a:noFill/>
+                    </a:lnR>
+                    <a:lnT>
+                      <a:noFill/>
+                    </a:lnT>
+                    <a:lnB>
+                      <a:noFill/>
+                    </a:lnB>
+                    <a:noFill/>
+                  </a:tcPr>
+                </a:tc>
+                <a:tc>
+                  <a:txBody>
+                    <a:bodyPr/>
+                    <a:lstStyle/>
+                    <a:p>
+                      <a:pPr>
+                        <a:buNone/>
+                      </a:pPr>
+                      <a:r>
+                        <a:rPr lang="en-CA"/>
+                        <a:t>0.961</a:t>
+                      </a:r>
+                    </a:p>
+                  </a:txBody>
+                  <a:tcPr anchor="ctr">
+                    <a:lnL>
+                      <a:noFill/>
+                    </a:lnL>
+                    <a:lnR>
+                      <a:noFill/>
+                    </a:lnR>
+                    <a:lnT>
+                      <a:noFill/>
+                    </a:lnT>
+                    <a:lnB>
+                      <a:noFill/>
+                    </a:lnB>
+                    <a:noFill/>
+                  </a:tcPr>
+                </a:tc>
+                <a:tc>
+                  <a:txBody>
+                    <a:bodyPr/>
+                    <a:lstStyle/>
+                    <a:p>
+                      <a:pPr>
+                        <a:buNone/>
+                      </a:pPr>
+                      <a:r>
+                        <a:rPr lang="en-CA"/>
+                        <a:t>0.480</a:t>
+                      </a:r>
+                    </a:p>
+                  </a:txBody>
+                  <a:tcPr anchor="ctr">
+                    <a:lnL>
+                      <a:noFill/>
+                    </a:lnL>
+                    <a:lnR>
+                      <a:noFill/>
+                    </a:lnR>
+                    <a:lnT>
+                      <a:noFill/>
+                    </a:lnT>
+                    <a:lnB>
+                      <a:noFill/>
+                    </a:lnB>
+                    <a:noFill/>
+                  </a:tcPr>
+                </a:tc>
+                <a:extLst>
+                  <a:ext uri="{0D108BD9-81ED-4DB2-BD59-A6C34878D82A}">
+                    <a16:rowId xmlns:a16="http://schemas.microsoft.com/office/drawing/2014/main" val="2179572682"/>
+                  </a:ext>
+                </a:extLst>
+              </a:tr>
+              <a:tr h="0">
+                <a:tc>
+                  <a:txBody>
+                    <a:bodyPr/>
+                    <a:lstStyle/>
+                    <a:p>
+                      <a:pPr>
+                        <a:buNone/>
+                      </a:pPr>
+                      <a:r>
+                        <a:rPr lang="en-CA"/>
+                        <a:t>PTPN2</a:t>
                       </a:r>
                     </a:p>
                   </a:txBody>
@@ -13486,261 +13726,7 @@
                       </a:pPr>
                       <a:r>
                         <a:rPr lang="en-CA"/>
-                        <a:t>2.2252822500525107</a:t>
-                      </a:r>
-                    </a:p>
-                  </a:txBody>
-                  <a:tcPr anchor="ctr">
-                    <a:lnL>
-                      <a:noFill/>
-                    </a:lnL>
-                    <a:lnR>
-                      <a:noFill/>
-                    </a:lnR>
-                    <a:lnT>
-                      <a:noFill/>
-                    </a:lnT>
-                    <a:lnB>
-                      <a:noFill/>
-                    </a:lnB>
-                    <a:noFill/>
-                  </a:tcPr>
-                </a:tc>
-                <a:tc>
-                  <a:txBody>
-                    <a:bodyPr/>
-                    <a:lstStyle/>
-                    <a:p>
-                      <a:pPr>
-                        <a:buNone/>
-                      </a:pPr>
-                      <a:r>
-                        <a:rPr lang="en-CA"/>
-                        <a:t>0.7365394084628715</a:t>
-                      </a:r>
-                    </a:p>
-                  </a:txBody>
-                  <a:tcPr anchor="ctr">
-                    <a:lnL>
-                      <a:noFill/>
-                    </a:lnL>
-                    <a:lnR>
-                      <a:noFill/>
-                    </a:lnR>
-                    <a:lnT>
-                      <a:noFill/>
-                    </a:lnT>
-                    <a:lnB>
-                      <a:noFill/>
-                    </a:lnB>
-                    <a:noFill/>
-                  </a:tcPr>
-                </a:tc>
-                <a:extLst>
-                  <a:ext uri="{0D108BD9-81ED-4DB2-BD59-A6C34878D82A}">
-                    <a16:rowId xmlns:a16="http://schemas.microsoft.com/office/drawing/2014/main" val="1904253240"/>
-                  </a:ext>
-                </a:extLst>
-              </a:tr>
-              <a:tr h="0">
-                <a:tc>
-                  <a:txBody>
-                    <a:bodyPr/>
-                    <a:lstStyle/>
-                    <a:p>
-                      <a:pPr>
-                        <a:buNone/>
-                      </a:pPr>
-                      <a:r>
-                        <a:rPr lang="en-CA" dirty="0"/>
-                        <a:t>PTPN2</a:t>
-                      </a:r>
-                    </a:p>
-                  </a:txBody>
-                  <a:tcPr anchor="ctr">
-                    <a:lnL>
-                      <a:noFill/>
-                    </a:lnL>
-                    <a:lnR>
-                      <a:noFill/>
-                    </a:lnR>
-                    <a:lnT>
-                      <a:noFill/>
-                    </a:lnT>
-                    <a:lnB>
-                      <a:noFill/>
-                    </a:lnB>
-                    <a:noFill/>
-                  </a:tcPr>
-                </a:tc>
-                <a:tc>
-                  <a:txBody>
-                    <a:bodyPr/>
-                    <a:lstStyle/>
-                    <a:p>
-                      <a:pPr>
-                        <a:buNone/>
-                      </a:pPr>
-                      <a:r>
-                        <a:rPr lang="en-CA"/>
-                        <a:t>PPO</a:t>
-                      </a:r>
-                    </a:p>
-                  </a:txBody>
-                  <a:tcPr anchor="ctr">
-                    <a:lnL>
-                      <a:noFill/>
-                    </a:lnL>
-                    <a:lnR>
-                      <a:noFill/>
-                    </a:lnR>
-                    <a:lnT>
-                      <a:noFill/>
-                    </a:lnT>
-                    <a:lnB>
-                      <a:noFill/>
-                    </a:lnB>
-                    <a:noFill/>
-                  </a:tcPr>
-                </a:tc>
-                <a:tc>
-                  <a:txBody>
-                    <a:bodyPr/>
-                    <a:lstStyle/>
-                    <a:p>
-                      <a:pPr>
-                        <a:buNone/>
-                      </a:pPr>
-                      <a:r>
-                        <a:rPr lang="en-CA"/>
-                        <a:t>2.2261882266912867</a:t>
-                      </a:r>
-                    </a:p>
-                  </a:txBody>
-                  <a:tcPr anchor="ctr">
-                    <a:lnL>
-                      <a:noFill/>
-                    </a:lnL>
-                    <a:lnR>
-                      <a:noFill/>
-                    </a:lnR>
-                    <a:lnT>
-                      <a:noFill/>
-                    </a:lnT>
-                    <a:lnB>
-                      <a:noFill/>
-                    </a:lnB>
-                    <a:noFill/>
-                  </a:tcPr>
-                </a:tc>
-                <a:tc>
-                  <a:txBody>
-                    <a:bodyPr/>
-                    <a:lstStyle/>
-                    <a:p>
-                      <a:pPr>
-                        <a:buNone/>
-                      </a:pPr>
-                      <a:r>
-                        <a:rPr lang="en-CA"/>
-                        <a:t>0.736403440904065</a:t>
-                      </a:r>
-                    </a:p>
-                  </a:txBody>
-                  <a:tcPr anchor="ctr">
-                    <a:lnL>
-                      <a:noFill/>
-                    </a:lnL>
-                    <a:lnR>
-                      <a:noFill/>
-                    </a:lnR>
-                    <a:lnT>
-                      <a:noFill/>
-                    </a:lnT>
-                    <a:lnB>
-                      <a:noFill/>
-                    </a:lnB>
-                    <a:noFill/>
-                  </a:tcPr>
-                </a:tc>
-                <a:extLst>
-                  <a:ext uri="{0D108BD9-81ED-4DB2-BD59-A6C34878D82A}">
-                    <a16:rowId xmlns:a16="http://schemas.microsoft.com/office/drawing/2014/main" val="3178026082"/>
-                  </a:ext>
-                </a:extLst>
-              </a:tr>
-              <a:tr h="0">
-                <a:tc>
-                  <a:txBody>
-                    <a:bodyPr/>
-                    <a:lstStyle/>
-                    <a:p>
-                      <a:pPr>
-                        <a:buNone/>
-                      </a:pPr>
-                      <a:r>
-                        <a:rPr lang="en-CA"/>
-                        <a:t>PTPN2</a:t>
-                      </a:r>
-                    </a:p>
-                  </a:txBody>
-                  <a:tcPr anchor="ctr">
-                    <a:lnL>
-                      <a:noFill/>
-                    </a:lnL>
-                    <a:lnR>
-                      <a:noFill/>
-                    </a:lnR>
-                    <a:lnT>
-                      <a:noFill/>
-                    </a:lnT>
-                    <a:lnB>
-                      <a:noFill/>
-                    </a:lnB>
-                    <a:noFill/>
-                  </a:tcPr>
-                </a:tc>
-                <a:tc>
-                  <a:txBody>
-                    <a:bodyPr/>
-                    <a:lstStyle/>
-                    <a:p>
-                      <a:pPr>
-                        <a:buNone/>
-                      </a:pPr>
-                      <a:r>
-                        <a:rPr lang="en-CA"/>
-                        <a:t>TRPO→PPO</a:t>
-                      </a:r>
-                    </a:p>
-                  </a:txBody>
-                  <a:tcPr anchor="ctr">
-                    <a:lnL>
-                      <a:noFill/>
-                    </a:lnL>
-                    <a:lnR>
-                      <a:noFill/>
-                    </a:lnR>
-                    <a:lnT>
-                      <a:noFill/>
-                    </a:lnT>
-                    <a:lnB>
-                      <a:noFill/>
-                    </a:lnB>
-                    <a:noFill/>
-                  </a:tcPr>
-                </a:tc>
-                <a:tc>
-                  <a:txBody>
-                    <a:bodyPr/>
-                    <a:lstStyle/>
-                    <a:p>
-                      <a:pPr>
-                        <a:buNone/>
-                      </a:pPr>
-                      <a:r>
-                        <a:rPr lang="en-CA"/>
-                        <a:t>2.219890011883951</a:t>
+                        <a:t>1.180</a:t>
                       </a:r>
                     </a:p>
                   </a:txBody>
@@ -13770,7 +13756,7 @@
                       </a:pPr>
                       <a:r>
                         <a:rPr lang="en-CA" dirty="0"/>
-                        <a:t>0.73483451898745</a:t>
+                        <a:t>0.590</a:t>
                       </a:r>
                     </a:p>
                   </a:txBody>
@@ -13792,7 +13778,7 @@
                 </a:tc>
                 <a:extLst>
                   <a:ext uri="{0D108BD9-81ED-4DB2-BD59-A6C34878D82A}">
-                    <a16:rowId xmlns:a16="http://schemas.microsoft.com/office/drawing/2014/main" val="180824992"/>
+                    <a16:rowId xmlns:a16="http://schemas.microsoft.com/office/drawing/2014/main" val="579702080"/>
                   </a:ext>
                 </a:extLst>
               </a:tr>
@@ -13863,10 +13849,10 @@
       </p:sp>
       <p:pic>
         <p:nvPicPr>
-          <p:cNvPr id="2050" name="Picture 2">
+          <p:cNvPr id="6146" name="Picture 2">
             <a:extLst>
               <a:ext uri="{FF2B5EF4-FFF2-40B4-BE49-F238E27FC236}">
-                <a16:creationId xmlns:a16="http://schemas.microsoft.com/office/drawing/2014/main" id="{B321BE11-2657-F109-B5F0-2E3DDB6B26F9}"/>
+                <a16:creationId xmlns:a16="http://schemas.microsoft.com/office/drawing/2014/main" id="{B43FEB0E-E105-2866-3B9E-46F418556708}"/>
               </a:ext>
             </a:extLst>
           </p:cNvPr>
@@ -13890,8 +13876,8 @@
         </p:blipFill>
         <p:spPr bwMode="auto">
           <a:xfrm>
-            <a:off x="1872552" y="1280161"/>
-            <a:ext cx="6616613" cy="5011546"/>
+            <a:off x="2237581" y="1504950"/>
+            <a:ext cx="7716837" cy="4895850"/>
           </a:xfrm>
           <a:prstGeom prst="rect">
             <a:avLst/>
@@ -19508,7 +19494,6 @@
             </a:r>
             <a:r>
               <a:rPr lang="en-CA" sz="1400" dirty="0">
-                <a:latin typeface="Times New Roman" panose="02020603050405020304" pitchFamily="18" charset="0"/>
                 <a:cs typeface="Times New Roman" panose="02020603050405020304" pitchFamily="18" charset="0"/>
               </a:rPr>
               <a:t>[1] </a:t>

--- a/ppt slides for omic codeathon (1) (1).pptx
+++ b/ppt slides for omic codeathon (1) (1).pptx
@@ -5,7 +5,7 @@
     <p:sldMasterId id="2147483660" r:id="rId1"/>
   </p:sldMasterIdLst>
   <p:notesMasterIdLst>
-    <p:notesMasterId r:id="rId29"/>
+    <p:notesMasterId r:id="rId30"/>
   </p:notesMasterIdLst>
   <p:sldIdLst>
     <p:sldId id="256" r:id="rId2"/>
@@ -15,26 +15,27 @@
     <p:sldId id="263" r:id="rId6"/>
     <p:sldId id="257" r:id="rId7"/>
     <p:sldId id="287" r:id="rId8"/>
-    <p:sldId id="268" r:id="rId9"/>
-    <p:sldId id="279" r:id="rId10"/>
-    <p:sldId id="267" r:id="rId11"/>
-    <p:sldId id="269" r:id="rId12"/>
-    <p:sldId id="270" r:id="rId13"/>
-    <p:sldId id="271" r:id="rId14"/>
-    <p:sldId id="274" r:id="rId15"/>
-    <p:sldId id="273" r:id="rId16"/>
-    <p:sldId id="276" r:id="rId17"/>
-    <p:sldId id="278" r:id="rId18"/>
-    <p:sldId id="275" r:id="rId19"/>
-    <p:sldId id="277" r:id="rId20"/>
-    <p:sldId id="280" r:id="rId21"/>
-    <p:sldId id="285" r:id="rId22"/>
-    <p:sldId id="281" r:id="rId23"/>
-    <p:sldId id="283" r:id="rId24"/>
-    <p:sldId id="288" r:id="rId25"/>
-    <p:sldId id="282" r:id="rId26"/>
-    <p:sldId id="259" r:id="rId27"/>
-    <p:sldId id="286" r:id="rId28"/>
+    <p:sldId id="289" r:id="rId9"/>
+    <p:sldId id="268" r:id="rId10"/>
+    <p:sldId id="279" r:id="rId11"/>
+    <p:sldId id="267" r:id="rId12"/>
+    <p:sldId id="269" r:id="rId13"/>
+    <p:sldId id="270" r:id="rId14"/>
+    <p:sldId id="271" r:id="rId15"/>
+    <p:sldId id="274" r:id="rId16"/>
+    <p:sldId id="273" r:id="rId17"/>
+    <p:sldId id="276" r:id="rId18"/>
+    <p:sldId id="278" r:id="rId19"/>
+    <p:sldId id="275" r:id="rId20"/>
+    <p:sldId id="277" r:id="rId21"/>
+    <p:sldId id="280" r:id="rId22"/>
+    <p:sldId id="285" r:id="rId23"/>
+    <p:sldId id="281" r:id="rId24"/>
+    <p:sldId id="283" r:id="rId25"/>
+    <p:sldId id="288" r:id="rId26"/>
+    <p:sldId id="282" r:id="rId27"/>
+    <p:sldId id="259" r:id="rId28"/>
+    <p:sldId id="286" r:id="rId29"/>
   </p:sldIdLst>
   <p:sldSz cx="12192000" cy="6858000"/>
   <p:notesSz cx="6858000" cy="9144000"/>
@@ -6379,7 +6380,7 @@
           <a:p>
             <a:fld id="{1BA98A8E-17BA-4637-BE34-16BBE5AD305E}" type="datetimeFigureOut">
               <a:rPr lang="en-CA" smtClean="0"/>
-              <a:t>2025-11-26</a:t>
+              <a:t>2025-11-27</a:t>
             </a:fld>
             <a:endParaRPr lang="en-CA"/>
           </a:p>
@@ -6778,7 +6779,7 @@
           <a:p>
             <a:fld id="{16A6DBE6-5F48-46C6-8054-E594AA8CC26E}" type="datetimeFigureOut">
               <a:rPr lang="en-CA" smtClean="0"/>
-              <a:t>2025-11-26</a:t>
+              <a:t>2025-11-27</a:t>
             </a:fld>
             <a:endParaRPr lang="en-CA"/>
           </a:p>
@@ -6948,7 +6949,7 @@
           <a:p>
             <a:fld id="{16A6DBE6-5F48-46C6-8054-E594AA8CC26E}" type="datetimeFigureOut">
               <a:rPr lang="en-CA" smtClean="0"/>
-              <a:t>2025-11-26</a:t>
+              <a:t>2025-11-27</a:t>
             </a:fld>
             <a:endParaRPr lang="en-CA"/>
           </a:p>
@@ -7128,7 +7129,7 @@
           <a:p>
             <a:fld id="{16A6DBE6-5F48-46C6-8054-E594AA8CC26E}" type="datetimeFigureOut">
               <a:rPr lang="en-CA" smtClean="0"/>
-              <a:t>2025-11-26</a:t>
+              <a:t>2025-11-27</a:t>
             </a:fld>
             <a:endParaRPr lang="en-CA"/>
           </a:p>
@@ -7298,7 +7299,7 @@
           <a:p>
             <a:fld id="{16A6DBE6-5F48-46C6-8054-E594AA8CC26E}" type="datetimeFigureOut">
               <a:rPr lang="en-CA" smtClean="0"/>
-              <a:t>2025-11-26</a:t>
+              <a:t>2025-11-27</a:t>
             </a:fld>
             <a:endParaRPr lang="en-CA"/>
           </a:p>
@@ -7544,7 +7545,7 @@
           <a:p>
             <a:fld id="{16A6DBE6-5F48-46C6-8054-E594AA8CC26E}" type="datetimeFigureOut">
               <a:rPr lang="en-CA" smtClean="0"/>
-              <a:t>2025-11-26</a:t>
+              <a:t>2025-11-27</a:t>
             </a:fld>
             <a:endParaRPr lang="en-CA"/>
           </a:p>
@@ -7776,7 +7777,7 @@
           <a:p>
             <a:fld id="{16A6DBE6-5F48-46C6-8054-E594AA8CC26E}" type="datetimeFigureOut">
               <a:rPr lang="en-CA" smtClean="0"/>
-              <a:t>2025-11-26</a:t>
+              <a:t>2025-11-27</a:t>
             </a:fld>
             <a:endParaRPr lang="en-CA"/>
           </a:p>
@@ -8143,7 +8144,7 @@
           <a:p>
             <a:fld id="{16A6DBE6-5F48-46C6-8054-E594AA8CC26E}" type="datetimeFigureOut">
               <a:rPr lang="en-CA" smtClean="0"/>
-              <a:t>2025-11-26</a:t>
+              <a:t>2025-11-27</a:t>
             </a:fld>
             <a:endParaRPr lang="en-CA"/>
           </a:p>
@@ -8261,7 +8262,7 @@
           <a:p>
             <a:fld id="{16A6DBE6-5F48-46C6-8054-E594AA8CC26E}" type="datetimeFigureOut">
               <a:rPr lang="en-CA" smtClean="0"/>
-              <a:t>2025-11-26</a:t>
+              <a:t>2025-11-27</a:t>
             </a:fld>
             <a:endParaRPr lang="en-CA"/>
           </a:p>
@@ -8356,7 +8357,7 @@
           <a:p>
             <a:fld id="{16A6DBE6-5F48-46C6-8054-E594AA8CC26E}" type="datetimeFigureOut">
               <a:rPr lang="en-CA" smtClean="0"/>
-              <a:t>2025-11-26</a:t>
+              <a:t>2025-11-27</a:t>
             </a:fld>
             <a:endParaRPr lang="en-CA"/>
           </a:p>
@@ -8633,7 +8634,7 @@
           <a:p>
             <a:fld id="{16A6DBE6-5F48-46C6-8054-E594AA8CC26E}" type="datetimeFigureOut">
               <a:rPr lang="en-CA" smtClean="0"/>
-              <a:t>2025-11-26</a:t>
+              <a:t>2025-11-27</a:t>
             </a:fld>
             <a:endParaRPr lang="en-CA"/>
           </a:p>
@@ -8890,7 +8891,7 @@
           <a:p>
             <a:fld id="{16A6DBE6-5F48-46C6-8054-E594AA8CC26E}" type="datetimeFigureOut">
               <a:rPr lang="en-CA" smtClean="0"/>
-              <a:t>2025-11-26</a:t>
+              <a:t>2025-11-27</a:t>
             </a:fld>
             <a:endParaRPr lang="en-CA"/>
           </a:p>
@@ -9103,7 +9104,7 @@
           <a:p>
             <a:fld id="{16A6DBE6-5F48-46C6-8054-E594AA8CC26E}" type="datetimeFigureOut">
               <a:rPr lang="en-CA" smtClean="0"/>
-              <a:t>2025-11-26</a:t>
+              <a:t>2025-11-27</a:t>
             </a:fld>
             <a:endParaRPr lang="en-CA"/>
           </a:p>
@@ -9681,6 +9682,82 @@
   <p:cSld>
     <p:spTree>
       <p:nvGrpSpPr>
+        <p:cNvPr id="1" name="">
+          <a:extLst>
+            <a:ext uri="{FF2B5EF4-FFF2-40B4-BE49-F238E27FC236}">
+              <a16:creationId xmlns:a16="http://schemas.microsoft.com/office/drawing/2014/main" id="{6BB064F3-7FBD-DCBF-15DA-324B411D31E0}"/>
+            </a:ext>
+          </a:extLst>
+        </p:cNvPr>
+        <p:cNvGrpSpPr/>
+        <p:nvPr/>
+      </p:nvGrpSpPr>
+      <p:grpSpPr>
+        <a:xfrm>
+          <a:off x="0" y="0"/>
+          <a:ext cx="0" cy="0"/>
+          <a:chOff x="0" y="0"/>
+          <a:chExt cx="0" cy="0"/>
+        </a:xfrm>
+      </p:grpSpPr>
+      <p:sp>
+        <p:nvSpPr>
+          <p:cNvPr id="2" name="Title 1">
+            <a:extLst>
+              <a:ext uri="{FF2B5EF4-FFF2-40B4-BE49-F238E27FC236}">
+                <a16:creationId xmlns:a16="http://schemas.microsoft.com/office/drawing/2014/main" id="{42832E5C-71B0-B39C-6C33-2F532D2C28E4}"/>
+              </a:ext>
+            </a:extLst>
+          </p:cNvPr>
+          <p:cNvSpPr>
+            <a:spLocks noGrp="1"/>
+          </p:cNvSpPr>
+          <p:nvPr>
+            <p:ph type="title"/>
+          </p:nvPr>
+        </p:nvSpPr>
+        <p:spPr>
+          <a:xfrm>
+            <a:off x="1472184" y="2103437"/>
+            <a:ext cx="9390888" cy="1325563"/>
+          </a:xfrm>
+        </p:spPr>
+        <p:txBody>
+          <a:bodyPr>
+            <a:normAutofit/>
+          </a:bodyPr>
+          <a:lstStyle/>
+          <a:p>
+            <a:r>
+              <a:rPr lang="en-US" dirty="0"/>
+              <a:t>             </a:t>
+            </a:r>
+            <a:r>
+              <a:rPr lang="en-US" b="1" dirty="0"/>
+              <a:t>Crisper Knockout</a:t>
+            </a:r>
+            <a:endParaRPr lang="en-CA" b="1" dirty="0"/>
+          </a:p>
+        </p:txBody>
+      </p:sp>
+    </p:spTree>
+    <p:extLst>
+      <p:ext uri="{BB962C8B-B14F-4D97-AF65-F5344CB8AC3E}">
+        <p14:creationId xmlns:p14="http://schemas.microsoft.com/office/powerpoint/2010/main" val="2099127183"/>
+      </p:ext>
+    </p:extLst>
+  </p:cSld>
+  <p:clrMapOvr>
+    <a:masterClrMapping/>
+  </p:clrMapOvr>
+</p:sld>
+</file>
+
+<file path=ppt/slides/slide11.xml><?xml version="1.0" encoding="utf-8"?>
+<p:sld xmlns:a="http://schemas.openxmlformats.org/drawingml/2006/main" xmlns:r="http://schemas.openxmlformats.org/officeDocument/2006/relationships" xmlns:p="http://schemas.openxmlformats.org/presentationml/2006/main">
+  <p:cSld>
+    <p:spTree>
+      <p:nvGrpSpPr>
         <p:cNvPr id="1" name=""/>
         <p:cNvGrpSpPr/>
         <p:nvPr/>
@@ -9854,7 +9931,7 @@
 </p:sld>
 </file>
 
-<file path=ppt/slides/slide11.xml><?xml version="1.0" encoding="utf-8"?>
+<file path=ppt/slides/slide12.xml><?xml version="1.0" encoding="utf-8"?>
 <p:sld xmlns:a="http://schemas.openxmlformats.org/drawingml/2006/main" xmlns:r="http://schemas.openxmlformats.org/officeDocument/2006/relationships" xmlns:p="http://schemas.openxmlformats.org/presentationml/2006/main">
   <p:cSld>
     <p:spTree>
@@ -10131,7 +10208,7 @@
 </p:sld>
 </file>
 
-<file path=ppt/slides/slide12.xml><?xml version="1.0" encoding="utf-8"?>
+<file path=ppt/slides/slide13.xml><?xml version="1.0" encoding="utf-8"?>
 <p:sld xmlns:a="http://schemas.openxmlformats.org/drawingml/2006/main" xmlns:r="http://schemas.openxmlformats.org/officeDocument/2006/relationships" xmlns:p="http://schemas.openxmlformats.org/presentationml/2006/main">
   <p:cSld>
     <p:spTree>
@@ -10256,7 +10333,7 @@
 </p:sld>
 </file>
 
-<file path=ppt/slides/slide13.xml><?xml version="1.0" encoding="utf-8"?>
+<file path=ppt/slides/slide14.xml><?xml version="1.0" encoding="utf-8"?>
 <p:sld xmlns:a="http://schemas.openxmlformats.org/drawingml/2006/main" xmlns:r="http://schemas.openxmlformats.org/officeDocument/2006/relationships" xmlns:p="http://schemas.openxmlformats.org/presentationml/2006/main">
   <p:cSld>
     <p:bg>
@@ -12655,7 +12732,7 @@
 </p:sld>
 </file>
 
-<file path=ppt/slides/slide14.xml><?xml version="1.0" encoding="utf-8"?>
+<file path=ppt/slides/slide15.xml><?xml version="1.0" encoding="utf-8"?>
 <p:sld xmlns:a="http://schemas.openxmlformats.org/drawingml/2006/main" xmlns:r="http://schemas.openxmlformats.org/officeDocument/2006/relationships" xmlns:p="http://schemas.openxmlformats.org/presentationml/2006/main">
   <p:cSld>
     <p:spTree>
@@ -12701,10 +12778,10 @@
           <a:lstStyle/>
           <a:p>
             <a:r>
-              <a:rPr lang="en-US" sz="2400" b="1" dirty="0"/>
+              <a:rPr lang="en-US" sz="2400" dirty="0"/>
               <a:t>Results(Insights)</a:t>
             </a:r>
-            <a:endParaRPr lang="en-CA" sz="2400" b="1" dirty="0"/>
+            <a:endParaRPr lang="en-CA" sz="2400" dirty="0"/>
           </a:p>
         </p:txBody>
       </p:sp>
@@ -12768,7 +12845,7 @@
 </p:sld>
 </file>
 
-<file path=ppt/slides/slide15.xml><?xml version="1.0" encoding="utf-8"?>
+<file path=ppt/slides/slide16.xml><?xml version="1.0" encoding="utf-8"?>
 <p:sld xmlns:a="http://schemas.openxmlformats.org/drawingml/2006/main" xmlns:r="http://schemas.openxmlformats.org/officeDocument/2006/relationships" xmlns:p="http://schemas.openxmlformats.org/presentationml/2006/main">
   <p:cSld>
     <p:spTree>
@@ -12876,7 +12953,7 @@
 </p:sld>
 </file>
 
-<file path=ppt/slides/slide16.xml><?xml version="1.0" encoding="utf-8"?>
+<file path=ppt/slides/slide17.xml><?xml version="1.0" encoding="utf-8"?>
 <p:sld xmlns:a="http://schemas.openxmlformats.org/drawingml/2006/main" xmlns:r="http://schemas.openxmlformats.org/officeDocument/2006/relationships" xmlns:p="http://schemas.openxmlformats.org/presentationml/2006/main">
   <p:cSld>
     <p:spTree>
@@ -12989,7 +13066,7 @@
 </p:sld>
 </file>
 
-<file path=ppt/slides/slide17.xml><?xml version="1.0" encoding="utf-8"?>
+<file path=ppt/slides/slide18.xml><?xml version="1.0" encoding="utf-8"?>
 <p:sld xmlns:a="http://schemas.openxmlformats.org/drawingml/2006/main" xmlns:r="http://schemas.openxmlformats.org/officeDocument/2006/relationships" xmlns:p="http://schemas.openxmlformats.org/presentationml/2006/main">
   <p:cSld>
     <p:spTree>
@@ -13035,10 +13112,10 @@
           <a:lstStyle/>
           <a:p>
             <a:r>
-              <a:rPr lang="en-US" sz="2400" b="1" dirty="0"/>
+              <a:rPr lang="en-US" sz="2400" dirty="0"/>
               <a:t>Results(Trajectories Comparision hardware and Software)</a:t>
             </a:r>
-            <a:endParaRPr lang="en-CA" sz="2400" b="1" dirty="0"/>
+            <a:endParaRPr lang="en-CA" sz="2400" dirty="0"/>
           </a:p>
         </p:txBody>
       </p:sp>
@@ -13799,7 +13876,7 @@
 </p:sld>
 </file>
 
-<file path=ppt/slides/slide18.xml><?xml version="1.0" encoding="utf-8"?>
+<file path=ppt/slides/slide19.xml><?xml version="1.0" encoding="utf-8"?>
 <p:sld xmlns:a="http://schemas.openxmlformats.org/drawingml/2006/main" xmlns:r="http://schemas.openxmlformats.org/officeDocument/2006/relationships" xmlns:p="http://schemas.openxmlformats.org/presentationml/2006/main">
   <p:cSld>
     <p:spTree>
@@ -13907,7 +13984,199 @@
 </p:sld>
 </file>
 
-<file path=ppt/slides/slide19.xml><?xml version="1.0" encoding="utf-8"?>
+<file path=ppt/slides/slide2.xml><?xml version="1.0" encoding="utf-8"?>
+<p:sld xmlns:a="http://schemas.openxmlformats.org/drawingml/2006/main" xmlns:r="http://schemas.openxmlformats.org/officeDocument/2006/relationships" xmlns:p="http://schemas.openxmlformats.org/presentationml/2006/main">
+  <p:cSld>
+    <p:spTree>
+      <p:nvGrpSpPr>
+        <p:cNvPr id="1" name=""/>
+        <p:cNvGrpSpPr/>
+        <p:nvPr/>
+      </p:nvGrpSpPr>
+      <p:grpSpPr>
+        <a:xfrm>
+          <a:off x="0" y="0"/>
+          <a:ext cx="0" cy="0"/>
+          <a:chOff x="0" y="0"/>
+          <a:chExt cx="0" cy="0"/>
+        </a:xfrm>
+      </p:grpSpPr>
+      <p:sp>
+        <p:nvSpPr>
+          <p:cNvPr id="2" name="Title 1">
+            <a:extLst>
+              <a:ext uri="{FF2B5EF4-FFF2-40B4-BE49-F238E27FC236}">
+                <a16:creationId xmlns:a16="http://schemas.microsoft.com/office/drawing/2014/main" id="{CC25D40A-C4AE-4876-9C65-DC7AF22BAEA1}"/>
+              </a:ext>
+            </a:extLst>
+          </p:cNvPr>
+          <p:cNvSpPr>
+            <a:spLocks noGrp="1"/>
+          </p:cNvSpPr>
+          <p:nvPr>
+            <p:ph type="title"/>
+          </p:nvPr>
+        </p:nvSpPr>
+        <p:spPr/>
+        <p:txBody>
+          <a:bodyPr>
+            <a:normAutofit/>
+          </a:bodyPr>
+          <a:lstStyle/>
+          <a:p>
+            <a:r>
+              <a:rPr lang="en-US" sz="2400" b="1" dirty="0"/>
+              <a:t>Content</a:t>
+            </a:r>
+            <a:endParaRPr lang="en-CA" sz="2400" b="1" dirty="0"/>
+          </a:p>
+        </p:txBody>
+      </p:sp>
+      <p:sp>
+        <p:nvSpPr>
+          <p:cNvPr id="3" name="Content Placeholder 2">
+            <a:extLst>
+              <a:ext uri="{FF2B5EF4-FFF2-40B4-BE49-F238E27FC236}">
+                <a16:creationId xmlns:a16="http://schemas.microsoft.com/office/drawing/2014/main" id="{9ADDA3F5-0489-F0B1-F817-F5B2DE9FC7F0}"/>
+              </a:ext>
+            </a:extLst>
+          </p:cNvPr>
+          <p:cNvSpPr>
+            <a:spLocks noGrp="1"/>
+          </p:cNvSpPr>
+          <p:nvPr>
+            <p:ph idx="1"/>
+          </p:nvPr>
+        </p:nvSpPr>
+        <p:spPr>
+          <a:xfrm>
+            <a:off x="838200" y="1451537"/>
+            <a:ext cx="10515600" cy="4351338"/>
+          </a:xfrm>
+        </p:spPr>
+        <p:txBody>
+          <a:bodyPr>
+            <a:normAutofit/>
+          </a:bodyPr>
+          <a:lstStyle/>
+          <a:p>
+            <a:r>
+              <a:rPr lang="en-US" sz="1600" dirty="0">
+                <a:latin typeface="Times New Roman" panose="02020603050405020304" pitchFamily="18" charset="0"/>
+                <a:cs typeface="Times New Roman" panose="02020603050405020304" pitchFamily="18" charset="0"/>
+              </a:rPr>
+              <a:t>Background</a:t>
+            </a:r>
+          </a:p>
+          <a:p>
+            <a:r>
+              <a:rPr lang="en-US" sz="1600" dirty="0">
+                <a:latin typeface="Times New Roman" panose="02020603050405020304" pitchFamily="18" charset="0"/>
+                <a:cs typeface="Times New Roman" panose="02020603050405020304" pitchFamily="18" charset="0"/>
+              </a:rPr>
+              <a:t>Gaps in the Research</a:t>
+            </a:r>
+          </a:p>
+          <a:p>
+            <a:r>
+              <a:rPr lang="en-US" sz="1600" dirty="0">
+                <a:latin typeface="Times New Roman" panose="02020603050405020304" pitchFamily="18" charset="0"/>
+                <a:cs typeface="Times New Roman" panose="02020603050405020304" pitchFamily="18" charset="0"/>
+              </a:rPr>
+              <a:t>Proposed Solution</a:t>
+            </a:r>
+          </a:p>
+          <a:p>
+            <a:r>
+              <a:rPr lang="en-US" sz="1600" dirty="0">
+                <a:latin typeface="Times New Roman" panose="02020603050405020304" pitchFamily="18" charset="0"/>
+                <a:cs typeface="Times New Roman" panose="02020603050405020304" pitchFamily="18" charset="0"/>
+              </a:rPr>
+              <a:t>Datasets</a:t>
+            </a:r>
+          </a:p>
+          <a:p>
+            <a:r>
+              <a:rPr lang="en-US" sz="1600" dirty="0">
+                <a:latin typeface="Times New Roman" panose="02020603050405020304" pitchFamily="18" charset="0"/>
+                <a:cs typeface="Times New Roman" panose="02020603050405020304" pitchFamily="18" charset="0"/>
+              </a:rPr>
+              <a:t>Model Design </a:t>
+            </a:r>
+          </a:p>
+          <a:p>
+            <a:r>
+              <a:rPr lang="en-US" sz="1600" dirty="0">
+                <a:latin typeface="Times New Roman" panose="02020603050405020304" pitchFamily="18" charset="0"/>
+                <a:cs typeface="Times New Roman" panose="02020603050405020304" pitchFamily="18" charset="0"/>
+              </a:rPr>
+              <a:t>System Design (Hardware and Software)</a:t>
+            </a:r>
+          </a:p>
+          <a:p>
+            <a:r>
+              <a:rPr lang="en-US" sz="1600" dirty="0">
+                <a:latin typeface="Times New Roman" panose="02020603050405020304" pitchFamily="18" charset="0"/>
+                <a:cs typeface="Times New Roman" panose="02020603050405020304" pitchFamily="18" charset="0"/>
+              </a:rPr>
+              <a:t>Crisper Knockout Evaluation Setting</a:t>
+            </a:r>
+          </a:p>
+          <a:p>
+            <a:r>
+              <a:rPr lang="en-US" sz="1600" dirty="0">
+                <a:latin typeface="Times New Roman" panose="02020603050405020304" pitchFamily="18" charset="0"/>
+                <a:cs typeface="Times New Roman" panose="02020603050405020304" pitchFamily="18" charset="0"/>
+              </a:rPr>
+              <a:t>Drug Development Evaluation Setting</a:t>
+            </a:r>
+          </a:p>
+          <a:p>
+            <a:r>
+              <a:rPr lang="en-US" sz="1600" dirty="0">
+                <a:latin typeface="Times New Roman" panose="02020603050405020304" pitchFamily="18" charset="0"/>
+                <a:cs typeface="Times New Roman" panose="02020603050405020304" pitchFamily="18" charset="0"/>
+              </a:rPr>
+              <a:t>Expected Outcome</a:t>
+            </a:r>
+          </a:p>
+          <a:p>
+            <a:r>
+              <a:rPr lang="en-US" sz="1600" dirty="0">
+                <a:latin typeface="Times New Roman" panose="02020603050405020304" pitchFamily="18" charset="0"/>
+                <a:cs typeface="Times New Roman" panose="02020603050405020304" pitchFamily="18" charset="0"/>
+              </a:rPr>
+              <a:t>Future Work</a:t>
+            </a:r>
+          </a:p>
+          <a:p>
+            <a:endParaRPr lang="en-US" sz="2000" dirty="0">
+              <a:latin typeface="Times New Roman" panose="02020603050405020304" pitchFamily="18" charset="0"/>
+              <a:cs typeface="Times New Roman" panose="02020603050405020304" pitchFamily="18" charset="0"/>
+            </a:endParaRPr>
+          </a:p>
+          <a:p>
+            <a:endParaRPr lang="en-CA" sz="2000" dirty="0">
+              <a:latin typeface="Times New Roman" panose="02020603050405020304" pitchFamily="18" charset="0"/>
+              <a:cs typeface="Times New Roman" panose="02020603050405020304" pitchFamily="18" charset="0"/>
+            </a:endParaRPr>
+          </a:p>
+        </p:txBody>
+      </p:sp>
+    </p:spTree>
+    <p:extLst>
+      <p:ext uri="{BB962C8B-B14F-4D97-AF65-F5344CB8AC3E}">
+        <p14:creationId xmlns:p14="http://schemas.microsoft.com/office/powerpoint/2010/main" val="2029428924"/>
+      </p:ext>
+    </p:extLst>
+  </p:cSld>
+  <p:clrMapOvr>
+    <a:masterClrMapping/>
+  </p:clrMapOvr>
+</p:sld>
+</file>
+
+<file path=ppt/slides/slide20.xml><?xml version="1.0" encoding="utf-8"?>
 <p:sld xmlns:a="http://schemas.openxmlformats.org/drawingml/2006/main" xmlns:r="http://schemas.openxmlformats.org/officeDocument/2006/relationships" xmlns:p="http://schemas.openxmlformats.org/presentationml/2006/main">
   <p:cSld>
     <p:spTree>
@@ -14024,190 +14293,7 @@
 </p:sld>
 </file>
 
-<file path=ppt/slides/slide2.xml><?xml version="1.0" encoding="utf-8"?>
-<p:sld xmlns:a="http://schemas.openxmlformats.org/drawingml/2006/main" xmlns:r="http://schemas.openxmlformats.org/officeDocument/2006/relationships" xmlns:p="http://schemas.openxmlformats.org/presentationml/2006/main">
-  <p:cSld>
-    <p:spTree>
-      <p:nvGrpSpPr>
-        <p:cNvPr id="1" name=""/>
-        <p:cNvGrpSpPr/>
-        <p:nvPr/>
-      </p:nvGrpSpPr>
-      <p:grpSpPr>
-        <a:xfrm>
-          <a:off x="0" y="0"/>
-          <a:ext cx="0" cy="0"/>
-          <a:chOff x="0" y="0"/>
-          <a:chExt cx="0" cy="0"/>
-        </a:xfrm>
-      </p:grpSpPr>
-      <p:sp>
-        <p:nvSpPr>
-          <p:cNvPr id="2" name="Title 1">
-            <a:extLst>
-              <a:ext uri="{FF2B5EF4-FFF2-40B4-BE49-F238E27FC236}">
-                <a16:creationId xmlns:a16="http://schemas.microsoft.com/office/drawing/2014/main" id="{CC25D40A-C4AE-4876-9C65-DC7AF22BAEA1}"/>
-              </a:ext>
-            </a:extLst>
-          </p:cNvPr>
-          <p:cNvSpPr>
-            <a:spLocks noGrp="1"/>
-          </p:cNvSpPr>
-          <p:nvPr>
-            <p:ph type="title"/>
-          </p:nvPr>
-        </p:nvSpPr>
-        <p:spPr/>
-        <p:txBody>
-          <a:bodyPr>
-            <a:normAutofit/>
-          </a:bodyPr>
-          <a:lstStyle/>
-          <a:p>
-            <a:r>
-              <a:rPr lang="en-US" sz="2400" b="1" dirty="0"/>
-              <a:t>Content</a:t>
-            </a:r>
-            <a:endParaRPr lang="en-CA" sz="2400" b="1" dirty="0"/>
-          </a:p>
-        </p:txBody>
-      </p:sp>
-      <p:sp>
-        <p:nvSpPr>
-          <p:cNvPr id="3" name="Content Placeholder 2">
-            <a:extLst>
-              <a:ext uri="{FF2B5EF4-FFF2-40B4-BE49-F238E27FC236}">
-                <a16:creationId xmlns:a16="http://schemas.microsoft.com/office/drawing/2014/main" id="{9ADDA3F5-0489-F0B1-F817-F5B2DE9FC7F0}"/>
-              </a:ext>
-            </a:extLst>
-          </p:cNvPr>
-          <p:cNvSpPr>
-            <a:spLocks noGrp="1"/>
-          </p:cNvSpPr>
-          <p:nvPr>
-            <p:ph idx="1"/>
-          </p:nvPr>
-        </p:nvSpPr>
-        <p:spPr>
-          <a:xfrm>
-            <a:off x="838200" y="1451537"/>
-            <a:ext cx="10515600" cy="4351338"/>
-          </a:xfrm>
-        </p:spPr>
-        <p:txBody>
-          <a:bodyPr>
-            <a:normAutofit/>
-          </a:bodyPr>
-          <a:lstStyle/>
-          <a:p>
-            <a:r>
-              <a:rPr lang="en-US" sz="2000" dirty="0">
-                <a:latin typeface="Times New Roman" panose="02020603050405020304" pitchFamily="18" charset="0"/>
-                <a:cs typeface="Times New Roman" panose="02020603050405020304" pitchFamily="18" charset="0"/>
-              </a:rPr>
-              <a:t>Background</a:t>
-            </a:r>
-          </a:p>
-          <a:p>
-            <a:r>
-              <a:rPr lang="en-US" sz="2000" dirty="0">
-                <a:latin typeface="Times New Roman" panose="02020603050405020304" pitchFamily="18" charset="0"/>
-                <a:cs typeface="Times New Roman" panose="02020603050405020304" pitchFamily="18" charset="0"/>
-              </a:rPr>
-              <a:t>Gaps in the Research</a:t>
-            </a:r>
-          </a:p>
-          <a:p>
-            <a:r>
-              <a:rPr lang="en-US" sz="2000" dirty="0">
-                <a:latin typeface="Times New Roman" panose="02020603050405020304" pitchFamily="18" charset="0"/>
-                <a:cs typeface="Times New Roman" panose="02020603050405020304" pitchFamily="18" charset="0"/>
-              </a:rPr>
-              <a:t>Proposed Solution</a:t>
-            </a:r>
-          </a:p>
-          <a:p>
-            <a:r>
-              <a:rPr lang="en-US" sz="2000" dirty="0">
-                <a:latin typeface="Times New Roman" panose="02020603050405020304" pitchFamily="18" charset="0"/>
-                <a:cs typeface="Times New Roman" panose="02020603050405020304" pitchFamily="18" charset="0"/>
-              </a:rPr>
-              <a:t>Datasets</a:t>
-            </a:r>
-          </a:p>
-          <a:p>
-            <a:r>
-              <a:rPr lang="en-US" sz="2000" dirty="0">
-                <a:latin typeface="Times New Roman" panose="02020603050405020304" pitchFamily="18" charset="0"/>
-                <a:cs typeface="Times New Roman" panose="02020603050405020304" pitchFamily="18" charset="0"/>
-              </a:rPr>
-              <a:t>System Design (Hardware and Software)</a:t>
-            </a:r>
-          </a:p>
-          <a:p>
-            <a:r>
-              <a:rPr lang="en-US" sz="2000" dirty="0">
-                <a:latin typeface="Times New Roman" panose="02020603050405020304" pitchFamily="18" charset="0"/>
-                <a:cs typeface="Times New Roman" panose="02020603050405020304" pitchFamily="18" charset="0"/>
-              </a:rPr>
-              <a:t>Crisper Knockout Evaluation Setting</a:t>
-            </a:r>
-          </a:p>
-          <a:p>
-            <a:r>
-              <a:rPr lang="en-US" sz="2000" dirty="0">
-                <a:latin typeface="Times New Roman" panose="02020603050405020304" pitchFamily="18" charset="0"/>
-                <a:cs typeface="Times New Roman" panose="02020603050405020304" pitchFamily="18" charset="0"/>
-              </a:rPr>
-              <a:t>Drug Development Evaluation Setting</a:t>
-            </a:r>
-          </a:p>
-          <a:p>
-            <a:r>
-              <a:rPr lang="en-US" sz="2000" dirty="0">
-                <a:latin typeface="Times New Roman" panose="02020603050405020304" pitchFamily="18" charset="0"/>
-                <a:cs typeface="Times New Roman" panose="02020603050405020304" pitchFamily="18" charset="0"/>
-              </a:rPr>
-              <a:t>Expected Outcome</a:t>
-            </a:r>
-          </a:p>
-          <a:p>
-            <a:r>
-              <a:rPr lang="en-US" sz="2000" dirty="0">
-                <a:latin typeface="Times New Roman" panose="02020603050405020304" pitchFamily="18" charset="0"/>
-                <a:cs typeface="Times New Roman" panose="02020603050405020304" pitchFamily="18" charset="0"/>
-              </a:rPr>
-              <a:t>Future Work</a:t>
-            </a:r>
-          </a:p>
-          <a:p>
-            <a:endParaRPr lang="en-US" sz="2000" dirty="0">
-              <a:latin typeface="Times New Roman" panose="02020603050405020304" pitchFamily="18" charset="0"/>
-              <a:cs typeface="Times New Roman" panose="02020603050405020304" pitchFamily="18" charset="0"/>
-            </a:endParaRPr>
-          </a:p>
-          <a:p>
-            <a:endParaRPr lang="en-CA" sz="2000" dirty="0">
-              <a:latin typeface="Times New Roman" panose="02020603050405020304" pitchFamily="18" charset="0"/>
-              <a:cs typeface="Times New Roman" panose="02020603050405020304" pitchFamily="18" charset="0"/>
-            </a:endParaRPr>
-          </a:p>
-        </p:txBody>
-      </p:sp>
-    </p:spTree>
-    <p:extLst>
-      <p:ext uri="{BB962C8B-B14F-4D97-AF65-F5344CB8AC3E}">
-        <p14:creationId xmlns:p14="http://schemas.microsoft.com/office/powerpoint/2010/main" val="2029428924"/>
-      </p:ext>
-    </p:extLst>
-  </p:cSld>
-  <p:clrMapOvr>
-    <a:masterClrMapping/>
-  </p:clrMapOvr>
-</p:sld>
-</file>
-
-<file path=ppt/slides/slide20.xml><?xml version="1.0" encoding="utf-8"?>
+<file path=ppt/slides/slide21.xml><?xml version="1.0" encoding="utf-8"?>
 <p:sld xmlns:a="http://schemas.openxmlformats.org/drawingml/2006/main" xmlns:r="http://schemas.openxmlformats.org/officeDocument/2006/relationships" xmlns:p="http://schemas.openxmlformats.org/presentationml/2006/main">
   <p:cSld>
     <p:spTree>
@@ -14260,13 +14346,9 @@
           <a:p>
             <a:r>
               <a:rPr lang="en-US" dirty="0"/>
-              <a:t>          </a:t>
-            </a:r>
-            <a:r>
-              <a:rPr lang="en-US" b="1" dirty="0"/>
-              <a:t>Drug Development</a:t>
-            </a:r>
-            <a:endParaRPr lang="en-CA" b="1" dirty="0"/>
+              <a:t>          Drug Development</a:t>
+            </a:r>
+            <a:endParaRPr lang="en-CA" dirty="0"/>
           </a:p>
         </p:txBody>
       </p:sp>
@@ -14283,7 +14365,7 @@
 </p:sld>
 </file>
 
-<file path=ppt/slides/slide21.xml><?xml version="1.0" encoding="utf-8"?>
+<file path=ppt/slides/slide22.xml><?xml version="1.0" encoding="utf-8"?>
 <p:sld xmlns:a="http://schemas.openxmlformats.org/drawingml/2006/main" xmlns:r="http://schemas.openxmlformats.org/officeDocument/2006/relationships" xmlns:p="http://schemas.openxmlformats.org/presentationml/2006/main">
   <p:cSld>
     <p:spTree>
@@ -14404,7 +14486,14 @@
             <a:endParaRPr lang="en-CA" sz="1600" u="sng" dirty="0"/>
           </a:p>
           <a:p>
-            <a:endParaRPr lang="en-CA" sz="1600" dirty="0"/>
+            <a:r>
+              <a:rPr lang="en-CA" sz="1600" b="1" dirty="0" err="1"/>
+              <a:t>Github</a:t>
+            </a:r>
+            <a:r>
+              <a:rPr lang="en-CA" sz="1600" b="1" dirty="0"/>
+              <a:t>: </a:t>
+            </a:r>
           </a:p>
           <a:p>
             <a:pPr marL="0" indent="0">
@@ -14412,6 +14501,15 @@
             </a:pPr>
             <a:r>
               <a:rPr lang="en-CA" sz="1600" dirty="0"/>
+              <a:t>https://github.com/boabangf/GNN_RL_gene_trajectory_perturbation/blob/main/Drug%20Development/drug_development.ipynb</a:t>
+            </a:r>
+          </a:p>
+          <a:p>
+            <a:pPr marL="0" indent="0">
+              <a:buNone/>
+            </a:pPr>
+            <a:r>
+              <a:rPr lang="en-CA" sz="1600" b="1" dirty="0"/>
               <a:t>Dataset</a:t>
             </a:r>
           </a:p>
@@ -14442,7 +14540,7 @@
 </p:sld>
 </file>
 
-<file path=ppt/slides/slide22.xml><?xml version="1.0" encoding="utf-8"?>
+<file path=ppt/slides/slide23.xml><?xml version="1.0" encoding="utf-8"?>
 <p:sld xmlns:a="http://schemas.openxmlformats.org/drawingml/2006/main" xmlns:r="http://schemas.openxmlformats.org/officeDocument/2006/relationships" xmlns:p="http://schemas.openxmlformats.org/presentationml/2006/main">
   <p:cSld>
     <p:spTree>
@@ -14555,7 +14653,7 @@
 </p:sld>
 </file>
 
-<file path=ppt/slides/slide23.xml><?xml version="1.0" encoding="utf-8"?>
+<file path=ppt/slides/slide24.xml><?xml version="1.0" encoding="utf-8"?>
 <p:sld xmlns:a="http://schemas.openxmlformats.org/drawingml/2006/main" xmlns:r="http://schemas.openxmlformats.org/officeDocument/2006/relationships" xmlns:p="http://schemas.openxmlformats.org/presentationml/2006/main">
   <p:cSld>
     <p:spTree>
@@ -15313,7 +15411,7 @@
 </p:sld>
 </file>
 
-<file path=ppt/slides/slide24.xml><?xml version="1.0" encoding="utf-8"?>
+<file path=ppt/slides/slide25.xml><?xml version="1.0" encoding="utf-8"?>
 <p:sld xmlns:a="http://schemas.openxmlformats.org/drawingml/2006/main" xmlns:r="http://schemas.openxmlformats.org/officeDocument/2006/relationships" xmlns:p="http://schemas.openxmlformats.org/presentationml/2006/main">
   <p:cSld>
     <p:spTree>
@@ -17416,7 +17514,7 @@
 </p:sld>
 </file>
 
-<file path=ppt/slides/slide25.xml><?xml version="1.0" encoding="utf-8"?>
+<file path=ppt/slides/slide26.xml><?xml version="1.0" encoding="utf-8"?>
 <p:sld xmlns:a="http://schemas.openxmlformats.org/drawingml/2006/main" xmlns:r="http://schemas.openxmlformats.org/officeDocument/2006/relationships" xmlns:p="http://schemas.openxmlformats.org/presentationml/2006/main">
   <p:cSld>
     <p:spTree>
@@ -17493,8 +17591,8 @@
         </p:blipFill>
         <p:spPr bwMode="auto">
           <a:xfrm>
-            <a:off x="2151063" y="1490662"/>
-            <a:ext cx="7716837" cy="4900613"/>
+            <a:off x="1298448" y="1690688"/>
+            <a:ext cx="8897112" cy="4531578"/>
           </a:xfrm>
           <a:prstGeom prst="rect">
             <a:avLst/>
@@ -17524,7 +17622,7 @@
 </p:sld>
 </file>
 
-<file path=ppt/slides/slide26.xml><?xml version="1.0" encoding="utf-8"?>
+<file path=ppt/slides/slide27.xml><?xml version="1.0" encoding="utf-8"?>
 <p:sld xmlns:a="http://schemas.openxmlformats.org/drawingml/2006/main" xmlns:r="http://schemas.openxmlformats.org/officeDocument/2006/relationships" xmlns:p="http://schemas.openxmlformats.org/presentationml/2006/main">
   <p:cSld>
     <p:bg>
@@ -17920,19 +18018,19 @@
           <a:lstStyle/>
           <a:p>
             <a:r>
-              <a:rPr lang="en-CA" sz="4800" b="1">
+              <a:rPr lang="en-CA" sz="2400" b="1" dirty="0">
                 <a:latin typeface="Times New Roman" panose="02020603050405020304" pitchFamily="18" charset="0"/>
                 <a:cs typeface="Times New Roman" panose="02020603050405020304" pitchFamily="18" charset="0"/>
               </a:rPr>
               <a:t>Expected Impact</a:t>
             </a:r>
             <a:br>
-              <a:rPr lang="en-CA" sz="4800" b="1">
+              <a:rPr lang="en-CA" sz="4800" b="1" dirty="0">
                 <a:latin typeface="Times New Roman" panose="02020603050405020304" pitchFamily="18" charset="0"/>
                 <a:cs typeface="Times New Roman" panose="02020603050405020304" pitchFamily="18" charset="0"/>
               </a:rPr>
             </a:br>
-            <a:endParaRPr lang="en-CA" sz="4800">
+            <a:endParaRPr lang="en-CA" sz="4800" dirty="0">
               <a:latin typeface="Times New Roman" panose="02020603050405020304" pitchFamily="18" charset="0"/>
               <a:cs typeface="Times New Roman" panose="02020603050405020304" pitchFamily="18" charset="0"/>
             </a:endParaRPr>
@@ -18035,7 +18133,7 @@
 </p:sld>
 </file>
 
-<file path=ppt/slides/slide27.xml><?xml version="1.0" encoding="utf-8"?>
+<file path=ppt/slides/slide28.xml><?xml version="1.0" encoding="utf-8"?>
 <p:sld xmlns:a="http://schemas.openxmlformats.org/drawingml/2006/main" xmlns:r="http://schemas.openxmlformats.org/officeDocument/2006/relationships" xmlns:p="http://schemas.openxmlformats.org/presentationml/2006/main">
   <p:cSld>
     <p:spTree>
@@ -20917,6 +21015,279 @@
           <p:cNvPr id="2" name="Title 1">
             <a:extLst>
               <a:ext uri="{FF2B5EF4-FFF2-40B4-BE49-F238E27FC236}">
+                <a16:creationId xmlns:a16="http://schemas.microsoft.com/office/drawing/2014/main" id="{81806594-9025-383C-D90A-339D8756DCA4}"/>
+              </a:ext>
+            </a:extLst>
+          </p:cNvPr>
+          <p:cNvSpPr>
+            <a:spLocks noGrp="1"/>
+          </p:cNvSpPr>
+          <p:nvPr>
+            <p:ph type="title"/>
+          </p:nvPr>
+        </p:nvSpPr>
+        <p:spPr>
+          <a:xfrm>
+            <a:off x="838200" y="95370"/>
+            <a:ext cx="10515600" cy="639088"/>
+          </a:xfrm>
+        </p:spPr>
+        <p:txBody>
+          <a:bodyPr>
+            <a:normAutofit/>
+          </a:bodyPr>
+          <a:lstStyle/>
+          <a:p>
+            <a:r>
+              <a:rPr lang="en-US" sz="2400" b="1" dirty="0"/>
+              <a:t>Model Design</a:t>
+            </a:r>
+            <a:endParaRPr lang="en-CA" sz="2400" b="1" dirty="0"/>
+          </a:p>
+        </p:txBody>
+      </p:sp>
+      <p:pic>
+        <p:nvPicPr>
+          <p:cNvPr id="1028" name="Picture 4" descr="Graph Attention Networks. Graph Machine Learning | by Ashish Kumar | Medium">
+            <a:extLst>
+              <a:ext uri="{FF2B5EF4-FFF2-40B4-BE49-F238E27FC236}">
+                <a16:creationId xmlns:a16="http://schemas.microsoft.com/office/drawing/2014/main" id="{3CDB7DCA-A6FC-2517-E2D1-1EE1521EB3B8}"/>
+              </a:ext>
+            </a:extLst>
+          </p:cNvPr>
+          <p:cNvPicPr>
+            <a:picLocks noChangeAspect="1" noChangeArrowheads="1"/>
+          </p:cNvPicPr>
+          <p:nvPr/>
+        </p:nvPicPr>
+        <p:blipFill>
+          <a:blip r:embed="rId2">
+            <a:extLst>
+              <a:ext uri="{28A0092B-C50C-407E-A947-70E740481C1C}">
+                <a14:useLocalDpi xmlns:a14="http://schemas.microsoft.com/office/drawing/2010/main" val="0"/>
+              </a:ext>
+            </a:extLst>
+          </a:blip>
+          <a:srcRect/>
+          <a:stretch>
+            <a:fillRect/>
+          </a:stretch>
+        </p:blipFill>
+        <p:spPr bwMode="auto">
+          <a:xfrm>
+            <a:off x="4187952" y="1012351"/>
+            <a:ext cx="4261104" cy="2224626"/>
+          </a:xfrm>
+          <a:prstGeom prst="rect">
+            <a:avLst/>
+          </a:prstGeom>
+          <a:noFill/>
+          <a:extLst>
+            <a:ext uri="{909E8E84-426E-40DD-AFC4-6F175D3DCCD1}">
+              <a14:hiddenFill xmlns:a14="http://schemas.microsoft.com/office/drawing/2010/main">
+                <a:solidFill>
+                  <a:srgbClr val="FFFFFF"/>
+                </a:solidFill>
+              </a14:hiddenFill>
+            </a:ext>
+          </a:extLst>
+        </p:spPr>
+      </p:pic>
+      <p:sp>
+        <p:nvSpPr>
+          <p:cNvPr id="5" name="TextBox 4">
+            <a:extLst>
+              <a:ext uri="{FF2B5EF4-FFF2-40B4-BE49-F238E27FC236}">
+                <a16:creationId xmlns:a16="http://schemas.microsoft.com/office/drawing/2014/main" id="{24E62448-B44F-7F3B-E9A4-B5A86AD8E1E8}"/>
+              </a:ext>
+            </a:extLst>
+          </p:cNvPr>
+          <p:cNvSpPr txBox="1"/>
+          <p:nvPr/>
+        </p:nvSpPr>
+        <p:spPr>
+          <a:xfrm>
+            <a:off x="3953432" y="729619"/>
+            <a:ext cx="4876912" cy="369332"/>
+          </a:xfrm>
+          <a:prstGeom prst="rect">
+            <a:avLst/>
+          </a:prstGeom>
+          <a:noFill/>
+        </p:spPr>
+        <p:txBody>
+          <a:bodyPr wrap="none" rtlCol="0">
+            <a:spAutoFit/>
+          </a:bodyPr>
+          <a:lstStyle/>
+          <a:p>
+            <a:r>
+              <a:rPr lang="en-US" dirty="0"/>
+              <a:t>Graph Attention Network for the Gene Embedding</a:t>
+            </a:r>
+            <a:endParaRPr lang="en-CA" dirty="0"/>
+          </a:p>
+        </p:txBody>
+      </p:sp>
+      <p:cxnSp>
+        <p:nvCxnSpPr>
+          <p:cNvPr id="7" name="Straight Arrow Connector 6">
+            <a:extLst>
+              <a:ext uri="{FF2B5EF4-FFF2-40B4-BE49-F238E27FC236}">
+                <a16:creationId xmlns:a16="http://schemas.microsoft.com/office/drawing/2014/main" id="{2F5E5B73-B317-1D5E-2ABD-72968283A9D5}"/>
+              </a:ext>
+            </a:extLst>
+          </p:cNvPr>
+          <p:cNvCxnSpPr>
+            <a:cxnSpLocks/>
+          </p:cNvCxnSpPr>
+          <p:nvPr/>
+        </p:nvCxnSpPr>
+        <p:spPr>
+          <a:xfrm>
+            <a:off x="6214872" y="3236977"/>
+            <a:ext cx="0" cy="635127"/>
+          </a:xfrm>
+          <a:prstGeom prst="straightConnector1">
+            <a:avLst/>
+          </a:prstGeom>
+          <a:ln w="28575">
+            <a:tailEnd type="triangle"/>
+          </a:ln>
+        </p:spPr>
+        <p:style>
+          <a:lnRef idx="1">
+            <a:schemeClr val="accent1"/>
+          </a:lnRef>
+          <a:fillRef idx="0">
+            <a:schemeClr val="accent1"/>
+          </a:fillRef>
+          <a:effectRef idx="0">
+            <a:schemeClr val="accent1"/>
+          </a:effectRef>
+          <a:fontRef idx="minor">
+            <a:schemeClr val="tx1"/>
+          </a:fontRef>
+        </p:style>
+      </p:cxnSp>
+      <p:pic>
+        <p:nvPicPr>
+          <p:cNvPr id="1030" name="Picture 6" descr="What is Reinforcement Learning: Overview, Comparisons and Ap">
+            <a:extLst>
+              <a:ext uri="{FF2B5EF4-FFF2-40B4-BE49-F238E27FC236}">
+                <a16:creationId xmlns:a16="http://schemas.microsoft.com/office/drawing/2014/main" id="{C3814DDE-55E8-175C-6E5F-9123161C51FD}"/>
+              </a:ext>
+            </a:extLst>
+          </p:cNvPr>
+          <p:cNvPicPr>
+            <a:picLocks noChangeAspect="1" noChangeArrowheads="1"/>
+          </p:cNvPicPr>
+          <p:nvPr/>
+        </p:nvPicPr>
+        <p:blipFill>
+          <a:blip r:embed="rId3">
+            <a:extLst>
+              <a:ext uri="{28A0092B-C50C-407E-A947-70E740481C1C}">
+                <a14:useLocalDpi xmlns:a14="http://schemas.microsoft.com/office/drawing/2010/main" val="0"/>
+              </a:ext>
+            </a:extLst>
+          </a:blip>
+          <a:srcRect/>
+          <a:stretch>
+            <a:fillRect/>
+          </a:stretch>
+        </p:blipFill>
+        <p:spPr bwMode="auto">
+          <a:xfrm>
+            <a:off x="3647265" y="3872103"/>
+            <a:ext cx="5342477" cy="2071611"/>
+          </a:xfrm>
+          <a:prstGeom prst="rect">
+            <a:avLst/>
+          </a:prstGeom>
+          <a:noFill/>
+          <a:extLst>
+            <a:ext uri="{909E8E84-426E-40DD-AFC4-6F175D3DCCD1}">
+              <a14:hiddenFill xmlns:a14="http://schemas.microsoft.com/office/drawing/2010/main">
+                <a:solidFill>
+                  <a:srgbClr val="FFFFFF"/>
+                </a:solidFill>
+              </a14:hiddenFill>
+            </a:ext>
+          </a:extLst>
+        </p:spPr>
+      </p:pic>
+      <p:sp>
+        <p:nvSpPr>
+          <p:cNvPr id="9" name="TextBox 8">
+            <a:extLst>
+              <a:ext uri="{FF2B5EF4-FFF2-40B4-BE49-F238E27FC236}">
+                <a16:creationId xmlns:a16="http://schemas.microsoft.com/office/drawing/2014/main" id="{FA68FAC6-3366-71CA-7992-A97E43F193A9}"/>
+              </a:ext>
+            </a:extLst>
+          </p:cNvPr>
+          <p:cNvSpPr txBox="1"/>
+          <p:nvPr/>
+        </p:nvSpPr>
+        <p:spPr>
+          <a:xfrm>
+            <a:off x="3953432" y="5913849"/>
+            <a:ext cx="4730141" cy="369332"/>
+          </a:xfrm>
+          <a:prstGeom prst="rect">
+            <a:avLst/>
+          </a:prstGeom>
+          <a:noFill/>
+        </p:spPr>
+        <p:txBody>
+          <a:bodyPr wrap="none" rtlCol="0">
+            <a:spAutoFit/>
+          </a:bodyPr>
+          <a:lstStyle/>
+          <a:p>
+            <a:r>
+              <a:rPr lang="en-US" dirty="0"/>
+              <a:t>Reinforcement Learning for Trajectory Prediction</a:t>
+            </a:r>
+            <a:endParaRPr lang="en-CA" dirty="0"/>
+          </a:p>
+        </p:txBody>
+      </p:sp>
+    </p:spTree>
+    <p:extLst>
+      <p:ext uri="{BB962C8B-B14F-4D97-AF65-F5344CB8AC3E}">
+        <p14:creationId xmlns:p14="http://schemas.microsoft.com/office/powerpoint/2010/main" val="405825366"/>
+      </p:ext>
+    </p:extLst>
+  </p:cSld>
+  <p:clrMapOvr>
+    <a:masterClrMapping/>
+  </p:clrMapOvr>
+</p:sld>
+</file>
+
+<file path=ppt/slides/slide9.xml><?xml version="1.0" encoding="utf-8"?>
+<p:sld xmlns:a="http://schemas.openxmlformats.org/drawingml/2006/main" xmlns:r="http://schemas.openxmlformats.org/officeDocument/2006/relationships" xmlns:p="http://schemas.openxmlformats.org/presentationml/2006/main">
+  <p:cSld>
+    <p:spTree>
+      <p:nvGrpSpPr>
+        <p:cNvPr id="1" name=""/>
+        <p:cNvGrpSpPr/>
+        <p:nvPr/>
+      </p:nvGrpSpPr>
+      <p:grpSpPr>
+        <a:xfrm>
+          <a:off x="0" y="0"/>
+          <a:ext cx="0" cy="0"/>
+          <a:chOff x="0" y="0"/>
+          <a:chExt cx="0" cy="0"/>
+        </a:xfrm>
+      </p:grpSpPr>
+      <p:sp>
+        <p:nvSpPr>
+          <p:cNvPr id="2" name="Title 1">
+            <a:extLst>
+              <a:ext uri="{FF2B5EF4-FFF2-40B4-BE49-F238E27FC236}">
                 <a16:creationId xmlns:a16="http://schemas.microsoft.com/office/drawing/2014/main" id="{230BD0FC-6B46-23D1-7796-5F2C4025231B}"/>
               </a:ext>
             </a:extLst>
@@ -21877,7 +22248,7 @@
         </p:nvSpPr>
         <p:spPr>
           <a:xfrm>
-            <a:off x="3925987" y="4162045"/>
+            <a:off x="3958876" y="4122948"/>
             <a:ext cx="2137124" cy="369332"/>
           </a:xfrm>
           <a:prstGeom prst="rect">
@@ -21913,7 +22284,7 @@
         </p:nvSpPr>
         <p:spPr>
           <a:xfrm>
-            <a:off x="3963850" y="1616248"/>
+            <a:off x="3958876" y="1544669"/>
             <a:ext cx="2061398" cy="369332"/>
           </a:xfrm>
           <a:prstGeom prst="rect">
@@ -21949,8 +22320,8 @@
         </p:nvSpPr>
         <p:spPr>
           <a:xfrm>
-            <a:off x="174321" y="1679959"/>
-            <a:ext cx="11088620" cy="1433909"/>
+            <a:off x="174321" y="1556215"/>
+            <a:ext cx="11088620" cy="1557654"/>
           </a:xfrm>
           <a:prstGeom prst="roundRect">
             <a:avLst/>
@@ -22191,82 +22562,6 @@
     <p:extLst>
       <p:ext uri="{BB962C8B-B14F-4D97-AF65-F5344CB8AC3E}">
         <p14:creationId xmlns:p14="http://schemas.microsoft.com/office/powerpoint/2010/main" val="1159057244"/>
-      </p:ext>
-    </p:extLst>
-  </p:cSld>
-  <p:clrMapOvr>
-    <a:masterClrMapping/>
-  </p:clrMapOvr>
-</p:sld>
-</file>
-
-<file path=ppt/slides/slide9.xml><?xml version="1.0" encoding="utf-8"?>
-<p:sld xmlns:a="http://schemas.openxmlformats.org/drawingml/2006/main" xmlns:r="http://schemas.openxmlformats.org/officeDocument/2006/relationships" xmlns:p="http://schemas.openxmlformats.org/presentationml/2006/main">
-  <p:cSld>
-    <p:spTree>
-      <p:nvGrpSpPr>
-        <p:cNvPr id="1" name="">
-          <a:extLst>
-            <a:ext uri="{FF2B5EF4-FFF2-40B4-BE49-F238E27FC236}">
-              <a16:creationId xmlns:a16="http://schemas.microsoft.com/office/drawing/2014/main" id="{6BB064F3-7FBD-DCBF-15DA-324B411D31E0}"/>
-            </a:ext>
-          </a:extLst>
-        </p:cNvPr>
-        <p:cNvGrpSpPr/>
-        <p:nvPr/>
-      </p:nvGrpSpPr>
-      <p:grpSpPr>
-        <a:xfrm>
-          <a:off x="0" y="0"/>
-          <a:ext cx="0" cy="0"/>
-          <a:chOff x="0" y="0"/>
-          <a:chExt cx="0" cy="0"/>
-        </a:xfrm>
-      </p:grpSpPr>
-      <p:sp>
-        <p:nvSpPr>
-          <p:cNvPr id="2" name="Title 1">
-            <a:extLst>
-              <a:ext uri="{FF2B5EF4-FFF2-40B4-BE49-F238E27FC236}">
-                <a16:creationId xmlns:a16="http://schemas.microsoft.com/office/drawing/2014/main" id="{42832E5C-71B0-B39C-6C33-2F532D2C28E4}"/>
-              </a:ext>
-            </a:extLst>
-          </p:cNvPr>
-          <p:cNvSpPr>
-            <a:spLocks noGrp="1"/>
-          </p:cNvSpPr>
-          <p:nvPr>
-            <p:ph type="title"/>
-          </p:nvPr>
-        </p:nvSpPr>
-        <p:spPr>
-          <a:xfrm>
-            <a:off x="1472184" y="2103437"/>
-            <a:ext cx="9390888" cy="1325563"/>
-          </a:xfrm>
-        </p:spPr>
-        <p:txBody>
-          <a:bodyPr>
-            <a:normAutofit/>
-          </a:bodyPr>
-          <a:lstStyle/>
-          <a:p>
-            <a:r>
-              <a:rPr lang="en-US" dirty="0"/>
-              <a:t>             </a:t>
-            </a:r>
-            <a:r>
-              <a:rPr lang="en-US" b="1" dirty="0"/>
-              <a:t>Crisper Knockout</a:t>
-            </a:r>
-            <a:endParaRPr lang="en-CA" b="1" dirty="0"/>
-          </a:p>
-        </p:txBody>
-      </p:sp>
-    </p:spTree>
-    <p:extLst>
-      <p:ext uri="{BB962C8B-B14F-4D97-AF65-F5344CB8AC3E}">
-        <p14:creationId xmlns:p14="http://schemas.microsoft.com/office/powerpoint/2010/main" val="2099127183"/>
       </p:ext>
     </p:extLst>
   </p:cSld>

--- a/ppt slides for omic codeathon (1) (1).pptx
+++ b/ppt slides for omic codeathon (1) (1).pptx
@@ -5,7 +5,7 @@
     <p:sldMasterId id="2147483660" r:id="rId1"/>
   </p:sldMasterIdLst>
   <p:notesMasterIdLst>
-    <p:notesMasterId r:id="rId30"/>
+    <p:notesMasterId r:id="rId32"/>
   </p:notesMasterIdLst>
   <p:sldIdLst>
     <p:sldId id="256" r:id="rId2"/>
@@ -34,8 +34,10 @@
     <p:sldId id="283" r:id="rId25"/>
     <p:sldId id="288" r:id="rId26"/>
     <p:sldId id="282" r:id="rId27"/>
-    <p:sldId id="259" r:id="rId28"/>
-    <p:sldId id="286" r:id="rId29"/>
+    <p:sldId id="290" r:id="rId28"/>
+    <p:sldId id="291" r:id="rId29"/>
+    <p:sldId id="259" r:id="rId30"/>
+    <p:sldId id="286" r:id="rId31"/>
   </p:sldIdLst>
   <p:sldSz cx="12192000" cy="6858000"/>
   <p:notesSz cx="6858000" cy="9144000"/>
@@ -6380,7 +6382,7 @@
           <a:p>
             <a:fld id="{1BA98A8E-17BA-4637-BE34-16BBE5AD305E}" type="datetimeFigureOut">
               <a:rPr lang="en-CA" smtClean="0"/>
-              <a:t>2025-11-27</a:t>
+              <a:t>2025-11-28</a:t>
             </a:fld>
             <a:endParaRPr lang="en-CA"/>
           </a:p>
@@ -6779,7 +6781,7 @@
           <a:p>
             <a:fld id="{16A6DBE6-5F48-46C6-8054-E594AA8CC26E}" type="datetimeFigureOut">
               <a:rPr lang="en-CA" smtClean="0"/>
-              <a:t>2025-11-27</a:t>
+              <a:t>2025-11-28</a:t>
             </a:fld>
             <a:endParaRPr lang="en-CA"/>
           </a:p>
@@ -6949,7 +6951,7 @@
           <a:p>
             <a:fld id="{16A6DBE6-5F48-46C6-8054-E594AA8CC26E}" type="datetimeFigureOut">
               <a:rPr lang="en-CA" smtClean="0"/>
-              <a:t>2025-11-27</a:t>
+              <a:t>2025-11-28</a:t>
             </a:fld>
             <a:endParaRPr lang="en-CA"/>
           </a:p>
@@ -7129,7 +7131,7 @@
           <a:p>
             <a:fld id="{16A6DBE6-5F48-46C6-8054-E594AA8CC26E}" type="datetimeFigureOut">
               <a:rPr lang="en-CA" smtClean="0"/>
-              <a:t>2025-11-27</a:t>
+              <a:t>2025-11-28</a:t>
             </a:fld>
             <a:endParaRPr lang="en-CA"/>
           </a:p>
@@ -7299,7 +7301,7 @@
           <a:p>
             <a:fld id="{16A6DBE6-5F48-46C6-8054-E594AA8CC26E}" type="datetimeFigureOut">
               <a:rPr lang="en-CA" smtClean="0"/>
-              <a:t>2025-11-27</a:t>
+              <a:t>2025-11-28</a:t>
             </a:fld>
             <a:endParaRPr lang="en-CA"/>
           </a:p>
@@ -7545,7 +7547,7 @@
           <a:p>
             <a:fld id="{16A6DBE6-5F48-46C6-8054-E594AA8CC26E}" type="datetimeFigureOut">
               <a:rPr lang="en-CA" smtClean="0"/>
-              <a:t>2025-11-27</a:t>
+              <a:t>2025-11-28</a:t>
             </a:fld>
             <a:endParaRPr lang="en-CA"/>
           </a:p>
@@ -7777,7 +7779,7 @@
           <a:p>
             <a:fld id="{16A6DBE6-5F48-46C6-8054-E594AA8CC26E}" type="datetimeFigureOut">
               <a:rPr lang="en-CA" smtClean="0"/>
-              <a:t>2025-11-27</a:t>
+              <a:t>2025-11-28</a:t>
             </a:fld>
             <a:endParaRPr lang="en-CA"/>
           </a:p>
@@ -8144,7 +8146,7 @@
           <a:p>
             <a:fld id="{16A6DBE6-5F48-46C6-8054-E594AA8CC26E}" type="datetimeFigureOut">
               <a:rPr lang="en-CA" smtClean="0"/>
-              <a:t>2025-11-27</a:t>
+              <a:t>2025-11-28</a:t>
             </a:fld>
             <a:endParaRPr lang="en-CA"/>
           </a:p>
@@ -8262,7 +8264,7 @@
           <a:p>
             <a:fld id="{16A6DBE6-5F48-46C6-8054-E594AA8CC26E}" type="datetimeFigureOut">
               <a:rPr lang="en-CA" smtClean="0"/>
-              <a:t>2025-11-27</a:t>
+              <a:t>2025-11-28</a:t>
             </a:fld>
             <a:endParaRPr lang="en-CA"/>
           </a:p>
@@ -8357,7 +8359,7 @@
           <a:p>
             <a:fld id="{16A6DBE6-5F48-46C6-8054-E594AA8CC26E}" type="datetimeFigureOut">
               <a:rPr lang="en-CA" smtClean="0"/>
-              <a:t>2025-11-27</a:t>
+              <a:t>2025-11-28</a:t>
             </a:fld>
             <a:endParaRPr lang="en-CA"/>
           </a:p>
@@ -8634,7 +8636,7 @@
           <a:p>
             <a:fld id="{16A6DBE6-5F48-46C6-8054-E594AA8CC26E}" type="datetimeFigureOut">
               <a:rPr lang="en-CA" smtClean="0"/>
-              <a:t>2025-11-27</a:t>
+              <a:t>2025-11-28</a:t>
             </a:fld>
             <a:endParaRPr lang="en-CA"/>
           </a:p>
@@ -8891,7 +8893,7 @@
           <a:p>
             <a:fld id="{16A6DBE6-5F48-46C6-8054-E594AA8CC26E}" type="datetimeFigureOut">
               <a:rPr lang="en-CA" smtClean="0"/>
-              <a:t>2025-11-27</a:t>
+              <a:t>2025-11-28</a:t>
             </a:fld>
             <a:endParaRPr lang="en-CA"/>
           </a:p>
@@ -9104,7 +9106,7 @@
           <a:p>
             <a:fld id="{16A6DBE6-5F48-46C6-8054-E594AA8CC26E}" type="datetimeFigureOut">
               <a:rPr lang="en-CA" smtClean="0"/>
-              <a:t>2025-11-27</a:t>
+              <a:t>2025-11-28</a:t>
             </a:fld>
             <a:endParaRPr lang="en-CA"/>
           </a:p>
@@ -17625,6 +17627,293 @@
 <file path=ppt/slides/slide27.xml><?xml version="1.0" encoding="utf-8"?>
 <p:sld xmlns:a="http://schemas.openxmlformats.org/drawingml/2006/main" xmlns:r="http://schemas.openxmlformats.org/officeDocument/2006/relationships" xmlns:p="http://schemas.openxmlformats.org/presentationml/2006/main">
   <p:cSld>
+    <p:spTree>
+      <p:nvGrpSpPr>
+        <p:cNvPr id="1" name=""/>
+        <p:cNvGrpSpPr/>
+        <p:nvPr/>
+      </p:nvGrpSpPr>
+      <p:grpSpPr>
+        <a:xfrm>
+          <a:off x="0" y="0"/>
+          <a:ext cx="0" cy="0"/>
+          <a:chOff x="0" y="0"/>
+          <a:chExt cx="0" cy="0"/>
+        </a:xfrm>
+      </p:grpSpPr>
+      <p:sp>
+        <p:nvSpPr>
+          <p:cNvPr id="2" name="Title 1">
+            <a:extLst>
+              <a:ext uri="{FF2B5EF4-FFF2-40B4-BE49-F238E27FC236}">
+                <a16:creationId xmlns:a16="http://schemas.microsoft.com/office/drawing/2014/main" id="{5083E42C-A63B-15D1-5F39-9D9B47D91F60}"/>
+              </a:ext>
+            </a:extLst>
+          </p:cNvPr>
+          <p:cNvSpPr>
+            <a:spLocks noGrp="1"/>
+          </p:cNvSpPr>
+          <p:nvPr>
+            <p:ph type="title"/>
+          </p:nvPr>
+        </p:nvSpPr>
+        <p:spPr>
+          <a:xfrm>
+            <a:off x="1260231" y="2461212"/>
+            <a:ext cx="10515600" cy="1325563"/>
+          </a:xfrm>
+        </p:spPr>
+        <p:txBody>
+          <a:bodyPr>
+            <a:normAutofit/>
+          </a:bodyPr>
+          <a:lstStyle/>
+          <a:p>
+            <a:r>
+              <a:rPr lang="it-IT" sz="2400" b="1" dirty="0"/>
+              <a:t>CRISPR interference (CRISPRi)/CRISPR nuclease  (CRISPRn)</a:t>
+            </a:r>
+            <a:endParaRPr lang="en-CA" sz="2400" b="1" dirty="0"/>
+          </a:p>
+        </p:txBody>
+      </p:sp>
+    </p:spTree>
+    <p:extLst>
+      <p:ext uri="{BB962C8B-B14F-4D97-AF65-F5344CB8AC3E}">
+        <p14:creationId xmlns:p14="http://schemas.microsoft.com/office/powerpoint/2010/main" val="1970490304"/>
+      </p:ext>
+    </p:extLst>
+  </p:cSld>
+  <p:clrMapOvr>
+    <a:masterClrMapping/>
+  </p:clrMapOvr>
+</p:sld>
+</file>
+
+<file path=ppt/slides/slide28.xml><?xml version="1.0" encoding="utf-8"?>
+<p:sld xmlns:a="http://schemas.openxmlformats.org/drawingml/2006/main" xmlns:r="http://schemas.openxmlformats.org/officeDocument/2006/relationships" xmlns:p="http://schemas.openxmlformats.org/presentationml/2006/main">
+  <p:cSld>
+    <p:spTree>
+      <p:nvGrpSpPr>
+        <p:cNvPr id="1" name=""/>
+        <p:cNvGrpSpPr/>
+        <p:nvPr/>
+      </p:nvGrpSpPr>
+      <p:grpSpPr>
+        <a:xfrm>
+          <a:off x="0" y="0"/>
+          <a:ext cx="0" cy="0"/>
+          <a:chOff x="0" y="0"/>
+          <a:chExt cx="0" cy="0"/>
+        </a:xfrm>
+      </p:grpSpPr>
+      <p:sp>
+        <p:nvSpPr>
+          <p:cNvPr id="2" name="Title 1">
+            <a:extLst>
+              <a:ext uri="{FF2B5EF4-FFF2-40B4-BE49-F238E27FC236}">
+                <a16:creationId xmlns:a16="http://schemas.microsoft.com/office/drawing/2014/main" id="{F8FD6463-910A-77A2-9694-90A9424DDE7F}"/>
+              </a:ext>
+            </a:extLst>
+          </p:cNvPr>
+          <p:cNvSpPr>
+            <a:spLocks noGrp="1"/>
+          </p:cNvSpPr>
+          <p:nvPr>
+            <p:ph type="title"/>
+          </p:nvPr>
+        </p:nvSpPr>
+        <p:spPr>
+          <a:xfrm>
+            <a:off x="838200" y="365125"/>
+            <a:ext cx="10515600" cy="746223"/>
+          </a:xfrm>
+        </p:spPr>
+        <p:txBody>
+          <a:bodyPr>
+            <a:normAutofit/>
+          </a:bodyPr>
+          <a:lstStyle/>
+          <a:p>
+            <a:r>
+              <a:rPr lang="en-US" sz="2400" dirty="0"/>
+              <a:t>Datasets</a:t>
+            </a:r>
+            <a:endParaRPr lang="en-CA" sz="2400" dirty="0"/>
+          </a:p>
+        </p:txBody>
+      </p:sp>
+      <p:sp>
+        <p:nvSpPr>
+          <p:cNvPr id="3" name="Content Placeholder 2">
+            <a:extLst>
+              <a:ext uri="{FF2B5EF4-FFF2-40B4-BE49-F238E27FC236}">
+                <a16:creationId xmlns:a16="http://schemas.microsoft.com/office/drawing/2014/main" id="{EC621B9B-EF3D-700F-60F3-3C5B9ECD52F8}"/>
+              </a:ext>
+            </a:extLst>
+          </p:cNvPr>
+          <p:cNvSpPr>
+            <a:spLocks noGrp="1"/>
+          </p:cNvSpPr>
+          <p:nvPr>
+            <p:ph idx="1"/>
+          </p:nvPr>
+        </p:nvSpPr>
+        <p:spPr>
+          <a:xfrm>
+            <a:off x="838200" y="1690688"/>
+            <a:ext cx="10515600" cy="4351338"/>
+          </a:xfrm>
+        </p:spPr>
+        <p:txBody>
+          <a:bodyPr>
+            <a:noAutofit/>
+          </a:bodyPr>
+          <a:lstStyle/>
+          <a:p>
+            <a:pPr marL="0" indent="0">
+              <a:buNone/>
+            </a:pPr>
+            <a:r>
+              <a:rPr lang="en-CA" sz="2000" dirty="0" err="1"/>
+              <a:t>unperturbed_time_course_processed</a:t>
+            </a:r>
+            <a:endParaRPr lang="en-CA" sz="2000" dirty="0"/>
+          </a:p>
+          <a:p>
+            <a:pPr marL="0" indent="0">
+              <a:buNone/>
+            </a:pPr>
+            <a:endParaRPr lang="en-CA" sz="2000" dirty="0"/>
+          </a:p>
+          <a:p>
+            <a:pPr marL="0" indent="0">
+              <a:buNone/>
+            </a:pPr>
+            <a:r>
+              <a:rPr lang="en-CA" sz="2000" dirty="0" err="1"/>
+              <a:t>CRISPRn_screen_virus_processed</a:t>
+            </a:r>
+            <a:endParaRPr lang="en-CA" sz="2000" dirty="0"/>
+          </a:p>
+          <a:p>
+            <a:pPr marL="0" indent="0">
+              <a:buNone/>
+            </a:pPr>
+            <a:endParaRPr lang="en-CA" sz="2000" dirty="0"/>
+          </a:p>
+          <a:p>
+            <a:pPr marL="0" indent="0">
+              <a:buNone/>
+            </a:pPr>
+            <a:r>
+              <a:rPr lang="en-CA" sz="2000" dirty="0" err="1"/>
+              <a:t>CRISPRi_perturb_host_processed</a:t>
+            </a:r>
+            <a:endParaRPr lang="en-CA" sz="2000" dirty="0"/>
+          </a:p>
+          <a:p>
+            <a:pPr marL="0" indent="0">
+              <a:buNone/>
+            </a:pPr>
+            <a:endParaRPr lang="en-CA" sz="2000" dirty="0"/>
+          </a:p>
+          <a:p>
+            <a:pPr marL="0" indent="0">
+              <a:buNone/>
+            </a:pPr>
+            <a:endParaRPr lang="en-CA" sz="2000" dirty="0"/>
+          </a:p>
+          <a:p>
+            <a:pPr marL="0" indent="0">
+              <a:buNone/>
+            </a:pPr>
+            <a:r>
+              <a:rPr lang="en-CA" sz="2000" dirty="0"/>
+              <a:t>https://www.ncbi.nlm.nih.gov/geo/query/acc.cgi?acc=GSE165291</a:t>
+            </a:r>
+          </a:p>
+          <a:p>
+            <a:pPr marL="0" indent="0">
+              <a:buNone/>
+            </a:pPr>
+            <a:endParaRPr lang="en-CA" sz="2000" dirty="0"/>
+          </a:p>
+          <a:p>
+            <a:pPr marL="0" indent="0">
+              <a:buNone/>
+            </a:pPr>
+            <a:endParaRPr lang="en-CA" sz="2000" dirty="0"/>
+          </a:p>
+          <a:p>
+            <a:pPr marL="0" indent="0">
+              <a:buNone/>
+            </a:pPr>
+            <a:endParaRPr lang="en-CA" sz="2000" dirty="0"/>
+          </a:p>
+          <a:p>
+            <a:pPr marL="0" indent="0">
+              <a:buNone/>
+            </a:pPr>
+            <a:endParaRPr lang="en-CA" sz="2000" dirty="0"/>
+          </a:p>
+          <a:p>
+            <a:pPr marL="0" indent="0">
+              <a:buNone/>
+            </a:pPr>
+            <a:endParaRPr lang="en-CA" sz="2000" dirty="0"/>
+          </a:p>
+          <a:p>
+            <a:pPr marL="0" indent="0">
+              <a:buNone/>
+            </a:pPr>
+            <a:endParaRPr lang="en-CA" sz="2000" dirty="0"/>
+          </a:p>
+          <a:p>
+            <a:pPr marL="0" indent="0">
+              <a:buNone/>
+            </a:pPr>
+            <a:endParaRPr lang="en-CA" sz="2000" dirty="0"/>
+          </a:p>
+          <a:p>
+            <a:pPr marL="0" indent="0">
+              <a:buNone/>
+            </a:pPr>
+            <a:r>
+              <a:rPr lang="en-CA" sz="2000" dirty="0"/>
+              <a:t>Hein MY, Weissman JS. Functional single-cell genomics of human cytomegalovirus infection. </a:t>
+            </a:r>
+            <a:r>
+              <a:rPr lang="en-CA" sz="2000" i="1" dirty="0"/>
+              <a:t>Nat </a:t>
+            </a:r>
+            <a:r>
+              <a:rPr lang="en-CA" sz="2000" i="1" dirty="0" err="1"/>
+              <a:t>Biotechnol</a:t>
+            </a:r>
+            <a:r>
+              <a:rPr lang="en-CA" sz="2000" dirty="0"/>
+              <a:t> 2022 Mar;40(3):391-401.</a:t>
+            </a:r>
+          </a:p>
+        </p:txBody>
+      </p:sp>
+    </p:spTree>
+    <p:extLst>
+      <p:ext uri="{BB962C8B-B14F-4D97-AF65-F5344CB8AC3E}">
+        <p14:creationId xmlns:p14="http://schemas.microsoft.com/office/powerpoint/2010/main" val="3797463900"/>
+      </p:ext>
+    </p:extLst>
+  </p:cSld>
+  <p:clrMapOvr>
+    <a:masterClrMapping/>
+  </p:clrMapOvr>
+</p:sld>
+</file>
+
+<file path=ppt/slides/slide29.xml><?xml version="1.0" encoding="utf-8"?>
+<p:sld xmlns:a="http://schemas.openxmlformats.org/drawingml/2006/main" xmlns:r="http://schemas.openxmlformats.org/officeDocument/2006/relationships" xmlns:p="http://schemas.openxmlformats.org/presentationml/2006/main">
+  <p:cSld>
     <p:bg>
       <p:bgPr>
         <a:solidFill>
@@ -18133,343 +18422,6 @@
 </p:sld>
 </file>
 
-<file path=ppt/slides/slide28.xml><?xml version="1.0" encoding="utf-8"?>
-<p:sld xmlns:a="http://schemas.openxmlformats.org/drawingml/2006/main" xmlns:r="http://schemas.openxmlformats.org/officeDocument/2006/relationships" xmlns:p="http://schemas.openxmlformats.org/presentationml/2006/main">
-  <p:cSld>
-    <p:spTree>
-      <p:nvGrpSpPr>
-        <p:cNvPr id="1" name=""/>
-        <p:cNvGrpSpPr/>
-        <p:nvPr/>
-      </p:nvGrpSpPr>
-      <p:grpSpPr>
-        <a:xfrm>
-          <a:off x="0" y="0"/>
-          <a:ext cx="0" cy="0"/>
-          <a:chOff x="0" y="0"/>
-          <a:chExt cx="0" cy="0"/>
-        </a:xfrm>
-      </p:grpSpPr>
-      <p:sp>
-        <p:nvSpPr>
-          <p:cNvPr id="2" name="Title 1">
-            <a:extLst>
-              <a:ext uri="{FF2B5EF4-FFF2-40B4-BE49-F238E27FC236}">
-                <a16:creationId xmlns:a16="http://schemas.microsoft.com/office/drawing/2014/main" id="{1947E5A5-573C-90CA-E5BB-90053B8FC229}"/>
-              </a:ext>
-            </a:extLst>
-          </p:cNvPr>
-          <p:cNvSpPr>
-            <a:spLocks noGrp="1"/>
-          </p:cNvSpPr>
-          <p:nvPr>
-            <p:ph type="title"/>
-          </p:nvPr>
-        </p:nvSpPr>
-        <p:spPr/>
-        <p:txBody>
-          <a:bodyPr>
-            <a:normAutofit/>
-          </a:bodyPr>
-          <a:lstStyle/>
-          <a:p>
-            <a:r>
-              <a:rPr lang="en-US" sz="2400" b="1" dirty="0"/>
-              <a:t>Future Work</a:t>
-            </a:r>
-            <a:endParaRPr lang="en-CA" sz="2400" b="1" dirty="0"/>
-          </a:p>
-        </p:txBody>
-      </p:sp>
-      <p:sp>
-        <p:nvSpPr>
-          <p:cNvPr id="9" name="Rectangle 4">
-            <a:extLst>
-              <a:ext uri="{FF2B5EF4-FFF2-40B4-BE49-F238E27FC236}">
-                <a16:creationId xmlns:a16="http://schemas.microsoft.com/office/drawing/2014/main" id="{5981393E-4D40-A183-4702-E36306975BAF}"/>
-              </a:ext>
-            </a:extLst>
-          </p:cNvPr>
-          <p:cNvSpPr>
-            <a:spLocks noGrp="1" noChangeArrowheads="1"/>
-          </p:cNvSpPr>
-          <p:nvPr>
-            <p:ph idx="1"/>
-          </p:nvPr>
-        </p:nvSpPr>
-        <p:spPr bwMode="auto">
-          <a:xfrm>
-            <a:off x="527305" y="1379855"/>
-            <a:ext cx="10207752" cy="2554545"/>
-          </a:xfrm>
-          <a:prstGeom prst="rect">
-            <a:avLst/>
-          </a:prstGeom>
-          <a:noFill/>
-          <a:ln>
-            <a:noFill/>
-          </a:ln>
-          <a:effectLst/>
-          <a:extLst>
-            <a:ext uri="{909E8E84-426E-40DD-AFC4-6F175D3DCCD1}">
-              <a14:hiddenFill xmlns:a14="http://schemas.microsoft.com/office/drawing/2010/main">
-                <a:solidFill>
-                  <a:schemeClr val="accent1"/>
-                </a:solidFill>
-              </a14:hiddenFill>
-            </a:ext>
-            <a:ext uri="{91240B29-F687-4F45-9708-019B960494DF}">
-              <a14:hiddenLine xmlns:a14="http://schemas.microsoft.com/office/drawing/2010/main" w="9525">
-                <a:solidFill>
-                  <a:schemeClr val="tx1"/>
-                </a:solidFill>
-                <a:miter lim="800000"/>
-                <a:headEnd/>
-                <a:tailEnd/>
-              </a14:hiddenLine>
-            </a:ext>
-            <a:ext uri="{AF507438-7753-43E0-B8FC-AC1667EBCBE1}">
-              <a14:hiddenEffects xmlns:a14="http://schemas.microsoft.com/office/drawing/2010/main">
-                <a:effectLst>
-                  <a:outerShdw dist="35921" dir="2700000" algn="ctr" rotWithShape="0">
-                    <a:schemeClr val="bg2"/>
-                  </a:outerShdw>
-                </a:effectLst>
-              </a14:hiddenEffects>
-            </a:ext>
-          </a:extLst>
-        </p:spPr>
-        <p:txBody>
-          <a:bodyPr vert="horz" wrap="square" lIns="91440" tIns="45720" rIns="91440" bIns="45720" numCol="1" anchor="ctr" anchorCtr="0" compatLnSpc="1">
-            <a:prstTxWarp prst="textNoShape">
-              <a:avLst/>
-            </a:prstTxWarp>
-            <a:spAutoFit/>
-          </a:bodyPr>
-          <a:lstStyle/>
-          <a:p>
-            <a:pPr marL="0" marR="0" lvl="0" indent="0" algn="l" defTabSz="914400" rtl="0" eaLnBrk="0" fontAlgn="base" latinLnBrk="0" hangingPunct="0">
-              <a:lnSpc>
-                <a:spcPct val="100000"/>
-              </a:lnSpc>
-              <a:spcBef>
-                <a:spcPct val="0"/>
-              </a:spcBef>
-              <a:spcAft>
-                <a:spcPct val="0"/>
-              </a:spcAft>
-              <a:buClrTx/>
-              <a:buSzTx/>
-              <a:buNone/>
-              <a:tabLst/>
-            </a:pPr>
-            <a:r>
-              <a:rPr kumimoji="0" lang="en-US" altLang="en-US" sz="1600" b="1" u="none" strike="noStrike" cap="none" normalizeH="0" baseline="0" dirty="0">
-                <a:ln>
-                  <a:noFill/>
-                </a:ln>
-                <a:solidFill>
-                  <a:schemeClr val="tx1"/>
-                </a:solidFill>
-                <a:effectLst/>
-              </a:rPr>
-              <a:t>Overfitting control</a:t>
-            </a:r>
-            <a:br>
-              <a:rPr kumimoji="0" lang="en-US" altLang="en-US" sz="1600" u="none" strike="noStrike" cap="none" normalizeH="0" baseline="0" dirty="0">
-                <a:ln>
-                  <a:noFill/>
-                </a:ln>
-                <a:solidFill>
-                  <a:schemeClr val="tx1"/>
-                </a:solidFill>
-                <a:effectLst/>
-              </a:rPr>
-            </a:br>
-            <a:r>
-              <a:rPr kumimoji="0" lang="en-US" altLang="en-US" sz="1600" u="none" strike="noStrike" cap="none" normalizeH="0" baseline="0" dirty="0">
-                <a:ln>
-                  <a:noFill/>
-                </a:ln>
-                <a:solidFill>
-                  <a:schemeClr val="tx1"/>
-                </a:solidFill>
-                <a:effectLst/>
-              </a:rPr>
-              <a:t>Develop robust strategies to detect and mitigate overfitting between training and evaluation models.</a:t>
-            </a:r>
-          </a:p>
-          <a:p>
-            <a:pPr marL="0" marR="0" lvl="0" indent="0" algn="l" defTabSz="914400" rtl="0" eaLnBrk="0" fontAlgn="base" latinLnBrk="0" hangingPunct="0">
-              <a:lnSpc>
-                <a:spcPct val="100000"/>
-              </a:lnSpc>
-              <a:spcBef>
-                <a:spcPct val="0"/>
-              </a:spcBef>
-              <a:spcAft>
-                <a:spcPct val="0"/>
-              </a:spcAft>
-              <a:buClrTx/>
-              <a:buSzTx/>
-              <a:buNone/>
-              <a:tabLst/>
-            </a:pPr>
-            <a:endParaRPr kumimoji="0" lang="en-US" altLang="en-US" sz="1600" u="none" strike="noStrike" cap="none" normalizeH="0" baseline="0" dirty="0">
-              <a:ln>
-                <a:noFill/>
-              </a:ln>
-              <a:solidFill>
-                <a:schemeClr val="tx1"/>
-              </a:solidFill>
-              <a:effectLst/>
-            </a:endParaRPr>
-          </a:p>
-          <a:p>
-            <a:pPr marL="0" marR="0" lvl="0" indent="0" algn="l" defTabSz="914400" rtl="0" eaLnBrk="0" fontAlgn="base" latinLnBrk="0" hangingPunct="0">
-              <a:lnSpc>
-                <a:spcPct val="100000"/>
-              </a:lnSpc>
-              <a:spcBef>
-                <a:spcPct val="0"/>
-              </a:spcBef>
-              <a:spcAft>
-                <a:spcPct val="0"/>
-              </a:spcAft>
-              <a:buClrTx/>
-              <a:buSzTx/>
-              <a:buNone/>
-              <a:tabLst/>
-            </a:pPr>
-            <a:r>
-              <a:rPr kumimoji="0" lang="en-US" altLang="en-US" sz="1600" b="1" u="none" strike="noStrike" cap="none" normalizeH="0" baseline="0" dirty="0">
-                <a:ln>
-                  <a:noFill/>
-                </a:ln>
-                <a:solidFill>
-                  <a:schemeClr val="tx1"/>
-                </a:solidFill>
-                <a:effectLst/>
-              </a:rPr>
-              <a:t>Selection of top genes</a:t>
-            </a:r>
-            <a:br>
-              <a:rPr kumimoji="0" lang="en-US" altLang="en-US" sz="1600" u="none" strike="noStrike" cap="none" normalizeH="0" baseline="0" dirty="0">
-                <a:ln>
-                  <a:noFill/>
-                </a:ln>
-                <a:solidFill>
-                  <a:schemeClr val="tx1"/>
-                </a:solidFill>
-                <a:effectLst/>
-              </a:rPr>
-            </a:br>
-            <a:r>
-              <a:rPr kumimoji="0" lang="en-US" altLang="en-US" sz="1600" u="none" strike="noStrike" cap="none" normalizeH="0" baseline="0" dirty="0">
-                <a:ln>
-                  <a:noFill/>
-                </a:ln>
-                <a:solidFill>
-                  <a:schemeClr val="tx1"/>
-                </a:solidFill>
-                <a:effectLst/>
-              </a:rPr>
-              <a:t>Systematically identify the optimal number of top genes(expressive genes) that maximizes predictive performance while preserving biological relevance.</a:t>
-            </a:r>
-          </a:p>
-          <a:p>
-            <a:pPr marL="0" marR="0" lvl="0" indent="0" algn="l" defTabSz="914400" rtl="0" eaLnBrk="0" fontAlgn="base" latinLnBrk="0" hangingPunct="0">
-              <a:lnSpc>
-                <a:spcPct val="100000"/>
-              </a:lnSpc>
-              <a:spcBef>
-                <a:spcPct val="0"/>
-              </a:spcBef>
-              <a:spcAft>
-                <a:spcPct val="0"/>
-              </a:spcAft>
-              <a:buClrTx/>
-              <a:buSzTx/>
-              <a:buNone/>
-              <a:tabLst/>
-            </a:pPr>
-            <a:endParaRPr kumimoji="0" lang="en-US" altLang="en-US" sz="1600" u="none" strike="noStrike" cap="none" normalizeH="0" baseline="0" dirty="0">
-              <a:ln>
-                <a:noFill/>
-              </a:ln>
-              <a:solidFill>
-                <a:schemeClr val="tx1"/>
-              </a:solidFill>
-              <a:effectLst/>
-            </a:endParaRPr>
-          </a:p>
-          <a:p>
-            <a:pPr marL="0" marR="0" lvl="0" indent="0" algn="l" defTabSz="914400" rtl="0" eaLnBrk="0" fontAlgn="base" latinLnBrk="0" hangingPunct="0">
-              <a:lnSpc>
-                <a:spcPct val="100000"/>
-              </a:lnSpc>
-              <a:spcBef>
-                <a:spcPct val="0"/>
-              </a:spcBef>
-              <a:spcAft>
-                <a:spcPct val="0"/>
-              </a:spcAft>
-              <a:buClrTx/>
-              <a:buSzTx/>
-              <a:buNone/>
-              <a:tabLst/>
-            </a:pPr>
-            <a:r>
-              <a:rPr kumimoji="0" lang="en-US" altLang="en-US" sz="1600" b="1" u="none" strike="noStrike" cap="none" normalizeH="0" baseline="0" dirty="0">
-                <a:ln>
-                  <a:noFill/>
-                </a:ln>
-                <a:solidFill>
-                  <a:schemeClr val="tx1"/>
-                </a:solidFill>
-                <a:effectLst/>
-              </a:rPr>
-              <a:t>In-silico and experimental evaluation datasets</a:t>
-            </a:r>
-            <a:br>
-              <a:rPr kumimoji="0" lang="en-US" altLang="en-US" sz="1600" u="none" strike="noStrike" cap="none" normalizeH="0" baseline="0" dirty="0">
-                <a:ln>
-                  <a:noFill/>
-                </a:ln>
-                <a:solidFill>
-                  <a:schemeClr val="tx1"/>
-                </a:solidFill>
-                <a:effectLst/>
-              </a:rPr>
-            </a:br>
-            <a:r>
-              <a:rPr kumimoji="0" lang="en-US" altLang="en-US" sz="1600" u="none" strike="noStrike" cap="none" normalizeH="0" baseline="0" dirty="0">
-                <a:ln>
-                  <a:noFill/>
-                </a:ln>
-                <a:solidFill>
-                  <a:schemeClr val="tx1"/>
-                </a:solidFill>
-                <a:effectLst/>
-              </a:rPr>
-              <a:t>Select independent in-silico and experimental out-of-sample datasets for rigorous external validation of the proposed framework.</a:t>
-            </a:r>
-          </a:p>
-        </p:txBody>
-      </p:sp>
-    </p:spTree>
-    <p:extLst>
-      <p:ext uri="{BB962C8B-B14F-4D97-AF65-F5344CB8AC3E}">
-        <p14:creationId xmlns:p14="http://schemas.microsoft.com/office/powerpoint/2010/main" val="2792490115"/>
-      </p:ext>
-    </p:extLst>
-  </p:cSld>
-  <p:clrMapOvr>
-    <a:masterClrMapping/>
-  </p:clrMapOvr>
-</p:sld>
-</file>
-
 <file path=ppt/slides/slide3.xml><?xml version="1.0" encoding="utf-8"?>
 <p:sld xmlns:a="http://schemas.openxmlformats.org/drawingml/2006/main" xmlns:r="http://schemas.openxmlformats.org/officeDocument/2006/relationships" xmlns:p="http://schemas.openxmlformats.org/presentationml/2006/main">
   <p:cSld>
@@ -18990,6 +18942,343 @@
     <p:extLst>
       <p:ext uri="{BB962C8B-B14F-4D97-AF65-F5344CB8AC3E}">
         <p14:creationId xmlns:p14="http://schemas.microsoft.com/office/powerpoint/2010/main" val="771050982"/>
+      </p:ext>
+    </p:extLst>
+  </p:cSld>
+  <p:clrMapOvr>
+    <a:masterClrMapping/>
+  </p:clrMapOvr>
+</p:sld>
+</file>
+
+<file path=ppt/slides/slide30.xml><?xml version="1.0" encoding="utf-8"?>
+<p:sld xmlns:a="http://schemas.openxmlformats.org/drawingml/2006/main" xmlns:r="http://schemas.openxmlformats.org/officeDocument/2006/relationships" xmlns:p="http://schemas.openxmlformats.org/presentationml/2006/main">
+  <p:cSld>
+    <p:spTree>
+      <p:nvGrpSpPr>
+        <p:cNvPr id="1" name=""/>
+        <p:cNvGrpSpPr/>
+        <p:nvPr/>
+      </p:nvGrpSpPr>
+      <p:grpSpPr>
+        <a:xfrm>
+          <a:off x="0" y="0"/>
+          <a:ext cx="0" cy="0"/>
+          <a:chOff x="0" y="0"/>
+          <a:chExt cx="0" cy="0"/>
+        </a:xfrm>
+      </p:grpSpPr>
+      <p:sp>
+        <p:nvSpPr>
+          <p:cNvPr id="2" name="Title 1">
+            <a:extLst>
+              <a:ext uri="{FF2B5EF4-FFF2-40B4-BE49-F238E27FC236}">
+                <a16:creationId xmlns:a16="http://schemas.microsoft.com/office/drawing/2014/main" id="{1947E5A5-573C-90CA-E5BB-90053B8FC229}"/>
+              </a:ext>
+            </a:extLst>
+          </p:cNvPr>
+          <p:cNvSpPr>
+            <a:spLocks noGrp="1"/>
+          </p:cNvSpPr>
+          <p:nvPr>
+            <p:ph type="title"/>
+          </p:nvPr>
+        </p:nvSpPr>
+        <p:spPr/>
+        <p:txBody>
+          <a:bodyPr>
+            <a:normAutofit/>
+          </a:bodyPr>
+          <a:lstStyle/>
+          <a:p>
+            <a:r>
+              <a:rPr lang="en-US" sz="2400" b="1" dirty="0"/>
+              <a:t>Future Work</a:t>
+            </a:r>
+            <a:endParaRPr lang="en-CA" sz="2400" b="1" dirty="0"/>
+          </a:p>
+        </p:txBody>
+      </p:sp>
+      <p:sp>
+        <p:nvSpPr>
+          <p:cNvPr id="9" name="Rectangle 4">
+            <a:extLst>
+              <a:ext uri="{FF2B5EF4-FFF2-40B4-BE49-F238E27FC236}">
+                <a16:creationId xmlns:a16="http://schemas.microsoft.com/office/drawing/2014/main" id="{5981393E-4D40-A183-4702-E36306975BAF}"/>
+              </a:ext>
+            </a:extLst>
+          </p:cNvPr>
+          <p:cNvSpPr>
+            <a:spLocks noGrp="1" noChangeArrowheads="1"/>
+          </p:cNvSpPr>
+          <p:nvPr>
+            <p:ph idx="1"/>
+          </p:nvPr>
+        </p:nvSpPr>
+        <p:spPr bwMode="auto">
+          <a:xfrm>
+            <a:off x="527305" y="1379855"/>
+            <a:ext cx="10207752" cy="2554545"/>
+          </a:xfrm>
+          <a:prstGeom prst="rect">
+            <a:avLst/>
+          </a:prstGeom>
+          <a:noFill/>
+          <a:ln>
+            <a:noFill/>
+          </a:ln>
+          <a:effectLst/>
+          <a:extLst>
+            <a:ext uri="{909E8E84-426E-40DD-AFC4-6F175D3DCCD1}">
+              <a14:hiddenFill xmlns:a14="http://schemas.microsoft.com/office/drawing/2010/main">
+                <a:solidFill>
+                  <a:schemeClr val="accent1"/>
+                </a:solidFill>
+              </a14:hiddenFill>
+            </a:ext>
+            <a:ext uri="{91240B29-F687-4F45-9708-019B960494DF}">
+              <a14:hiddenLine xmlns:a14="http://schemas.microsoft.com/office/drawing/2010/main" w="9525">
+                <a:solidFill>
+                  <a:schemeClr val="tx1"/>
+                </a:solidFill>
+                <a:miter lim="800000"/>
+                <a:headEnd/>
+                <a:tailEnd/>
+              </a14:hiddenLine>
+            </a:ext>
+            <a:ext uri="{AF507438-7753-43E0-B8FC-AC1667EBCBE1}">
+              <a14:hiddenEffects xmlns:a14="http://schemas.microsoft.com/office/drawing/2010/main">
+                <a:effectLst>
+                  <a:outerShdw dist="35921" dir="2700000" algn="ctr" rotWithShape="0">
+                    <a:schemeClr val="bg2"/>
+                  </a:outerShdw>
+                </a:effectLst>
+              </a14:hiddenEffects>
+            </a:ext>
+          </a:extLst>
+        </p:spPr>
+        <p:txBody>
+          <a:bodyPr vert="horz" wrap="square" lIns="91440" tIns="45720" rIns="91440" bIns="45720" numCol="1" anchor="ctr" anchorCtr="0" compatLnSpc="1">
+            <a:prstTxWarp prst="textNoShape">
+              <a:avLst/>
+            </a:prstTxWarp>
+            <a:spAutoFit/>
+          </a:bodyPr>
+          <a:lstStyle/>
+          <a:p>
+            <a:pPr marL="0" marR="0" lvl="0" indent="0" algn="l" defTabSz="914400" rtl="0" eaLnBrk="0" fontAlgn="base" latinLnBrk="0" hangingPunct="0">
+              <a:lnSpc>
+                <a:spcPct val="100000"/>
+              </a:lnSpc>
+              <a:spcBef>
+                <a:spcPct val="0"/>
+              </a:spcBef>
+              <a:spcAft>
+                <a:spcPct val="0"/>
+              </a:spcAft>
+              <a:buClrTx/>
+              <a:buSzTx/>
+              <a:buNone/>
+              <a:tabLst/>
+            </a:pPr>
+            <a:r>
+              <a:rPr kumimoji="0" lang="en-US" altLang="en-US" sz="1600" b="1" u="none" strike="noStrike" cap="none" normalizeH="0" baseline="0" dirty="0">
+                <a:ln>
+                  <a:noFill/>
+                </a:ln>
+                <a:solidFill>
+                  <a:schemeClr val="tx1"/>
+                </a:solidFill>
+                <a:effectLst/>
+              </a:rPr>
+              <a:t>Overfitting control</a:t>
+            </a:r>
+            <a:br>
+              <a:rPr kumimoji="0" lang="en-US" altLang="en-US" sz="1600" u="none" strike="noStrike" cap="none" normalizeH="0" baseline="0" dirty="0">
+                <a:ln>
+                  <a:noFill/>
+                </a:ln>
+                <a:solidFill>
+                  <a:schemeClr val="tx1"/>
+                </a:solidFill>
+                <a:effectLst/>
+              </a:rPr>
+            </a:br>
+            <a:r>
+              <a:rPr kumimoji="0" lang="en-US" altLang="en-US" sz="1600" u="none" strike="noStrike" cap="none" normalizeH="0" baseline="0" dirty="0">
+                <a:ln>
+                  <a:noFill/>
+                </a:ln>
+                <a:solidFill>
+                  <a:schemeClr val="tx1"/>
+                </a:solidFill>
+                <a:effectLst/>
+              </a:rPr>
+              <a:t>Develop robust strategies to detect and mitigate overfitting between training and evaluation models.</a:t>
+            </a:r>
+          </a:p>
+          <a:p>
+            <a:pPr marL="0" marR="0" lvl="0" indent="0" algn="l" defTabSz="914400" rtl="0" eaLnBrk="0" fontAlgn="base" latinLnBrk="0" hangingPunct="0">
+              <a:lnSpc>
+                <a:spcPct val="100000"/>
+              </a:lnSpc>
+              <a:spcBef>
+                <a:spcPct val="0"/>
+              </a:spcBef>
+              <a:spcAft>
+                <a:spcPct val="0"/>
+              </a:spcAft>
+              <a:buClrTx/>
+              <a:buSzTx/>
+              <a:buNone/>
+              <a:tabLst/>
+            </a:pPr>
+            <a:endParaRPr kumimoji="0" lang="en-US" altLang="en-US" sz="1600" u="none" strike="noStrike" cap="none" normalizeH="0" baseline="0" dirty="0">
+              <a:ln>
+                <a:noFill/>
+              </a:ln>
+              <a:solidFill>
+                <a:schemeClr val="tx1"/>
+              </a:solidFill>
+              <a:effectLst/>
+            </a:endParaRPr>
+          </a:p>
+          <a:p>
+            <a:pPr marL="0" marR="0" lvl="0" indent="0" algn="l" defTabSz="914400" rtl="0" eaLnBrk="0" fontAlgn="base" latinLnBrk="0" hangingPunct="0">
+              <a:lnSpc>
+                <a:spcPct val="100000"/>
+              </a:lnSpc>
+              <a:spcBef>
+                <a:spcPct val="0"/>
+              </a:spcBef>
+              <a:spcAft>
+                <a:spcPct val="0"/>
+              </a:spcAft>
+              <a:buClrTx/>
+              <a:buSzTx/>
+              <a:buNone/>
+              <a:tabLst/>
+            </a:pPr>
+            <a:r>
+              <a:rPr kumimoji="0" lang="en-US" altLang="en-US" sz="1600" b="1" u="none" strike="noStrike" cap="none" normalizeH="0" baseline="0" dirty="0">
+                <a:ln>
+                  <a:noFill/>
+                </a:ln>
+                <a:solidFill>
+                  <a:schemeClr val="tx1"/>
+                </a:solidFill>
+                <a:effectLst/>
+              </a:rPr>
+              <a:t>Selection of top genes</a:t>
+            </a:r>
+            <a:br>
+              <a:rPr kumimoji="0" lang="en-US" altLang="en-US" sz="1600" u="none" strike="noStrike" cap="none" normalizeH="0" baseline="0" dirty="0">
+                <a:ln>
+                  <a:noFill/>
+                </a:ln>
+                <a:solidFill>
+                  <a:schemeClr val="tx1"/>
+                </a:solidFill>
+                <a:effectLst/>
+              </a:rPr>
+            </a:br>
+            <a:r>
+              <a:rPr kumimoji="0" lang="en-US" altLang="en-US" sz="1600" u="none" strike="noStrike" cap="none" normalizeH="0" baseline="0" dirty="0">
+                <a:ln>
+                  <a:noFill/>
+                </a:ln>
+                <a:solidFill>
+                  <a:schemeClr val="tx1"/>
+                </a:solidFill>
+                <a:effectLst/>
+              </a:rPr>
+              <a:t>Systematically identify the optimal number of top genes(expressive genes) that maximizes predictive performance while preserving biological relevance.</a:t>
+            </a:r>
+          </a:p>
+          <a:p>
+            <a:pPr marL="0" marR="0" lvl="0" indent="0" algn="l" defTabSz="914400" rtl="0" eaLnBrk="0" fontAlgn="base" latinLnBrk="0" hangingPunct="0">
+              <a:lnSpc>
+                <a:spcPct val="100000"/>
+              </a:lnSpc>
+              <a:spcBef>
+                <a:spcPct val="0"/>
+              </a:spcBef>
+              <a:spcAft>
+                <a:spcPct val="0"/>
+              </a:spcAft>
+              <a:buClrTx/>
+              <a:buSzTx/>
+              <a:buNone/>
+              <a:tabLst/>
+            </a:pPr>
+            <a:endParaRPr kumimoji="0" lang="en-US" altLang="en-US" sz="1600" u="none" strike="noStrike" cap="none" normalizeH="0" baseline="0" dirty="0">
+              <a:ln>
+                <a:noFill/>
+              </a:ln>
+              <a:solidFill>
+                <a:schemeClr val="tx1"/>
+              </a:solidFill>
+              <a:effectLst/>
+            </a:endParaRPr>
+          </a:p>
+          <a:p>
+            <a:pPr marL="0" marR="0" lvl="0" indent="0" algn="l" defTabSz="914400" rtl="0" eaLnBrk="0" fontAlgn="base" latinLnBrk="0" hangingPunct="0">
+              <a:lnSpc>
+                <a:spcPct val="100000"/>
+              </a:lnSpc>
+              <a:spcBef>
+                <a:spcPct val="0"/>
+              </a:spcBef>
+              <a:spcAft>
+                <a:spcPct val="0"/>
+              </a:spcAft>
+              <a:buClrTx/>
+              <a:buSzTx/>
+              <a:buNone/>
+              <a:tabLst/>
+            </a:pPr>
+            <a:r>
+              <a:rPr kumimoji="0" lang="en-US" altLang="en-US" sz="1600" b="1" u="none" strike="noStrike" cap="none" normalizeH="0" baseline="0" dirty="0">
+                <a:ln>
+                  <a:noFill/>
+                </a:ln>
+                <a:solidFill>
+                  <a:schemeClr val="tx1"/>
+                </a:solidFill>
+                <a:effectLst/>
+              </a:rPr>
+              <a:t>In-silico and experimental evaluation datasets</a:t>
+            </a:r>
+            <a:br>
+              <a:rPr kumimoji="0" lang="en-US" altLang="en-US" sz="1600" u="none" strike="noStrike" cap="none" normalizeH="0" baseline="0" dirty="0">
+                <a:ln>
+                  <a:noFill/>
+                </a:ln>
+                <a:solidFill>
+                  <a:schemeClr val="tx1"/>
+                </a:solidFill>
+                <a:effectLst/>
+              </a:rPr>
+            </a:br>
+            <a:r>
+              <a:rPr kumimoji="0" lang="en-US" altLang="en-US" sz="1600" u="none" strike="noStrike" cap="none" normalizeH="0" baseline="0" dirty="0">
+                <a:ln>
+                  <a:noFill/>
+                </a:ln>
+                <a:solidFill>
+                  <a:schemeClr val="tx1"/>
+                </a:solidFill>
+                <a:effectLst/>
+              </a:rPr>
+              <a:t>Select independent in-silico and experimental out-of-sample datasets for rigorous external validation of the proposed framework.</a:t>
+            </a:r>
+          </a:p>
+        </p:txBody>
+      </p:sp>
+    </p:spTree>
+    <p:extLst>
+      <p:ext uri="{BB962C8B-B14F-4D97-AF65-F5344CB8AC3E}">
+        <p14:creationId xmlns:p14="http://schemas.microsoft.com/office/powerpoint/2010/main" val="2792490115"/>
       </p:ext>
     </p:extLst>
   </p:cSld>

--- a/ppt slides for omic codeathon (1) (1).pptx
+++ b/ppt slides for omic codeathon (1) (1).pptx
@@ -5,7 +5,7 @@
     <p:sldMasterId id="2147483660" r:id="rId1"/>
   </p:sldMasterIdLst>
   <p:notesMasterIdLst>
-    <p:notesMasterId r:id="rId32"/>
+    <p:notesMasterId r:id="rId30"/>
   </p:notesMasterIdLst>
   <p:sldIdLst>
     <p:sldId id="256" r:id="rId2"/>
@@ -34,10 +34,8 @@
     <p:sldId id="283" r:id="rId25"/>
     <p:sldId id="288" r:id="rId26"/>
     <p:sldId id="282" r:id="rId27"/>
-    <p:sldId id="290" r:id="rId28"/>
-    <p:sldId id="291" r:id="rId29"/>
-    <p:sldId id="259" r:id="rId30"/>
-    <p:sldId id="286" r:id="rId31"/>
+    <p:sldId id="259" r:id="rId28"/>
+    <p:sldId id="286" r:id="rId29"/>
   </p:sldIdLst>
   <p:sldSz cx="12192000" cy="6858000"/>
   <p:notesSz cx="6858000" cy="9144000"/>
@@ -17627,293 +17625,6 @@
 <file path=ppt/slides/slide27.xml><?xml version="1.0" encoding="utf-8"?>
 <p:sld xmlns:a="http://schemas.openxmlformats.org/drawingml/2006/main" xmlns:r="http://schemas.openxmlformats.org/officeDocument/2006/relationships" xmlns:p="http://schemas.openxmlformats.org/presentationml/2006/main">
   <p:cSld>
-    <p:spTree>
-      <p:nvGrpSpPr>
-        <p:cNvPr id="1" name=""/>
-        <p:cNvGrpSpPr/>
-        <p:nvPr/>
-      </p:nvGrpSpPr>
-      <p:grpSpPr>
-        <a:xfrm>
-          <a:off x="0" y="0"/>
-          <a:ext cx="0" cy="0"/>
-          <a:chOff x="0" y="0"/>
-          <a:chExt cx="0" cy="0"/>
-        </a:xfrm>
-      </p:grpSpPr>
-      <p:sp>
-        <p:nvSpPr>
-          <p:cNvPr id="2" name="Title 1">
-            <a:extLst>
-              <a:ext uri="{FF2B5EF4-FFF2-40B4-BE49-F238E27FC236}">
-                <a16:creationId xmlns:a16="http://schemas.microsoft.com/office/drawing/2014/main" id="{5083E42C-A63B-15D1-5F39-9D9B47D91F60}"/>
-              </a:ext>
-            </a:extLst>
-          </p:cNvPr>
-          <p:cNvSpPr>
-            <a:spLocks noGrp="1"/>
-          </p:cNvSpPr>
-          <p:nvPr>
-            <p:ph type="title"/>
-          </p:nvPr>
-        </p:nvSpPr>
-        <p:spPr>
-          <a:xfrm>
-            <a:off x="1260231" y="2461212"/>
-            <a:ext cx="10515600" cy="1325563"/>
-          </a:xfrm>
-        </p:spPr>
-        <p:txBody>
-          <a:bodyPr>
-            <a:normAutofit/>
-          </a:bodyPr>
-          <a:lstStyle/>
-          <a:p>
-            <a:r>
-              <a:rPr lang="it-IT" sz="2400" b="1" dirty="0"/>
-              <a:t>CRISPR interference (CRISPRi)/CRISPR nuclease  (CRISPRn)</a:t>
-            </a:r>
-            <a:endParaRPr lang="en-CA" sz="2400" b="1" dirty="0"/>
-          </a:p>
-        </p:txBody>
-      </p:sp>
-    </p:spTree>
-    <p:extLst>
-      <p:ext uri="{BB962C8B-B14F-4D97-AF65-F5344CB8AC3E}">
-        <p14:creationId xmlns:p14="http://schemas.microsoft.com/office/powerpoint/2010/main" val="1970490304"/>
-      </p:ext>
-    </p:extLst>
-  </p:cSld>
-  <p:clrMapOvr>
-    <a:masterClrMapping/>
-  </p:clrMapOvr>
-</p:sld>
-</file>
-
-<file path=ppt/slides/slide28.xml><?xml version="1.0" encoding="utf-8"?>
-<p:sld xmlns:a="http://schemas.openxmlformats.org/drawingml/2006/main" xmlns:r="http://schemas.openxmlformats.org/officeDocument/2006/relationships" xmlns:p="http://schemas.openxmlformats.org/presentationml/2006/main">
-  <p:cSld>
-    <p:spTree>
-      <p:nvGrpSpPr>
-        <p:cNvPr id="1" name=""/>
-        <p:cNvGrpSpPr/>
-        <p:nvPr/>
-      </p:nvGrpSpPr>
-      <p:grpSpPr>
-        <a:xfrm>
-          <a:off x="0" y="0"/>
-          <a:ext cx="0" cy="0"/>
-          <a:chOff x="0" y="0"/>
-          <a:chExt cx="0" cy="0"/>
-        </a:xfrm>
-      </p:grpSpPr>
-      <p:sp>
-        <p:nvSpPr>
-          <p:cNvPr id="2" name="Title 1">
-            <a:extLst>
-              <a:ext uri="{FF2B5EF4-FFF2-40B4-BE49-F238E27FC236}">
-                <a16:creationId xmlns:a16="http://schemas.microsoft.com/office/drawing/2014/main" id="{F8FD6463-910A-77A2-9694-90A9424DDE7F}"/>
-              </a:ext>
-            </a:extLst>
-          </p:cNvPr>
-          <p:cNvSpPr>
-            <a:spLocks noGrp="1"/>
-          </p:cNvSpPr>
-          <p:nvPr>
-            <p:ph type="title"/>
-          </p:nvPr>
-        </p:nvSpPr>
-        <p:spPr>
-          <a:xfrm>
-            <a:off x="838200" y="365125"/>
-            <a:ext cx="10515600" cy="746223"/>
-          </a:xfrm>
-        </p:spPr>
-        <p:txBody>
-          <a:bodyPr>
-            <a:normAutofit/>
-          </a:bodyPr>
-          <a:lstStyle/>
-          <a:p>
-            <a:r>
-              <a:rPr lang="en-US" sz="2400" dirty="0"/>
-              <a:t>Datasets</a:t>
-            </a:r>
-            <a:endParaRPr lang="en-CA" sz="2400" dirty="0"/>
-          </a:p>
-        </p:txBody>
-      </p:sp>
-      <p:sp>
-        <p:nvSpPr>
-          <p:cNvPr id="3" name="Content Placeholder 2">
-            <a:extLst>
-              <a:ext uri="{FF2B5EF4-FFF2-40B4-BE49-F238E27FC236}">
-                <a16:creationId xmlns:a16="http://schemas.microsoft.com/office/drawing/2014/main" id="{EC621B9B-EF3D-700F-60F3-3C5B9ECD52F8}"/>
-              </a:ext>
-            </a:extLst>
-          </p:cNvPr>
-          <p:cNvSpPr>
-            <a:spLocks noGrp="1"/>
-          </p:cNvSpPr>
-          <p:nvPr>
-            <p:ph idx="1"/>
-          </p:nvPr>
-        </p:nvSpPr>
-        <p:spPr>
-          <a:xfrm>
-            <a:off x="838200" y="1690688"/>
-            <a:ext cx="10515600" cy="4351338"/>
-          </a:xfrm>
-        </p:spPr>
-        <p:txBody>
-          <a:bodyPr>
-            <a:noAutofit/>
-          </a:bodyPr>
-          <a:lstStyle/>
-          <a:p>
-            <a:pPr marL="0" indent="0">
-              <a:buNone/>
-            </a:pPr>
-            <a:r>
-              <a:rPr lang="en-CA" sz="2000" dirty="0" err="1"/>
-              <a:t>unperturbed_time_course_processed</a:t>
-            </a:r>
-            <a:endParaRPr lang="en-CA" sz="2000" dirty="0"/>
-          </a:p>
-          <a:p>
-            <a:pPr marL="0" indent="0">
-              <a:buNone/>
-            </a:pPr>
-            <a:endParaRPr lang="en-CA" sz="2000" dirty="0"/>
-          </a:p>
-          <a:p>
-            <a:pPr marL="0" indent="0">
-              <a:buNone/>
-            </a:pPr>
-            <a:r>
-              <a:rPr lang="en-CA" sz="2000" dirty="0" err="1"/>
-              <a:t>CRISPRn_screen_virus_processed</a:t>
-            </a:r>
-            <a:endParaRPr lang="en-CA" sz="2000" dirty="0"/>
-          </a:p>
-          <a:p>
-            <a:pPr marL="0" indent="0">
-              <a:buNone/>
-            </a:pPr>
-            <a:endParaRPr lang="en-CA" sz="2000" dirty="0"/>
-          </a:p>
-          <a:p>
-            <a:pPr marL="0" indent="0">
-              <a:buNone/>
-            </a:pPr>
-            <a:r>
-              <a:rPr lang="en-CA" sz="2000" dirty="0" err="1"/>
-              <a:t>CRISPRi_perturb_host_processed</a:t>
-            </a:r>
-            <a:endParaRPr lang="en-CA" sz="2000" dirty="0"/>
-          </a:p>
-          <a:p>
-            <a:pPr marL="0" indent="0">
-              <a:buNone/>
-            </a:pPr>
-            <a:endParaRPr lang="en-CA" sz="2000" dirty="0"/>
-          </a:p>
-          <a:p>
-            <a:pPr marL="0" indent="0">
-              <a:buNone/>
-            </a:pPr>
-            <a:endParaRPr lang="en-CA" sz="2000" dirty="0"/>
-          </a:p>
-          <a:p>
-            <a:pPr marL="0" indent="0">
-              <a:buNone/>
-            </a:pPr>
-            <a:r>
-              <a:rPr lang="en-CA" sz="2000" dirty="0"/>
-              <a:t>https://www.ncbi.nlm.nih.gov/geo/query/acc.cgi?acc=GSE165291</a:t>
-            </a:r>
-          </a:p>
-          <a:p>
-            <a:pPr marL="0" indent="0">
-              <a:buNone/>
-            </a:pPr>
-            <a:endParaRPr lang="en-CA" sz="2000" dirty="0"/>
-          </a:p>
-          <a:p>
-            <a:pPr marL="0" indent="0">
-              <a:buNone/>
-            </a:pPr>
-            <a:endParaRPr lang="en-CA" sz="2000" dirty="0"/>
-          </a:p>
-          <a:p>
-            <a:pPr marL="0" indent="0">
-              <a:buNone/>
-            </a:pPr>
-            <a:endParaRPr lang="en-CA" sz="2000" dirty="0"/>
-          </a:p>
-          <a:p>
-            <a:pPr marL="0" indent="0">
-              <a:buNone/>
-            </a:pPr>
-            <a:endParaRPr lang="en-CA" sz="2000" dirty="0"/>
-          </a:p>
-          <a:p>
-            <a:pPr marL="0" indent="0">
-              <a:buNone/>
-            </a:pPr>
-            <a:endParaRPr lang="en-CA" sz="2000" dirty="0"/>
-          </a:p>
-          <a:p>
-            <a:pPr marL="0" indent="0">
-              <a:buNone/>
-            </a:pPr>
-            <a:endParaRPr lang="en-CA" sz="2000" dirty="0"/>
-          </a:p>
-          <a:p>
-            <a:pPr marL="0" indent="0">
-              <a:buNone/>
-            </a:pPr>
-            <a:endParaRPr lang="en-CA" sz="2000" dirty="0"/>
-          </a:p>
-          <a:p>
-            <a:pPr marL="0" indent="0">
-              <a:buNone/>
-            </a:pPr>
-            <a:r>
-              <a:rPr lang="en-CA" sz="2000" dirty="0"/>
-              <a:t>Hein MY, Weissman JS. Functional single-cell genomics of human cytomegalovirus infection. </a:t>
-            </a:r>
-            <a:r>
-              <a:rPr lang="en-CA" sz="2000" i="1" dirty="0"/>
-              <a:t>Nat </a:t>
-            </a:r>
-            <a:r>
-              <a:rPr lang="en-CA" sz="2000" i="1" dirty="0" err="1"/>
-              <a:t>Biotechnol</a:t>
-            </a:r>
-            <a:r>
-              <a:rPr lang="en-CA" sz="2000" dirty="0"/>
-              <a:t> 2022 Mar;40(3):391-401.</a:t>
-            </a:r>
-          </a:p>
-        </p:txBody>
-      </p:sp>
-    </p:spTree>
-    <p:extLst>
-      <p:ext uri="{BB962C8B-B14F-4D97-AF65-F5344CB8AC3E}">
-        <p14:creationId xmlns:p14="http://schemas.microsoft.com/office/powerpoint/2010/main" val="3797463900"/>
-      </p:ext>
-    </p:extLst>
-  </p:cSld>
-  <p:clrMapOvr>
-    <a:masterClrMapping/>
-  </p:clrMapOvr>
-</p:sld>
-</file>
-
-<file path=ppt/slides/slide29.xml><?xml version="1.0" encoding="utf-8"?>
-<p:sld xmlns:a="http://schemas.openxmlformats.org/drawingml/2006/main" xmlns:r="http://schemas.openxmlformats.org/officeDocument/2006/relationships" xmlns:p="http://schemas.openxmlformats.org/presentationml/2006/main">
-  <p:cSld>
     <p:bg>
       <p:bgPr>
         <a:solidFill>
@@ -18422,6 +18133,343 @@
 </p:sld>
 </file>
 
+<file path=ppt/slides/slide28.xml><?xml version="1.0" encoding="utf-8"?>
+<p:sld xmlns:a="http://schemas.openxmlformats.org/drawingml/2006/main" xmlns:r="http://schemas.openxmlformats.org/officeDocument/2006/relationships" xmlns:p="http://schemas.openxmlformats.org/presentationml/2006/main">
+  <p:cSld>
+    <p:spTree>
+      <p:nvGrpSpPr>
+        <p:cNvPr id="1" name=""/>
+        <p:cNvGrpSpPr/>
+        <p:nvPr/>
+      </p:nvGrpSpPr>
+      <p:grpSpPr>
+        <a:xfrm>
+          <a:off x="0" y="0"/>
+          <a:ext cx="0" cy="0"/>
+          <a:chOff x="0" y="0"/>
+          <a:chExt cx="0" cy="0"/>
+        </a:xfrm>
+      </p:grpSpPr>
+      <p:sp>
+        <p:nvSpPr>
+          <p:cNvPr id="2" name="Title 1">
+            <a:extLst>
+              <a:ext uri="{FF2B5EF4-FFF2-40B4-BE49-F238E27FC236}">
+                <a16:creationId xmlns:a16="http://schemas.microsoft.com/office/drawing/2014/main" id="{1947E5A5-573C-90CA-E5BB-90053B8FC229}"/>
+              </a:ext>
+            </a:extLst>
+          </p:cNvPr>
+          <p:cNvSpPr>
+            <a:spLocks noGrp="1"/>
+          </p:cNvSpPr>
+          <p:nvPr>
+            <p:ph type="title"/>
+          </p:nvPr>
+        </p:nvSpPr>
+        <p:spPr/>
+        <p:txBody>
+          <a:bodyPr>
+            <a:normAutofit/>
+          </a:bodyPr>
+          <a:lstStyle/>
+          <a:p>
+            <a:r>
+              <a:rPr lang="en-US" sz="2400" b="1" dirty="0"/>
+              <a:t>Future Work</a:t>
+            </a:r>
+            <a:endParaRPr lang="en-CA" sz="2400" b="1" dirty="0"/>
+          </a:p>
+        </p:txBody>
+      </p:sp>
+      <p:sp>
+        <p:nvSpPr>
+          <p:cNvPr id="9" name="Rectangle 4">
+            <a:extLst>
+              <a:ext uri="{FF2B5EF4-FFF2-40B4-BE49-F238E27FC236}">
+                <a16:creationId xmlns:a16="http://schemas.microsoft.com/office/drawing/2014/main" id="{5981393E-4D40-A183-4702-E36306975BAF}"/>
+              </a:ext>
+            </a:extLst>
+          </p:cNvPr>
+          <p:cNvSpPr>
+            <a:spLocks noGrp="1" noChangeArrowheads="1"/>
+          </p:cNvSpPr>
+          <p:nvPr>
+            <p:ph idx="1"/>
+          </p:nvPr>
+        </p:nvSpPr>
+        <p:spPr bwMode="auto">
+          <a:xfrm>
+            <a:off x="527305" y="1379855"/>
+            <a:ext cx="10207752" cy="2554545"/>
+          </a:xfrm>
+          <a:prstGeom prst="rect">
+            <a:avLst/>
+          </a:prstGeom>
+          <a:noFill/>
+          <a:ln>
+            <a:noFill/>
+          </a:ln>
+          <a:effectLst/>
+          <a:extLst>
+            <a:ext uri="{909E8E84-426E-40DD-AFC4-6F175D3DCCD1}">
+              <a14:hiddenFill xmlns:a14="http://schemas.microsoft.com/office/drawing/2010/main">
+                <a:solidFill>
+                  <a:schemeClr val="accent1"/>
+                </a:solidFill>
+              </a14:hiddenFill>
+            </a:ext>
+            <a:ext uri="{91240B29-F687-4F45-9708-019B960494DF}">
+              <a14:hiddenLine xmlns:a14="http://schemas.microsoft.com/office/drawing/2010/main" w="9525">
+                <a:solidFill>
+                  <a:schemeClr val="tx1"/>
+                </a:solidFill>
+                <a:miter lim="800000"/>
+                <a:headEnd/>
+                <a:tailEnd/>
+              </a14:hiddenLine>
+            </a:ext>
+            <a:ext uri="{AF507438-7753-43E0-B8FC-AC1667EBCBE1}">
+              <a14:hiddenEffects xmlns:a14="http://schemas.microsoft.com/office/drawing/2010/main">
+                <a:effectLst>
+                  <a:outerShdw dist="35921" dir="2700000" algn="ctr" rotWithShape="0">
+                    <a:schemeClr val="bg2"/>
+                  </a:outerShdw>
+                </a:effectLst>
+              </a14:hiddenEffects>
+            </a:ext>
+          </a:extLst>
+        </p:spPr>
+        <p:txBody>
+          <a:bodyPr vert="horz" wrap="square" lIns="91440" tIns="45720" rIns="91440" bIns="45720" numCol="1" anchor="ctr" anchorCtr="0" compatLnSpc="1">
+            <a:prstTxWarp prst="textNoShape">
+              <a:avLst/>
+            </a:prstTxWarp>
+            <a:spAutoFit/>
+          </a:bodyPr>
+          <a:lstStyle/>
+          <a:p>
+            <a:pPr marL="0" marR="0" lvl="0" indent="0" algn="l" defTabSz="914400" rtl="0" eaLnBrk="0" fontAlgn="base" latinLnBrk="0" hangingPunct="0">
+              <a:lnSpc>
+                <a:spcPct val="100000"/>
+              </a:lnSpc>
+              <a:spcBef>
+                <a:spcPct val="0"/>
+              </a:spcBef>
+              <a:spcAft>
+                <a:spcPct val="0"/>
+              </a:spcAft>
+              <a:buClrTx/>
+              <a:buSzTx/>
+              <a:buNone/>
+              <a:tabLst/>
+            </a:pPr>
+            <a:r>
+              <a:rPr kumimoji="0" lang="en-US" altLang="en-US" sz="1600" b="1" u="none" strike="noStrike" cap="none" normalizeH="0" baseline="0" dirty="0">
+                <a:ln>
+                  <a:noFill/>
+                </a:ln>
+                <a:solidFill>
+                  <a:schemeClr val="tx1"/>
+                </a:solidFill>
+                <a:effectLst/>
+              </a:rPr>
+              <a:t>Overfitting control</a:t>
+            </a:r>
+            <a:br>
+              <a:rPr kumimoji="0" lang="en-US" altLang="en-US" sz="1600" u="none" strike="noStrike" cap="none" normalizeH="0" baseline="0" dirty="0">
+                <a:ln>
+                  <a:noFill/>
+                </a:ln>
+                <a:solidFill>
+                  <a:schemeClr val="tx1"/>
+                </a:solidFill>
+                <a:effectLst/>
+              </a:rPr>
+            </a:br>
+            <a:r>
+              <a:rPr kumimoji="0" lang="en-US" altLang="en-US" sz="1600" u="none" strike="noStrike" cap="none" normalizeH="0" baseline="0" dirty="0">
+                <a:ln>
+                  <a:noFill/>
+                </a:ln>
+                <a:solidFill>
+                  <a:schemeClr val="tx1"/>
+                </a:solidFill>
+                <a:effectLst/>
+              </a:rPr>
+              <a:t>Develop robust strategies to detect and mitigate overfitting between training and evaluation models.</a:t>
+            </a:r>
+          </a:p>
+          <a:p>
+            <a:pPr marL="0" marR="0" lvl="0" indent="0" algn="l" defTabSz="914400" rtl="0" eaLnBrk="0" fontAlgn="base" latinLnBrk="0" hangingPunct="0">
+              <a:lnSpc>
+                <a:spcPct val="100000"/>
+              </a:lnSpc>
+              <a:spcBef>
+                <a:spcPct val="0"/>
+              </a:spcBef>
+              <a:spcAft>
+                <a:spcPct val="0"/>
+              </a:spcAft>
+              <a:buClrTx/>
+              <a:buSzTx/>
+              <a:buNone/>
+              <a:tabLst/>
+            </a:pPr>
+            <a:endParaRPr kumimoji="0" lang="en-US" altLang="en-US" sz="1600" u="none" strike="noStrike" cap="none" normalizeH="0" baseline="0" dirty="0">
+              <a:ln>
+                <a:noFill/>
+              </a:ln>
+              <a:solidFill>
+                <a:schemeClr val="tx1"/>
+              </a:solidFill>
+              <a:effectLst/>
+            </a:endParaRPr>
+          </a:p>
+          <a:p>
+            <a:pPr marL="0" marR="0" lvl="0" indent="0" algn="l" defTabSz="914400" rtl="0" eaLnBrk="0" fontAlgn="base" latinLnBrk="0" hangingPunct="0">
+              <a:lnSpc>
+                <a:spcPct val="100000"/>
+              </a:lnSpc>
+              <a:spcBef>
+                <a:spcPct val="0"/>
+              </a:spcBef>
+              <a:spcAft>
+                <a:spcPct val="0"/>
+              </a:spcAft>
+              <a:buClrTx/>
+              <a:buSzTx/>
+              <a:buNone/>
+              <a:tabLst/>
+            </a:pPr>
+            <a:r>
+              <a:rPr kumimoji="0" lang="en-US" altLang="en-US" sz="1600" b="1" u="none" strike="noStrike" cap="none" normalizeH="0" baseline="0" dirty="0">
+                <a:ln>
+                  <a:noFill/>
+                </a:ln>
+                <a:solidFill>
+                  <a:schemeClr val="tx1"/>
+                </a:solidFill>
+                <a:effectLst/>
+              </a:rPr>
+              <a:t>Selection of top genes</a:t>
+            </a:r>
+            <a:br>
+              <a:rPr kumimoji="0" lang="en-US" altLang="en-US" sz="1600" u="none" strike="noStrike" cap="none" normalizeH="0" baseline="0" dirty="0">
+                <a:ln>
+                  <a:noFill/>
+                </a:ln>
+                <a:solidFill>
+                  <a:schemeClr val="tx1"/>
+                </a:solidFill>
+                <a:effectLst/>
+              </a:rPr>
+            </a:br>
+            <a:r>
+              <a:rPr kumimoji="0" lang="en-US" altLang="en-US" sz="1600" u="none" strike="noStrike" cap="none" normalizeH="0" baseline="0" dirty="0">
+                <a:ln>
+                  <a:noFill/>
+                </a:ln>
+                <a:solidFill>
+                  <a:schemeClr val="tx1"/>
+                </a:solidFill>
+                <a:effectLst/>
+              </a:rPr>
+              <a:t>Systematically identify the optimal number of top genes(expressive genes) that maximizes predictive performance while preserving biological relevance.</a:t>
+            </a:r>
+          </a:p>
+          <a:p>
+            <a:pPr marL="0" marR="0" lvl="0" indent="0" algn="l" defTabSz="914400" rtl="0" eaLnBrk="0" fontAlgn="base" latinLnBrk="0" hangingPunct="0">
+              <a:lnSpc>
+                <a:spcPct val="100000"/>
+              </a:lnSpc>
+              <a:spcBef>
+                <a:spcPct val="0"/>
+              </a:spcBef>
+              <a:spcAft>
+                <a:spcPct val="0"/>
+              </a:spcAft>
+              <a:buClrTx/>
+              <a:buSzTx/>
+              <a:buNone/>
+              <a:tabLst/>
+            </a:pPr>
+            <a:endParaRPr kumimoji="0" lang="en-US" altLang="en-US" sz="1600" u="none" strike="noStrike" cap="none" normalizeH="0" baseline="0" dirty="0">
+              <a:ln>
+                <a:noFill/>
+              </a:ln>
+              <a:solidFill>
+                <a:schemeClr val="tx1"/>
+              </a:solidFill>
+              <a:effectLst/>
+            </a:endParaRPr>
+          </a:p>
+          <a:p>
+            <a:pPr marL="0" marR="0" lvl="0" indent="0" algn="l" defTabSz="914400" rtl="0" eaLnBrk="0" fontAlgn="base" latinLnBrk="0" hangingPunct="0">
+              <a:lnSpc>
+                <a:spcPct val="100000"/>
+              </a:lnSpc>
+              <a:spcBef>
+                <a:spcPct val="0"/>
+              </a:spcBef>
+              <a:spcAft>
+                <a:spcPct val="0"/>
+              </a:spcAft>
+              <a:buClrTx/>
+              <a:buSzTx/>
+              <a:buNone/>
+              <a:tabLst/>
+            </a:pPr>
+            <a:r>
+              <a:rPr kumimoji="0" lang="en-US" altLang="en-US" sz="1600" b="1" u="none" strike="noStrike" cap="none" normalizeH="0" baseline="0" dirty="0">
+                <a:ln>
+                  <a:noFill/>
+                </a:ln>
+                <a:solidFill>
+                  <a:schemeClr val="tx1"/>
+                </a:solidFill>
+                <a:effectLst/>
+              </a:rPr>
+              <a:t>In-silico and experimental evaluation datasets</a:t>
+            </a:r>
+            <a:br>
+              <a:rPr kumimoji="0" lang="en-US" altLang="en-US" sz="1600" u="none" strike="noStrike" cap="none" normalizeH="0" baseline="0" dirty="0">
+                <a:ln>
+                  <a:noFill/>
+                </a:ln>
+                <a:solidFill>
+                  <a:schemeClr val="tx1"/>
+                </a:solidFill>
+                <a:effectLst/>
+              </a:rPr>
+            </a:br>
+            <a:r>
+              <a:rPr kumimoji="0" lang="en-US" altLang="en-US" sz="1600" u="none" strike="noStrike" cap="none" normalizeH="0" baseline="0" dirty="0">
+                <a:ln>
+                  <a:noFill/>
+                </a:ln>
+                <a:solidFill>
+                  <a:schemeClr val="tx1"/>
+                </a:solidFill>
+                <a:effectLst/>
+              </a:rPr>
+              <a:t>Select independent in-silico and experimental out-of-sample datasets for rigorous external validation of the proposed framework.</a:t>
+            </a:r>
+          </a:p>
+        </p:txBody>
+      </p:sp>
+    </p:spTree>
+    <p:extLst>
+      <p:ext uri="{BB962C8B-B14F-4D97-AF65-F5344CB8AC3E}">
+        <p14:creationId xmlns:p14="http://schemas.microsoft.com/office/powerpoint/2010/main" val="2792490115"/>
+      </p:ext>
+    </p:extLst>
+  </p:cSld>
+  <p:clrMapOvr>
+    <a:masterClrMapping/>
+  </p:clrMapOvr>
+</p:sld>
+</file>
+
 <file path=ppt/slides/slide3.xml><?xml version="1.0" encoding="utf-8"?>
 <p:sld xmlns:a="http://schemas.openxmlformats.org/drawingml/2006/main" xmlns:r="http://schemas.openxmlformats.org/officeDocument/2006/relationships" xmlns:p="http://schemas.openxmlformats.org/presentationml/2006/main">
   <p:cSld>
@@ -18942,343 +18990,6 @@
     <p:extLst>
       <p:ext uri="{BB962C8B-B14F-4D97-AF65-F5344CB8AC3E}">
         <p14:creationId xmlns:p14="http://schemas.microsoft.com/office/powerpoint/2010/main" val="771050982"/>
-      </p:ext>
-    </p:extLst>
-  </p:cSld>
-  <p:clrMapOvr>
-    <a:masterClrMapping/>
-  </p:clrMapOvr>
-</p:sld>
-</file>
-
-<file path=ppt/slides/slide30.xml><?xml version="1.0" encoding="utf-8"?>
-<p:sld xmlns:a="http://schemas.openxmlformats.org/drawingml/2006/main" xmlns:r="http://schemas.openxmlformats.org/officeDocument/2006/relationships" xmlns:p="http://schemas.openxmlformats.org/presentationml/2006/main">
-  <p:cSld>
-    <p:spTree>
-      <p:nvGrpSpPr>
-        <p:cNvPr id="1" name=""/>
-        <p:cNvGrpSpPr/>
-        <p:nvPr/>
-      </p:nvGrpSpPr>
-      <p:grpSpPr>
-        <a:xfrm>
-          <a:off x="0" y="0"/>
-          <a:ext cx="0" cy="0"/>
-          <a:chOff x="0" y="0"/>
-          <a:chExt cx="0" cy="0"/>
-        </a:xfrm>
-      </p:grpSpPr>
-      <p:sp>
-        <p:nvSpPr>
-          <p:cNvPr id="2" name="Title 1">
-            <a:extLst>
-              <a:ext uri="{FF2B5EF4-FFF2-40B4-BE49-F238E27FC236}">
-                <a16:creationId xmlns:a16="http://schemas.microsoft.com/office/drawing/2014/main" id="{1947E5A5-573C-90CA-E5BB-90053B8FC229}"/>
-              </a:ext>
-            </a:extLst>
-          </p:cNvPr>
-          <p:cNvSpPr>
-            <a:spLocks noGrp="1"/>
-          </p:cNvSpPr>
-          <p:nvPr>
-            <p:ph type="title"/>
-          </p:nvPr>
-        </p:nvSpPr>
-        <p:spPr/>
-        <p:txBody>
-          <a:bodyPr>
-            <a:normAutofit/>
-          </a:bodyPr>
-          <a:lstStyle/>
-          <a:p>
-            <a:r>
-              <a:rPr lang="en-US" sz="2400" b="1" dirty="0"/>
-              <a:t>Future Work</a:t>
-            </a:r>
-            <a:endParaRPr lang="en-CA" sz="2400" b="1" dirty="0"/>
-          </a:p>
-        </p:txBody>
-      </p:sp>
-      <p:sp>
-        <p:nvSpPr>
-          <p:cNvPr id="9" name="Rectangle 4">
-            <a:extLst>
-              <a:ext uri="{FF2B5EF4-FFF2-40B4-BE49-F238E27FC236}">
-                <a16:creationId xmlns:a16="http://schemas.microsoft.com/office/drawing/2014/main" id="{5981393E-4D40-A183-4702-E36306975BAF}"/>
-              </a:ext>
-            </a:extLst>
-          </p:cNvPr>
-          <p:cNvSpPr>
-            <a:spLocks noGrp="1" noChangeArrowheads="1"/>
-          </p:cNvSpPr>
-          <p:nvPr>
-            <p:ph idx="1"/>
-          </p:nvPr>
-        </p:nvSpPr>
-        <p:spPr bwMode="auto">
-          <a:xfrm>
-            <a:off x="527305" y="1379855"/>
-            <a:ext cx="10207752" cy="2554545"/>
-          </a:xfrm>
-          <a:prstGeom prst="rect">
-            <a:avLst/>
-          </a:prstGeom>
-          <a:noFill/>
-          <a:ln>
-            <a:noFill/>
-          </a:ln>
-          <a:effectLst/>
-          <a:extLst>
-            <a:ext uri="{909E8E84-426E-40DD-AFC4-6F175D3DCCD1}">
-              <a14:hiddenFill xmlns:a14="http://schemas.microsoft.com/office/drawing/2010/main">
-                <a:solidFill>
-                  <a:schemeClr val="accent1"/>
-                </a:solidFill>
-              </a14:hiddenFill>
-            </a:ext>
-            <a:ext uri="{91240B29-F687-4F45-9708-019B960494DF}">
-              <a14:hiddenLine xmlns:a14="http://schemas.microsoft.com/office/drawing/2010/main" w="9525">
-                <a:solidFill>
-                  <a:schemeClr val="tx1"/>
-                </a:solidFill>
-                <a:miter lim="800000"/>
-                <a:headEnd/>
-                <a:tailEnd/>
-              </a14:hiddenLine>
-            </a:ext>
-            <a:ext uri="{AF507438-7753-43E0-B8FC-AC1667EBCBE1}">
-              <a14:hiddenEffects xmlns:a14="http://schemas.microsoft.com/office/drawing/2010/main">
-                <a:effectLst>
-                  <a:outerShdw dist="35921" dir="2700000" algn="ctr" rotWithShape="0">
-                    <a:schemeClr val="bg2"/>
-                  </a:outerShdw>
-                </a:effectLst>
-              </a14:hiddenEffects>
-            </a:ext>
-          </a:extLst>
-        </p:spPr>
-        <p:txBody>
-          <a:bodyPr vert="horz" wrap="square" lIns="91440" tIns="45720" rIns="91440" bIns="45720" numCol="1" anchor="ctr" anchorCtr="0" compatLnSpc="1">
-            <a:prstTxWarp prst="textNoShape">
-              <a:avLst/>
-            </a:prstTxWarp>
-            <a:spAutoFit/>
-          </a:bodyPr>
-          <a:lstStyle/>
-          <a:p>
-            <a:pPr marL="0" marR="0" lvl="0" indent="0" algn="l" defTabSz="914400" rtl="0" eaLnBrk="0" fontAlgn="base" latinLnBrk="0" hangingPunct="0">
-              <a:lnSpc>
-                <a:spcPct val="100000"/>
-              </a:lnSpc>
-              <a:spcBef>
-                <a:spcPct val="0"/>
-              </a:spcBef>
-              <a:spcAft>
-                <a:spcPct val="0"/>
-              </a:spcAft>
-              <a:buClrTx/>
-              <a:buSzTx/>
-              <a:buNone/>
-              <a:tabLst/>
-            </a:pPr>
-            <a:r>
-              <a:rPr kumimoji="0" lang="en-US" altLang="en-US" sz="1600" b="1" u="none" strike="noStrike" cap="none" normalizeH="0" baseline="0" dirty="0">
-                <a:ln>
-                  <a:noFill/>
-                </a:ln>
-                <a:solidFill>
-                  <a:schemeClr val="tx1"/>
-                </a:solidFill>
-                <a:effectLst/>
-              </a:rPr>
-              <a:t>Overfitting control</a:t>
-            </a:r>
-            <a:br>
-              <a:rPr kumimoji="0" lang="en-US" altLang="en-US" sz="1600" u="none" strike="noStrike" cap="none" normalizeH="0" baseline="0" dirty="0">
-                <a:ln>
-                  <a:noFill/>
-                </a:ln>
-                <a:solidFill>
-                  <a:schemeClr val="tx1"/>
-                </a:solidFill>
-                <a:effectLst/>
-              </a:rPr>
-            </a:br>
-            <a:r>
-              <a:rPr kumimoji="0" lang="en-US" altLang="en-US" sz="1600" u="none" strike="noStrike" cap="none" normalizeH="0" baseline="0" dirty="0">
-                <a:ln>
-                  <a:noFill/>
-                </a:ln>
-                <a:solidFill>
-                  <a:schemeClr val="tx1"/>
-                </a:solidFill>
-                <a:effectLst/>
-              </a:rPr>
-              <a:t>Develop robust strategies to detect and mitigate overfitting between training and evaluation models.</a:t>
-            </a:r>
-          </a:p>
-          <a:p>
-            <a:pPr marL="0" marR="0" lvl="0" indent="0" algn="l" defTabSz="914400" rtl="0" eaLnBrk="0" fontAlgn="base" latinLnBrk="0" hangingPunct="0">
-              <a:lnSpc>
-                <a:spcPct val="100000"/>
-              </a:lnSpc>
-              <a:spcBef>
-                <a:spcPct val="0"/>
-              </a:spcBef>
-              <a:spcAft>
-                <a:spcPct val="0"/>
-              </a:spcAft>
-              <a:buClrTx/>
-              <a:buSzTx/>
-              <a:buNone/>
-              <a:tabLst/>
-            </a:pPr>
-            <a:endParaRPr kumimoji="0" lang="en-US" altLang="en-US" sz="1600" u="none" strike="noStrike" cap="none" normalizeH="0" baseline="0" dirty="0">
-              <a:ln>
-                <a:noFill/>
-              </a:ln>
-              <a:solidFill>
-                <a:schemeClr val="tx1"/>
-              </a:solidFill>
-              <a:effectLst/>
-            </a:endParaRPr>
-          </a:p>
-          <a:p>
-            <a:pPr marL="0" marR="0" lvl="0" indent="0" algn="l" defTabSz="914400" rtl="0" eaLnBrk="0" fontAlgn="base" latinLnBrk="0" hangingPunct="0">
-              <a:lnSpc>
-                <a:spcPct val="100000"/>
-              </a:lnSpc>
-              <a:spcBef>
-                <a:spcPct val="0"/>
-              </a:spcBef>
-              <a:spcAft>
-                <a:spcPct val="0"/>
-              </a:spcAft>
-              <a:buClrTx/>
-              <a:buSzTx/>
-              <a:buNone/>
-              <a:tabLst/>
-            </a:pPr>
-            <a:r>
-              <a:rPr kumimoji="0" lang="en-US" altLang="en-US" sz="1600" b="1" u="none" strike="noStrike" cap="none" normalizeH="0" baseline="0" dirty="0">
-                <a:ln>
-                  <a:noFill/>
-                </a:ln>
-                <a:solidFill>
-                  <a:schemeClr val="tx1"/>
-                </a:solidFill>
-                <a:effectLst/>
-              </a:rPr>
-              <a:t>Selection of top genes</a:t>
-            </a:r>
-            <a:br>
-              <a:rPr kumimoji="0" lang="en-US" altLang="en-US" sz="1600" u="none" strike="noStrike" cap="none" normalizeH="0" baseline="0" dirty="0">
-                <a:ln>
-                  <a:noFill/>
-                </a:ln>
-                <a:solidFill>
-                  <a:schemeClr val="tx1"/>
-                </a:solidFill>
-                <a:effectLst/>
-              </a:rPr>
-            </a:br>
-            <a:r>
-              <a:rPr kumimoji="0" lang="en-US" altLang="en-US" sz="1600" u="none" strike="noStrike" cap="none" normalizeH="0" baseline="0" dirty="0">
-                <a:ln>
-                  <a:noFill/>
-                </a:ln>
-                <a:solidFill>
-                  <a:schemeClr val="tx1"/>
-                </a:solidFill>
-                <a:effectLst/>
-              </a:rPr>
-              <a:t>Systematically identify the optimal number of top genes(expressive genes) that maximizes predictive performance while preserving biological relevance.</a:t>
-            </a:r>
-          </a:p>
-          <a:p>
-            <a:pPr marL="0" marR="0" lvl="0" indent="0" algn="l" defTabSz="914400" rtl="0" eaLnBrk="0" fontAlgn="base" latinLnBrk="0" hangingPunct="0">
-              <a:lnSpc>
-                <a:spcPct val="100000"/>
-              </a:lnSpc>
-              <a:spcBef>
-                <a:spcPct val="0"/>
-              </a:spcBef>
-              <a:spcAft>
-                <a:spcPct val="0"/>
-              </a:spcAft>
-              <a:buClrTx/>
-              <a:buSzTx/>
-              <a:buNone/>
-              <a:tabLst/>
-            </a:pPr>
-            <a:endParaRPr kumimoji="0" lang="en-US" altLang="en-US" sz="1600" u="none" strike="noStrike" cap="none" normalizeH="0" baseline="0" dirty="0">
-              <a:ln>
-                <a:noFill/>
-              </a:ln>
-              <a:solidFill>
-                <a:schemeClr val="tx1"/>
-              </a:solidFill>
-              <a:effectLst/>
-            </a:endParaRPr>
-          </a:p>
-          <a:p>
-            <a:pPr marL="0" marR="0" lvl="0" indent="0" algn="l" defTabSz="914400" rtl="0" eaLnBrk="0" fontAlgn="base" latinLnBrk="0" hangingPunct="0">
-              <a:lnSpc>
-                <a:spcPct val="100000"/>
-              </a:lnSpc>
-              <a:spcBef>
-                <a:spcPct val="0"/>
-              </a:spcBef>
-              <a:spcAft>
-                <a:spcPct val="0"/>
-              </a:spcAft>
-              <a:buClrTx/>
-              <a:buSzTx/>
-              <a:buNone/>
-              <a:tabLst/>
-            </a:pPr>
-            <a:r>
-              <a:rPr kumimoji="0" lang="en-US" altLang="en-US" sz="1600" b="1" u="none" strike="noStrike" cap="none" normalizeH="0" baseline="0" dirty="0">
-                <a:ln>
-                  <a:noFill/>
-                </a:ln>
-                <a:solidFill>
-                  <a:schemeClr val="tx1"/>
-                </a:solidFill>
-                <a:effectLst/>
-              </a:rPr>
-              <a:t>In-silico and experimental evaluation datasets</a:t>
-            </a:r>
-            <a:br>
-              <a:rPr kumimoji="0" lang="en-US" altLang="en-US" sz="1600" u="none" strike="noStrike" cap="none" normalizeH="0" baseline="0" dirty="0">
-                <a:ln>
-                  <a:noFill/>
-                </a:ln>
-                <a:solidFill>
-                  <a:schemeClr val="tx1"/>
-                </a:solidFill>
-                <a:effectLst/>
-              </a:rPr>
-            </a:br>
-            <a:r>
-              <a:rPr kumimoji="0" lang="en-US" altLang="en-US" sz="1600" u="none" strike="noStrike" cap="none" normalizeH="0" baseline="0" dirty="0">
-                <a:ln>
-                  <a:noFill/>
-                </a:ln>
-                <a:solidFill>
-                  <a:schemeClr val="tx1"/>
-                </a:solidFill>
-                <a:effectLst/>
-              </a:rPr>
-              <a:t>Select independent in-silico and experimental out-of-sample datasets for rigorous external validation of the proposed framework.</a:t>
-            </a:r>
-          </a:p>
-        </p:txBody>
-      </p:sp>
-    </p:spTree>
-    <p:extLst>
-      <p:ext uri="{BB962C8B-B14F-4D97-AF65-F5344CB8AC3E}">
-        <p14:creationId xmlns:p14="http://schemas.microsoft.com/office/powerpoint/2010/main" val="2792490115"/>
       </p:ext>
     </p:extLst>
   </p:cSld>

--- a/ppt slides for omic codeathon (1) (1).pptx
+++ b/ppt slides for omic codeathon (1) (1).pptx
@@ -6380,7 +6380,7 @@
           <a:p>
             <a:fld id="{1BA98A8E-17BA-4637-BE34-16BBE5AD305E}" type="datetimeFigureOut">
               <a:rPr lang="en-CA" smtClean="0"/>
-              <a:t>2025-11-28</a:t>
+              <a:t>2025-11-29</a:t>
             </a:fld>
             <a:endParaRPr lang="en-CA"/>
           </a:p>
@@ -6779,7 +6779,7 @@
           <a:p>
             <a:fld id="{16A6DBE6-5F48-46C6-8054-E594AA8CC26E}" type="datetimeFigureOut">
               <a:rPr lang="en-CA" smtClean="0"/>
-              <a:t>2025-11-28</a:t>
+              <a:t>2025-11-29</a:t>
             </a:fld>
             <a:endParaRPr lang="en-CA"/>
           </a:p>
@@ -6949,7 +6949,7 @@
           <a:p>
             <a:fld id="{16A6DBE6-5F48-46C6-8054-E594AA8CC26E}" type="datetimeFigureOut">
               <a:rPr lang="en-CA" smtClean="0"/>
-              <a:t>2025-11-28</a:t>
+              <a:t>2025-11-29</a:t>
             </a:fld>
             <a:endParaRPr lang="en-CA"/>
           </a:p>
@@ -7129,7 +7129,7 @@
           <a:p>
             <a:fld id="{16A6DBE6-5F48-46C6-8054-E594AA8CC26E}" type="datetimeFigureOut">
               <a:rPr lang="en-CA" smtClean="0"/>
-              <a:t>2025-11-28</a:t>
+              <a:t>2025-11-29</a:t>
             </a:fld>
             <a:endParaRPr lang="en-CA"/>
           </a:p>
@@ -7299,7 +7299,7 @@
           <a:p>
             <a:fld id="{16A6DBE6-5F48-46C6-8054-E594AA8CC26E}" type="datetimeFigureOut">
               <a:rPr lang="en-CA" smtClean="0"/>
-              <a:t>2025-11-28</a:t>
+              <a:t>2025-11-29</a:t>
             </a:fld>
             <a:endParaRPr lang="en-CA"/>
           </a:p>
@@ -7545,7 +7545,7 @@
           <a:p>
             <a:fld id="{16A6DBE6-5F48-46C6-8054-E594AA8CC26E}" type="datetimeFigureOut">
               <a:rPr lang="en-CA" smtClean="0"/>
-              <a:t>2025-11-28</a:t>
+              <a:t>2025-11-29</a:t>
             </a:fld>
             <a:endParaRPr lang="en-CA"/>
           </a:p>
@@ -7777,7 +7777,7 @@
           <a:p>
             <a:fld id="{16A6DBE6-5F48-46C6-8054-E594AA8CC26E}" type="datetimeFigureOut">
               <a:rPr lang="en-CA" smtClean="0"/>
-              <a:t>2025-11-28</a:t>
+              <a:t>2025-11-29</a:t>
             </a:fld>
             <a:endParaRPr lang="en-CA"/>
           </a:p>
@@ -8144,7 +8144,7 @@
           <a:p>
             <a:fld id="{16A6DBE6-5F48-46C6-8054-E594AA8CC26E}" type="datetimeFigureOut">
               <a:rPr lang="en-CA" smtClean="0"/>
-              <a:t>2025-11-28</a:t>
+              <a:t>2025-11-29</a:t>
             </a:fld>
             <a:endParaRPr lang="en-CA"/>
           </a:p>
@@ -8262,7 +8262,7 @@
           <a:p>
             <a:fld id="{16A6DBE6-5F48-46C6-8054-E594AA8CC26E}" type="datetimeFigureOut">
               <a:rPr lang="en-CA" smtClean="0"/>
-              <a:t>2025-11-28</a:t>
+              <a:t>2025-11-29</a:t>
             </a:fld>
             <a:endParaRPr lang="en-CA"/>
           </a:p>
@@ -8357,7 +8357,7 @@
           <a:p>
             <a:fld id="{16A6DBE6-5F48-46C6-8054-E594AA8CC26E}" type="datetimeFigureOut">
               <a:rPr lang="en-CA" smtClean="0"/>
-              <a:t>2025-11-28</a:t>
+              <a:t>2025-11-29</a:t>
             </a:fld>
             <a:endParaRPr lang="en-CA"/>
           </a:p>
@@ -8634,7 +8634,7 @@
           <a:p>
             <a:fld id="{16A6DBE6-5F48-46C6-8054-E594AA8CC26E}" type="datetimeFigureOut">
               <a:rPr lang="en-CA" smtClean="0"/>
-              <a:t>2025-11-28</a:t>
+              <a:t>2025-11-29</a:t>
             </a:fld>
             <a:endParaRPr lang="en-CA"/>
           </a:p>
@@ -8891,7 +8891,7 @@
           <a:p>
             <a:fld id="{16A6DBE6-5F48-46C6-8054-E594AA8CC26E}" type="datetimeFigureOut">
               <a:rPr lang="en-CA" smtClean="0"/>
-              <a:t>2025-11-28</a:t>
+              <a:t>2025-11-29</a:t>
             </a:fld>
             <a:endParaRPr lang="en-CA"/>
           </a:p>
@@ -9104,7 +9104,7 @@
           <a:p>
             <a:fld id="{16A6DBE6-5F48-46C6-8054-E594AA8CC26E}" type="datetimeFigureOut">
               <a:rPr lang="en-CA" smtClean="0"/>
-              <a:t>2025-11-28</a:t>
+              <a:t>2025-11-29</a:t>
             </a:fld>
             <a:endParaRPr lang="en-CA"/>
           </a:p>
@@ -14523,10 +14523,140 @@
             <a:endParaRPr lang="en-CA" sz="1600" dirty="0"/>
           </a:p>
           <a:p>
+            <a:pPr marL="0" indent="0">
+              <a:buNone/>
+            </a:pPr>
+            <a:endParaRPr lang="en-CA" sz="1600" dirty="0"/>
+          </a:p>
+          <a:p>
+            <a:pPr marL="0" indent="0">
+              <a:buNone/>
+            </a:pPr>
             <a:endParaRPr lang="en-CA" sz="1600" dirty="0"/>
           </a:p>
         </p:txBody>
       </p:sp>
+      <p:graphicFrame>
+        <p:nvGraphicFramePr>
+          <p:cNvPr id="4" name="Table 3">
+            <a:extLst>
+              <a:ext uri="{FF2B5EF4-FFF2-40B4-BE49-F238E27FC236}">
+                <a16:creationId xmlns:a16="http://schemas.microsoft.com/office/drawing/2014/main" id="{95C04D88-FBCC-845D-F882-CD9B9C35CA70}"/>
+              </a:ext>
+            </a:extLst>
+          </p:cNvPr>
+          <p:cNvGraphicFramePr>
+            <a:graphicFrameLocks noGrp="1"/>
+          </p:cNvGraphicFramePr>
+          <p:nvPr>
+            <p:extLst>
+              <p:ext uri="{D42A27DB-BD31-4B8C-83A1-F6EECF244321}">
+                <p14:modId xmlns:p14="http://schemas.microsoft.com/office/powerpoint/2010/main" val="1685611038"/>
+              </p:ext>
+            </p:extLst>
+          </p:nvPr>
+        </p:nvGraphicFramePr>
+        <p:xfrm>
+          <a:off x="978408" y="6057773"/>
+          <a:ext cx="9381744" cy="541020"/>
+        </p:xfrm>
+        <a:graphic>
+          <a:graphicData uri="http://schemas.openxmlformats.org/drawingml/2006/table">
+            <a:tbl>
+              <a:tblPr/>
+              <a:tblGrid>
+                <a:gridCol w="9381744">
+                  <a:extLst>
+                    <a:ext uri="{9D8B030D-6E8A-4147-A177-3AD203B41FA5}">
+                      <a16:colId xmlns:a16="http://schemas.microsoft.com/office/drawing/2014/main" val="3264525774"/>
+                    </a:ext>
+                  </a:extLst>
+                </a:gridCol>
+              </a:tblGrid>
+              <a:tr h="270510">
+                <a:tc>
+                  <a:txBody>
+                    <a:bodyPr/>
+                    <a:lstStyle/>
+                    <a:p>
+                      <a:pPr>
+                        <a:spcAft>
+                          <a:spcPts val="300"/>
+                        </a:spcAft>
+                        <a:buFont typeface="Arial" panose="020B0604020202020204" pitchFamily="34" charset="0"/>
+                        <a:buNone/>
+                      </a:pPr>
+                      <a:br>
+                        <a:rPr lang="en-CA" sz="1100" dirty="0">
+                          <a:effectLst/>
+                          <a:latin typeface="Verdana" panose="020B0604030504040204" pitchFamily="34" charset="0"/>
+                        </a:rPr>
+                      </a:br>
+                      <a:r>
+                        <a:rPr lang="en-CA" sz="1100" dirty="0">
+                          <a:effectLst/>
+                          <a:latin typeface="Verdana" panose="020B0604030504040204" pitchFamily="34" charset="0"/>
+                        </a:rPr>
+                        <a:t>Gubin MM, </a:t>
+                      </a:r>
+                      <a:r>
+                        <a:rPr lang="en-CA" sz="1100" dirty="0" err="1">
+                          <a:effectLst/>
+                          <a:latin typeface="Verdana" panose="020B0604030504040204" pitchFamily="34" charset="0"/>
+                        </a:rPr>
+                        <a:t>Esaulova</a:t>
+                      </a:r>
+                      <a:r>
+                        <a:rPr lang="en-CA" sz="1100" dirty="0">
+                          <a:effectLst/>
+                          <a:latin typeface="Verdana" panose="020B0604030504040204" pitchFamily="34" charset="0"/>
+                        </a:rPr>
+                        <a:t> E, Ward JP, Malkova ON et al. High-Dimensional Analysis Delineates Myeloid and Lymphoid Compartment Remodeling during Successful Immune-Checkpoint Cancer Therapy. </a:t>
+                      </a:r>
+                      <a:r>
+                        <a:rPr lang="en-CA" sz="1100" i="1" dirty="0">
+                          <a:effectLst/>
+                          <a:latin typeface="Verdana" panose="020B0604030504040204" pitchFamily="34" charset="0"/>
+                        </a:rPr>
+                        <a:t>Cell</a:t>
+                      </a:r>
+                      <a:r>
+                        <a:rPr lang="en-CA" sz="1100" dirty="0">
+                          <a:effectLst/>
+                          <a:latin typeface="Verdana" panose="020B0604030504040204" pitchFamily="34" charset="0"/>
+                        </a:rPr>
+                        <a:t> 2018 Nov 1;175(4)</a:t>
+                      </a:r>
+                    </a:p>
+                  </a:txBody>
+                  <a:tcPr marL="19050" marR="19050" marT="19050" marB="19050">
+                    <a:lnL>
+                      <a:noFill/>
+                    </a:lnL>
+                    <a:lnR>
+                      <a:noFill/>
+                    </a:lnR>
+                    <a:lnT>
+                      <a:noFill/>
+                    </a:lnT>
+                    <a:lnB>
+                      <a:noFill/>
+                    </a:lnB>
+                    <a:solidFill>
+                      <a:srgbClr val="FFFFFF"/>
+                    </a:solidFill>
+                  </a:tcPr>
+                </a:tc>
+                <a:extLst>
+                  <a:ext uri="{0D108BD9-81ED-4DB2-BD59-A6C34878D82A}">
+                    <a16:rowId xmlns:a16="http://schemas.microsoft.com/office/drawing/2014/main" val="4123696934"/>
+                  </a:ext>
+                </a:extLst>
+              </a:tr>
+            </a:tbl>
+          </a:graphicData>
+        </a:graphic>
+      </p:graphicFrame>
     </p:spTree>
     <p:extLst>
       <p:ext uri="{BB962C8B-B14F-4D97-AF65-F5344CB8AC3E}">

--- a/ppt slides for omic codeathon (1) (1).pptx
+++ b/ppt slides for omic codeathon (1) (1).pptx
@@ -5,7 +5,7 @@
     <p:sldMasterId id="2147483660" r:id="rId1"/>
   </p:sldMasterIdLst>
   <p:notesMasterIdLst>
-    <p:notesMasterId r:id="rId30"/>
+    <p:notesMasterId r:id="rId35"/>
   </p:notesMasterIdLst>
   <p:sldIdLst>
     <p:sldId id="256" r:id="rId2"/>
@@ -35,7 +35,12 @@
     <p:sldId id="288" r:id="rId26"/>
     <p:sldId id="282" r:id="rId27"/>
     <p:sldId id="259" r:id="rId28"/>
-    <p:sldId id="286" r:id="rId29"/>
+    <p:sldId id="290" r:id="rId29"/>
+    <p:sldId id="291" r:id="rId30"/>
+    <p:sldId id="294" r:id="rId31"/>
+    <p:sldId id="292" r:id="rId32"/>
+    <p:sldId id="293" r:id="rId33"/>
+    <p:sldId id="286" r:id="rId34"/>
   </p:sldIdLst>
   <p:sldSz cx="12192000" cy="6858000"/>
   <p:notesSz cx="6858000" cy="9144000"/>
@@ -6380,7 +6385,7 @@
           <a:p>
             <a:fld id="{1BA98A8E-17BA-4637-BE34-16BBE5AD305E}" type="datetimeFigureOut">
               <a:rPr lang="en-CA" smtClean="0"/>
-              <a:t>2025-11-29</a:t>
+              <a:t>2025-12-04</a:t>
             </a:fld>
             <a:endParaRPr lang="en-CA"/>
           </a:p>
@@ -6779,7 +6784,7 @@
           <a:p>
             <a:fld id="{16A6DBE6-5F48-46C6-8054-E594AA8CC26E}" type="datetimeFigureOut">
               <a:rPr lang="en-CA" smtClean="0"/>
-              <a:t>2025-11-29</a:t>
+              <a:t>2025-12-04</a:t>
             </a:fld>
             <a:endParaRPr lang="en-CA"/>
           </a:p>
@@ -6949,7 +6954,7 @@
           <a:p>
             <a:fld id="{16A6DBE6-5F48-46C6-8054-E594AA8CC26E}" type="datetimeFigureOut">
               <a:rPr lang="en-CA" smtClean="0"/>
-              <a:t>2025-11-29</a:t>
+              <a:t>2025-12-04</a:t>
             </a:fld>
             <a:endParaRPr lang="en-CA"/>
           </a:p>
@@ -7129,7 +7134,7 @@
           <a:p>
             <a:fld id="{16A6DBE6-5F48-46C6-8054-E594AA8CC26E}" type="datetimeFigureOut">
               <a:rPr lang="en-CA" smtClean="0"/>
-              <a:t>2025-11-29</a:t>
+              <a:t>2025-12-04</a:t>
             </a:fld>
             <a:endParaRPr lang="en-CA"/>
           </a:p>
@@ -7299,7 +7304,7 @@
           <a:p>
             <a:fld id="{16A6DBE6-5F48-46C6-8054-E594AA8CC26E}" type="datetimeFigureOut">
               <a:rPr lang="en-CA" smtClean="0"/>
-              <a:t>2025-11-29</a:t>
+              <a:t>2025-12-04</a:t>
             </a:fld>
             <a:endParaRPr lang="en-CA"/>
           </a:p>
@@ -7545,7 +7550,7 @@
           <a:p>
             <a:fld id="{16A6DBE6-5F48-46C6-8054-E594AA8CC26E}" type="datetimeFigureOut">
               <a:rPr lang="en-CA" smtClean="0"/>
-              <a:t>2025-11-29</a:t>
+              <a:t>2025-12-04</a:t>
             </a:fld>
             <a:endParaRPr lang="en-CA"/>
           </a:p>
@@ -7777,7 +7782,7 @@
           <a:p>
             <a:fld id="{16A6DBE6-5F48-46C6-8054-E594AA8CC26E}" type="datetimeFigureOut">
               <a:rPr lang="en-CA" smtClean="0"/>
-              <a:t>2025-11-29</a:t>
+              <a:t>2025-12-04</a:t>
             </a:fld>
             <a:endParaRPr lang="en-CA"/>
           </a:p>
@@ -8144,7 +8149,7 @@
           <a:p>
             <a:fld id="{16A6DBE6-5F48-46C6-8054-E594AA8CC26E}" type="datetimeFigureOut">
               <a:rPr lang="en-CA" smtClean="0"/>
-              <a:t>2025-11-29</a:t>
+              <a:t>2025-12-04</a:t>
             </a:fld>
             <a:endParaRPr lang="en-CA"/>
           </a:p>
@@ -8262,7 +8267,7 @@
           <a:p>
             <a:fld id="{16A6DBE6-5F48-46C6-8054-E594AA8CC26E}" type="datetimeFigureOut">
               <a:rPr lang="en-CA" smtClean="0"/>
-              <a:t>2025-11-29</a:t>
+              <a:t>2025-12-04</a:t>
             </a:fld>
             <a:endParaRPr lang="en-CA"/>
           </a:p>
@@ -8357,7 +8362,7 @@
           <a:p>
             <a:fld id="{16A6DBE6-5F48-46C6-8054-E594AA8CC26E}" type="datetimeFigureOut">
               <a:rPr lang="en-CA" smtClean="0"/>
-              <a:t>2025-11-29</a:t>
+              <a:t>2025-12-04</a:t>
             </a:fld>
             <a:endParaRPr lang="en-CA"/>
           </a:p>
@@ -8634,7 +8639,7 @@
           <a:p>
             <a:fld id="{16A6DBE6-5F48-46C6-8054-E594AA8CC26E}" type="datetimeFigureOut">
               <a:rPr lang="en-CA" smtClean="0"/>
-              <a:t>2025-11-29</a:t>
+              <a:t>2025-12-04</a:t>
             </a:fld>
             <a:endParaRPr lang="en-CA"/>
           </a:p>
@@ -8891,7 +8896,7 @@
           <a:p>
             <a:fld id="{16A6DBE6-5F48-46C6-8054-E594AA8CC26E}" type="datetimeFigureOut">
               <a:rPr lang="en-CA" smtClean="0"/>
-              <a:t>2025-11-29</a:t>
+              <a:t>2025-12-04</a:t>
             </a:fld>
             <a:endParaRPr lang="en-CA"/>
           </a:p>
@@ -9104,7 +9109,7 @@
           <a:p>
             <a:fld id="{16A6DBE6-5F48-46C6-8054-E594AA8CC26E}" type="datetimeFigureOut">
               <a:rPr lang="en-CA" smtClean="0"/>
-              <a:t>2025-11-29</a:t>
+              <a:t>2025-12-04</a:t>
             </a:fld>
             <a:endParaRPr lang="en-CA"/>
           </a:p>
@@ -18282,10 +18287,93 @@
       </p:grpSpPr>
       <p:sp>
         <p:nvSpPr>
+          <p:cNvPr id="3" name="Content Placeholder 2">
+            <a:extLst>
+              <a:ext uri="{FF2B5EF4-FFF2-40B4-BE49-F238E27FC236}">
+                <a16:creationId xmlns:a16="http://schemas.microsoft.com/office/drawing/2014/main" id="{CAB0AB68-D5E4-63A2-B601-46CF1D234C9F}"/>
+              </a:ext>
+            </a:extLst>
+          </p:cNvPr>
+          <p:cNvSpPr>
+            <a:spLocks noGrp="1"/>
+          </p:cNvSpPr>
+          <p:nvPr>
+            <p:ph idx="1"/>
+          </p:nvPr>
+        </p:nvSpPr>
+        <p:spPr/>
+        <p:txBody>
+          <a:bodyPr/>
+          <a:lstStyle/>
+          <a:p>
+            <a:pPr marL="0" indent="0">
+              <a:buNone/>
+            </a:pPr>
+            <a:endParaRPr lang="en-US" dirty="0"/>
+          </a:p>
+          <a:p>
+            <a:pPr marL="0" indent="0">
+              <a:buNone/>
+            </a:pPr>
+            <a:endParaRPr lang="en-US" dirty="0"/>
+          </a:p>
+          <a:p>
+            <a:pPr marL="0" indent="0">
+              <a:buNone/>
+            </a:pPr>
+            <a:r>
+              <a:rPr lang="en-US" dirty="0"/>
+              <a:t>                </a:t>
+            </a:r>
+          </a:p>
+          <a:p>
+            <a:pPr marL="0" indent="0">
+              <a:buNone/>
+            </a:pPr>
+            <a:r>
+              <a:rPr lang="en-US" dirty="0"/>
+              <a:t>               OUT –OF-SAMPLE PREDICTION(CRISPR KNOCKOUT)</a:t>
+            </a:r>
+            <a:endParaRPr lang="en-CA" dirty="0"/>
+          </a:p>
+        </p:txBody>
+      </p:sp>
+    </p:spTree>
+    <p:extLst>
+      <p:ext uri="{BB962C8B-B14F-4D97-AF65-F5344CB8AC3E}">
+        <p14:creationId xmlns:p14="http://schemas.microsoft.com/office/powerpoint/2010/main" val="2424526032"/>
+      </p:ext>
+    </p:extLst>
+  </p:cSld>
+  <p:clrMapOvr>
+    <a:masterClrMapping/>
+  </p:clrMapOvr>
+</p:sld>
+</file>
+
+<file path=ppt/slides/slide29.xml><?xml version="1.0" encoding="utf-8"?>
+<p:sld xmlns:a="http://schemas.openxmlformats.org/drawingml/2006/main" xmlns:r="http://schemas.openxmlformats.org/officeDocument/2006/relationships" xmlns:p="http://schemas.openxmlformats.org/presentationml/2006/main">
+  <p:cSld>
+    <p:spTree>
+      <p:nvGrpSpPr>
+        <p:cNvPr id="1" name=""/>
+        <p:cNvGrpSpPr/>
+        <p:nvPr/>
+      </p:nvGrpSpPr>
+      <p:grpSpPr>
+        <a:xfrm>
+          <a:off x="0" y="0"/>
+          <a:ext cx="0" cy="0"/>
+          <a:chOff x="0" y="0"/>
+          <a:chExt cx="0" cy="0"/>
+        </a:xfrm>
+      </p:grpSpPr>
+      <p:sp>
+        <p:nvSpPr>
           <p:cNvPr id="2" name="Title 1">
             <a:extLst>
               <a:ext uri="{FF2B5EF4-FFF2-40B4-BE49-F238E27FC236}">
-                <a16:creationId xmlns:a16="http://schemas.microsoft.com/office/drawing/2014/main" id="{1947E5A5-573C-90CA-E5BB-90053B8FC229}"/>
+                <a16:creationId xmlns:a16="http://schemas.microsoft.com/office/drawing/2014/main" id="{9A61373E-BC6A-E006-CAEE-BC43A16C1AFA}"/>
               </a:ext>
             </a:extLst>
           </p:cNvPr>
@@ -18296,7 +18384,12 @@
             <p:ph type="title"/>
           </p:nvPr>
         </p:nvSpPr>
-        <p:spPr/>
+        <p:spPr>
+          <a:xfrm>
+            <a:off x="384048" y="355981"/>
+            <a:ext cx="10457688" cy="448691"/>
+          </a:xfrm>
+        </p:spPr>
         <p:txBody>
           <a:bodyPr>
             <a:normAutofit/>
@@ -18304,19 +18397,19 @@
           <a:lstStyle/>
           <a:p>
             <a:r>
-              <a:rPr lang="en-US" sz="2400" b="1" dirty="0"/>
-              <a:t>Future Work</a:t>
-            </a:r>
-            <a:endParaRPr lang="en-CA" sz="2400" b="1" dirty="0"/>
+              <a:rPr lang="en-US" sz="2400" dirty="0"/>
+              <a:t>Datasets</a:t>
+            </a:r>
+            <a:endParaRPr lang="en-CA" sz="2400" dirty="0"/>
           </a:p>
         </p:txBody>
       </p:sp>
       <p:sp>
         <p:nvSpPr>
-          <p:cNvPr id="9" name="Rectangle 4">
+          <p:cNvPr id="4" name="Rectangle 1">
             <a:extLst>
               <a:ext uri="{FF2B5EF4-FFF2-40B4-BE49-F238E27FC236}">
-                <a16:creationId xmlns:a16="http://schemas.microsoft.com/office/drawing/2014/main" id="{5981393E-4D40-A183-4702-E36306975BAF}"/>
+                <a16:creationId xmlns:a16="http://schemas.microsoft.com/office/drawing/2014/main" id="{0F3027D1-3D95-2DE9-6FEB-3B188BD20F89}"/>
               </a:ext>
             </a:extLst>
           </p:cNvPr>
@@ -18329,8 +18422,8 @@
         </p:nvSpPr>
         <p:spPr bwMode="auto">
           <a:xfrm>
-            <a:off x="527305" y="1379855"/>
-            <a:ext cx="10207752" cy="2554545"/>
+            <a:off x="509016" y="1099603"/>
+            <a:ext cx="9416232" cy="4362220"/>
           </a:xfrm>
           <a:prstGeom prst="rect">
             <a:avLst/>
@@ -18370,7 +18463,7 @@
           </a:extLst>
         </p:spPr>
         <p:txBody>
-          <a:bodyPr vert="horz" wrap="square" lIns="91440" tIns="45720" rIns="91440" bIns="45720" numCol="1" anchor="ctr" anchorCtr="0" compatLnSpc="1">
+          <a:bodyPr vert="horz" wrap="none" lIns="91440" tIns="45720" rIns="91440" bIns="45720" numCol="1" anchor="ctr" anchorCtr="0" compatLnSpc="1">
             <a:prstTxWarp prst="textNoShape">
               <a:avLst/>
             </a:prstTxWarp>
@@ -18394,7 +18487,7 @@
               <a:tabLst/>
             </a:pPr>
             <a:r>
-              <a:rPr kumimoji="0" lang="en-US" altLang="en-US" sz="1600" b="1" u="none" strike="noStrike" cap="none" normalizeH="0" baseline="0" dirty="0">
+              <a:rPr kumimoji="0" lang="en-US" altLang="en-US" sz="1800" b="1" i="0" u="none" strike="noStrike" cap="none" normalizeH="0" baseline="0" dirty="0">
                 <a:ln>
                   <a:noFill/>
                 </a:ln>
@@ -18402,11 +18495,12 @@
                   <a:schemeClr val="tx1"/>
                 </a:solidFill>
                 <a:effectLst/>
+                <a:cs typeface="Arial" panose="020B0604020202020204" pitchFamily="34" charset="0"/>
               </a:rPr>
-              <a:t>Overfitting control</a:t>
-            </a:r>
-            <a:br>
-              <a:rPr kumimoji="0" lang="en-US" altLang="en-US" sz="1600" u="none" strike="noStrike" cap="none" normalizeH="0" baseline="0" dirty="0">
+              <a:t>IQCELL</a:t>
+            </a:r>
+            <a:r>
+              <a:rPr kumimoji="0" lang="en-US" altLang="en-US" sz="1800" b="0" i="0" u="none" strike="noStrike" cap="none" normalizeH="0" baseline="0" dirty="0">
                 <a:ln>
                   <a:noFill/>
                 </a:ln>
@@ -18414,10 +18508,12 @@
                   <a:schemeClr val="tx1"/>
                 </a:solidFill>
                 <a:effectLst/>
+                <a:cs typeface="Arial" panose="020B0604020202020204" pitchFamily="34" charset="0"/>
               </a:rPr>
-            </a:br>
-            <a:r>
-              <a:rPr kumimoji="0" lang="en-US" altLang="en-US" sz="1600" u="none" strike="noStrike" cap="none" normalizeH="0" baseline="0" dirty="0">
+              <a:t>:</a:t>
+            </a:r>
+            <a:br>
+              <a:rPr kumimoji="0" lang="en-US" altLang="en-US" sz="1800" b="0" i="0" u="none" strike="noStrike" cap="none" normalizeH="0" baseline="0" dirty="0">
                 <a:ln>
                   <a:noFill/>
                 </a:ln>
@@ -18425,8 +18521,47 @@
                   <a:schemeClr val="tx1"/>
                 </a:solidFill>
                 <a:effectLst/>
+                <a:cs typeface="Arial" panose="020B0604020202020204" pitchFamily="34" charset="0"/>
               </a:rPr>
-              <a:t>Develop robust strategies to detect and mitigate overfitting between training and evaluation models.</a:t>
+            </a:br>
+            <a:r>
+              <a:rPr kumimoji="0" lang="en-US" altLang="en-US" sz="1800" b="0" i="0" u="none" strike="noStrike" cap="none" normalizeH="0" baseline="0" dirty="0">
+                <a:ln>
+                  <a:noFill/>
+                </a:ln>
+                <a:solidFill>
+                  <a:schemeClr val="tx1"/>
+                </a:solidFill>
+                <a:effectLst/>
+                <a:cs typeface="Arial" panose="020B0604020202020204" pitchFamily="34" charset="0"/>
+              </a:rPr>
+              <a:t>Predicts </a:t>
+            </a:r>
+            <a:r>
+              <a:rPr kumimoji="0" lang="en-US" altLang="en-US" sz="1800" b="0" i="1" u="none" strike="noStrike" cap="none" normalizeH="0" baseline="0" dirty="0">
+                <a:ln>
+                  <a:noFill/>
+                </a:ln>
+                <a:solidFill>
+                  <a:schemeClr val="tx1"/>
+                </a:solidFill>
+                <a:effectLst/>
+                <a:cs typeface="Arial" panose="020B0604020202020204" pitchFamily="34" charset="0"/>
+              </a:rPr>
+              <a:t>how gene perturbations alter developmental trajectories</a:t>
+            </a:r>
+            <a:r>
+              <a:rPr kumimoji="0" lang="en-US" altLang="en-US" sz="1800" b="0" i="0" u="none" strike="noStrike" cap="none" normalizeH="0" baseline="0" dirty="0">
+                <a:ln>
+                  <a:noFill/>
+                </a:ln>
+                <a:solidFill>
+                  <a:schemeClr val="tx1"/>
+                </a:solidFill>
+                <a:effectLst/>
+                <a:cs typeface="Arial" panose="020B0604020202020204" pitchFamily="34" charset="0"/>
+              </a:rPr>
+              <a:t> (state transitions, fate decisions).</a:t>
             </a:r>
           </a:p>
           <a:p>
@@ -18445,7 +18580,50 @@
               <a:buNone/>
               <a:tabLst/>
             </a:pPr>
-            <a:endParaRPr kumimoji="0" lang="en-US" altLang="en-US" sz="1600" u="none" strike="noStrike" cap="none" normalizeH="0" baseline="0" dirty="0">
+            <a:r>
+              <a:rPr kumimoji="0" lang="en-US" altLang="en-US" sz="1800" b="0" i="0" u="none" strike="noStrike" cap="none" normalizeH="0" baseline="0" dirty="0">
+                <a:ln>
+                  <a:noFill/>
+                </a:ln>
+                <a:solidFill>
+                  <a:schemeClr val="tx1"/>
+                </a:solidFill>
+                <a:effectLst/>
+                <a:cs typeface="Arial" panose="020B0604020202020204" pitchFamily="34" charset="0"/>
+              </a:rPr>
+              <a:t>Uses control dat</a:t>
+            </a:r>
+            <a:r>
+              <a:rPr lang="en-US" altLang="en-US" sz="1800" dirty="0">
+                <a:cs typeface="Arial" panose="020B0604020202020204" pitchFamily="34" charset="0"/>
+              </a:rPr>
+              <a:t>a and perform </a:t>
+            </a:r>
+            <a:r>
+              <a:rPr lang="en-US" altLang="en-US" sz="1800" dirty="0" err="1">
+                <a:cs typeface="Arial" panose="020B0604020202020204" pitchFamily="34" charset="0"/>
+              </a:rPr>
+              <a:t>crispr</a:t>
+            </a:r>
+            <a:r>
+              <a:rPr lang="en-US" altLang="en-US" sz="1800" dirty="0">
+                <a:cs typeface="Arial" panose="020B0604020202020204" pitchFamily="34" charset="0"/>
+              </a:rPr>
+              <a:t> based in-</a:t>
+            </a:r>
+            <a:r>
+              <a:rPr lang="en-US" altLang="en-US" sz="1800" dirty="0" err="1">
+                <a:cs typeface="Arial" panose="020B0604020202020204" pitchFamily="34" charset="0"/>
+              </a:rPr>
+              <a:t>silio</a:t>
+            </a:r>
+            <a:r>
+              <a:rPr lang="en-US" altLang="en-US" sz="1800" dirty="0">
+                <a:cs typeface="Arial" panose="020B0604020202020204" pitchFamily="34" charset="0"/>
+              </a:rPr>
+              <a:t> perturbed</a:t>
+            </a:r>
+            <a:endParaRPr kumimoji="0" lang="en-US" altLang="en-US" sz="1800" b="0" i="0" u="none" strike="noStrike" cap="none" normalizeH="0" baseline="0" dirty="0">
               <a:ln>
                 <a:noFill/>
               </a:ln>
@@ -18453,6 +18631,7 @@
                 <a:schemeClr val="tx1"/>
               </a:solidFill>
               <a:effectLst/>
+              <a:cs typeface="Arial" panose="020B0604020202020204" pitchFamily="34" charset="0"/>
             </a:endParaRPr>
           </a:p>
           <a:p>
@@ -18471,41 +18650,16 @@
               <a:buNone/>
               <a:tabLst/>
             </a:pPr>
-            <a:r>
-              <a:rPr kumimoji="0" lang="en-US" altLang="en-US" sz="1600" b="1" u="none" strike="noStrike" cap="none" normalizeH="0" baseline="0" dirty="0">
-                <a:ln>
-                  <a:noFill/>
-                </a:ln>
-                <a:solidFill>
-                  <a:schemeClr val="tx1"/>
-                </a:solidFill>
-                <a:effectLst/>
-              </a:rPr>
-              <a:t>Selection of top genes</a:t>
-            </a:r>
-            <a:br>
-              <a:rPr kumimoji="0" lang="en-US" altLang="en-US" sz="1600" u="none" strike="noStrike" cap="none" normalizeH="0" baseline="0" dirty="0">
-                <a:ln>
-                  <a:noFill/>
-                </a:ln>
-                <a:solidFill>
-                  <a:schemeClr val="tx1"/>
-                </a:solidFill>
-                <a:effectLst/>
-              </a:rPr>
-            </a:br>
-            <a:r>
-              <a:rPr kumimoji="0" lang="en-US" altLang="en-US" sz="1600" u="none" strike="noStrike" cap="none" normalizeH="0" baseline="0" dirty="0">
-                <a:ln>
-                  <a:noFill/>
-                </a:ln>
-                <a:solidFill>
-                  <a:schemeClr val="tx1"/>
-                </a:solidFill>
-                <a:effectLst/>
-              </a:rPr>
-              <a:t>Systematically identify the optimal number of top genes(expressive genes) that maximizes predictive performance while preserving biological relevance.</a:t>
-            </a:r>
+            <a:endParaRPr kumimoji="0" lang="en-US" altLang="en-US" sz="1800" b="1" i="0" u="none" strike="noStrike" cap="none" normalizeH="0" baseline="0" dirty="0">
+              <a:ln>
+                <a:noFill/>
+              </a:ln>
+              <a:solidFill>
+                <a:schemeClr val="tx1"/>
+              </a:solidFill>
+              <a:effectLst/>
+              <a:cs typeface="Arial" panose="020B0604020202020204" pitchFamily="34" charset="0"/>
+            </a:endParaRPr>
           </a:p>
           <a:p>
             <a:pPr marL="0" marR="0" lvl="0" indent="0" algn="l" defTabSz="914400" rtl="0" eaLnBrk="0" fontAlgn="base" latinLnBrk="0" hangingPunct="0">
@@ -18523,15 +18677,35 @@
               <a:buNone/>
               <a:tabLst/>
             </a:pPr>
-            <a:endParaRPr kumimoji="0" lang="en-US" altLang="en-US" sz="1600" u="none" strike="noStrike" cap="none" normalizeH="0" baseline="0" dirty="0">
-              <a:ln>
-                <a:noFill/>
-              </a:ln>
-              <a:solidFill>
-                <a:schemeClr val="tx1"/>
-              </a:solidFill>
-              <a:effectLst/>
+            <a:endParaRPr lang="en-US" altLang="en-US" sz="1800" b="1" dirty="0">
+              <a:cs typeface="Arial" panose="020B0604020202020204" pitchFamily="34" charset="0"/>
             </a:endParaRPr>
+          </a:p>
+          <a:p>
+            <a:pPr marL="0" indent="0">
+              <a:buNone/>
+            </a:pPr>
+            <a:r>
+              <a:rPr lang="en-CA" sz="1600" dirty="0"/>
+              <a:t>IQCELL: A platform for predicting the effect of gene perturbations</a:t>
+            </a:r>
+          </a:p>
+          <a:p>
+            <a:pPr marL="0" indent="0">
+              <a:buNone/>
+            </a:pPr>
+            <a:r>
+              <a:rPr lang="en-CA" sz="1600" dirty="0"/>
+              <a:t>on developmental trajectories using single-cell RNA-seq data." </a:t>
+            </a:r>
+            <a:r>
+              <a:rPr lang="en-CA" sz="1600" dirty="0" err="1"/>
+              <a:t>PLoS</a:t>
+            </a:r>
+            <a:r>
+              <a:rPr lang="en-CA" sz="1600" dirty="0"/>
+              <a:t> Computational Biology 18.2 (2022)</a:t>
+            </a:r>
           </a:p>
           <a:p>
             <a:pPr marL="0" marR="0" lvl="0" indent="0" algn="l" defTabSz="914400" rtl="0" eaLnBrk="0" fontAlgn="base" latinLnBrk="0" hangingPunct="0">
@@ -18549,8 +18723,55 @@
               <a:buNone/>
               <a:tabLst/>
             </a:pPr>
-            <a:r>
-              <a:rPr kumimoji="0" lang="en-US" altLang="en-US" sz="1600" b="1" u="none" strike="noStrike" cap="none" normalizeH="0" baseline="0" dirty="0">
+            <a:endParaRPr kumimoji="0" lang="en-US" altLang="en-US" sz="1600" b="1" i="0" u="none" strike="noStrike" cap="none" normalizeH="0" baseline="0" dirty="0">
+              <a:ln>
+                <a:noFill/>
+              </a:ln>
+              <a:solidFill>
+                <a:schemeClr val="tx1"/>
+              </a:solidFill>
+              <a:effectLst/>
+              <a:cs typeface="Arial" panose="020B0604020202020204" pitchFamily="34" charset="0"/>
+            </a:endParaRPr>
+          </a:p>
+          <a:p>
+            <a:pPr marL="0" marR="0" lvl="0" indent="0" algn="l" defTabSz="914400" rtl="0" eaLnBrk="0" fontAlgn="base" latinLnBrk="0" hangingPunct="0">
+              <a:lnSpc>
+                <a:spcPct val="100000"/>
+              </a:lnSpc>
+              <a:spcBef>
+                <a:spcPct val="0"/>
+              </a:spcBef>
+              <a:spcAft>
+                <a:spcPct val="0"/>
+              </a:spcAft>
+              <a:buClrTx/>
+              <a:buSzTx/>
+              <a:buNone/>
+              <a:tabLst/>
+            </a:pPr>
+            <a:endParaRPr lang="en-US" altLang="en-US" sz="1800" b="1" dirty="0">
+              <a:cs typeface="Arial" panose="020B0604020202020204" pitchFamily="34" charset="0"/>
+            </a:endParaRPr>
+          </a:p>
+          <a:p>
+            <a:pPr marL="0" marR="0" lvl="0" indent="0" algn="l" defTabSz="914400" rtl="0" eaLnBrk="0" fontAlgn="base" latinLnBrk="0" hangingPunct="0">
+              <a:lnSpc>
+                <a:spcPct val="100000"/>
+              </a:lnSpc>
+              <a:spcBef>
+                <a:spcPct val="0"/>
+              </a:spcBef>
+              <a:spcAft>
+                <a:spcPct val="0"/>
+              </a:spcAft>
+              <a:buClrTx/>
+              <a:buSzTx/>
+              <a:buNone/>
+              <a:tabLst/>
+            </a:pPr>
+            <a:r>
+              <a:rPr kumimoji="0" lang="en-US" altLang="en-US" sz="1800" b="1" i="0" u="none" strike="noStrike" cap="none" normalizeH="0" baseline="0" dirty="0">
                 <a:ln>
                   <a:noFill/>
                 </a:ln>
@@ -18558,11 +18779,12 @@
                   <a:schemeClr val="tx1"/>
                 </a:solidFill>
                 <a:effectLst/>
+                <a:cs typeface="Arial" panose="020B0604020202020204" pitchFamily="34" charset="0"/>
               </a:rPr>
-              <a:t>In-silico and experimental evaluation datasets</a:t>
-            </a:r>
-            <a:br>
-              <a:rPr kumimoji="0" lang="en-US" altLang="en-US" sz="1600" u="none" strike="noStrike" cap="none" normalizeH="0" baseline="0" dirty="0">
+              <a:t>Jin et al. (Perturb-Seq)</a:t>
+            </a:r>
+            <a:r>
+              <a:rPr kumimoji="0" lang="en-US" altLang="en-US" sz="1800" b="0" i="0" u="none" strike="noStrike" cap="none" normalizeH="0" baseline="0" dirty="0">
                 <a:ln>
                   <a:noFill/>
                 </a:ln>
@@ -18570,10 +18792,12 @@
                   <a:schemeClr val="tx1"/>
                 </a:solidFill>
                 <a:effectLst/>
+                <a:cs typeface="Arial" panose="020B0604020202020204" pitchFamily="34" charset="0"/>
               </a:rPr>
-            </a:br>
-            <a:r>
-              <a:rPr kumimoji="0" lang="en-US" altLang="en-US" sz="1600" u="none" strike="noStrike" cap="none" normalizeH="0" baseline="0" dirty="0">
+              <a:t>:</a:t>
+            </a:r>
+            <a:br>
+              <a:rPr kumimoji="0" lang="en-US" altLang="en-US" sz="1800" b="0" i="0" u="none" strike="noStrike" cap="none" normalizeH="0" baseline="0" dirty="0">
                 <a:ln>
                   <a:noFill/>
                 </a:ln>
@@ -18581,16 +18805,220 @@
                   <a:schemeClr val="tx1"/>
                 </a:solidFill>
                 <a:effectLst/>
+                <a:cs typeface="Arial" panose="020B0604020202020204" pitchFamily="34" charset="0"/>
               </a:rPr>
-              <a:t>Select independent in-silico and experimental out-of-sample datasets for rigorous external validation of the proposed framework.</a:t>
-            </a:r>
+            </a:br>
+            <a:r>
+              <a:rPr kumimoji="0" lang="en-US" altLang="en-US" sz="1800" b="0" i="1" u="none" strike="noStrike" cap="none" normalizeH="0" baseline="0" dirty="0">
+                <a:ln>
+                  <a:noFill/>
+                </a:ln>
+                <a:solidFill>
+                  <a:schemeClr val="tx1"/>
+                </a:solidFill>
+                <a:effectLst/>
+                <a:cs typeface="Arial" panose="020B0604020202020204" pitchFamily="34" charset="0"/>
+              </a:rPr>
+              <a:t>Directly measures how autism risk-gene perturbations alter neuronal and glial trajectories in vivo.</a:t>
+            </a:r>
+          </a:p>
+          <a:p>
+            <a:pPr marL="0" lvl="0" indent="0" eaLnBrk="0" fontAlgn="base" hangingPunct="0">
+              <a:lnSpc>
+                <a:spcPct val="100000"/>
+              </a:lnSpc>
+              <a:spcBef>
+                <a:spcPct val="0"/>
+              </a:spcBef>
+              <a:spcAft>
+                <a:spcPct val="0"/>
+              </a:spcAft>
+              <a:buNone/>
+            </a:pPr>
+            <a:endParaRPr lang="en-US" altLang="en-US" sz="1800" dirty="0">
+              <a:cs typeface="Arial" panose="020B0604020202020204" pitchFamily="34" charset="0"/>
+            </a:endParaRPr>
+          </a:p>
+          <a:p>
+            <a:pPr marL="0" lvl="0" indent="0" eaLnBrk="0" fontAlgn="base" hangingPunct="0">
+              <a:lnSpc>
+                <a:spcPct val="100000"/>
+              </a:lnSpc>
+              <a:spcBef>
+                <a:spcPct val="0"/>
+              </a:spcBef>
+              <a:spcAft>
+                <a:spcPct val="0"/>
+              </a:spcAft>
+              <a:buNone/>
+            </a:pPr>
+            <a:r>
+              <a:rPr lang="en-US" altLang="en-US" sz="1800" dirty="0">
+                <a:cs typeface="Arial" panose="020B0604020202020204" pitchFamily="34" charset="0"/>
+              </a:rPr>
+              <a:t>Uses control data and perform in-vitro based perturbation</a:t>
+            </a:r>
+          </a:p>
+          <a:p>
+            <a:pPr marL="0" marR="0" lvl="0" indent="0" algn="l" defTabSz="914400" rtl="0" eaLnBrk="0" fontAlgn="base" latinLnBrk="0" hangingPunct="0">
+              <a:lnSpc>
+                <a:spcPct val="100000"/>
+              </a:lnSpc>
+              <a:spcBef>
+                <a:spcPct val="0"/>
+              </a:spcBef>
+              <a:spcAft>
+                <a:spcPct val="0"/>
+              </a:spcAft>
+              <a:buClrTx/>
+              <a:buSzTx/>
+              <a:buNone/>
+              <a:tabLst/>
+            </a:pPr>
+            <a:endParaRPr lang="en-US" altLang="en-US" sz="1800" i="1" dirty="0">
+              <a:cs typeface="Arial" panose="020B0604020202020204" pitchFamily="34" charset="0"/>
+            </a:endParaRPr>
+          </a:p>
+          <a:p>
+            <a:pPr marL="0" marR="0" lvl="0" indent="0" algn="l" defTabSz="914400" rtl="0" eaLnBrk="0" fontAlgn="base" latinLnBrk="0" hangingPunct="0">
+              <a:lnSpc>
+                <a:spcPct val="100000"/>
+              </a:lnSpc>
+              <a:spcBef>
+                <a:spcPct val="0"/>
+              </a:spcBef>
+              <a:spcAft>
+                <a:spcPct val="0"/>
+              </a:spcAft>
+              <a:buClrTx/>
+              <a:buSzTx/>
+              <a:buNone/>
+              <a:tabLst/>
+            </a:pPr>
+            <a:endParaRPr kumimoji="0" lang="en-US" altLang="en-US" sz="1800" b="0" i="0" u="none" strike="noStrike" cap="none" normalizeH="0" baseline="0" dirty="0">
+              <a:ln>
+                <a:noFill/>
+              </a:ln>
+              <a:solidFill>
+                <a:schemeClr val="tx1"/>
+              </a:solidFill>
+              <a:effectLst/>
+              <a:cs typeface="Arial" panose="020B0604020202020204" pitchFamily="34" charset="0"/>
+            </a:endParaRPr>
           </a:p>
         </p:txBody>
       </p:sp>
+      <p:graphicFrame>
+        <p:nvGraphicFramePr>
+          <p:cNvPr id="5" name="Table 4">
+            <a:extLst>
+              <a:ext uri="{FF2B5EF4-FFF2-40B4-BE49-F238E27FC236}">
+                <a16:creationId xmlns:a16="http://schemas.microsoft.com/office/drawing/2014/main" id="{DF835951-1381-F799-32B7-31D36C8A8A1E}"/>
+              </a:ext>
+            </a:extLst>
+          </p:cNvPr>
+          <p:cNvGraphicFramePr>
+            <a:graphicFrameLocks noGrp="1"/>
+          </p:cNvGraphicFramePr>
+          <p:nvPr>
+            <p:extLst>
+              <p:ext uri="{D42A27DB-BD31-4B8C-83A1-F6EECF244321}">
+                <p14:modId xmlns:p14="http://schemas.microsoft.com/office/powerpoint/2010/main" val="3314538001"/>
+              </p:ext>
+            </p:extLst>
+          </p:nvPr>
+        </p:nvGraphicFramePr>
+        <p:xfrm>
+          <a:off x="762000" y="5538978"/>
+          <a:ext cx="8444484" cy="586740"/>
+        </p:xfrm>
+        <a:graphic>
+          <a:graphicData uri="http://schemas.openxmlformats.org/drawingml/2006/table">
+            <a:tbl>
+              <a:tblPr/>
+              <a:tblGrid>
+                <a:gridCol w="8444484">
+                  <a:extLst>
+                    <a:ext uri="{9D8B030D-6E8A-4147-A177-3AD203B41FA5}">
+                      <a16:colId xmlns:a16="http://schemas.microsoft.com/office/drawing/2014/main" val="145204435"/>
+                    </a:ext>
+                  </a:extLst>
+                </a:gridCol>
+              </a:tblGrid>
+              <a:tr h="448691">
+                <a:tc>
+                  <a:txBody>
+                    <a:bodyPr/>
+                    <a:lstStyle/>
+                    <a:p>
+                      <a:pPr>
+                        <a:spcAft>
+                          <a:spcPts val="300"/>
+                        </a:spcAft>
+                        <a:buFont typeface="Arial" panose="020B0604020202020204" pitchFamily="34" charset="0"/>
+                        <a:buNone/>
+                      </a:pPr>
+                      <a:br>
+                        <a:rPr lang="en-CA" sz="1200" dirty="0">
+                          <a:effectLst/>
+                          <a:latin typeface="Verdana" panose="020B0604030504040204" pitchFamily="34" charset="0"/>
+                        </a:rPr>
+                      </a:br>
+                      <a:r>
+                        <a:rPr lang="en-CA" sz="1200" dirty="0">
+                          <a:effectLst/>
+                          <a:latin typeface="Verdana" panose="020B0604030504040204" pitchFamily="34" charset="0"/>
+                        </a:rPr>
+                        <a:t>Jin X, Simmons SK, Guo A, Shetty AS et al. In vivo Perturb-Seq reveals neuronal and glial abnormalities associated with autism risk genes. </a:t>
+                      </a:r>
+                      <a:r>
+                        <a:rPr lang="en-CA" sz="1200" i="1" dirty="0">
+                          <a:effectLst/>
+                          <a:latin typeface="Verdana" panose="020B0604030504040204" pitchFamily="34" charset="0"/>
+                        </a:rPr>
+                        <a:t>Science</a:t>
+                      </a:r>
+                      <a:r>
+                        <a:rPr lang="en-CA" sz="1200" dirty="0">
+                          <a:effectLst/>
+                          <a:latin typeface="Verdana" panose="020B0604030504040204" pitchFamily="34" charset="0"/>
+                        </a:rPr>
+                        <a:t> 2020 Nov 27;370(6520).</a:t>
+                      </a:r>
+                    </a:p>
+                  </a:txBody>
+                  <a:tcPr marL="19050" marR="19050" marT="19050" marB="19050">
+                    <a:lnL>
+                      <a:noFill/>
+                    </a:lnL>
+                    <a:lnR>
+                      <a:noFill/>
+                    </a:lnR>
+                    <a:lnT>
+                      <a:noFill/>
+                    </a:lnT>
+                    <a:lnB>
+                      <a:noFill/>
+                    </a:lnB>
+                    <a:solidFill>
+                      <a:srgbClr val="FFFFFF"/>
+                    </a:solidFill>
+                  </a:tcPr>
+                </a:tc>
+                <a:extLst>
+                  <a:ext uri="{0D108BD9-81ED-4DB2-BD59-A6C34878D82A}">
+                    <a16:rowId xmlns:a16="http://schemas.microsoft.com/office/drawing/2014/main" val="2844913777"/>
+                  </a:ext>
+                </a:extLst>
+              </a:tr>
+            </a:tbl>
+          </a:graphicData>
+        </a:graphic>
+      </p:graphicFrame>
     </p:spTree>
     <p:extLst>
       <p:ext uri="{BB962C8B-B14F-4D97-AF65-F5344CB8AC3E}">
-        <p14:creationId xmlns:p14="http://schemas.microsoft.com/office/powerpoint/2010/main" val="2792490115"/>
+        <p14:creationId xmlns:p14="http://schemas.microsoft.com/office/powerpoint/2010/main" val="349676495"/>
       </p:ext>
     </p:extLst>
   </p:cSld>
@@ -19120,6 +19548,1762 @@
     <p:extLst>
       <p:ext uri="{BB962C8B-B14F-4D97-AF65-F5344CB8AC3E}">
         <p14:creationId xmlns:p14="http://schemas.microsoft.com/office/powerpoint/2010/main" val="771050982"/>
+      </p:ext>
+    </p:extLst>
+  </p:cSld>
+  <p:clrMapOvr>
+    <a:masterClrMapping/>
+  </p:clrMapOvr>
+</p:sld>
+</file>
+
+<file path=ppt/slides/slide30.xml><?xml version="1.0" encoding="utf-8"?>
+<p:sld xmlns:a="http://schemas.openxmlformats.org/drawingml/2006/main" xmlns:r="http://schemas.openxmlformats.org/officeDocument/2006/relationships" xmlns:p="http://schemas.openxmlformats.org/presentationml/2006/main">
+  <p:cSld>
+    <p:spTree>
+      <p:nvGrpSpPr>
+        <p:cNvPr id="1" name=""/>
+        <p:cNvGrpSpPr/>
+        <p:nvPr/>
+      </p:nvGrpSpPr>
+      <p:grpSpPr>
+        <a:xfrm>
+          <a:off x="0" y="0"/>
+          <a:ext cx="0" cy="0"/>
+          <a:chOff x="0" y="0"/>
+          <a:chExt cx="0" cy="0"/>
+        </a:xfrm>
+      </p:grpSpPr>
+      <p:sp>
+        <p:nvSpPr>
+          <p:cNvPr id="2" name="Title 1">
+            <a:extLst>
+              <a:ext uri="{FF2B5EF4-FFF2-40B4-BE49-F238E27FC236}">
+                <a16:creationId xmlns:a16="http://schemas.microsoft.com/office/drawing/2014/main" id="{F26121D6-CA2C-490A-A083-E3533C8A832E}"/>
+              </a:ext>
+            </a:extLst>
+          </p:cNvPr>
+          <p:cNvSpPr>
+            <a:spLocks noGrp="1"/>
+          </p:cNvSpPr>
+          <p:nvPr>
+            <p:ph type="title"/>
+          </p:nvPr>
+        </p:nvSpPr>
+        <p:spPr/>
+        <p:txBody>
+          <a:bodyPr/>
+          <a:lstStyle/>
+          <a:p>
+            <a:r>
+              <a:rPr lang="en-US" altLang="en-US" b="1" dirty="0">
+                <a:cs typeface="Arial" panose="020B0604020202020204" pitchFamily="34" charset="0"/>
+              </a:rPr>
+              <a:t>Jin et al. (Perturb-Seq) details</a:t>
+            </a:r>
+            <a:endParaRPr lang="en-CA" dirty="0"/>
+          </a:p>
+        </p:txBody>
+      </p:sp>
+      <p:graphicFrame>
+        <p:nvGraphicFramePr>
+          <p:cNvPr id="4" name="Content Placeholder 3">
+            <a:extLst>
+              <a:ext uri="{FF2B5EF4-FFF2-40B4-BE49-F238E27FC236}">
+                <a16:creationId xmlns:a16="http://schemas.microsoft.com/office/drawing/2014/main" id="{78E36CFD-CFEA-C04A-557F-519A5AE8DD0F}"/>
+              </a:ext>
+            </a:extLst>
+          </p:cNvPr>
+          <p:cNvGraphicFramePr>
+            <a:graphicFrameLocks noGrp="1"/>
+          </p:cNvGraphicFramePr>
+          <p:nvPr>
+            <p:ph idx="1"/>
+            <p:extLst>
+              <p:ext uri="{D42A27DB-BD31-4B8C-83A1-F6EECF244321}">
+                <p14:modId xmlns:p14="http://schemas.microsoft.com/office/powerpoint/2010/main" val="347168777"/>
+              </p:ext>
+            </p:extLst>
+          </p:nvPr>
+        </p:nvGraphicFramePr>
+        <p:xfrm>
+          <a:off x="978027" y="2570258"/>
+          <a:ext cx="10515600" cy="1097280"/>
+        </p:xfrm>
+        <a:graphic>
+          <a:graphicData uri="http://schemas.openxmlformats.org/drawingml/2006/table">
+            <a:tbl>
+              <a:tblPr/>
+              <a:tblGrid>
+                <a:gridCol w="5257800">
+                  <a:extLst>
+                    <a:ext uri="{9D8B030D-6E8A-4147-A177-3AD203B41FA5}">
+                      <a16:colId xmlns:a16="http://schemas.microsoft.com/office/drawing/2014/main" val="3333501855"/>
+                    </a:ext>
+                  </a:extLst>
+                </a:gridCol>
+                <a:gridCol w="5257800">
+                  <a:extLst>
+                    <a:ext uri="{9D8B030D-6E8A-4147-A177-3AD203B41FA5}">
+                      <a16:colId xmlns:a16="http://schemas.microsoft.com/office/drawing/2014/main" val="3735340647"/>
+                    </a:ext>
+                  </a:extLst>
+                </a:gridCol>
+              </a:tblGrid>
+              <a:tr h="0">
+                <a:tc>
+                  <a:txBody>
+                    <a:bodyPr/>
+                    <a:lstStyle/>
+                    <a:p>
+                      <a:pPr>
+                        <a:buNone/>
+                      </a:pPr>
+                      <a:r>
+                        <a:rPr lang="en-CA"/>
+                        <a:t>File</a:t>
+                      </a:r>
+                    </a:p>
+                  </a:txBody>
+                  <a:tcPr anchor="ctr">
+                    <a:lnL>
+                      <a:noFill/>
+                    </a:lnL>
+                    <a:lnR>
+                      <a:noFill/>
+                    </a:lnR>
+                    <a:lnT>
+                      <a:noFill/>
+                    </a:lnT>
+                    <a:lnB>
+                      <a:noFill/>
+                    </a:lnB>
+                    <a:noFill/>
+                  </a:tcPr>
+                </a:tc>
+                <a:tc>
+                  <a:txBody>
+                    <a:bodyPr/>
+                    <a:lstStyle/>
+                    <a:p>
+                      <a:pPr>
+                        <a:buNone/>
+                      </a:pPr>
+                      <a:r>
+                        <a:rPr lang="en-CA"/>
+                        <a:t>Meaning</a:t>
+                      </a:r>
+                    </a:p>
+                  </a:txBody>
+                  <a:tcPr anchor="ctr">
+                    <a:lnL>
+                      <a:noFill/>
+                    </a:lnL>
+                    <a:lnR>
+                      <a:noFill/>
+                    </a:lnR>
+                    <a:lnT>
+                      <a:noFill/>
+                    </a:lnT>
+                    <a:lnB>
+                      <a:noFill/>
+                    </a:lnB>
+                    <a:noFill/>
+                  </a:tcPr>
+                </a:tc>
+                <a:extLst>
+                  <a:ext uri="{0D108BD9-81ED-4DB2-BD59-A6C34878D82A}">
+                    <a16:rowId xmlns:a16="http://schemas.microsoft.com/office/drawing/2014/main" val="1999013176"/>
+                  </a:ext>
+                </a:extLst>
+              </a:tr>
+              <a:tr h="0">
+                <a:tc>
+                  <a:txBody>
+                    <a:bodyPr/>
+                    <a:lstStyle/>
+                    <a:p>
+                      <a:pPr>
+                        <a:buNone/>
+                      </a:pPr>
+                      <a:r>
+                        <a:rPr lang="en-CA" b="1" dirty="0"/>
+                        <a:t>GFP</a:t>
+                      </a:r>
+                      <a:endParaRPr lang="en-CA" dirty="0"/>
+                    </a:p>
+                  </a:txBody>
+                  <a:tcPr anchor="ctr">
+                    <a:lnL>
+                      <a:noFill/>
+                    </a:lnL>
+                    <a:lnR>
+                      <a:noFill/>
+                    </a:lnR>
+                    <a:lnT>
+                      <a:noFill/>
+                    </a:lnT>
+                    <a:lnB>
+                      <a:noFill/>
+                    </a:lnB>
+                    <a:noFill/>
+                  </a:tcPr>
+                </a:tc>
+                <a:tc>
+                  <a:txBody>
+                    <a:bodyPr/>
+                    <a:lstStyle/>
+                    <a:p>
+                      <a:pPr>
+                        <a:buNone/>
+                      </a:pPr>
+                      <a:r>
+                        <a:rPr lang="en-CA"/>
+                        <a:t>Negative control (no functional perturbation)</a:t>
+                      </a:r>
+                    </a:p>
+                  </a:txBody>
+                  <a:tcPr anchor="ctr">
+                    <a:lnL>
+                      <a:noFill/>
+                    </a:lnL>
+                    <a:lnR>
+                      <a:noFill/>
+                    </a:lnR>
+                    <a:lnT>
+                      <a:noFill/>
+                    </a:lnT>
+                    <a:lnB>
+                      <a:noFill/>
+                    </a:lnB>
+                    <a:noFill/>
+                  </a:tcPr>
+                </a:tc>
+                <a:extLst>
+                  <a:ext uri="{0D108BD9-81ED-4DB2-BD59-A6C34878D82A}">
+                    <a16:rowId xmlns:a16="http://schemas.microsoft.com/office/drawing/2014/main" val="2307939342"/>
+                  </a:ext>
+                </a:extLst>
+              </a:tr>
+              <a:tr h="0">
+                <a:tc>
+                  <a:txBody>
+                    <a:bodyPr/>
+                    <a:lstStyle/>
+                    <a:p>
+                      <a:pPr>
+                        <a:buNone/>
+                      </a:pPr>
+                      <a:r>
+                        <a:rPr lang="en-CA" b="1"/>
+                        <a:t>Ank2</a:t>
+                      </a:r>
+                      <a:endParaRPr lang="en-CA"/>
+                    </a:p>
+                  </a:txBody>
+                  <a:tcPr anchor="ctr">
+                    <a:lnL>
+                      <a:noFill/>
+                    </a:lnL>
+                    <a:lnR>
+                      <a:noFill/>
+                    </a:lnR>
+                    <a:lnT>
+                      <a:noFill/>
+                    </a:lnT>
+                    <a:lnB>
+                      <a:noFill/>
+                    </a:lnB>
+                    <a:noFill/>
+                  </a:tcPr>
+                </a:tc>
+                <a:tc>
+                  <a:txBody>
+                    <a:bodyPr/>
+                    <a:lstStyle/>
+                    <a:p>
+                      <a:pPr>
+                        <a:buNone/>
+                      </a:pPr>
+                      <a:r>
+                        <a:rPr lang="en-CA" dirty="0"/>
+                        <a:t>Autism-risk gene knockout</a:t>
+                      </a:r>
+                    </a:p>
+                  </a:txBody>
+                  <a:tcPr anchor="ctr">
+                    <a:lnL>
+                      <a:noFill/>
+                    </a:lnL>
+                    <a:lnR>
+                      <a:noFill/>
+                    </a:lnR>
+                    <a:lnT>
+                      <a:noFill/>
+                    </a:lnT>
+                    <a:lnB>
+                      <a:noFill/>
+                    </a:lnB>
+                    <a:noFill/>
+                  </a:tcPr>
+                </a:tc>
+                <a:extLst>
+                  <a:ext uri="{0D108BD9-81ED-4DB2-BD59-A6C34878D82A}">
+                    <a16:rowId xmlns:a16="http://schemas.microsoft.com/office/drawing/2014/main" val="4237134701"/>
+                  </a:ext>
+                </a:extLst>
+              </a:tr>
+            </a:tbl>
+          </a:graphicData>
+        </a:graphic>
+      </p:graphicFrame>
+    </p:spTree>
+    <p:extLst>
+      <p:ext uri="{BB962C8B-B14F-4D97-AF65-F5344CB8AC3E}">
+        <p14:creationId xmlns:p14="http://schemas.microsoft.com/office/powerpoint/2010/main" val="613516514"/>
+      </p:ext>
+    </p:extLst>
+  </p:cSld>
+  <p:clrMapOvr>
+    <a:masterClrMapping/>
+  </p:clrMapOvr>
+</p:sld>
+</file>
+
+<file path=ppt/slides/slide31.xml><?xml version="1.0" encoding="utf-8"?>
+<p:sld xmlns:a="http://schemas.openxmlformats.org/drawingml/2006/main" xmlns:r="http://schemas.openxmlformats.org/officeDocument/2006/relationships" xmlns:p="http://schemas.openxmlformats.org/presentationml/2006/main">
+  <p:cSld>
+    <p:spTree>
+      <p:nvGrpSpPr>
+        <p:cNvPr id="1" name=""/>
+        <p:cNvGrpSpPr/>
+        <p:nvPr/>
+      </p:nvGrpSpPr>
+      <p:grpSpPr>
+        <a:xfrm>
+          <a:off x="0" y="0"/>
+          <a:ext cx="0" cy="0"/>
+          <a:chOff x="0" y="0"/>
+          <a:chExt cx="0" cy="0"/>
+        </a:xfrm>
+      </p:grpSpPr>
+      <p:sp>
+        <p:nvSpPr>
+          <p:cNvPr id="2" name="Title 1">
+            <a:extLst>
+              <a:ext uri="{FF2B5EF4-FFF2-40B4-BE49-F238E27FC236}">
+                <a16:creationId xmlns:a16="http://schemas.microsoft.com/office/drawing/2014/main" id="{03831FD2-85F0-B70E-6ED0-B0650D5F2BB4}"/>
+              </a:ext>
+            </a:extLst>
+          </p:cNvPr>
+          <p:cNvSpPr>
+            <a:spLocks noGrp="1"/>
+          </p:cNvSpPr>
+          <p:nvPr>
+            <p:ph type="title"/>
+          </p:nvPr>
+        </p:nvSpPr>
+        <p:spPr/>
+        <p:txBody>
+          <a:bodyPr/>
+          <a:lstStyle/>
+          <a:p>
+            <a:r>
+              <a:rPr lang="en-US" dirty="0"/>
+              <a:t>Data Visualization</a:t>
+            </a:r>
+            <a:endParaRPr lang="en-CA" dirty="0"/>
+          </a:p>
+        </p:txBody>
+      </p:sp>
+      <p:sp>
+        <p:nvSpPr>
+          <p:cNvPr id="4" name="Rectangle 3">
+            <a:extLst>
+              <a:ext uri="{FF2B5EF4-FFF2-40B4-BE49-F238E27FC236}">
+                <a16:creationId xmlns:a16="http://schemas.microsoft.com/office/drawing/2014/main" id="{CCD27D98-8D3F-FC47-D4CE-BBB70E2586CE}"/>
+              </a:ext>
+            </a:extLst>
+          </p:cNvPr>
+          <p:cNvSpPr/>
+          <p:nvPr/>
+        </p:nvSpPr>
+        <p:spPr>
+          <a:xfrm>
+            <a:off x="754144" y="1762812"/>
+            <a:ext cx="2733774" cy="631596"/>
+          </a:xfrm>
+          <a:prstGeom prst="rect">
+            <a:avLst/>
+          </a:prstGeom>
+          <a:noFill/>
+        </p:spPr>
+        <p:style>
+          <a:lnRef idx="2">
+            <a:schemeClr val="accent1">
+              <a:shade val="15000"/>
+            </a:schemeClr>
+          </a:lnRef>
+          <a:fillRef idx="1">
+            <a:schemeClr val="accent1"/>
+          </a:fillRef>
+          <a:effectRef idx="0">
+            <a:schemeClr val="accent1"/>
+          </a:effectRef>
+          <a:fontRef idx="minor">
+            <a:schemeClr val="lt1"/>
+          </a:fontRef>
+        </p:style>
+        <p:txBody>
+          <a:bodyPr rtlCol="0" anchor="ctr"/>
+          <a:lstStyle/>
+          <a:p>
+            <a:pPr algn="ctr"/>
+            <a:endParaRPr lang="en-CA"/>
+          </a:p>
+        </p:txBody>
+      </p:sp>
+      <p:sp>
+        <p:nvSpPr>
+          <p:cNvPr id="5" name="Rectangle 4">
+            <a:extLst>
+              <a:ext uri="{FF2B5EF4-FFF2-40B4-BE49-F238E27FC236}">
+                <a16:creationId xmlns:a16="http://schemas.microsoft.com/office/drawing/2014/main" id="{A367278F-33FC-EAA2-012B-EFD921B92258}"/>
+              </a:ext>
+            </a:extLst>
+          </p:cNvPr>
+          <p:cNvSpPr/>
+          <p:nvPr/>
+        </p:nvSpPr>
+        <p:spPr>
+          <a:xfrm>
+            <a:off x="5393703" y="1745528"/>
+            <a:ext cx="2637934" cy="648879"/>
+          </a:xfrm>
+          <a:prstGeom prst="rect">
+            <a:avLst/>
+          </a:prstGeom>
+          <a:noFill/>
+        </p:spPr>
+        <p:style>
+          <a:lnRef idx="2">
+            <a:schemeClr val="accent1">
+              <a:shade val="15000"/>
+            </a:schemeClr>
+          </a:lnRef>
+          <a:fillRef idx="1">
+            <a:schemeClr val="accent1"/>
+          </a:fillRef>
+          <a:effectRef idx="0">
+            <a:schemeClr val="accent1"/>
+          </a:effectRef>
+          <a:fontRef idx="minor">
+            <a:schemeClr val="lt1"/>
+          </a:fontRef>
+        </p:style>
+        <p:txBody>
+          <a:bodyPr rtlCol="0" anchor="ctr"/>
+          <a:lstStyle/>
+          <a:p>
+            <a:pPr algn="ctr"/>
+            <a:endParaRPr lang="en-CA"/>
+          </a:p>
+        </p:txBody>
+      </p:sp>
+      <p:sp>
+        <p:nvSpPr>
+          <p:cNvPr id="6" name="Rectangle 5">
+            <a:extLst>
+              <a:ext uri="{FF2B5EF4-FFF2-40B4-BE49-F238E27FC236}">
+                <a16:creationId xmlns:a16="http://schemas.microsoft.com/office/drawing/2014/main" id="{587DBCF0-AC78-F9F0-849C-E355DDD1DD36}"/>
+              </a:ext>
+            </a:extLst>
+          </p:cNvPr>
+          <p:cNvSpPr/>
+          <p:nvPr/>
+        </p:nvSpPr>
+        <p:spPr>
+          <a:xfrm>
+            <a:off x="796565" y="3037788"/>
+            <a:ext cx="2648932" cy="631596"/>
+          </a:xfrm>
+          <a:prstGeom prst="rect">
+            <a:avLst/>
+          </a:prstGeom>
+          <a:noFill/>
+        </p:spPr>
+        <p:style>
+          <a:lnRef idx="2">
+            <a:schemeClr val="accent1">
+              <a:shade val="15000"/>
+            </a:schemeClr>
+          </a:lnRef>
+          <a:fillRef idx="1">
+            <a:schemeClr val="accent1"/>
+          </a:fillRef>
+          <a:effectRef idx="0">
+            <a:schemeClr val="accent1"/>
+          </a:effectRef>
+          <a:fontRef idx="minor">
+            <a:schemeClr val="lt1"/>
+          </a:fontRef>
+        </p:style>
+        <p:txBody>
+          <a:bodyPr rtlCol="0" anchor="ctr"/>
+          <a:lstStyle/>
+          <a:p>
+            <a:pPr algn="ctr"/>
+            <a:endParaRPr lang="en-CA"/>
+          </a:p>
+        </p:txBody>
+      </p:sp>
+      <p:sp>
+        <p:nvSpPr>
+          <p:cNvPr id="7" name="Rectangle 6">
+            <a:extLst>
+              <a:ext uri="{FF2B5EF4-FFF2-40B4-BE49-F238E27FC236}">
+                <a16:creationId xmlns:a16="http://schemas.microsoft.com/office/drawing/2014/main" id="{87A452FD-B44C-F1A5-7C0C-565633F07ACD}"/>
+              </a:ext>
+            </a:extLst>
+          </p:cNvPr>
+          <p:cNvSpPr/>
+          <p:nvPr/>
+        </p:nvSpPr>
+        <p:spPr>
+          <a:xfrm>
+            <a:off x="5393703" y="3037788"/>
+            <a:ext cx="2637934" cy="631596"/>
+          </a:xfrm>
+          <a:prstGeom prst="rect">
+            <a:avLst/>
+          </a:prstGeom>
+          <a:noFill/>
+        </p:spPr>
+        <p:style>
+          <a:lnRef idx="2">
+            <a:schemeClr val="accent1">
+              <a:shade val="15000"/>
+            </a:schemeClr>
+          </a:lnRef>
+          <a:fillRef idx="1">
+            <a:schemeClr val="accent1"/>
+          </a:fillRef>
+          <a:effectRef idx="0">
+            <a:schemeClr val="accent1"/>
+          </a:effectRef>
+          <a:fontRef idx="minor">
+            <a:schemeClr val="lt1"/>
+          </a:fontRef>
+        </p:style>
+        <p:txBody>
+          <a:bodyPr rtlCol="0" anchor="ctr"/>
+          <a:lstStyle/>
+          <a:p>
+            <a:pPr algn="ctr"/>
+            <a:endParaRPr lang="en-CA"/>
+          </a:p>
+        </p:txBody>
+      </p:sp>
+      <p:sp>
+        <p:nvSpPr>
+          <p:cNvPr id="9" name="TextBox 8">
+            <a:extLst>
+              <a:ext uri="{FF2B5EF4-FFF2-40B4-BE49-F238E27FC236}">
+                <a16:creationId xmlns:a16="http://schemas.microsoft.com/office/drawing/2014/main" id="{B5B5F1B5-216C-4EB7-831F-8DDA515FBEDD}"/>
+              </a:ext>
+            </a:extLst>
+          </p:cNvPr>
+          <p:cNvSpPr txBox="1"/>
+          <p:nvPr/>
+        </p:nvSpPr>
+        <p:spPr>
+          <a:xfrm>
+            <a:off x="838201" y="1885301"/>
+            <a:ext cx="2307336" cy="523220"/>
+          </a:xfrm>
+          <a:prstGeom prst="rect">
+            <a:avLst/>
+          </a:prstGeom>
+          <a:noFill/>
+        </p:spPr>
+        <p:txBody>
+          <a:bodyPr wrap="square">
+            <a:spAutoFit/>
+          </a:bodyPr>
+          <a:lstStyle/>
+          <a:p>
+            <a:r>
+              <a:rPr lang="en-US" altLang="en-US" sz="1400" b="1" dirty="0">
+                <a:cs typeface="Arial" panose="020B0604020202020204" pitchFamily="34" charset="0"/>
+              </a:rPr>
+              <a:t>IQCELL</a:t>
+            </a:r>
+            <a:r>
+              <a:rPr lang="en-US" altLang="en-US" sz="1400" dirty="0">
+                <a:cs typeface="Arial" panose="020B0604020202020204" pitchFamily="34" charset="0"/>
+              </a:rPr>
+              <a:t>: </a:t>
+            </a:r>
+            <a:r>
+              <a:rPr lang="en-CA" sz="1400" b="0" i="0" dirty="0">
+                <a:solidFill>
+                  <a:srgbClr val="000000"/>
+                </a:solidFill>
+                <a:effectLst/>
+                <a:latin typeface="Verdana" panose="020B0604030504040204" pitchFamily="34" charset="0"/>
+              </a:rPr>
+              <a:t>GSE196972_RAW.tar</a:t>
+            </a:r>
+            <a:endParaRPr lang="en-CA" sz="1400" dirty="0"/>
+          </a:p>
+        </p:txBody>
+      </p:sp>
+      <p:sp>
+        <p:nvSpPr>
+          <p:cNvPr id="10" name="TextBox 9">
+            <a:extLst>
+              <a:ext uri="{FF2B5EF4-FFF2-40B4-BE49-F238E27FC236}">
+                <a16:creationId xmlns:a16="http://schemas.microsoft.com/office/drawing/2014/main" id="{AE9FE287-1066-B819-C233-FDCEB59EAE38}"/>
+              </a:ext>
+            </a:extLst>
+          </p:cNvPr>
+          <p:cNvSpPr txBox="1"/>
+          <p:nvPr/>
+        </p:nvSpPr>
+        <p:spPr>
+          <a:xfrm>
+            <a:off x="1150070" y="3168920"/>
+            <a:ext cx="1845955" cy="369332"/>
+          </a:xfrm>
+          <a:prstGeom prst="rect">
+            <a:avLst/>
+          </a:prstGeom>
+          <a:noFill/>
+        </p:spPr>
+        <p:txBody>
+          <a:bodyPr wrap="none" rtlCol="0">
+            <a:spAutoFit/>
+          </a:bodyPr>
+          <a:lstStyle/>
+          <a:p>
+            <a:r>
+              <a:rPr lang="en-US" dirty="0"/>
+              <a:t>Control Sequence</a:t>
+            </a:r>
+            <a:endParaRPr lang="en-CA" dirty="0"/>
+          </a:p>
+        </p:txBody>
+      </p:sp>
+      <p:sp>
+        <p:nvSpPr>
+          <p:cNvPr id="11" name="Rectangle 10">
+            <a:extLst>
+              <a:ext uri="{FF2B5EF4-FFF2-40B4-BE49-F238E27FC236}">
+                <a16:creationId xmlns:a16="http://schemas.microsoft.com/office/drawing/2014/main" id="{784251FA-8EF0-C1A8-4C5E-B6D602A6823B}"/>
+              </a:ext>
+            </a:extLst>
+          </p:cNvPr>
+          <p:cNvSpPr/>
+          <p:nvPr/>
+        </p:nvSpPr>
+        <p:spPr>
+          <a:xfrm>
+            <a:off x="796564" y="4312764"/>
+            <a:ext cx="2755047" cy="631596"/>
+          </a:xfrm>
+          <a:prstGeom prst="rect">
+            <a:avLst/>
+          </a:prstGeom>
+          <a:noFill/>
+        </p:spPr>
+        <p:style>
+          <a:lnRef idx="2">
+            <a:schemeClr val="accent1">
+              <a:shade val="15000"/>
+            </a:schemeClr>
+          </a:lnRef>
+          <a:fillRef idx="1">
+            <a:schemeClr val="accent1"/>
+          </a:fillRef>
+          <a:effectRef idx="0">
+            <a:schemeClr val="accent1"/>
+          </a:effectRef>
+          <a:fontRef idx="minor">
+            <a:schemeClr val="lt1"/>
+          </a:fontRef>
+        </p:style>
+        <p:txBody>
+          <a:bodyPr rtlCol="0" anchor="ctr"/>
+          <a:lstStyle/>
+          <a:p>
+            <a:pPr algn="ctr"/>
+            <a:endParaRPr lang="en-CA"/>
+          </a:p>
+        </p:txBody>
+      </p:sp>
+      <p:cxnSp>
+        <p:nvCxnSpPr>
+          <p:cNvPr id="13" name="Straight Arrow Connector 12">
+            <a:extLst>
+              <a:ext uri="{FF2B5EF4-FFF2-40B4-BE49-F238E27FC236}">
+                <a16:creationId xmlns:a16="http://schemas.microsoft.com/office/drawing/2014/main" id="{F38AADCA-D438-6446-3EDA-D399CA2FDB19}"/>
+              </a:ext>
+            </a:extLst>
+          </p:cNvPr>
+          <p:cNvCxnSpPr>
+            <a:stCxn id="4" idx="2"/>
+            <a:endCxn id="6" idx="0"/>
+          </p:cNvCxnSpPr>
+          <p:nvPr/>
+        </p:nvCxnSpPr>
+        <p:spPr>
+          <a:xfrm>
+            <a:off x="2121031" y="2394408"/>
+            <a:ext cx="0" cy="643380"/>
+          </a:xfrm>
+          <a:prstGeom prst="straightConnector1">
+            <a:avLst/>
+          </a:prstGeom>
+          <a:ln w="38100">
+            <a:tailEnd type="triangle"/>
+          </a:ln>
+        </p:spPr>
+        <p:style>
+          <a:lnRef idx="1">
+            <a:schemeClr val="accent1"/>
+          </a:lnRef>
+          <a:fillRef idx="0">
+            <a:schemeClr val="accent1"/>
+          </a:fillRef>
+          <a:effectRef idx="0">
+            <a:schemeClr val="accent1"/>
+          </a:effectRef>
+          <a:fontRef idx="minor">
+            <a:schemeClr val="tx1"/>
+          </a:fontRef>
+        </p:style>
+      </p:cxnSp>
+      <p:cxnSp>
+        <p:nvCxnSpPr>
+          <p:cNvPr id="14" name="Straight Arrow Connector 13">
+            <a:extLst>
+              <a:ext uri="{FF2B5EF4-FFF2-40B4-BE49-F238E27FC236}">
+                <a16:creationId xmlns:a16="http://schemas.microsoft.com/office/drawing/2014/main" id="{959FB33A-D8E7-8A5E-E31F-7E98AD9297ED}"/>
+              </a:ext>
+            </a:extLst>
+          </p:cNvPr>
+          <p:cNvCxnSpPr/>
+          <p:nvPr/>
+        </p:nvCxnSpPr>
+        <p:spPr>
+          <a:xfrm>
+            <a:off x="2121031" y="3669384"/>
+            <a:ext cx="0" cy="643380"/>
+          </a:xfrm>
+          <a:prstGeom prst="straightConnector1">
+            <a:avLst/>
+          </a:prstGeom>
+          <a:ln w="38100">
+            <a:tailEnd type="triangle"/>
+          </a:ln>
+        </p:spPr>
+        <p:style>
+          <a:lnRef idx="1">
+            <a:schemeClr val="accent1"/>
+          </a:lnRef>
+          <a:fillRef idx="0">
+            <a:schemeClr val="accent1"/>
+          </a:fillRef>
+          <a:effectRef idx="0">
+            <a:schemeClr val="accent1"/>
+          </a:effectRef>
+          <a:fontRef idx="minor">
+            <a:schemeClr val="tx1"/>
+          </a:fontRef>
+        </p:style>
+      </p:cxnSp>
+      <p:sp>
+        <p:nvSpPr>
+          <p:cNvPr id="15" name="TextBox 14">
+            <a:extLst>
+              <a:ext uri="{FF2B5EF4-FFF2-40B4-BE49-F238E27FC236}">
+                <a16:creationId xmlns:a16="http://schemas.microsoft.com/office/drawing/2014/main" id="{D7FEB854-3240-798C-DC3A-40ED67E791DC}"/>
+              </a:ext>
+            </a:extLst>
+          </p:cNvPr>
+          <p:cNvSpPr txBox="1"/>
+          <p:nvPr/>
+        </p:nvSpPr>
+        <p:spPr>
+          <a:xfrm>
+            <a:off x="754144" y="4463593"/>
+            <a:ext cx="2755050" cy="369332"/>
+          </a:xfrm>
+          <a:prstGeom prst="rect">
+            <a:avLst/>
+          </a:prstGeom>
+          <a:noFill/>
+        </p:spPr>
+        <p:txBody>
+          <a:bodyPr wrap="none" rtlCol="0">
+            <a:spAutoFit/>
+          </a:bodyPr>
+          <a:lstStyle/>
+          <a:p>
+            <a:r>
+              <a:rPr lang="en-US" dirty="0"/>
+              <a:t>In-silico Crispr perturbation</a:t>
+            </a:r>
+            <a:endParaRPr lang="en-CA" dirty="0"/>
+          </a:p>
+        </p:txBody>
+      </p:sp>
+      <p:sp>
+        <p:nvSpPr>
+          <p:cNvPr id="16" name="Rectangle 15">
+            <a:extLst>
+              <a:ext uri="{FF2B5EF4-FFF2-40B4-BE49-F238E27FC236}">
+                <a16:creationId xmlns:a16="http://schemas.microsoft.com/office/drawing/2014/main" id="{F149BA33-1C77-2CB6-E2F2-5C27AADC0AD2}"/>
+              </a:ext>
+            </a:extLst>
+          </p:cNvPr>
+          <p:cNvSpPr/>
+          <p:nvPr/>
+        </p:nvSpPr>
+        <p:spPr>
+          <a:xfrm>
+            <a:off x="5393703" y="4446253"/>
+            <a:ext cx="2637934" cy="631596"/>
+          </a:xfrm>
+          <a:prstGeom prst="rect">
+            <a:avLst/>
+          </a:prstGeom>
+          <a:noFill/>
+        </p:spPr>
+        <p:style>
+          <a:lnRef idx="2">
+            <a:schemeClr val="accent1">
+              <a:shade val="15000"/>
+            </a:schemeClr>
+          </a:lnRef>
+          <a:fillRef idx="1">
+            <a:schemeClr val="accent1"/>
+          </a:fillRef>
+          <a:effectRef idx="0">
+            <a:schemeClr val="accent1"/>
+          </a:effectRef>
+          <a:fontRef idx="minor">
+            <a:schemeClr val="lt1"/>
+          </a:fontRef>
+        </p:style>
+        <p:txBody>
+          <a:bodyPr rtlCol="0" anchor="ctr"/>
+          <a:lstStyle/>
+          <a:p>
+            <a:pPr algn="ctr"/>
+            <a:endParaRPr lang="en-CA"/>
+          </a:p>
+        </p:txBody>
+      </p:sp>
+      <p:sp>
+        <p:nvSpPr>
+          <p:cNvPr id="18" name="TextBox 17">
+            <a:extLst>
+              <a:ext uri="{FF2B5EF4-FFF2-40B4-BE49-F238E27FC236}">
+                <a16:creationId xmlns:a16="http://schemas.microsoft.com/office/drawing/2014/main" id="{B1013954-8779-7ACF-E722-D7687390A024}"/>
+              </a:ext>
+            </a:extLst>
+          </p:cNvPr>
+          <p:cNvSpPr txBox="1"/>
+          <p:nvPr/>
+        </p:nvSpPr>
+        <p:spPr>
+          <a:xfrm>
+            <a:off x="5393706" y="1847887"/>
+            <a:ext cx="2637931" cy="584775"/>
+          </a:xfrm>
+          <a:prstGeom prst="rect">
+            <a:avLst/>
+          </a:prstGeom>
+          <a:noFill/>
+        </p:spPr>
+        <p:txBody>
+          <a:bodyPr wrap="square">
+            <a:spAutoFit/>
+          </a:bodyPr>
+          <a:lstStyle/>
+          <a:p>
+            <a:r>
+              <a:rPr lang="en-US" altLang="en-US" sz="1600" b="1" dirty="0">
+                <a:cs typeface="Arial" panose="020B0604020202020204" pitchFamily="34" charset="0"/>
+              </a:rPr>
+              <a:t>Jin et al. (Perturb-Seq)</a:t>
+            </a:r>
+            <a:r>
+              <a:rPr lang="en-US" altLang="en-US" sz="1600" dirty="0">
+                <a:cs typeface="Arial" panose="020B0604020202020204" pitchFamily="34" charset="0"/>
+              </a:rPr>
+              <a:t>: </a:t>
+            </a:r>
+            <a:r>
+              <a:rPr lang="en-CA" sz="1600" b="0" i="0" dirty="0">
+                <a:solidFill>
+                  <a:srgbClr val="000000"/>
+                </a:solidFill>
+                <a:effectLst/>
+                <a:latin typeface="Verdana" panose="020B0604030504040204" pitchFamily="34" charset="0"/>
+              </a:rPr>
+              <a:t>GSE157977_RAW.tar</a:t>
+            </a:r>
+            <a:endParaRPr lang="en-CA" sz="1600" dirty="0"/>
+          </a:p>
+        </p:txBody>
+      </p:sp>
+      <p:sp>
+        <p:nvSpPr>
+          <p:cNvPr id="19" name="TextBox 18">
+            <a:extLst>
+              <a:ext uri="{FF2B5EF4-FFF2-40B4-BE49-F238E27FC236}">
+                <a16:creationId xmlns:a16="http://schemas.microsoft.com/office/drawing/2014/main" id="{8B3A6B21-FDFF-2531-445F-7851D95C69B6}"/>
+              </a:ext>
+            </a:extLst>
+          </p:cNvPr>
+          <p:cNvSpPr txBox="1"/>
+          <p:nvPr/>
+        </p:nvSpPr>
+        <p:spPr>
+          <a:xfrm>
+            <a:off x="5759777" y="3168920"/>
+            <a:ext cx="2100447" cy="369332"/>
+          </a:xfrm>
+          <a:prstGeom prst="rect">
+            <a:avLst/>
+          </a:prstGeom>
+          <a:noFill/>
+        </p:spPr>
+        <p:txBody>
+          <a:bodyPr wrap="none" rtlCol="0">
+            <a:spAutoFit/>
+          </a:bodyPr>
+          <a:lstStyle/>
+          <a:p>
+            <a:r>
+              <a:rPr lang="en-US" dirty="0"/>
+              <a:t>Perturbed Sequence</a:t>
+            </a:r>
+            <a:endParaRPr lang="en-CA" dirty="0"/>
+          </a:p>
+        </p:txBody>
+      </p:sp>
+      <p:sp>
+        <p:nvSpPr>
+          <p:cNvPr id="20" name="TextBox 19">
+            <a:extLst>
+              <a:ext uri="{FF2B5EF4-FFF2-40B4-BE49-F238E27FC236}">
+                <a16:creationId xmlns:a16="http://schemas.microsoft.com/office/drawing/2014/main" id="{23E0AD70-A3BA-D8DC-9A66-1D0882D4F311}"/>
+              </a:ext>
+            </a:extLst>
+          </p:cNvPr>
+          <p:cNvSpPr txBox="1"/>
+          <p:nvPr/>
+        </p:nvSpPr>
+        <p:spPr>
+          <a:xfrm>
+            <a:off x="5338447" y="4575028"/>
+            <a:ext cx="2748445" cy="369332"/>
+          </a:xfrm>
+          <a:prstGeom prst="rect">
+            <a:avLst/>
+          </a:prstGeom>
+          <a:noFill/>
+        </p:spPr>
+        <p:txBody>
+          <a:bodyPr wrap="none" rtlCol="0">
+            <a:spAutoFit/>
+          </a:bodyPr>
+          <a:lstStyle/>
+          <a:p>
+            <a:r>
+              <a:rPr lang="en-US" dirty="0"/>
+              <a:t>In-Vitro Crispr perturbation</a:t>
+            </a:r>
+            <a:endParaRPr lang="en-CA" dirty="0"/>
+          </a:p>
+        </p:txBody>
+      </p:sp>
+      <p:cxnSp>
+        <p:nvCxnSpPr>
+          <p:cNvPr id="21" name="Straight Arrow Connector 20">
+            <a:extLst>
+              <a:ext uri="{FF2B5EF4-FFF2-40B4-BE49-F238E27FC236}">
+                <a16:creationId xmlns:a16="http://schemas.microsoft.com/office/drawing/2014/main" id="{4F7A1501-78F9-69AD-3C92-5D96D9FCA0DD}"/>
+              </a:ext>
+            </a:extLst>
+          </p:cNvPr>
+          <p:cNvCxnSpPr/>
+          <p:nvPr/>
+        </p:nvCxnSpPr>
+        <p:spPr>
+          <a:xfrm>
+            <a:off x="6712669" y="2394408"/>
+            <a:ext cx="0" cy="643380"/>
+          </a:xfrm>
+          <a:prstGeom prst="straightConnector1">
+            <a:avLst/>
+          </a:prstGeom>
+          <a:ln w="38100">
+            <a:tailEnd type="triangle"/>
+          </a:ln>
+        </p:spPr>
+        <p:style>
+          <a:lnRef idx="1">
+            <a:schemeClr val="accent1"/>
+          </a:lnRef>
+          <a:fillRef idx="0">
+            <a:schemeClr val="accent1"/>
+          </a:fillRef>
+          <a:effectRef idx="0">
+            <a:schemeClr val="accent1"/>
+          </a:effectRef>
+          <a:fontRef idx="minor">
+            <a:schemeClr val="tx1"/>
+          </a:fontRef>
+        </p:style>
+      </p:cxnSp>
+      <p:cxnSp>
+        <p:nvCxnSpPr>
+          <p:cNvPr id="22" name="Straight Arrow Connector 21">
+            <a:extLst>
+              <a:ext uri="{FF2B5EF4-FFF2-40B4-BE49-F238E27FC236}">
+                <a16:creationId xmlns:a16="http://schemas.microsoft.com/office/drawing/2014/main" id="{794ADA63-572E-80A8-456C-ADED0CCC6C50}"/>
+              </a:ext>
+            </a:extLst>
+          </p:cNvPr>
+          <p:cNvCxnSpPr>
+            <a:cxnSpLocks/>
+            <a:endCxn id="16" idx="0"/>
+          </p:cNvCxnSpPr>
+          <p:nvPr/>
+        </p:nvCxnSpPr>
+        <p:spPr>
+          <a:xfrm flipH="1">
+            <a:off x="6712670" y="3669384"/>
+            <a:ext cx="2355" cy="776869"/>
+          </a:xfrm>
+          <a:prstGeom prst="straightConnector1">
+            <a:avLst/>
+          </a:prstGeom>
+          <a:ln w="38100">
+            <a:tailEnd type="triangle"/>
+          </a:ln>
+        </p:spPr>
+        <p:style>
+          <a:lnRef idx="1">
+            <a:schemeClr val="accent1"/>
+          </a:lnRef>
+          <a:fillRef idx="0">
+            <a:schemeClr val="accent1"/>
+          </a:fillRef>
+          <a:effectRef idx="0">
+            <a:schemeClr val="accent1"/>
+          </a:effectRef>
+          <a:fontRef idx="minor">
+            <a:schemeClr val="tx1"/>
+          </a:fontRef>
+        </p:style>
+      </p:cxnSp>
+      <p:sp>
+        <p:nvSpPr>
+          <p:cNvPr id="24" name="Rectangle 23">
+            <a:extLst>
+              <a:ext uri="{FF2B5EF4-FFF2-40B4-BE49-F238E27FC236}">
+                <a16:creationId xmlns:a16="http://schemas.microsoft.com/office/drawing/2014/main" id="{3135DD24-5FBC-4C6A-275C-D2D4356347C1}"/>
+              </a:ext>
+            </a:extLst>
+          </p:cNvPr>
+          <p:cNvSpPr/>
+          <p:nvPr/>
+        </p:nvSpPr>
+        <p:spPr>
+          <a:xfrm>
+            <a:off x="2562126" y="5607437"/>
+            <a:ext cx="3695415" cy="1076167"/>
+          </a:xfrm>
+          <a:prstGeom prst="rect">
+            <a:avLst/>
+          </a:prstGeom>
+          <a:noFill/>
+        </p:spPr>
+        <p:style>
+          <a:lnRef idx="2">
+            <a:schemeClr val="accent1">
+              <a:shade val="15000"/>
+            </a:schemeClr>
+          </a:lnRef>
+          <a:fillRef idx="1">
+            <a:schemeClr val="accent1"/>
+          </a:fillRef>
+          <a:effectRef idx="0">
+            <a:schemeClr val="accent1"/>
+          </a:effectRef>
+          <a:fontRef idx="minor">
+            <a:schemeClr val="lt1"/>
+          </a:fontRef>
+        </p:style>
+        <p:txBody>
+          <a:bodyPr rtlCol="0" anchor="ctr"/>
+          <a:lstStyle/>
+          <a:p>
+            <a:pPr algn="ctr"/>
+            <a:endParaRPr lang="en-CA"/>
+          </a:p>
+        </p:txBody>
+      </p:sp>
+      <p:cxnSp>
+        <p:nvCxnSpPr>
+          <p:cNvPr id="27" name="Straight Arrow Connector 26">
+            <a:extLst>
+              <a:ext uri="{FF2B5EF4-FFF2-40B4-BE49-F238E27FC236}">
+                <a16:creationId xmlns:a16="http://schemas.microsoft.com/office/drawing/2014/main" id="{42E39095-8EA8-CBAB-45B4-CA2700766752}"/>
+              </a:ext>
+            </a:extLst>
+          </p:cNvPr>
+          <p:cNvCxnSpPr>
+            <a:cxnSpLocks/>
+          </p:cNvCxnSpPr>
+          <p:nvPr/>
+        </p:nvCxnSpPr>
+        <p:spPr>
+          <a:xfrm>
+            <a:off x="2036190" y="6124399"/>
+            <a:ext cx="525936" cy="0"/>
+          </a:xfrm>
+          <a:prstGeom prst="straightConnector1">
+            <a:avLst/>
+          </a:prstGeom>
+          <a:ln w="38100">
+            <a:tailEnd type="triangle"/>
+          </a:ln>
+        </p:spPr>
+        <p:style>
+          <a:lnRef idx="1">
+            <a:schemeClr val="accent1"/>
+          </a:lnRef>
+          <a:fillRef idx="0">
+            <a:schemeClr val="accent1"/>
+          </a:fillRef>
+          <a:effectRef idx="0">
+            <a:schemeClr val="accent1"/>
+          </a:effectRef>
+          <a:fontRef idx="minor">
+            <a:schemeClr val="tx1"/>
+          </a:fontRef>
+        </p:style>
+      </p:cxnSp>
+      <p:cxnSp>
+        <p:nvCxnSpPr>
+          <p:cNvPr id="31" name="Straight Connector 30">
+            <a:extLst>
+              <a:ext uri="{FF2B5EF4-FFF2-40B4-BE49-F238E27FC236}">
+                <a16:creationId xmlns:a16="http://schemas.microsoft.com/office/drawing/2014/main" id="{78A16BB5-2264-5602-A7AD-D4EB8DA2EB7B}"/>
+              </a:ext>
+            </a:extLst>
+          </p:cNvPr>
+          <p:cNvCxnSpPr>
+            <a:cxnSpLocks/>
+          </p:cNvCxnSpPr>
+          <p:nvPr/>
+        </p:nvCxnSpPr>
+        <p:spPr>
+          <a:xfrm>
+            <a:off x="2048256" y="4944360"/>
+            <a:ext cx="0" cy="1180039"/>
+          </a:xfrm>
+          <a:prstGeom prst="line">
+            <a:avLst/>
+          </a:prstGeom>
+          <a:ln w="38100"/>
+        </p:spPr>
+        <p:style>
+          <a:lnRef idx="1">
+            <a:schemeClr val="accent1"/>
+          </a:lnRef>
+          <a:fillRef idx="0">
+            <a:schemeClr val="accent1"/>
+          </a:fillRef>
+          <a:effectRef idx="0">
+            <a:schemeClr val="accent1"/>
+          </a:effectRef>
+          <a:fontRef idx="minor">
+            <a:schemeClr val="tx1"/>
+          </a:fontRef>
+        </p:style>
+      </p:cxnSp>
+      <p:cxnSp>
+        <p:nvCxnSpPr>
+          <p:cNvPr id="33" name="Straight Arrow Connector 32">
+            <a:extLst>
+              <a:ext uri="{FF2B5EF4-FFF2-40B4-BE49-F238E27FC236}">
+                <a16:creationId xmlns:a16="http://schemas.microsoft.com/office/drawing/2014/main" id="{2D90FD43-E4F3-1534-070A-B48B31E5E55B}"/>
+              </a:ext>
+            </a:extLst>
+          </p:cNvPr>
+          <p:cNvCxnSpPr>
+            <a:cxnSpLocks/>
+            <a:endCxn id="24" idx="3"/>
+          </p:cNvCxnSpPr>
+          <p:nvPr/>
+        </p:nvCxnSpPr>
+        <p:spPr>
+          <a:xfrm flipH="1">
+            <a:off x="6257541" y="6145520"/>
+            <a:ext cx="455128" cy="1"/>
+          </a:xfrm>
+          <a:prstGeom prst="straightConnector1">
+            <a:avLst/>
+          </a:prstGeom>
+          <a:ln w="38100">
+            <a:tailEnd type="triangle"/>
+          </a:ln>
+        </p:spPr>
+        <p:style>
+          <a:lnRef idx="1">
+            <a:schemeClr val="accent1"/>
+          </a:lnRef>
+          <a:fillRef idx="0">
+            <a:schemeClr val="accent1"/>
+          </a:fillRef>
+          <a:effectRef idx="0">
+            <a:schemeClr val="accent1"/>
+          </a:effectRef>
+          <a:fontRef idx="minor">
+            <a:schemeClr val="tx1"/>
+          </a:fontRef>
+        </p:style>
+      </p:cxnSp>
+      <p:cxnSp>
+        <p:nvCxnSpPr>
+          <p:cNvPr id="36" name="Straight Connector 35">
+            <a:extLst>
+              <a:ext uri="{FF2B5EF4-FFF2-40B4-BE49-F238E27FC236}">
+                <a16:creationId xmlns:a16="http://schemas.microsoft.com/office/drawing/2014/main" id="{5BD3631C-C1CB-860F-ABDC-B569EDC34140}"/>
+              </a:ext>
+            </a:extLst>
+          </p:cNvPr>
+          <p:cNvCxnSpPr>
+            <a:cxnSpLocks/>
+          </p:cNvCxnSpPr>
+          <p:nvPr/>
+        </p:nvCxnSpPr>
+        <p:spPr>
+          <a:xfrm>
+            <a:off x="6700477" y="5077849"/>
+            <a:ext cx="12192" cy="1067671"/>
+          </a:xfrm>
+          <a:prstGeom prst="line">
+            <a:avLst/>
+          </a:prstGeom>
+          <a:ln w="38100"/>
+        </p:spPr>
+        <p:style>
+          <a:lnRef idx="1">
+            <a:schemeClr val="accent1"/>
+          </a:lnRef>
+          <a:fillRef idx="0">
+            <a:schemeClr val="accent1"/>
+          </a:fillRef>
+          <a:effectRef idx="0">
+            <a:schemeClr val="accent1"/>
+          </a:effectRef>
+          <a:fontRef idx="minor">
+            <a:schemeClr val="tx1"/>
+          </a:fontRef>
+        </p:style>
+      </p:cxnSp>
+      <p:sp>
+        <p:nvSpPr>
+          <p:cNvPr id="39" name="TextBox 38">
+            <a:extLst>
+              <a:ext uri="{FF2B5EF4-FFF2-40B4-BE49-F238E27FC236}">
+                <a16:creationId xmlns:a16="http://schemas.microsoft.com/office/drawing/2014/main" id="{9F8F598A-22FB-4EE6-7FFE-C026C7B40A81}"/>
+              </a:ext>
+            </a:extLst>
+          </p:cNvPr>
+          <p:cNvSpPr txBox="1"/>
+          <p:nvPr/>
+        </p:nvSpPr>
+        <p:spPr>
+          <a:xfrm>
+            <a:off x="2735734" y="5709717"/>
+            <a:ext cx="3521807" cy="923330"/>
+          </a:xfrm>
+          <a:prstGeom prst="rect">
+            <a:avLst/>
+          </a:prstGeom>
+          <a:noFill/>
+        </p:spPr>
+        <p:txBody>
+          <a:bodyPr wrap="square">
+            <a:spAutoFit/>
+          </a:bodyPr>
+          <a:lstStyle/>
+          <a:p>
+            <a:r>
+              <a:rPr lang="en-US" dirty="0"/>
+              <a:t>Align the Trajectories and Compare</a:t>
+            </a:r>
+          </a:p>
+          <a:p>
+            <a:r>
+              <a:rPr lang="en-US" dirty="0"/>
+              <a:t> </a:t>
+            </a:r>
+            <a:r>
+              <a:rPr lang="en-CA" dirty="0"/>
+              <a:t>Similarity </a:t>
+            </a:r>
+            <a:r>
+              <a:rPr lang="en-US" dirty="0"/>
+              <a:t>via DTW and </a:t>
+            </a:r>
+            <a:r>
+              <a:rPr lang="en-CA" dirty="0"/>
+              <a:t>Wasserstein</a:t>
+            </a:r>
+          </a:p>
+          <a:p>
+            <a:r>
+              <a:rPr lang="en-CA" dirty="0"/>
+              <a:t> Distance</a:t>
+            </a:r>
+          </a:p>
+        </p:txBody>
+      </p:sp>
+    </p:spTree>
+    <p:extLst>
+      <p:ext uri="{BB962C8B-B14F-4D97-AF65-F5344CB8AC3E}">
+        <p14:creationId xmlns:p14="http://schemas.microsoft.com/office/powerpoint/2010/main" val="3425565424"/>
+      </p:ext>
+    </p:extLst>
+  </p:cSld>
+  <p:clrMapOvr>
+    <a:masterClrMapping/>
+  </p:clrMapOvr>
+</p:sld>
+</file>
+
+<file path=ppt/slides/slide32.xml><?xml version="1.0" encoding="utf-8"?>
+<p:sld xmlns:a="http://schemas.openxmlformats.org/drawingml/2006/main" xmlns:r="http://schemas.openxmlformats.org/officeDocument/2006/relationships" xmlns:p="http://schemas.openxmlformats.org/presentationml/2006/main">
+  <p:cSld>
+    <p:spTree>
+      <p:nvGrpSpPr>
+        <p:cNvPr id="1" name=""/>
+        <p:cNvGrpSpPr/>
+        <p:nvPr/>
+      </p:nvGrpSpPr>
+      <p:grpSpPr>
+        <a:xfrm>
+          <a:off x="0" y="0"/>
+          <a:ext cx="0" cy="0"/>
+          <a:chOff x="0" y="0"/>
+          <a:chExt cx="0" cy="0"/>
+        </a:xfrm>
+      </p:grpSpPr>
+      <p:sp>
+        <p:nvSpPr>
+          <p:cNvPr id="2" name="Title 1">
+            <a:extLst>
+              <a:ext uri="{FF2B5EF4-FFF2-40B4-BE49-F238E27FC236}">
+                <a16:creationId xmlns:a16="http://schemas.microsoft.com/office/drawing/2014/main" id="{0CFD0266-83C5-4DA2-D131-76689771C834}"/>
+              </a:ext>
+            </a:extLst>
+          </p:cNvPr>
+          <p:cNvSpPr>
+            <a:spLocks noGrp="1"/>
+          </p:cNvSpPr>
+          <p:nvPr>
+            <p:ph type="title"/>
+          </p:nvPr>
+        </p:nvSpPr>
+        <p:spPr/>
+        <p:txBody>
+          <a:bodyPr/>
+          <a:lstStyle/>
+          <a:p>
+            <a:r>
+              <a:rPr lang="en-US" dirty="0"/>
+              <a:t>Results</a:t>
+            </a:r>
+            <a:endParaRPr lang="en-CA" dirty="0"/>
+          </a:p>
+        </p:txBody>
+      </p:sp>
+      <p:sp>
+        <p:nvSpPr>
+          <p:cNvPr id="3" name="Content Placeholder 2">
+            <a:extLst>
+              <a:ext uri="{FF2B5EF4-FFF2-40B4-BE49-F238E27FC236}">
+                <a16:creationId xmlns:a16="http://schemas.microsoft.com/office/drawing/2014/main" id="{FB00B93E-5F06-7E9B-BC34-2830E25CDEE1}"/>
+              </a:ext>
+            </a:extLst>
+          </p:cNvPr>
+          <p:cNvSpPr>
+            <a:spLocks noGrp="1"/>
+          </p:cNvSpPr>
+          <p:nvPr>
+            <p:ph idx="1"/>
+          </p:nvPr>
+        </p:nvSpPr>
+        <p:spPr/>
+        <p:txBody>
+          <a:bodyPr/>
+          <a:lstStyle/>
+          <a:p>
+            <a:endParaRPr lang="en-CA"/>
+          </a:p>
+        </p:txBody>
+      </p:sp>
+    </p:spTree>
+    <p:extLst>
+      <p:ext uri="{BB962C8B-B14F-4D97-AF65-F5344CB8AC3E}">
+        <p14:creationId xmlns:p14="http://schemas.microsoft.com/office/powerpoint/2010/main" val="447736305"/>
+      </p:ext>
+    </p:extLst>
+  </p:cSld>
+  <p:clrMapOvr>
+    <a:masterClrMapping/>
+  </p:clrMapOvr>
+</p:sld>
+</file>
+
+<file path=ppt/slides/slide33.xml><?xml version="1.0" encoding="utf-8"?>
+<p:sld xmlns:a="http://schemas.openxmlformats.org/drawingml/2006/main" xmlns:r="http://schemas.openxmlformats.org/officeDocument/2006/relationships" xmlns:p="http://schemas.openxmlformats.org/presentationml/2006/main">
+  <p:cSld>
+    <p:spTree>
+      <p:nvGrpSpPr>
+        <p:cNvPr id="1" name=""/>
+        <p:cNvGrpSpPr/>
+        <p:nvPr/>
+      </p:nvGrpSpPr>
+      <p:grpSpPr>
+        <a:xfrm>
+          <a:off x="0" y="0"/>
+          <a:ext cx="0" cy="0"/>
+          <a:chOff x="0" y="0"/>
+          <a:chExt cx="0" cy="0"/>
+        </a:xfrm>
+      </p:grpSpPr>
+      <p:sp>
+        <p:nvSpPr>
+          <p:cNvPr id="2" name="Title 1">
+            <a:extLst>
+              <a:ext uri="{FF2B5EF4-FFF2-40B4-BE49-F238E27FC236}">
+                <a16:creationId xmlns:a16="http://schemas.microsoft.com/office/drawing/2014/main" id="{1947E5A5-573C-90CA-E5BB-90053B8FC229}"/>
+              </a:ext>
+            </a:extLst>
+          </p:cNvPr>
+          <p:cNvSpPr>
+            <a:spLocks noGrp="1"/>
+          </p:cNvSpPr>
+          <p:nvPr>
+            <p:ph type="title"/>
+          </p:nvPr>
+        </p:nvSpPr>
+        <p:spPr/>
+        <p:txBody>
+          <a:bodyPr>
+            <a:normAutofit/>
+          </a:bodyPr>
+          <a:lstStyle/>
+          <a:p>
+            <a:r>
+              <a:rPr lang="en-US" sz="2400" b="1" dirty="0"/>
+              <a:t>Future Work</a:t>
+            </a:r>
+            <a:endParaRPr lang="en-CA" sz="2400" b="1" dirty="0"/>
+          </a:p>
+        </p:txBody>
+      </p:sp>
+      <p:sp>
+        <p:nvSpPr>
+          <p:cNvPr id="9" name="Rectangle 4">
+            <a:extLst>
+              <a:ext uri="{FF2B5EF4-FFF2-40B4-BE49-F238E27FC236}">
+                <a16:creationId xmlns:a16="http://schemas.microsoft.com/office/drawing/2014/main" id="{5981393E-4D40-A183-4702-E36306975BAF}"/>
+              </a:ext>
+            </a:extLst>
+          </p:cNvPr>
+          <p:cNvSpPr>
+            <a:spLocks noGrp="1" noChangeArrowheads="1"/>
+          </p:cNvSpPr>
+          <p:nvPr>
+            <p:ph idx="1"/>
+          </p:nvPr>
+        </p:nvSpPr>
+        <p:spPr bwMode="auto">
+          <a:xfrm>
+            <a:off x="527305" y="1379855"/>
+            <a:ext cx="10207752" cy="2554545"/>
+          </a:xfrm>
+          <a:prstGeom prst="rect">
+            <a:avLst/>
+          </a:prstGeom>
+          <a:noFill/>
+          <a:ln>
+            <a:noFill/>
+          </a:ln>
+          <a:effectLst/>
+          <a:extLst>
+            <a:ext uri="{909E8E84-426E-40DD-AFC4-6F175D3DCCD1}">
+              <a14:hiddenFill xmlns:a14="http://schemas.microsoft.com/office/drawing/2010/main">
+                <a:solidFill>
+                  <a:schemeClr val="accent1"/>
+                </a:solidFill>
+              </a14:hiddenFill>
+            </a:ext>
+            <a:ext uri="{91240B29-F687-4F45-9708-019B960494DF}">
+              <a14:hiddenLine xmlns:a14="http://schemas.microsoft.com/office/drawing/2010/main" w="9525">
+                <a:solidFill>
+                  <a:schemeClr val="tx1"/>
+                </a:solidFill>
+                <a:miter lim="800000"/>
+                <a:headEnd/>
+                <a:tailEnd/>
+              </a14:hiddenLine>
+            </a:ext>
+            <a:ext uri="{AF507438-7753-43E0-B8FC-AC1667EBCBE1}">
+              <a14:hiddenEffects xmlns:a14="http://schemas.microsoft.com/office/drawing/2010/main">
+                <a:effectLst>
+                  <a:outerShdw dist="35921" dir="2700000" algn="ctr" rotWithShape="0">
+                    <a:schemeClr val="bg2"/>
+                  </a:outerShdw>
+                </a:effectLst>
+              </a14:hiddenEffects>
+            </a:ext>
+          </a:extLst>
+        </p:spPr>
+        <p:txBody>
+          <a:bodyPr vert="horz" wrap="square" lIns="91440" tIns="45720" rIns="91440" bIns="45720" numCol="1" anchor="ctr" anchorCtr="0" compatLnSpc="1">
+            <a:prstTxWarp prst="textNoShape">
+              <a:avLst/>
+            </a:prstTxWarp>
+            <a:spAutoFit/>
+          </a:bodyPr>
+          <a:lstStyle/>
+          <a:p>
+            <a:pPr marL="0" marR="0" lvl="0" indent="0" algn="l" defTabSz="914400" rtl="0" eaLnBrk="0" fontAlgn="base" latinLnBrk="0" hangingPunct="0">
+              <a:lnSpc>
+                <a:spcPct val="100000"/>
+              </a:lnSpc>
+              <a:spcBef>
+                <a:spcPct val="0"/>
+              </a:spcBef>
+              <a:spcAft>
+                <a:spcPct val="0"/>
+              </a:spcAft>
+              <a:buClrTx/>
+              <a:buSzTx/>
+              <a:buNone/>
+              <a:tabLst/>
+            </a:pPr>
+            <a:r>
+              <a:rPr kumimoji="0" lang="en-US" altLang="en-US" sz="1600" b="1" u="none" strike="noStrike" cap="none" normalizeH="0" baseline="0" dirty="0">
+                <a:ln>
+                  <a:noFill/>
+                </a:ln>
+                <a:solidFill>
+                  <a:schemeClr val="tx1"/>
+                </a:solidFill>
+                <a:effectLst/>
+              </a:rPr>
+              <a:t>Overfitting control</a:t>
+            </a:r>
+            <a:br>
+              <a:rPr kumimoji="0" lang="en-US" altLang="en-US" sz="1600" u="none" strike="noStrike" cap="none" normalizeH="0" baseline="0" dirty="0">
+                <a:ln>
+                  <a:noFill/>
+                </a:ln>
+                <a:solidFill>
+                  <a:schemeClr val="tx1"/>
+                </a:solidFill>
+                <a:effectLst/>
+              </a:rPr>
+            </a:br>
+            <a:r>
+              <a:rPr kumimoji="0" lang="en-US" altLang="en-US" sz="1600" u="none" strike="noStrike" cap="none" normalizeH="0" baseline="0" dirty="0">
+                <a:ln>
+                  <a:noFill/>
+                </a:ln>
+                <a:solidFill>
+                  <a:schemeClr val="tx1"/>
+                </a:solidFill>
+                <a:effectLst/>
+              </a:rPr>
+              <a:t>Develop robust strategies to detect and mitigate overfitting between training and evaluation models.</a:t>
+            </a:r>
+          </a:p>
+          <a:p>
+            <a:pPr marL="0" marR="0" lvl="0" indent="0" algn="l" defTabSz="914400" rtl="0" eaLnBrk="0" fontAlgn="base" latinLnBrk="0" hangingPunct="0">
+              <a:lnSpc>
+                <a:spcPct val="100000"/>
+              </a:lnSpc>
+              <a:spcBef>
+                <a:spcPct val="0"/>
+              </a:spcBef>
+              <a:spcAft>
+                <a:spcPct val="0"/>
+              </a:spcAft>
+              <a:buClrTx/>
+              <a:buSzTx/>
+              <a:buNone/>
+              <a:tabLst/>
+            </a:pPr>
+            <a:endParaRPr kumimoji="0" lang="en-US" altLang="en-US" sz="1600" u="none" strike="noStrike" cap="none" normalizeH="0" baseline="0" dirty="0">
+              <a:ln>
+                <a:noFill/>
+              </a:ln>
+              <a:solidFill>
+                <a:schemeClr val="tx1"/>
+              </a:solidFill>
+              <a:effectLst/>
+            </a:endParaRPr>
+          </a:p>
+          <a:p>
+            <a:pPr marL="0" marR="0" lvl="0" indent="0" algn="l" defTabSz="914400" rtl="0" eaLnBrk="0" fontAlgn="base" latinLnBrk="0" hangingPunct="0">
+              <a:lnSpc>
+                <a:spcPct val="100000"/>
+              </a:lnSpc>
+              <a:spcBef>
+                <a:spcPct val="0"/>
+              </a:spcBef>
+              <a:spcAft>
+                <a:spcPct val="0"/>
+              </a:spcAft>
+              <a:buClrTx/>
+              <a:buSzTx/>
+              <a:buNone/>
+              <a:tabLst/>
+            </a:pPr>
+            <a:r>
+              <a:rPr kumimoji="0" lang="en-US" altLang="en-US" sz="1600" b="1" u="none" strike="noStrike" cap="none" normalizeH="0" baseline="0" dirty="0">
+                <a:ln>
+                  <a:noFill/>
+                </a:ln>
+                <a:solidFill>
+                  <a:schemeClr val="tx1"/>
+                </a:solidFill>
+                <a:effectLst/>
+              </a:rPr>
+              <a:t>Selection of top genes</a:t>
+            </a:r>
+            <a:br>
+              <a:rPr kumimoji="0" lang="en-US" altLang="en-US" sz="1600" u="none" strike="noStrike" cap="none" normalizeH="0" baseline="0" dirty="0">
+                <a:ln>
+                  <a:noFill/>
+                </a:ln>
+                <a:solidFill>
+                  <a:schemeClr val="tx1"/>
+                </a:solidFill>
+                <a:effectLst/>
+              </a:rPr>
+            </a:br>
+            <a:r>
+              <a:rPr kumimoji="0" lang="en-US" altLang="en-US" sz="1600" u="none" strike="noStrike" cap="none" normalizeH="0" baseline="0" dirty="0">
+                <a:ln>
+                  <a:noFill/>
+                </a:ln>
+                <a:solidFill>
+                  <a:schemeClr val="tx1"/>
+                </a:solidFill>
+                <a:effectLst/>
+              </a:rPr>
+              <a:t>Systematically identify the optimal number of top genes(expressive genes) that maximizes predictive performance while preserving biological relevance.</a:t>
+            </a:r>
+          </a:p>
+          <a:p>
+            <a:pPr marL="0" marR="0" lvl="0" indent="0" algn="l" defTabSz="914400" rtl="0" eaLnBrk="0" fontAlgn="base" latinLnBrk="0" hangingPunct="0">
+              <a:lnSpc>
+                <a:spcPct val="100000"/>
+              </a:lnSpc>
+              <a:spcBef>
+                <a:spcPct val="0"/>
+              </a:spcBef>
+              <a:spcAft>
+                <a:spcPct val="0"/>
+              </a:spcAft>
+              <a:buClrTx/>
+              <a:buSzTx/>
+              <a:buNone/>
+              <a:tabLst/>
+            </a:pPr>
+            <a:endParaRPr kumimoji="0" lang="en-US" altLang="en-US" sz="1600" u="none" strike="noStrike" cap="none" normalizeH="0" baseline="0" dirty="0">
+              <a:ln>
+                <a:noFill/>
+              </a:ln>
+              <a:solidFill>
+                <a:schemeClr val="tx1"/>
+              </a:solidFill>
+              <a:effectLst/>
+            </a:endParaRPr>
+          </a:p>
+          <a:p>
+            <a:pPr marL="0" marR="0" lvl="0" indent="0" algn="l" defTabSz="914400" rtl="0" eaLnBrk="0" fontAlgn="base" latinLnBrk="0" hangingPunct="0">
+              <a:lnSpc>
+                <a:spcPct val="100000"/>
+              </a:lnSpc>
+              <a:spcBef>
+                <a:spcPct val="0"/>
+              </a:spcBef>
+              <a:spcAft>
+                <a:spcPct val="0"/>
+              </a:spcAft>
+              <a:buClrTx/>
+              <a:buSzTx/>
+              <a:buNone/>
+              <a:tabLst/>
+            </a:pPr>
+            <a:r>
+              <a:rPr kumimoji="0" lang="en-US" altLang="en-US" sz="1600" b="1" u="none" strike="noStrike" cap="none" normalizeH="0" baseline="0" dirty="0">
+                <a:ln>
+                  <a:noFill/>
+                </a:ln>
+                <a:solidFill>
+                  <a:schemeClr val="tx1"/>
+                </a:solidFill>
+                <a:effectLst/>
+              </a:rPr>
+              <a:t>In-silico and experimental evaluation datasets</a:t>
+            </a:r>
+            <a:br>
+              <a:rPr kumimoji="0" lang="en-US" altLang="en-US" sz="1600" u="none" strike="noStrike" cap="none" normalizeH="0" baseline="0" dirty="0">
+                <a:ln>
+                  <a:noFill/>
+                </a:ln>
+                <a:solidFill>
+                  <a:schemeClr val="tx1"/>
+                </a:solidFill>
+                <a:effectLst/>
+              </a:rPr>
+            </a:br>
+            <a:r>
+              <a:rPr kumimoji="0" lang="en-US" altLang="en-US" sz="1600" u="none" strike="noStrike" cap="none" normalizeH="0" baseline="0" dirty="0">
+                <a:ln>
+                  <a:noFill/>
+                </a:ln>
+                <a:solidFill>
+                  <a:schemeClr val="tx1"/>
+                </a:solidFill>
+                <a:effectLst/>
+              </a:rPr>
+              <a:t>Select independent in-silico and experimental out-of-sample datasets for rigorous external validation of the proposed framework.</a:t>
+            </a:r>
+          </a:p>
+        </p:txBody>
+      </p:sp>
+    </p:spTree>
+    <p:extLst>
+      <p:ext uri="{BB962C8B-B14F-4D97-AF65-F5344CB8AC3E}">
+        <p14:creationId xmlns:p14="http://schemas.microsoft.com/office/powerpoint/2010/main" val="2792490115"/>
       </p:ext>
     </p:extLst>
   </p:cSld>

--- a/ppt slides for omic codeathon (1) (1).pptx
+++ b/ppt slides for omic codeathon (1) (1).pptx
@@ -5,7 +5,7 @@
     <p:sldMasterId id="2147483660" r:id="rId1"/>
   </p:sldMasterIdLst>
   <p:notesMasterIdLst>
-    <p:notesMasterId r:id="rId35"/>
+    <p:notesMasterId r:id="rId34"/>
   </p:notesMasterIdLst>
   <p:sldIdLst>
     <p:sldId id="256" r:id="rId2"/>
@@ -37,10 +37,9 @@
     <p:sldId id="259" r:id="rId28"/>
     <p:sldId id="290" r:id="rId29"/>
     <p:sldId id="291" r:id="rId30"/>
-    <p:sldId id="294" r:id="rId31"/>
-    <p:sldId id="292" r:id="rId32"/>
-    <p:sldId id="293" r:id="rId33"/>
-    <p:sldId id="286" r:id="rId34"/>
+    <p:sldId id="292" r:id="rId31"/>
+    <p:sldId id="293" r:id="rId32"/>
+    <p:sldId id="286" r:id="rId33"/>
   </p:sldIdLst>
   <p:sldSz cx="12192000" cy="6858000"/>
   <p:notesSz cx="6858000" cy="9144000"/>
@@ -18422,8 +18421,8 @@
         </p:nvSpPr>
         <p:spPr bwMode="auto">
           <a:xfrm>
-            <a:off x="509016" y="1099603"/>
-            <a:ext cx="9416232" cy="4362220"/>
+            <a:off x="509016" y="1515101"/>
+            <a:ext cx="9416232" cy="3531223"/>
           </a:xfrm>
           <a:prstGeom prst="rect">
             <a:avLst/>
@@ -18781,7 +18780,7 @@
                 <a:effectLst/>
                 <a:cs typeface="Arial" panose="020B0604020202020204" pitchFamily="34" charset="0"/>
               </a:rPr>
-              <a:t>Jin et al. (Perturb-Seq)</a:t>
+              <a:t>(Perturb-Seq)</a:t>
             </a:r>
             <a:r>
               <a:rPr kumimoji="0" lang="en-US" altLang="en-US" sz="1800" b="0" i="0" u="none" strike="noStrike" cap="none" normalizeH="0" baseline="0" dirty="0">
@@ -18808,73 +18807,6 @@
                 <a:cs typeface="Arial" panose="020B0604020202020204" pitchFamily="34" charset="0"/>
               </a:rPr>
             </a:br>
-            <a:r>
-              <a:rPr kumimoji="0" lang="en-US" altLang="en-US" sz="1800" b="0" i="1" u="none" strike="noStrike" cap="none" normalizeH="0" baseline="0" dirty="0">
-                <a:ln>
-                  <a:noFill/>
-                </a:ln>
-                <a:solidFill>
-                  <a:schemeClr val="tx1"/>
-                </a:solidFill>
-                <a:effectLst/>
-                <a:cs typeface="Arial" panose="020B0604020202020204" pitchFamily="34" charset="0"/>
-              </a:rPr>
-              <a:t>Directly measures how autism risk-gene perturbations alter neuronal and glial trajectories in vivo.</a:t>
-            </a:r>
-          </a:p>
-          <a:p>
-            <a:pPr marL="0" lvl="0" indent="0" eaLnBrk="0" fontAlgn="base" hangingPunct="0">
-              <a:lnSpc>
-                <a:spcPct val="100000"/>
-              </a:lnSpc>
-              <a:spcBef>
-                <a:spcPct val="0"/>
-              </a:spcBef>
-              <a:spcAft>
-                <a:spcPct val="0"/>
-              </a:spcAft>
-              <a:buNone/>
-            </a:pPr>
-            <a:endParaRPr lang="en-US" altLang="en-US" sz="1800" dirty="0">
-              <a:cs typeface="Arial" panose="020B0604020202020204" pitchFamily="34" charset="0"/>
-            </a:endParaRPr>
-          </a:p>
-          <a:p>
-            <a:pPr marL="0" lvl="0" indent="0" eaLnBrk="0" fontAlgn="base" hangingPunct="0">
-              <a:lnSpc>
-                <a:spcPct val="100000"/>
-              </a:lnSpc>
-              <a:spcBef>
-                <a:spcPct val="0"/>
-              </a:spcBef>
-              <a:spcAft>
-                <a:spcPct val="0"/>
-              </a:spcAft>
-              <a:buNone/>
-            </a:pPr>
-            <a:r>
-              <a:rPr lang="en-US" altLang="en-US" sz="1800" dirty="0">
-                <a:cs typeface="Arial" panose="020B0604020202020204" pitchFamily="34" charset="0"/>
-              </a:rPr>
-              <a:t>Uses control data and perform in-vitro based perturbation</a:t>
-            </a:r>
-          </a:p>
-          <a:p>
-            <a:pPr marL="0" marR="0" lvl="0" indent="0" algn="l" defTabSz="914400" rtl="0" eaLnBrk="0" fontAlgn="base" latinLnBrk="0" hangingPunct="0">
-              <a:lnSpc>
-                <a:spcPct val="100000"/>
-              </a:lnSpc>
-              <a:spcBef>
-                <a:spcPct val="0"/>
-              </a:spcBef>
-              <a:spcAft>
-                <a:spcPct val="0"/>
-              </a:spcAft>
-              <a:buClrTx/>
-              <a:buSzTx/>
-              <a:buNone/>
-              <a:tabLst/>
-            </a:pPr>
             <a:endParaRPr lang="en-US" altLang="en-US" sz="1800" i="1" dirty="0">
               <a:cs typeface="Arial" panose="020B0604020202020204" pitchFamily="34" charset="0"/>
             </a:endParaRPr>
@@ -18908,113 +18840,6 @@
           </a:p>
         </p:txBody>
       </p:sp>
-      <p:graphicFrame>
-        <p:nvGraphicFramePr>
-          <p:cNvPr id="5" name="Table 4">
-            <a:extLst>
-              <a:ext uri="{FF2B5EF4-FFF2-40B4-BE49-F238E27FC236}">
-                <a16:creationId xmlns:a16="http://schemas.microsoft.com/office/drawing/2014/main" id="{DF835951-1381-F799-32B7-31D36C8A8A1E}"/>
-              </a:ext>
-            </a:extLst>
-          </p:cNvPr>
-          <p:cNvGraphicFramePr>
-            <a:graphicFrameLocks noGrp="1"/>
-          </p:cNvGraphicFramePr>
-          <p:nvPr>
-            <p:extLst>
-              <p:ext uri="{D42A27DB-BD31-4B8C-83A1-F6EECF244321}">
-                <p14:modId xmlns:p14="http://schemas.microsoft.com/office/powerpoint/2010/main" val="3314538001"/>
-              </p:ext>
-            </p:extLst>
-          </p:nvPr>
-        </p:nvGraphicFramePr>
-        <p:xfrm>
-          <a:off x="762000" y="5538978"/>
-          <a:ext cx="8444484" cy="586740"/>
-        </p:xfrm>
-        <a:graphic>
-          <a:graphicData uri="http://schemas.openxmlformats.org/drawingml/2006/table">
-            <a:tbl>
-              <a:tblPr/>
-              <a:tblGrid>
-                <a:gridCol w="8444484">
-                  <a:extLst>
-                    <a:ext uri="{9D8B030D-6E8A-4147-A177-3AD203B41FA5}">
-                      <a16:colId xmlns:a16="http://schemas.microsoft.com/office/drawing/2014/main" val="145204435"/>
-                    </a:ext>
-                  </a:extLst>
-                </a:gridCol>
-              </a:tblGrid>
-              <a:tr h="448691">
-                <a:tc>
-                  <a:txBody>
-                    <a:bodyPr/>
-                    <a:lstStyle/>
-                    <a:p>
-                      <a:pPr>
-                        <a:spcAft>
-                          <a:spcPts val="300"/>
-                        </a:spcAft>
-                        <a:buFont typeface="Arial" panose="020B0604020202020204" pitchFamily="34" charset="0"/>
-                        <a:buNone/>
-                      </a:pPr>
-                      <a:br>
-                        <a:rPr lang="en-CA" sz="1200" dirty="0">
-                          <a:effectLst/>
-                          <a:latin typeface="Verdana" panose="020B0604030504040204" pitchFamily="34" charset="0"/>
-                        </a:rPr>
-                      </a:br>
-                      <a:r>
-                        <a:rPr lang="en-CA" sz="1200" dirty="0">
-                          <a:effectLst/>
-                          <a:latin typeface="Verdana" panose="020B0604030504040204" pitchFamily="34" charset="0"/>
-                        </a:rPr>
-                        <a:t>Jin X, Simmons SK, Guo A, Shetty AS et al. In vivo Perturb-Seq reveals neuronal and glial abnormalities associated with autism risk genes. </a:t>
-                      </a:r>
-                      <a:r>
-                        <a:rPr lang="en-CA" sz="1200" i="1" dirty="0">
-                          <a:effectLst/>
-                          <a:latin typeface="Verdana" panose="020B0604030504040204" pitchFamily="34" charset="0"/>
-                        </a:rPr>
-                        <a:t>Science</a:t>
-                      </a:r>
-                      <a:r>
-                        <a:rPr lang="en-CA" sz="1200" dirty="0">
-                          <a:effectLst/>
-                          <a:latin typeface="Verdana" panose="020B0604030504040204" pitchFamily="34" charset="0"/>
-                        </a:rPr>
-                        <a:t> 2020 Nov 27;370(6520).</a:t>
-                      </a:r>
-                    </a:p>
-                  </a:txBody>
-                  <a:tcPr marL="19050" marR="19050" marT="19050" marB="19050">
-                    <a:lnL>
-                      <a:noFill/>
-                    </a:lnL>
-                    <a:lnR>
-                      <a:noFill/>
-                    </a:lnR>
-                    <a:lnT>
-                      <a:noFill/>
-                    </a:lnT>
-                    <a:lnB>
-                      <a:noFill/>
-                    </a:lnB>
-                    <a:solidFill>
-                      <a:srgbClr val="FFFFFF"/>
-                    </a:solidFill>
-                  </a:tcPr>
-                </a:tc>
-                <a:extLst>
-                  <a:ext uri="{0D108BD9-81ED-4DB2-BD59-A6C34878D82A}">
-                    <a16:rowId xmlns:a16="http://schemas.microsoft.com/office/drawing/2014/main" val="2844913777"/>
-                  </a:ext>
-                </a:extLst>
-              </a:tr>
-            </a:tbl>
-          </a:graphicData>
-        </a:graphic>
-      </p:graphicFrame>
     </p:spTree>
     <p:extLst>
       <p:ext uri="{BB962C8B-B14F-4D97-AF65-F5344CB8AC3E}">
@@ -19579,319 +19404,6 @@
           <p:cNvPr id="2" name="Title 1">
             <a:extLst>
               <a:ext uri="{FF2B5EF4-FFF2-40B4-BE49-F238E27FC236}">
-                <a16:creationId xmlns:a16="http://schemas.microsoft.com/office/drawing/2014/main" id="{F26121D6-CA2C-490A-A083-E3533C8A832E}"/>
-              </a:ext>
-            </a:extLst>
-          </p:cNvPr>
-          <p:cNvSpPr>
-            <a:spLocks noGrp="1"/>
-          </p:cNvSpPr>
-          <p:nvPr>
-            <p:ph type="title"/>
-          </p:nvPr>
-        </p:nvSpPr>
-        <p:spPr/>
-        <p:txBody>
-          <a:bodyPr/>
-          <a:lstStyle/>
-          <a:p>
-            <a:r>
-              <a:rPr lang="en-US" altLang="en-US" b="1" dirty="0">
-                <a:cs typeface="Arial" panose="020B0604020202020204" pitchFamily="34" charset="0"/>
-              </a:rPr>
-              <a:t>Jin et al. (Perturb-Seq) details</a:t>
-            </a:r>
-            <a:endParaRPr lang="en-CA" dirty="0"/>
-          </a:p>
-        </p:txBody>
-      </p:sp>
-      <p:graphicFrame>
-        <p:nvGraphicFramePr>
-          <p:cNvPr id="4" name="Content Placeholder 3">
-            <a:extLst>
-              <a:ext uri="{FF2B5EF4-FFF2-40B4-BE49-F238E27FC236}">
-                <a16:creationId xmlns:a16="http://schemas.microsoft.com/office/drawing/2014/main" id="{78E36CFD-CFEA-C04A-557F-519A5AE8DD0F}"/>
-              </a:ext>
-            </a:extLst>
-          </p:cNvPr>
-          <p:cNvGraphicFramePr>
-            <a:graphicFrameLocks noGrp="1"/>
-          </p:cNvGraphicFramePr>
-          <p:nvPr>
-            <p:ph idx="1"/>
-            <p:extLst>
-              <p:ext uri="{D42A27DB-BD31-4B8C-83A1-F6EECF244321}">
-                <p14:modId xmlns:p14="http://schemas.microsoft.com/office/powerpoint/2010/main" val="347168777"/>
-              </p:ext>
-            </p:extLst>
-          </p:nvPr>
-        </p:nvGraphicFramePr>
-        <p:xfrm>
-          <a:off x="978027" y="2570258"/>
-          <a:ext cx="10515600" cy="1097280"/>
-        </p:xfrm>
-        <a:graphic>
-          <a:graphicData uri="http://schemas.openxmlformats.org/drawingml/2006/table">
-            <a:tbl>
-              <a:tblPr/>
-              <a:tblGrid>
-                <a:gridCol w="5257800">
-                  <a:extLst>
-                    <a:ext uri="{9D8B030D-6E8A-4147-A177-3AD203B41FA5}">
-                      <a16:colId xmlns:a16="http://schemas.microsoft.com/office/drawing/2014/main" val="3333501855"/>
-                    </a:ext>
-                  </a:extLst>
-                </a:gridCol>
-                <a:gridCol w="5257800">
-                  <a:extLst>
-                    <a:ext uri="{9D8B030D-6E8A-4147-A177-3AD203B41FA5}">
-                      <a16:colId xmlns:a16="http://schemas.microsoft.com/office/drawing/2014/main" val="3735340647"/>
-                    </a:ext>
-                  </a:extLst>
-                </a:gridCol>
-              </a:tblGrid>
-              <a:tr h="0">
-                <a:tc>
-                  <a:txBody>
-                    <a:bodyPr/>
-                    <a:lstStyle/>
-                    <a:p>
-                      <a:pPr>
-                        <a:buNone/>
-                      </a:pPr>
-                      <a:r>
-                        <a:rPr lang="en-CA"/>
-                        <a:t>File</a:t>
-                      </a:r>
-                    </a:p>
-                  </a:txBody>
-                  <a:tcPr anchor="ctr">
-                    <a:lnL>
-                      <a:noFill/>
-                    </a:lnL>
-                    <a:lnR>
-                      <a:noFill/>
-                    </a:lnR>
-                    <a:lnT>
-                      <a:noFill/>
-                    </a:lnT>
-                    <a:lnB>
-                      <a:noFill/>
-                    </a:lnB>
-                    <a:noFill/>
-                  </a:tcPr>
-                </a:tc>
-                <a:tc>
-                  <a:txBody>
-                    <a:bodyPr/>
-                    <a:lstStyle/>
-                    <a:p>
-                      <a:pPr>
-                        <a:buNone/>
-                      </a:pPr>
-                      <a:r>
-                        <a:rPr lang="en-CA"/>
-                        <a:t>Meaning</a:t>
-                      </a:r>
-                    </a:p>
-                  </a:txBody>
-                  <a:tcPr anchor="ctr">
-                    <a:lnL>
-                      <a:noFill/>
-                    </a:lnL>
-                    <a:lnR>
-                      <a:noFill/>
-                    </a:lnR>
-                    <a:lnT>
-                      <a:noFill/>
-                    </a:lnT>
-                    <a:lnB>
-                      <a:noFill/>
-                    </a:lnB>
-                    <a:noFill/>
-                  </a:tcPr>
-                </a:tc>
-                <a:extLst>
-                  <a:ext uri="{0D108BD9-81ED-4DB2-BD59-A6C34878D82A}">
-                    <a16:rowId xmlns:a16="http://schemas.microsoft.com/office/drawing/2014/main" val="1999013176"/>
-                  </a:ext>
-                </a:extLst>
-              </a:tr>
-              <a:tr h="0">
-                <a:tc>
-                  <a:txBody>
-                    <a:bodyPr/>
-                    <a:lstStyle/>
-                    <a:p>
-                      <a:pPr>
-                        <a:buNone/>
-                      </a:pPr>
-                      <a:r>
-                        <a:rPr lang="en-CA" b="1" dirty="0"/>
-                        <a:t>GFP</a:t>
-                      </a:r>
-                      <a:endParaRPr lang="en-CA" dirty="0"/>
-                    </a:p>
-                  </a:txBody>
-                  <a:tcPr anchor="ctr">
-                    <a:lnL>
-                      <a:noFill/>
-                    </a:lnL>
-                    <a:lnR>
-                      <a:noFill/>
-                    </a:lnR>
-                    <a:lnT>
-                      <a:noFill/>
-                    </a:lnT>
-                    <a:lnB>
-                      <a:noFill/>
-                    </a:lnB>
-                    <a:noFill/>
-                  </a:tcPr>
-                </a:tc>
-                <a:tc>
-                  <a:txBody>
-                    <a:bodyPr/>
-                    <a:lstStyle/>
-                    <a:p>
-                      <a:pPr>
-                        <a:buNone/>
-                      </a:pPr>
-                      <a:r>
-                        <a:rPr lang="en-CA"/>
-                        <a:t>Negative control (no functional perturbation)</a:t>
-                      </a:r>
-                    </a:p>
-                  </a:txBody>
-                  <a:tcPr anchor="ctr">
-                    <a:lnL>
-                      <a:noFill/>
-                    </a:lnL>
-                    <a:lnR>
-                      <a:noFill/>
-                    </a:lnR>
-                    <a:lnT>
-                      <a:noFill/>
-                    </a:lnT>
-                    <a:lnB>
-                      <a:noFill/>
-                    </a:lnB>
-                    <a:noFill/>
-                  </a:tcPr>
-                </a:tc>
-                <a:extLst>
-                  <a:ext uri="{0D108BD9-81ED-4DB2-BD59-A6C34878D82A}">
-                    <a16:rowId xmlns:a16="http://schemas.microsoft.com/office/drawing/2014/main" val="2307939342"/>
-                  </a:ext>
-                </a:extLst>
-              </a:tr>
-              <a:tr h="0">
-                <a:tc>
-                  <a:txBody>
-                    <a:bodyPr/>
-                    <a:lstStyle/>
-                    <a:p>
-                      <a:pPr>
-                        <a:buNone/>
-                      </a:pPr>
-                      <a:r>
-                        <a:rPr lang="en-CA" b="1"/>
-                        <a:t>Ank2</a:t>
-                      </a:r>
-                      <a:endParaRPr lang="en-CA"/>
-                    </a:p>
-                  </a:txBody>
-                  <a:tcPr anchor="ctr">
-                    <a:lnL>
-                      <a:noFill/>
-                    </a:lnL>
-                    <a:lnR>
-                      <a:noFill/>
-                    </a:lnR>
-                    <a:lnT>
-                      <a:noFill/>
-                    </a:lnT>
-                    <a:lnB>
-                      <a:noFill/>
-                    </a:lnB>
-                    <a:noFill/>
-                  </a:tcPr>
-                </a:tc>
-                <a:tc>
-                  <a:txBody>
-                    <a:bodyPr/>
-                    <a:lstStyle/>
-                    <a:p>
-                      <a:pPr>
-                        <a:buNone/>
-                      </a:pPr>
-                      <a:r>
-                        <a:rPr lang="en-CA" dirty="0"/>
-                        <a:t>Autism-risk gene knockout</a:t>
-                      </a:r>
-                    </a:p>
-                  </a:txBody>
-                  <a:tcPr anchor="ctr">
-                    <a:lnL>
-                      <a:noFill/>
-                    </a:lnL>
-                    <a:lnR>
-                      <a:noFill/>
-                    </a:lnR>
-                    <a:lnT>
-                      <a:noFill/>
-                    </a:lnT>
-                    <a:lnB>
-                      <a:noFill/>
-                    </a:lnB>
-                    <a:noFill/>
-                  </a:tcPr>
-                </a:tc>
-                <a:extLst>
-                  <a:ext uri="{0D108BD9-81ED-4DB2-BD59-A6C34878D82A}">
-                    <a16:rowId xmlns:a16="http://schemas.microsoft.com/office/drawing/2014/main" val="4237134701"/>
-                  </a:ext>
-                </a:extLst>
-              </a:tr>
-            </a:tbl>
-          </a:graphicData>
-        </a:graphic>
-      </p:graphicFrame>
-    </p:spTree>
-    <p:extLst>
-      <p:ext uri="{BB962C8B-B14F-4D97-AF65-F5344CB8AC3E}">
-        <p14:creationId xmlns:p14="http://schemas.microsoft.com/office/powerpoint/2010/main" val="613516514"/>
-      </p:ext>
-    </p:extLst>
-  </p:cSld>
-  <p:clrMapOvr>
-    <a:masterClrMapping/>
-  </p:clrMapOvr>
-</p:sld>
-</file>
-
-<file path=ppt/slides/slide31.xml><?xml version="1.0" encoding="utf-8"?>
-<p:sld xmlns:a="http://schemas.openxmlformats.org/drawingml/2006/main" xmlns:r="http://schemas.openxmlformats.org/officeDocument/2006/relationships" xmlns:p="http://schemas.openxmlformats.org/presentationml/2006/main">
-  <p:cSld>
-    <p:spTree>
-      <p:nvGrpSpPr>
-        <p:cNvPr id="1" name=""/>
-        <p:cNvGrpSpPr/>
-        <p:nvPr/>
-      </p:nvGrpSpPr>
-      <p:grpSpPr>
-        <a:xfrm>
-          <a:off x="0" y="0"/>
-          <a:ext cx="0" cy="0"/>
-          <a:chOff x="0" y="0"/>
-          <a:chExt cx="0" cy="0"/>
-        </a:xfrm>
-      </p:grpSpPr>
-      <p:sp>
-        <p:nvSpPr>
-          <p:cNvPr id="2" name="Title 1">
-            <a:extLst>
-              <a:ext uri="{FF2B5EF4-FFF2-40B4-BE49-F238E27FC236}">
                 <a16:creationId xmlns:a16="http://schemas.microsoft.com/office/drawing/2014/main" id="{03831FD2-85F0-B70E-6ED0-B0650D5F2BB4}"/>
               </a:ext>
             </a:extLst>
@@ -19930,7 +19442,7 @@
         </p:nvSpPr>
         <p:spPr>
           <a:xfrm>
-            <a:off x="754144" y="1762812"/>
+            <a:off x="1833136" y="1690688"/>
             <a:ext cx="2733774" cy="631596"/>
           </a:xfrm>
           <a:prstGeom prst="rect">
@@ -19977,7 +19489,7 @@
         </p:nvSpPr>
         <p:spPr>
           <a:xfrm>
-            <a:off x="5393703" y="1745528"/>
+            <a:off x="6472695" y="1673404"/>
             <a:ext cx="2637934" cy="648879"/>
           </a:xfrm>
           <a:prstGeom prst="rect">
@@ -20024,7 +19536,7 @@
         </p:nvSpPr>
         <p:spPr>
           <a:xfrm>
-            <a:off x="796565" y="3037788"/>
+            <a:off x="1875557" y="2965664"/>
             <a:ext cx="2648932" cy="631596"/>
           </a:xfrm>
           <a:prstGeom prst="rect">
@@ -20071,7 +19583,7 @@
         </p:nvSpPr>
         <p:spPr>
           <a:xfrm>
-            <a:off x="5393703" y="3037788"/>
+            <a:off x="6472695" y="2965664"/>
             <a:ext cx="2637934" cy="631596"/>
           </a:xfrm>
           <a:prstGeom prst="rect">
@@ -20118,7 +19630,7 @@
         </p:nvSpPr>
         <p:spPr>
           <a:xfrm>
-            <a:off x="838201" y="1885301"/>
+            <a:off x="1917193" y="1813177"/>
             <a:ext cx="2307336" cy="523220"/>
           </a:xfrm>
           <a:prstGeom prst="rect">
@@ -20172,7 +19684,7 @@
         </p:nvSpPr>
         <p:spPr>
           <a:xfrm>
-            <a:off x="1150070" y="3168920"/>
+            <a:off x="2229062" y="3096796"/>
             <a:ext cx="1845955" cy="369332"/>
           </a:xfrm>
           <a:prstGeom prst="rect">
@@ -20208,7 +19720,7 @@
         </p:nvSpPr>
         <p:spPr>
           <a:xfrm>
-            <a:off x="796564" y="4312764"/>
+            <a:off x="1875556" y="4240640"/>
             <a:ext cx="2755047" cy="631596"/>
           </a:xfrm>
           <a:prstGeom prst="rect">
@@ -20258,7 +19770,7 @@
         </p:nvCxnSpPr>
         <p:spPr>
           <a:xfrm>
-            <a:off x="2121031" y="2394408"/>
+            <a:off x="3200023" y="2322284"/>
             <a:ext cx="0" cy="643380"/>
           </a:xfrm>
           <a:prstGeom prst="straightConnector1">
@@ -20297,7 +19809,7 @@
         </p:nvCxnSpPr>
         <p:spPr>
           <a:xfrm>
-            <a:off x="2121031" y="3669384"/>
+            <a:off x="3200023" y="3597260"/>
             <a:ext cx="0" cy="643380"/>
           </a:xfrm>
           <a:prstGeom prst="straightConnector1">
@@ -20336,7 +19848,7 @@
         </p:nvSpPr>
         <p:spPr>
           <a:xfrm>
-            <a:off x="754144" y="4463593"/>
+            <a:off x="1833136" y="4391469"/>
             <a:ext cx="2755050" cy="369332"/>
           </a:xfrm>
           <a:prstGeom prst="rect">
@@ -20372,7 +19884,7 @@
         </p:nvSpPr>
         <p:spPr>
           <a:xfrm>
-            <a:off x="5393703" y="4446253"/>
+            <a:off x="6472695" y="4374129"/>
             <a:ext cx="2637934" cy="631596"/>
           </a:xfrm>
           <a:prstGeom prst="rect">
@@ -20407,60 +19919,6 @@
       </p:sp>
       <p:sp>
         <p:nvSpPr>
-          <p:cNvPr id="18" name="TextBox 17">
-            <a:extLst>
-              <a:ext uri="{FF2B5EF4-FFF2-40B4-BE49-F238E27FC236}">
-                <a16:creationId xmlns:a16="http://schemas.microsoft.com/office/drawing/2014/main" id="{B1013954-8779-7ACF-E722-D7687390A024}"/>
-              </a:ext>
-            </a:extLst>
-          </p:cNvPr>
-          <p:cNvSpPr txBox="1"/>
-          <p:nvPr/>
-        </p:nvSpPr>
-        <p:spPr>
-          <a:xfrm>
-            <a:off x="5393706" y="1847887"/>
-            <a:ext cx="2637931" cy="584775"/>
-          </a:xfrm>
-          <a:prstGeom prst="rect">
-            <a:avLst/>
-          </a:prstGeom>
-          <a:noFill/>
-        </p:spPr>
-        <p:txBody>
-          <a:bodyPr wrap="square">
-            <a:spAutoFit/>
-          </a:bodyPr>
-          <a:lstStyle/>
-          <a:p>
-            <a:r>
-              <a:rPr lang="en-US" altLang="en-US" sz="1600" b="1" dirty="0">
-                <a:cs typeface="Arial" panose="020B0604020202020204" pitchFamily="34" charset="0"/>
-              </a:rPr>
-              <a:t>Jin et al. (Perturb-Seq)</a:t>
-            </a:r>
-            <a:r>
-              <a:rPr lang="en-US" altLang="en-US" sz="1600" dirty="0">
-                <a:cs typeface="Arial" panose="020B0604020202020204" pitchFamily="34" charset="0"/>
-              </a:rPr>
-              <a:t>: </a:t>
-            </a:r>
-            <a:r>
-              <a:rPr lang="en-CA" sz="1600" b="0" i="0" dirty="0">
-                <a:solidFill>
-                  <a:srgbClr val="000000"/>
-                </a:solidFill>
-                <a:effectLst/>
-                <a:latin typeface="Verdana" panose="020B0604030504040204" pitchFamily="34" charset="0"/>
-              </a:rPr>
-              <a:t>GSE157977_RAW.tar</a:t>
-            </a:r>
-            <a:endParaRPr lang="en-CA" sz="1600" dirty="0"/>
-          </a:p>
-        </p:txBody>
-      </p:sp>
-      <p:sp>
-        <p:nvSpPr>
           <p:cNvPr id="19" name="TextBox 18">
             <a:extLst>
               <a:ext uri="{FF2B5EF4-FFF2-40B4-BE49-F238E27FC236}">
@@ -20473,7 +19931,7 @@
         </p:nvSpPr>
         <p:spPr>
           <a:xfrm>
-            <a:off x="5759777" y="3168920"/>
+            <a:off x="6838769" y="3096796"/>
             <a:ext cx="2100447" cy="369332"/>
           </a:xfrm>
           <a:prstGeom prst="rect">
@@ -20509,7 +19967,7 @@
         </p:nvSpPr>
         <p:spPr>
           <a:xfrm>
-            <a:off x="5338447" y="4575028"/>
+            <a:off x="6417439" y="4502904"/>
             <a:ext cx="2748445" cy="369332"/>
           </a:xfrm>
           <a:prstGeom prst="rect">
@@ -20545,7 +20003,7 @@
         </p:nvCxnSpPr>
         <p:spPr>
           <a:xfrm>
-            <a:off x="6712669" y="2394408"/>
+            <a:off x="7791661" y="2322284"/>
             <a:ext cx="0" cy="643380"/>
           </a:xfrm>
           <a:prstGeom prst="straightConnector1">
@@ -20587,7 +20045,7 @@
         </p:nvCxnSpPr>
         <p:spPr>
           <a:xfrm flipH="1">
-            <a:off x="6712670" y="3669384"/>
+            <a:off x="7791662" y="3597260"/>
             <a:ext cx="2355" cy="776869"/>
           </a:xfrm>
           <a:prstGeom prst="straightConnector1">
@@ -20626,7 +20084,7 @@
         </p:nvSpPr>
         <p:spPr>
           <a:xfrm>
-            <a:off x="2562126" y="5607437"/>
+            <a:off x="3641118" y="5535313"/>
             <a:ext cx="3695415" cy="1076167"/>
           </a:xfrm>
           <a:prstGeom prst="rect">
@@ -20675,7 +20133,7 @@
         </p:nvCxnSpPr>
         <p:spPr>
           <a:xfrm>
-            <a:off x="2036190" y="6124399"/>
+            <a:off x="3115182" y="6052275"/>
             <a:ext cx="525936" cy="0"/>
           </a:xfrm>
           <a:prstGeom prst="straightConnector1">
@@ -20716,7 +20174,7 @@
         </p:nvCxnSpPr>
         <p:spPr>
           <a:xfrm>
-            <a:off x="2048256" y="4944360"/>
+            <a:off x="3127248" y="4872236"/>
             <a:ext cx="0" cy="1180039"/>
           </a:xfrm>
           <a:prstGeom prst="line">
@@ -20756,7 +20214,7 @@
         </p:nvCxnSpPr>
         <p:spPr>
           <a:xfrm flipH="1">
-            <a:off x="6257541" y="6145520"/>
+            <a:off x="7336533" y="6073396"/>
             <a:ext cx="455128" cy="1"/>
           </a:xfrm>
           <a:prstGeom prst="straightConnector1">
@@ -20797,7 +20255,7 @@
         </p:nvCxnSpPr>
         <p:spPr>
           <a:xfrm>
-            <a:off x="6700477" y="5077849"/>
+            <a:off x="7779469" y="5005725"/>
             <a:ext cx="12192" cy="1067671"/>
           </a:xfrm>
           <a:prstGeom prst="line">
@@ -20834,7 +20292,7 @@
         </p:nvSpPr>
         <p:spPr>
           <a:xfrm>
-            <a:off x="2735734" y="5709717"/>
+            <a:off x="3814726" y="5637593"/>
             <a:ext cx="3521807" cy="923330"/>
           </a:xfrm>
           <a:prstGeom prst="rect">
@@ -20892,7 +20350,7 @@
 </p:sld>
 </file>
 
-<file path=ppt/slides/slide32.xml><?xml version="1.0" encoding="utf-8"?>
+<file path=ppt/slides/slide31.xml><?xml version="1.0" encoding="utf-8"?>
 <p:sld xmlns:a="http://schemas.openxmlformats.org/drawingml/2006/main" xmlns:r="http://schemas.openxmlformats.org/officeDocument/2006/relationships" xmlns:p="http://schemas.openxmlformats.org/presentationml/2006/main">
   <p:cSld>
     <p:spTree>
@@ -20976,7 +20434,7 @@
 </p:sld>
 </file>
 
-<file path=ppt/slides/slide33.xml><?xml version="1.0" encoding="utf-8"?>
+<file path=ppt/slides/slide32.xml><?xml version="1.0" encoding="utf-8"?>
 <p:sld xmlns:a="http://schemas.openxmlformats.org/drawingml/2006/main" xmlns:r="http://schemas.openxmlformats.org/officeDocument/2006/relationships" xmlns:p="http://schemas.openxmlformats.org/presentationml/2006/main">
   <p:cSld>
     <p:spTree>

--- a/ppt slides for omic codeathon (1) (1).pptx
+++ b/ppt slides for omic codeathon (1) (1).pptx
@@ -5,7 +5,7 @@
     <p:sldMasterId id="2147483660" r:id="rId1"/>
   </p:sldMasterIdLst>
   <p:notesMasterIdLst>
-    <p:notesMasterId r:id="rId34"/>
+    <p:notesMasterId r:id="rId36"/>
   </p:notesMasterIdLst>
   <p:sldIdLst>
     <p:sldId id="256" r:id="rId2"/>
@@ -39,7 +39,9 @@
     <p:sldId id="291" r:id="rId30"/>
     <p:sldId id="292" r:id="rId31"/>
     <p:sldId id="293" r:id="rId32"/>
-    <p:sldId id="286" r:id="rId33"/>
+    <p:sldId id="294" r:id="rId33"/>
+    <p:sldId id="296" r:id="rId34"/>
+    <p:sldId id="286" r:id="rId35"/>
   </p:sldIdLst>
   <p:sldSz cx="12192000" cy="6858000"/>
   <p:notesSz cx="6858000" cy="9144000"/>
@@ -19422,7 +19424,7 @@
           <a:p>
             <a:r>
               <a:rPr lang="en-US" dirty="0"/>
-              <a:t>Data Visualization</a:t>
+              <a:t>Data Visualization(Similar Cell type)</a:t>
             </a:r>
             <a:endParaRPr lang="en-CA" dirty="0"/>
           </a:p>
@@ -20435,6 +20437,1232 @@
 </file>
 
 <file path=ppt/slides/slide32.xml><?xml version="1.0" encoding="utf-8"?>
+<p:sld xmlns:a="http://schemas.openxmlformats.org/drawingml/2006/main" xmlns:r="http://schemas.openxmlformats.org/officeDocument/2006/relationships" xmlns:p="http://schemas.openxmlformats.org/presentationml/2006/main">
+  <p:cSld>
+    <p:spTree>
+      <p:nvGrpSpPr>
+        <p:cNvPr id="1" name=""/>
+        <p:cNvGrpSpPr/>
+        <p:nvPr/>
+      </p:nvGrpSpPr>
+      <p:grpSpPr>
+        <a:xfrm>
+          <a:off x="0" y="0"/>
+          <a:ext cx="0" cy="0"/>
+          <a:chOff x="0" y="0"/>
+          <a:chExt cx="0" cy="0"/>
+        </a:xfrm>
+      </p:grpSpPr>
+      <p:sp>
+        <p:nvSpPr>
+          <p:cNvPr id="2" name="Title 1">
+            <a:extLst>
+              <a:ext uri="{FF2B5EF4-FFF2-40B4-BE49-F238E27FC236}">
+                <a16:creationId xmlns:a16="http://schemas.microsoft.com/office/drawing/2014/main" id="{589387E8-E6DE-E936-FF03-0EF1C70FE537}"/>
+              </a:ext>
+            </a:extLst>
+          </p:cNvPr>
+          <p:cNvSpPr>
+            <a:spLocks noGrp="1"/>
+          </p:cNvSpPr>
+          <p:nvPr>
+            <p:ph type="title"/>
+          </p:nvPr>
+        </p:nvSpPr>
+        <p:spPr/>
+        <p:txBody>
+          <a:bodyPr/>
+          <a:lstStyle/>
+          <a:p>
+            <a:r>
+              <a:rPr lang="en-US" dirty="0"/>
+              <a:t>Out of sample (Drug Development)</a:t>
+            </a:r>
+            <a:endParaRPr lang="en-CA" dirty="0"/>
+          </a:p>
+        </p:txBody>
+      </p:sp>
+      <p:graphicFrame>
+        <p:nvGraphicFramePr>
+          <p:cNvPr id="4" name="Content Placeholder 3">
+            <a:extLst>
+              <a:ext uri="{FF2B5EF4-FFF2-40B4-BE49-F238E27FC236}">
+                <a16:creationId xmlns:a16="http://schemas.microsoft.com/office/drawing/2014/main" id="{9915A48D-BC02-12CB-04F3-F883606434C6}"/>
+              </a:ext>
+            </a:extLst>
+          </p:cNvPr>
+          <p:cNvGraphicFramePr>
+            <a:graphicFrameLocks noGrp="1"/>
+          </p:cNvGraphicFramePr>
+          <p:nvPr>
+            <p:ph idx="1"/>
+            <p:extLst>
+              <p:ext uri="{D42A27DB-BD31-4B8C-83A1-F6EECF244321}">
+                <p14:modId xmlns:p14="http://schemas.microsoft.com/office/powerpoint/2010/main" val="1445209023"/>
+              </p:ext>
+            </p:extLst>
+          </p:nvPr>
+        </p:nvGraphicFramePr>
+        <p:xfrm>
+          <a:off x="838200" y="2063909"/>
+          <a:ext cx="8791575" cy="4145280"/>
+        </p:xfrm>
+        <a:graphic>
+          <a:graphicData uri="http://schemas.openxmlformats.org/drawingml/2006/table">
+            <a:tbl>
+              <a:tblPr/>
+              <a:tblGrid>
+                <a:gridCol w="8791575">
+                  <a:extLst>
+                    <a:ext uri="{9D8B030D-6E8A-4147-A177-3AD203B41FA5}">
+                      <a16:colId xmlns:a16="http://schemas.microsoft.com/office/drawing/2014/main" val="2734927142"/>
+                    </a:ext>
+                  </a:extLst>
+                </a:gridCol>
+              </a:tblGrid>
+              <a:tr h="0">
+                <a:tc>
+                  <a:txBody>
+                    <a:bodyPr/>
+                    <a:lstStyle/>
+                    <a:p>
+                      <a:pPr>
+                        <a:spcAft>
+                          <a:spcPts val="300"/>
+                        </a:spcAft>
+                        <a:buFont typeface="Arial" panose="020B0604020202020204" pitchFamily="34" charset="0"/>
+                        <a:buNone/>
+                      </a:pPr>
+                      <a:r>
+                        <a:rPr lang="en-CA" dirty="0" err="1">
+                          <a:effectLst/>
+                          <a:latin typeface="Verdana" panose="020B0604030504040204" pitchFamily="34" charset="0"/>
+                        </a:rPr>
+                        <a:t>Schiebinger</a:t>
+                      </a:r>
+                      <a:r>
+                        <a:rPr lang="en-CA" dirty="0">
+                          <a:effectLst/>
+                          <a:latin typeface="Verdana" panose="020B0604030504040204" pitchFamily="34" charset="0"/>
+                        </a:rPr>
+                        <a:t> G, Shu J, Tabaka M, Cleary B et al. Optimal-Transport Analysis of Single-Cell Gene Expression Identifies Developmental Trajectories in Reprogramming. </a:t>
+                      </a:r>
+                      <a:r>
+                        <a:rPr lang="en-CA" i="1" dirty="0">
+                          <a:effectLst/>
+                          <a:latin typeface="Verdana" panose="020B0604030504040204" pitchFamily="34" charset="0"/>
+                        </a:rPr>
+                        <a:t>Cell</a:t>
+                      </a:r>
+                      <a:r>
+                        <a:rPr lang="en-CA" dirty="0">
+                          <a:effectLst/>
+                          <a:latin typeface="Verdana" panose="020B0604030504040204" pitchFamily="34" charset="0"/>
+                        </a:rPr>
+                        <a:t> 2019 Feb 7;176(4):928-943.e22.</a:t>
+                      </a:r>
+                    </a:p>
+                    <a:p>
+                      <a:pPr>
+                        <a:spcAft>
+                          <a:spcPts val="300"/>
+                        </a:spcAft>
+                        <a:buFont typeface="Arial" panose="020B0604020202020204" pitchFamily="34" charset="0"/>
+                        <a:buNone/>
+                      </a:pPr>
+                      <a:endParaRPr lang="en-CA" dirty="0">
+                        <a:effectLst/>
+                        <a:latin typeface="Verdana" panose="020B0604030504040204" pitchFamily="34" charset="0"/>
+                      </a:endParaRPr>
+                    </a:p>
+                    <a:p>
+                      <a:pPr marL="0" marR="0" lvl="0" indent="0" algn="l" defTabSz="914400" rtl="0" eaLnBrk="1" fontAlgn="auto" latinLnBrk="0" hangingPunct="1">
+                        <a:lnSpc>
+                          <a:spcPct val="100000"/>
+                        </a:lnSpc>
+                        <a:spcBef>
+                          <a:spcPts val="0"/>
+                        </a:spcBef>
+                        <a:spcAft>
+                          <a:spcPts val="300"/>
+                        </a:spcAft>
+                        <a:buClrTx/>
+                        <a:buSzTx/>
+                        <a:buFont typeface="Arial" panose="020B0604020202020204" pitchFamily="34" charset="0"/>
+                        <a:buNone/>
+                        <a:tabLst/>
+                        <a:defRPr/>
+                      </a:pPr>
+                      <a:br>
+                        <a:rPr lang="en-CA" sz="1800" dirty="0">
+                          <a:effectLst/>
+                          <a:latin typeface="Verdana" panose="020B0604030504040204" pitchFamily="34" charset="0"/>
+                        </a:rPr>
+                      </a:br>
+                      <a:r>
+                        <a:rPr lang="en-CA" sz="1800" dirty="0">
+                          <a:effectLst/>
+                          <a:latin typeface="Verdana" panose="020B0604030504040204" pitchFamily="34" charset="0"/>
+                        </a:rPr>
+                        <a:t>Gubin MM, </a:t>
+                      </a:r>
+                      <a:r>
+                        <a:rPr lang="en-CA" sz="1800" dirty="0" err="1">
+                          <a:effectLst/>
+                          <a:latin typeface="Verdana" panose="020B0604030504040204" pitchFamily="34" charset="0"/>
+                        </a:rPr>
+                        <a:t>Esaulova</a:t>
+                      </a:r>
+                      <a:r>
+                        <a:rPr lang="en-CA" sz="1800" dirty="0">
+                          <a:effectLst/>
+                          <a:latin typeface="Verdana" panose="020B0604030504040204" pitchFamily="34" charset="0"/>
+                        </a:rPr>
+                        <a:t> E, Ward JP, Malkova ON et al. High-Dimensional Analysis Delineates Myeloid and Lymphoid Compartment Remodeling during Successful Immune-Checkpoint Cancer Therapy. </a:t>
+                      </a:r>
+                      <a:r>
+                        <a:rPr lang="en-CA" sz="1800" i="1" dirty="0">
+                          <a:effectLst/>
+                          <a:latin typeface="Verdana" panose="020B0604030504040204" pitchFamily="34" charset="0"/>
+                        </a:rPr>
+                        <a:t>Cell</a:t>
+                      </a:r>
+                      <a:r>
+                        <a:rPr lang="en-CA" sz="1800" dirty="0">
+                          <a:effectLst/>
+                          <a:latin typeface="Verdana" panose="020B0604030504040204" pitchFamily="34" charset="0"/>
+                        </a:rPr>
+                        <a:t> 2018 Nov 1;175(4)</a:t>
+                      </a:r>
+                    </a:p>
+                    <a:p>
+                      <a:pPr>
+                        <a:spcAft>
+                          <a:spcPts val="300"/>
+                        </a:spcAft>
+                        <a:buFont typeface="Arial" panose="020B0604020202020204" pitchFamily="34" charset="0"/>
+                        <a:buNone/>
+                      </a:pPr>
+                      <a:endParaRPr lang="en-CA" dirty="0">
+                        <a:effectLst/>
+                        <a:latin typeface="Verdana" panose="020B0604030504040204" pitchFamily="34" charset="0"/>
+                      </a:endParaRPr>
+                    </a:p>
+                    <a:p>
+                      <a:pPr>
+                        <a:spcAft>
+                          <a:spcPts val="300"/>
+                        </a:spcAft>
+                        <a:buFont typeface="Arial" panose="020B0604020202020204" pitchFamily="34" charset="0"/>
+                        <a:buNone/>
+                      </a:pPr>
+                      <a:endParaRPr lang="en-CA" dirty="0">
+                        <a:effectLst/>
+                        <a:latin typeface="Verdana" panose="020B0604030504040204" pitchFamily="34" charset="0"/>
+                      </a:endParaRPr>
+                    </a:p>
+                    <a:p>
+                      <a:pPr>
+                        <a:spcAft>
+                          <a:spcPts val="300"/>
+                        </a:spcAft>
+                        <a:buFont typeface="Arial" panose="020B0604020202020204" pitchFamily="34" charset="0"/>
+                        <a:buNone/>
+                      </a:pPr>
+                      <a:endParaRPr lang="en-CA" dirty="0">
+                        <a:effectLst/>
+                        <a:latin typeface="Verdana" panose="020B0604030504040204" pitchFamily="34" charset="0"/>
+                      </a:endParaRPr>
+                    </a:p>
+                    <a:p>
+                      <a:pPr>
+                        <a:spcAft>
+                          <a:spcPts val="300"/>
+                        </a:spcAft>
+                        <a:buFont typeface="Arial" panose="020B0604020202020204" pitchFamily="34" charset="0"/>
+                        <a:buNone/>
+                      </a:pPr>
+                      <a:endParaRPr lang="en-CA" dirty="0">
+                        <a:effectLst/>
+                        <a:latin typeface="Verdana" panose="020B0604030504040204" pitchFamily="34" charset="0"/>
+                      </a:endParaRPr>
+                    </a:p>
+                    <a:p>
+                      <a:pPr>
+                        <a:spcAft>
+                          <a:spcPts val="300"/>
+                        </a:spcAft>
+                        <a:buFont typeface="Arial" panose="020B0604020202020204" pitchFamily="34" charset="0"/>
+                        <a:buNone/>
+                      </a:pPr>
+                      <a:endParaRPr lang="en-CA" dirty="0">
+                        <a:effectLst/>
+                        <a:latin typeface="Verdana" panose="020B0604030504040204" pitchFamily="34" charset="0"/>
+                      </a:endParaRPr>
+                    </a:p>
+                  </a:txBody>
+                  <a:tcPr marL="19050" marR="19050" marT="19050" marB="19050">
+                    <a:lnL>
+                      <a:noFill/>
+                    </a:lnL>
+                    <a:lnR>
+                      <a:noFill/>
+                    </a:lnR>
+                    <a:lnT>
+                      <a:noFill/>
+                    </a:lnT>
+                    <a:lnB>
+                      <a:noFill/>
+                    </a:lnB>
+                    <a:solidFill>
+                      <a:srgbClr val="FFFFFF"/>
+                    </a:solidFill>
+                  </a:tcPr>
+                </a:tc>
+                <a:extLst>
+                  <a:ext uri="{0D108BD9-81ED-4DB2-BD59-A6C34878D82A}">
+                    <a16:rowId xmlns:a16="http://schemas.microsoft.com/office/drawing/2014/main" val="3917337259"/>
+                  </a:ext>
+                </a:extLst>
+              </a:tr>
+            </a:tbl>
+          </a:graphicData>
+        </a:graphic>
+      </p:graphicFrame>
+    </p:spTree>
+    <p:extLst>
+      <p:ext uri="{BB962C8B-B14F-4D97-AF65-F5344CB8AC3E}">
+        <p14:creationId xmlns:p14="http://schemas.microsoft.com/office/powerpoint/2010/main" val="820831116"/>
+      </p:ext>
+    </p:extLst>
+  </p:cSld>
+  <p:clrMapOvr>
+    <a:masterClrMapping/>
+  </p:clrMapOvr>
+</p:sld>
+</file>
+
+<file path=ppt/slides/slide33.xml><?xml version="1.0" encoding="utf-8"?>
+<p:sld xmlns:a="http://schemas.openxmlformats.org/drawingml/2006/main" xmlns:r="http://schemas.openxmlformats.org/officeDocument/2006/relationships" xmlns:p="http://schemas.openxmlformats.org/presentationml/2006/main">
+  <p:cSld>
+    <p:spTree>
+      <p:nvGrpSpPr>
+        <p:cNvPr id="1" name="">
+          <a:extLst>
+            <a:ext uri="{FF2B5EF4-FFF2-40B4-BE49-F238E27FC236}">
+              <a16:creationId xmlns:a16="http://schemas.microsoft.com/office/drawing/2014/main" id="{026633D0-0363-912D-80A8-F3D206F8FCD2}"/>
+            </a:ext>
+          </a:extLst>
+        </p:cNvPr>
+        <p:cNvGrpSpPr/>
+        <p:nvPr/>
+      </p:nvGrpSpPr>
+      <p:grpSpPr>
+        <a:xfrm>
+          <a:off x="0" y="0"/>
+          <a:ext cx="0" cy="0"/>
+          <a:chOff x="0" y="0"/>
+          <a:chExt cx="0" cy="0"/>
+        </a:xfrm>
+      </p:grpSpPr>
+      <p:sp>
+        <p:nvSpPr>
+          <p:cNvPr id="2" name="Title 1">
+            <a:extLst>
+              <a:ext uri="{FF2B5EF4-FFF2-40B4-BE49-F238E27FC236}">
+                <a16:creationId xmlns:a16="http://schemas.microsoft.com/office/drawing/2014/main" id="{420C893A-B374-02FC-DC03-F4175B39ACDF}"/>
+              </a:ext>
+            </a:extLst>
+          </p:cNvPr>
+          <p:cNvSpPr>
+            <a:spLocks noGrp="1"/>
+          </p:cNvSpPr>
+          <p:nvPr>
+            <p:ph type="title"/>
+          </p:nvPr>
+        </p:nvSpPr>
+        <p:spPr/>
+        <p:txBody>
+          <a:bodyPr/>
+          <a:lstStyle/>
+          <a:p>
+            <a:r>
+              <a:rPr lang="en-US" dirty="0"/>
+              <a:t>Data Visualization(Similar Cell type)</a:t>
+            </a:r>
+            <a:endParaRPr lang="en-CA" dirty="0"/>
+          </a:p>
+        </p:txBody>
+      </p:sp>
+      <p:sp>
+        <p:nvSpPr>
+          <p:cNvPr id="4" name="Rectangle 3">
+            <a:extLst>
+              <a:ext uri="{FF2B5EF4-FFF2-40B4-BE49-F238E27FC236}">
+                <a16:creationId xmlns:a16="http://schemas.microsoft.com/office/drawing/2014/main" id="{249B23E8-91DA-F0E7-9A8D-82D86A96E7A5}"/>
+              </a:ext>
+            </a:extLst>
+          </p:cNvPr>
+          <p:cNvSpPr/>
+          <p:nvPr/>
+        </p:nvSpPr>
+        <p:spPr>
+          <a:xfrm>
+            <a:off x="1833136" y="1690688"/>
+            <a:ext cx="2733774" cy="631596"/>
+          </a:xfrm>
+          <a:prstGeom prst="rect">
+            <a:avLst/>
+          </a:prstGeom>
+          <a:noFill/>
+        </p:spPr>
+        <p:style>
+          <a:lnRef idx="2">
+            <a:schemeClr val="accent1">
+              <a:shade val="15000"/>
+            </a:schemeClr>
+          </a:lnRef>
+          <a:fillRef idx="1">
+            <a:schemeClr val="accent1"/>
+          </a:fillRef>
+          <a:effectRef idx="0">
+            <a:schemeClr val="accent1"/>
+          </a:effectRef>
+          <a:fontRef idx="minor">
+            <a:schemeClr val="lt1"/>
+          </a:fontRef>
+        </p:style>
+        <p:txBody>
+          <a:bodyPr rtlCol="0" anchor="ctr"/>
+          <a:lstStyle/>
+          <a:p>
+            <a:pPr algn="ctr"/>
+            <a:endParaRPr lang="en-CA"/>
+          </a:p>
+        </p:txBody>
+      </p:sp>
+      <p:sp>
+        <p:nvSpPr>
+          <p:cNvPr id="5" name="Rectangle 4">
+            <a:extLst>
+              <a:ext uri="{FF2B5EF4-FFF2-40B4-BE49-F238E27FC236}">
+                <a16:creationId xmlns:a16="http://schemas.microsoft.com/office/drawing/2014/main" id="{4D4AC902-12E0-B753-CBA2-65B2BE8E1F94}"/>
+              </a:ext>
+            </a:extLst>
+          </p:cNvPr>
+          <p:cNvSpPr/>
+          <p:nvPr/>
+        </p:nvSpPr>
+        <p:spPr>
+          <a:xfrm>
+            <a:off x="6472695" y="1673404"/>
+            <a:ext cx="2637934" cy="648879"/>
+          </a:xfrm>
+          <a:prstGeom prst="rect">
+            <a:avLst/>
+          </a:prstGeom>
+          <a:noFill/>
+        </p:spPr>
+        <p:style>
+          <a:lnRef idx="2">
+            <a:schemeClr val="accent1">
+              <a:shade val="15000"/>
+            </a:schemeClr>
+          </a:lnRef>
+          <a:fillRef idx="1">
+            <a:schemeClr val="accent1"/>
+          </a:fillRef>
+          <a:effectRef idx="0">
+            <a:schemeClr val="accent1"/>
+          </a:effectRef>
+          <a:fontRef idx="minor">
+            <a:schemeClr val="lt1"/>
+          </a:fontRef>
+        </p:style>
+        <p:txBody>
+          <a:bodyPr rtlCol="0" anchor="ctr"/>
+          <a:lstStyle/>
+          <a:p>
+            <a:pPr algn="ctr"/>
+            <a:endParaRPr lang="en-CA"/>
+          </a:p>
+        </p:txBody>
+      </p:sp>
+      <p:sp>
+        <p:nvSpPr>
+          <p:cNvPr id="6" name="Rectangle 5">
+            <a:extLst>
+              <a:ext uri="{FF2B5EF4-FFF2-40B4-BE49-F238E27FC236}">
+                <a16:creationId xmlns:a16="http://schemas.microsoft.com/office/drawing/2014/main" id="{56F5F47C-E6B8-63DB-AFE5-31A4DC8A3BAD}"/>
+              </a:ext>
+            </a:extLst>
+          </p:cNvPr>
+          <p:cNvSpPr/>
+          <p:nvPr/>
+        </p:nvSpPr>
+        <p:spPr>
+          <a:xfrm>
+            <a:off x="1875557" y="2965664"/>
+            <a:ext cx="2648932" cy="631596"/>
+          </a:xfrm>
+          <a:prstGeom prst="rect">
+            <a:avLst/>
+          </a:prstGeom>
+          <a:noFill/>
+        </p:spPr>
+        <p:style>
+          <a:lnRef idx="2">
+            <a:schemeClr val="accent1">
+              <a:shade val="15000"/>
+            </a:schemeClr>
+          </a:lnRef>
+          <a:fillRef idx="1">
+            <a:schemeClr val="accent1"/>
+          </a:fillRef>
+          <a:effectRef idx="0">
+            <a:schemeClr val="accent1"/>
+          </a:effectRef>
+          <a:fontRef idx="minor">
+            <a:schemeClr val="lt1"/>
+          </a:fontRef>
+        </p:style>
+        <p:txBody>
+          <a:bodyPr rtlCol="0" anchor="ctr"/>
+          <a:lstStyle/>
+          <a:p>
+            <a:pPr algn="ctr"/>
+            <a:endParaRPr lang="en-CA"/>
+          </a:p>
+        </p:txBody>
+      </p:sp>
+      <p:sp>
+        <p:nvSpPr>
+          <p:cNvPr id="7" name="Rectangle 6">
+            <a:extLst>
+              <a:ext uri="{FF2B5EF4-FFF2-40B4-BE49-F238E27FC236}">
+                <a16:creationId xmlns:a16="http://schemas.microsoft.com/office/drawing/2014/main" id="{53F99053-4217-DA3B-2C9D-DA374A8A40DD}"/>
+              </a:ext>
+            </a:extLst>
+          </p:cNvPr>
+          <p:cNvSpPr/>
+          <p:nvPr/>
+        </p:nvSpPr>
+        <p:spPr>
+          <a:xfrm>
+            <a:off x="6472695" y="2965664"/>
+            <a:ext cx="2637934" cy="631596"/>
+          </a:xfrm>
+          <a:prstGeom prst="rect">
+            <a:avLst/>
+          </a:prstGeom>
+          <a:noFill/>
+        </p:spPr>
+        <p:style>
+          <a:lnRef idx="2">
+            <a:schemeClr val="accent1">
+              <a:shade val="15000"/>
+            </a:schemeClr>
+          </a:lnRef>
+          <a:fillRef idx="1">
+            <a:schemeClr val="accent1"/>
+          </a:fillRef>
+          <a:effectRef idx="0">
+            <a:schemeClr val="accent1"/>
+          </a:effectRef>
+          <a:fontRef idx="minor">
+            <a:schemeClr val="lt1"/>
+          </a:fontRef>
+        </p:style>
+        <p:txBody>
+          <a:bodyPr rtlCol="0" anchor="ctr"/>
+          <a:lstStyle/>
+          <a:p>
+            <a:pPr algn="ctr"/>
+            <a:endParaRPr lang="en-CA"/>
+          </a:p>
+        </p:txBody>
+      </p:sp>
+      <p:sp>
+        <p:nvSpPr>
+          <p:cNvPr id="10" name="TextBox 9">
+            <a:extLst>
+              <a:ext uri="{FF2B5EF4-FFF2-40B4-BE49-F238E27FC236}">
+                <a16:creationId xmlns:a16="http://schemas.microsoft.com/office/drawing/2014/main" id="{865DCE66-2994-89F4-AA20-190BE19F6A3D}"/>
+              </a:ext>
+            </a:extLst>
+          </p:cNvPr>
+          <p:cNvSpPr txBox="1"/>
+          <p:nvPr/>
+        </p:nvSpPr>
+        <p:spPr>
+          <a:xfrm>
+            <a:off x="2229062" y="3096796"/>
+            <a:ext cx="1898853" cy="369332"/>
+          </a:xfrm>
+          <a:prstGeom prst="rect">
+            <a:avLst/>
+          </a:prstGeom>
+          <a:noFill/>
+        </p:spPr>
+        <p:txBody>
+          <a:bodyPr wrap="none" rtlCol="0">
+            <a:spAutoFit/>
+          </a:bodyPr>
+          <a:lstStyle/>
+          <a:p>
+            <a:r>
+              <a:rPr lang="en-US" dirty="0"/>
+              <a:t>Control Sequence </a:t>
+            </a:r>
+            <a:endParaRPr lang="en-CA" dirty="0"/>
+          </a:p>
+        </p:txBody>
+      </p:sp>
+      <p:sp>
+        <p:nvSpPr>
+          <p:cNvPr id="11" name="Rectangle 10">
+            <a:extLst>
+              <a:ext uri="{FF2B5EF4-FFF2-40B4-BE49-F238E27FC236}">
+                <a16:creationId xmlns:a16="http://schemas.microsoft.com/office/drawing/2014/main" id="{9AE17634-DC92-C00C-092E-C7B8558474A8}"/>
+              </a:ext>
+            </a:extLst>
+          </p:cNvPr>
+          <p:cNvSpPr/>
+          <p:nvPr/>
+        </p:nvSpPr>
+        <p:spPr>
+          <a:xfrm>
+            <a:off x="1875556" y="4240640"/>
+            <a:ext cx="2755047" cy="631596"/>
+          </a:xfrm>
+          <a:prstGeom prst="rect">
+            <a:avLst/>
+          </a:prstGeom>
+          <a:noFill/>
+        </p:spPr>
+        <p:style>
+          <a:lnRef idx="2">
+            <a:schemeClr val="accent1">
+              <a:shade val="15000"/>
+            </a:schemeClr>
+          </a:lnRef>
+          <a:fillRef idx="1">
+            <a:schemeClr val="accent1"/>
+          </a:fillRef>
+          <a:effectRef idx="0">
+            <a:schemeClr val="accent1"/>
+          </a:effectRef>
+          <a:fontRef idx="minor">
+            <a:schemeClr val="lt1"/>
+          </a:fontRef>
+        </p:style>
+        <p:txBody>
+          <a:bodyPr rtlCol="0" anchor="ctr"/>
+          <a:lstStyle/>
+          <a:p>
+            <a:pPr algn="ctr"/>
+            <a:endParaRPr lang="en-CA"/>
+          </a:p>
+        </p:txBody>
+      </p:sp>
+      <p:cxnSp>
+        <p:nvCxnSpPr>
+          <p:cNvPr id="13" name="Straight Arrow Connector 12">
+            <a:extLst>
+              <a:ext uri="{FF2B5EF4-FFF2-40B4-BE49-F238E27FC236}">
+                <a16:creationId xmlns:a16="http://schemas.microsoft.com/office/drawing/2014/main" id="{6A4714DF-159E-745D-D731-9C06EEF6F059}"/>
+              </a:ext>
+            </a:extLst>
+          </p:cNvPr>
+          <p:cNvCxnSpPr>
+            <a:stCxn id="4" idx="2"/>
+            <a:endCxn id="6" idx="0"/>
+          </p:cNvCxnSpPr>
+          <p:nvPr/>
+        </p:nvCxnSpPr>
+        <p:spPr>
+          <a:xfrm>
+            <a:off x="3200023" y="2322284"/>
+            <a:ext cx="0" cy="643380"/>
+          </a:xfrm>
+          <a:prstGeom prst="straightConnector1">
+            <a:avLst/>
+          </a:prstGeom>
+          <a:ln w="38100">
+            <a:tailEnd type="triangle"/>
+          </a:ln>
+        </p:spPr>
+        <p:style>
+          <a:lnRef idx="1">
+            <a:schemeClr val="accent1"/>
+          </a:lnRef>
+          <a:fillRef idx="0">
+            <a:schemeClr val="accent1"/>
+          </a:fillRef>
+          <a:effectRef idx="0">
+            <a:schemeClr val="accent1"/>
+          </a:effectRef>
+          <a:fontRef idx="minor">
+            <a:schemeClr val="tx1"/>
+          </a:fontRef>
+        </p:style>
+      </p:cxnSp>
+      <p:cxnSp>
+        <p:nvCxnSpPr>
+          <p:cNvPr id="14" name="Straight Arrow Connector 13">
+            <a:extLst>
+              <a:ext uri="{FF2B5EF4-FFF2-40B4-BE49-F238E27FC236}">
+                <a16:creationId xmlns:a16="http://schemas.microsoft.com/office/drawing/2014/main" id="{97621FE3-F853-AC52-3F16-625F0D94AAE3}"/>
+              </a:ext>
+            </a:extLst>
+          </p:cNvPr>
+          <p:cNvCxnSpPr/>
+          <p:nvPr/>
+        </p:nvCxnSpPr>
+        <p:spPr>
+          <a:xfrm>
+            <a:off x="3200023" y="3597260"/>
+            <a:ext cx="0" cy="643380"/>
+          </a:xfrm>
+          <a:prstGeom prst="straightConnector1">
+            <a:avLst/>
+          </a:prstGeom>
+          <a:ln w="38100">
+            <a:tailEnd type="triangle"/>
+          </a:ln>
+        </p:spPr>
+        <p:style>
+          <a:lnRef idx="1">
+            <a:schemeClr val="accent1"/>
+          </a:lnRef>
+          <a:fillRef idx="0">
+            <a:schemeClr val="accent1"/>
+          </a:fillRef>
+          <a:effectRef idx="0">
+            <a:schemeClr val="accent1"/>
+          </a:effectRef>
+          <a:fontRef idx="minor">
+            <a:schemeClr val="tx1"/>
+          </a:fontRef>
+        </p:style>
+      </p:cxnSp>
+      <p:sp>
+        <p:nvSpPr>
+          <p:cNvPr id="15" name="TextBox 14">
+            <a:extLst>
+              <a:ext uri="{FF2B5EF4-FFF2-40B4-BE49-F238E27FC236}">
+                <a16:creationId xmlns:a16="http://schemas.microsoft.com/office/drawing/2014/main" id="{FC1A0551-AF4F-2EDA-B55D-DFA62F15C330}"/>
+              </a:ext>
+            </a:extLst>
+          </p:cNvPr>
+          <p:cNvSpPr txBox="1"/>
+          <p:nvPr/>
+        </p:nvSpPr>
+        <p:spPr>
+          <a:xfrm>
+            <a:off x="1833136" y="4391469"/>
+            <a:ext cx="2755050" cy="369332"/>
+          </a:xfrm>
+          <a:prstGeom prst="rect">
+            <a:avLst/>
+          </a:prstGeom>
+          <a:noFill/>
+        </p:spPr>
+        <p:txBody>
+          <a:bodyPr wrap="none" rtlCol="0">
+            <a:spAutoFit/>
+          </a:bodyPr>
+          <a:lstStyle/>
+          <a:p>
+            <a:r>
+              <a:rPr lang="en-US" dirty="0"/>
+              <a:t>In-silico Crispr perturbation</a:t>
+            </a:r>
+            <a:endParaRPr lang="en-CA" dirty="0"/>
+          </a:p>
+        </p:txBody>
+      </p:sp>
+      <p:sp>
+        <p:nvSpPr>
+          <p:cNvPr id="16" name="Rectangle 15">
+            <a:extLst>
+              <a:ext uri="{FF2B5EF4-FFF2-40B4-BE49-F238E27FC236}">
+                <a16:creationId xmlns:a16="http://schemas.microsoft.com/office/drawing/2014/main" id="{B6CB6037-F51A-EE6E-0FF9-381990CA2651}"/>
+              </a:ext>
+            </a:extLst>
+          </p:cNvPr>
+          <p:cNvSpPr/>
+          <p:nvPr/>
+        </p:nvSpPr>
+        <p:spPr>
+          <a:xfrm>
+            <a:off x="6472695" y="4374129"/>
+            <a:ext cx="2637934" cy="631596"/>
+          </a:xfrm>
+          <a:prstGeom prst="rect">
+            <a:avLst/>
+          </a:prstGeom>
+          <a:noFill/>
+        </p:spPr>
+        <p:style>
+          <a:lnRef idx="2">
+            <a:schemeClr val="accent1">
+              <a:shade val="15000"/>
+            </a:schemeClr>
+          </a:lnRef>
+          <a:fillRef idx="1">
+            <a:schemeClr val="accent1"/>
+          </a:fillRef>
+          <a:effectRef idx="0">
+            <a:schemeClr val="accent1"/>
+          </a:effectRef>
+          <a:fontRef idx="minor">
+            <a:schemeClr val="lt1"/>
+          </a:fontRef>
+        </p:style>
+        <p:txBody>
+          <a:bodyPr rtlCol="0" anchor="ctr"/>
+          <a:lstStyle/>
+          <a:p>
+            <a:pPr algn="ctr"/>
+            <a:endParaRPr lang="en-CA"/>
+          </a:p>
+        </p:txBody>
+      </p:sp>
+      <p:sp>
+        <p:nvSpPr>
+          <p:cNvPr id="19" name="TextBox 18">
+            <a:extLst>
+              <a:ext uri="{FF2B5EF4-FFF2-40B4-BE49-F238E27FC236}">
+                <a16:creationId xmlns:a16="http://schemas.microsoft.com/office/drawing/2014/main" id="{412C546D-7434-E2BB-F1BC-983909DEA472}"/>
+              </a:ext>
+            </a:extLst>
+          </p:cNvPr>
+          <p:cNvSpPr txBox="1"/>
+          <p:nvPr/>
+        </p:nvSpPr>
+        <p:spPr>
+          <a:xfrm>
+            <a:off x="6838769" y="3096796"/>
+            <a:ext cx="2100447" cy="369332"/>
+          </a:xfrm>
+          <a:prstGeom prst="rect">
+            <a:avLst/>
+          </a:prstGeom>
+          <a:noFill/>
+        </p:spPr>
+        <p:txBody>
+          <a:bodyPr wrap="none" rtlCol="0">
+            <a:spAutoFit/>
+          </a:bodyPr>
+          <a:lstStyle/>
+          <a:p>
+            <a:r>
+              <a:rPr lang="en-US" dirty="0"/>
+              <a:t>Perturbed Sequence</a:t>
+            </a:r>
+            <a:endParaRPr lang="en-CA" dirty="0"/>
+          </a:p>
+        </p:txBody>
+      </p:sp>
+      <p:sp>
+        <p:nvSpPr>
+          <p:cNvPr id="20" name="TextBox 19">
+            <a:extLst>
+              <a:ext uri="{FF2B5EF4-FFF2-40B4-BE49-F238E27FC236}">
+                <a16:creationId xmlns:a16="http://schemas.microsoft.com/office/drawing/2014/main" id="{2D0F2E48-A599-9B54-E84A-2BFE594CC34C}"/>
+              </a:ext>
+            </a:extLst>
+          </p:cNvPr>
+          <p:cNvSpPr txBox="1"/>
+          <p:nvPr/>
+        </p:nvSpPr>
+        <p:spPr>
+          <a:xfrm>
+            <a:off x="6417439" y="4502904"/>
+            <a:ext cx="2748445" cy="369332"/>
+          </a:xfrm>
+          <a:prstGeom prst="rect">
+            <a:avLst/>
+          </a:prstGeom>
+          <a:noFill/>
+        </p:spPr>
+        <p:txBody>
+          <a:bodyPr wrap="none" rtlCol="0">
+            <a:spAutoFit/>
+          </a:bodyPr>
+          <a:lstStyle/>
+          <a:p>
+            <a:r>
+              <a:rPr lang="en-US" dirty="0"/>
+              <a:t>In-Vitro Crispr perturbation</a:t>
+            </a:r>
+            <a:endParaRPr lang="en-CA" dirty="0"/>
+          </a:p>
+        </p:txBody>
+      </p:sp>
+      <p:cxnSp>
+        <p:nvCxnSpPr>
+          <p:cNvPr id="21" name="Straight Arrow Connector 20">
+            <a:extLst>
+              <a:ext uri="{FF2B5EF4-FFF2-40B4-BE49-F238E27FC236}">
+                <a16:creationId xmlns:a16="http://schemas.microsoft.com/office/drawing/2014/main" id="{31F5C052-629A-3388-A9B3-45E572586F01}"/>
+              </a:ext>
+            </a:extLst>
+          </p:cNvPr>
+          <p:cNvCxnSpPr/>
+          <p:nvPr/>
+        </p:nvCxnSpPr>
+        <p:spPr>
+          <a:xfrm>
+            <a:off x="7791661" y="2322284"/>
+            <a:ext cx="0" cy="643380"/>
+          </a:xfrm>
+          <a:prstGeom prst="straightConnector1">
+            <a:avLst/>
+          </a:prstGeom>
+          <a:ln w="38100">
+            <a:tailEnd type="triangle"/>
+          </a:ln>
+        </p:spPr>
+        <p:style>
+          <a:lnRef idx="1">
+            <a:schemeClr val="accent1"/>
+          </a:lnRef>
+          <a:fillRef idx="0">
+            <a:schemeClr val="accent1"/>
+          </a:fillRef>
+          <a:effectRef idx="0">
+            <a:schemeClr val="accent1"/>
+          </a:effectRef>
+          <a:fontRef idx="minor">
+            <a:schemeClr val="tx1"/>
+          </a:fontRef>
+        </p:style>
+      </p:cxnSp>
+      <p:cxnSp>
+        <p:nvCxnSpPr>
+          <p:cNvPr id="22" name="Straight Arrow Connector 21">
+            <a:extLst>
+              <a:ext uri="{FF2B5EF4-FFF2-40B4-BE49-F238E27FC236}">
+                <a16:creationId xmlns:a16="http://schemas.microsoft.com/office/drawing/2014/main" id="{9C32D980-1D5F-F58E-0005-6A35DA9F1E06}"/>
+              </a:ext>
+            </a:extLst>
+          </p:cNvPr>
+          <p:cNvCxnSpPr>
+            <a:cxnSpLocks/>
+            <a:endCxn id="16" idx="0"/>
+          </p:cNvCxnSpPr>
+          <p:nvPr/>
+        </p:nvCxnSpPr>
+        <p:spPr>
+          <a:xfrm flipH="1">
+            <a:off x="7791662" y="3597260"/>
+            <a:ext cx="2355" cy="776869"/>
+          </a:xfrm>
+          <a:prstGeom prst="straightConnector1">
+            <a:avLst/>
+          </a:prstGeom>
+          <a:ln w="38100">
+            <a:tailEnd type="triangle"/>
+          </a:ln>
+        </p:spPr>
+        <p:style>
+          <a:lnRef idx="1">
+            <a:schemeClr val="accent1"/>
+          </a:lnRef>
+          <a:fillRef idx="0">
+            <a:schemeClr val="accent1"/>
+          </a:fillRef>
+          <a:effectRef idx="0">
+            <a:schemeClr val="accent1"/>
+          </a:effectRef>
+          <a:fontRef idx="minor">
+            <a:schemeClr val="tx1"/>
+          </a:fontRef>
+        </p:style>
+      </p:cxnSp>
+      <p:sp>
+        <p:nvSpPr>
+          <p:cNvPr id="24" name="Rectangle 23">
+            <a:extLst>
+              <a:ext uri="{FF2B5EF4-FFF2-40B4-BE49-F238E27FC236}">
+                <a16:creationId xmlns:a16="http://schemas.microsoft.com/office/drawing/2014/main" id="{7B96740B-1B6B-CA3E-2813-CE63830F86D3}"/>
+              </a:ext>
+            </a:extLst>
+          </p:cNvPr>
+          <p:cNvSpPr/>
+          <p:nvPr/>
+        </p:nvSpPr>
+        <p:spPr>
+          <a:xfrm>
+            <a:off x="3641118" y="5535313"/>
+            <a:ext cx="3695415" cy="1076167"/>
+          </a:xfrm>
+          <a:prstGeom prst="rect">
+            <a:avLst/>
+          </a:prstGeom>
+          <a:noFill/>
+        </p:spPr>
+        <p:style>
+          <a:lnRef idx="2">
+            <a:schemeClr val="accent1">
+              <a:shade val="15000"/>
+            </a:schemeClr>
+          </a:lnRef>
+          <a:fillRef idx="1">
+            <a:schemeClr val="accent1"/>
+          </a:fillRef>
+          <a:effectRef idx="0">
+            <a:schemeClr val="accent1"/>
+          </a:effectRef>
+          <a:fontRef idx="minor">
+            <a:schemeClr val="lt1"/>
+          </a:fontRef>
+        </p:style>
+        <p:txBody>
+          <a:bodyPr rtlCol="0" anchor="ctr"/>
+          <a:lstStyle/>
+          <a:p>
+            <a:pPr algn="ctr"/>
+            <a:endParaRPr lang="en-CA"/>
+          </a:p>
+        </p:txBody>
+      </p:sp>
+      <p:cxnSp>
+        <p:nvCxnSpPr>
+          <p:cNvPr id="27" name="Straight Arrow Connector 26">
+            <a:extLst>
+              <a:ext uri="{FF2B5EF4-FFF2-40B4-BE49-F238E27FC236}">
+                <a16:creationId xmlns:a16="http://schemas.microsoft.com/office/drawing/2014/main" id="{4E9C44F6-CF19-9080-E11D-8AC0722E8D60}"/>
+              </a:ext>
+            </a:extLst>
+          </p:cNvPr>
+          <p:cNvCxnSpPr>
+            <a:cxnSpLocks/>
+          </p:cNvCxnSpPr>
+          <p:nvPr/>
+        </p:nvCxnSpPr>
+        <p:spPr>
+          <a:xfrm>
+            <a:off x="3115182" y="6052275"/>
+            <a:ext cx="525936" cy="0"/>
+          </a:xfrm>
+          <a:prstGeom prst="straightConnector1">
+            <a:avLst/>
+          </a:prstGeom>
+          <a:ln w="38100">
+            <a:tailEnd type="triangle"/>
+          </a:ln>
+        </p:spPr>
+        <p:style>
+          <a:lnRef idx="1">
+            <a:schemeClr val="accent1"/>
+          </a:lnRef>
+          <a:fillRef idx="0">
+            <a:schemeClr val="accent1"/>
+          </a:fillRef>
+          <a:effectRef idx="0">
+            <a:schemeClr val="accent1"/>
+          </a:effectRef>
+          <a:fontRef idx="minor">
+            <a:schemeClr val="tx1"/>
+          </a:fontRef>
+        </p:style>
+      </p:cxnSp>
+      <p:cxnSp>
+        <p:nvCxnSpPr>
+          <p:cNvPr id="31" name="Straight Connector 30">
+            <a:extLst>
+              <a:ext uri="{FF2B5EF4-FFF2-40B4-BE49-F238E27FC236}">
+                <a16:creationId xmlns:a16="http://schemas.microsoft.com/office/drawing/2014/main" id="{2E145871-EDB9-9C63-3DF5-70A246A34DDA}"/>
+              </a:ext>
+            </a:extLst>
+          </p:cNvPr>
+          <p:cNvCxnSpPr>
+            <a:cxnSpLocks/>
+          </p:cNvCxnSpPr>
+          <p:nvPr/>
+        </p:nvCxnSpPr>
+        <p:spPr>
+          <a:xfrm>
+            <a:off x="3127248" y="4872236"/>
+            <a:ext cx="0" cy="1180039"/>
+          </a:xfrm>
+          <a:prstGeom prst="line">
+            <a:avLst/>
+          </a:prstGeom>
+          <a:ln w="38100"/>
+        </p:spPr>
+        <p:style>
+          <a:lnRef idx="1">
+            <a:schemeClr val="accent1"/>
+          </a:lnRef>
+          <a:fillRef idx="0">
+            <a:schemeClr val="accent1"/>
+          </a:fillRef>
+          <a:effectRef idx="0">
+            <a:schemeClr val="accent1"/>
+          </a:effectRef>
+          <a:fontRef idx="minor">
+            <a:schemeClr val="tx1"/>
+          </a:fontRef>
+        </p:style>
+      </p:cxnSp>
+      <p:cxnSp>
+        <p:nvCxnSpPr>
+          <p:cNvPr id="33" name="Straight Arrow Connector 32">
+            <a:extLst>
+              <a:ext uri="{FF2B5EF4-FFF2-40B4-BE49-F238E27FC236}">
+                <a16:creationId xmlns:a16="http://schemas.microsoft.com/office/drawing/2014/main" id="{8FB7C9AA-E59D-DF33-39AF-663EB6241FB4}"/>
+              </a:ext>
+            </a:extLst>
+          </p:cNvPr>
+          <p:cNvCxnSpPr>
+            <a:cxnSpLocks/>
+            <a:endCxn id="24" idx="3"/>
+          </p:cNvCxnSpPr>
+          <p:nvPr/>
+        </p:nvCxnSpPr>
+        <p:spPr>
+          <a:xfrm flipH="1">
+            <a:off x="7336533" y="6073396"/>
+            <a:ext cx="455128" cy="1"/>
+          </a:xfrm>
+          <a:prstGeom prst="straightConnector1">
+            <a:avLst/>
+          </a:prstGeom>
+          <a:ln w="38100">
+            <a:tailEnd type="triangle"/>
+          </a:ln>
+        </p:spPr>
+        <p:style>
+          <a:lnRef idx="1">
+            <a:schemeClr val="accent1"/>
+          </a:lnRef>
+          <a:fillRef idx="0">
+            <a:schemeClr val="accent1"/>
+          </a:fillRef>
+          <a:effectRef idx="0">
+            <a:schemeClr val="accent1"/>
+          </a:effectRef>
+          <a:fontRef idx="minor">
+            <a:schemeClr val="tx1"/>
+          </a:fontRef>
+        </p:style>
+      </p:cxnSp>
+      <p:cxnSp>
+        <p:nvCxnSpPr>
+          <p:cNvPr id="36" name="Straight Connector 35">
+            <a:extLst>
+              <a:ext uri="{FF2B5EF4-FFF2-40B4-BE49-F238E27FC236}">
+                <a16:creationId xmlns:a16="http://schemas.microsoft.com/office/drawing/2014/main" id="{7E46C921-0251-C473-3BE1-2043C866440A}"/>
+              </a:ext>
+            </a:extLst>
+          </p:cNvPr>
+          <p:cNvCxnSpPr>
+            <a:cxnSpLocks/>
+          </p:cNvCxnSpPr>
+          <p:nvPr/>
+        </p:nvCxnSpPr>
+        <p:spPr>
+          <a:xfrm>
+            <a:off x="7779469" y="5005725"/>
+            <a:ext cx="12192" cy="1067671"/>
+          </a:xfrm>
+          <a:prstGeom prst="line">
+            <a:avLst/>
+          </a:prstGeom>
+          <a:ln w="38100"/>
+        </p:spPr>
+        <p:style>
+          <a:lnRef idx="1">
+            <a:schemeClr val="accent1"/>
+          </a:lnRef>
+          <a:fillRef idx="0">
+            <a:schemeClr val="accent1"/>
+          </a:fillRef>
+          <a:effectRef idx="0">
+            <a:schemeClr val="accent1"/>
+          </a:effectRef>
+          <a:fontRef idx="minor">
+            <a:schemeClr val="tx1"/>
+          </a:fontRef>
+        </p:style>
+      </p:cxnSp>
+      <p:sp>
+        <p:nvSpPr>
+          <p:cNvPr id="39" name="TextBox 38">
+            <a:extLst>
+              <a:ext uri="{FF2B5EF4-FFF2-40B4-BE49-F238E27FC236}">
+                <a16:creationId xmlns:a16="http://schemas.microsoft.com/office/drawing/2014/main" id="{BA9C94CF-68A2-C83B-FF76-1063CF281659}"/>
+              </a:ext>
+            </a:extLst>
+          </p:cNvPr>
+          <p:cNvSpPr txBox="1"/>
+          <p:nvPr/>
+        </p:nvSpPr>
+        <p:spPr>
+          <a:xfrm>
+            <a:off x="3814726" y="5637593"/>
+            <a:ext cx="3521807" cy="923330"/>
+          </a:xfrm>
+          <a:prstGeom prst="rect">
+            <a:avLst/>
+          </a:prstGeom>
+          <a:noFill/>
+        </p:spPr>
+        <p:txBody>
+          <a:bodyPr wrap="square">
+            <a:spAutoFit/>
+          </a:bodyPr>
+          <a:lstStyle/>
+          <a:p>
+            <a:r>
+              <a:rPr lang="en-US" dirty="0"/>
+              <a:t>Align the Trajectories and Compare</a:t>
+            </a:r>
+          </a:p>
+          <a:p>
+            <a:r>
+              <a:rPr lang="en-US" dirty="0"/>
+              <a:t> </a:t>
+            </a:r>
+            <a:r>
+              <a:rPr lang="en-CA" dirty="0"/>
+              <a:t>Similarity </a:t>
+            </a:r>
+            <a:r>
+              <a:rPr lang="en-US" dirty="0"/>
+              <a:t>via DTW and </a:t>
+            </a:r>
+            <a:r>
+              <a:rPr lang="en-CA" dirty="0"/>
+              <a:t>Wasserstein</a:t>
+            </a:r>
+          </a:p>
+          <a:p>
+            <a:r>
+              <a:rPr lang="en-CA" dirty="0"/>
+              <a:t> Distance</a:t>
+            </a:r>
+          </a:p>
+        </p:txBody>
+      </p:sp>
+    </p:spTree>
+    <p:extLst>
+      <p:ext uri="{BB962C8B-B14F-4D97-AF65-F5344CB8AC3E}">
+        <p14:creationId xmlns:p14="http://schemas.microsoft.com/office/powerpoint/2010/main" val="2097291625"/>
+      </p:ext>
+    </p:extLst>
+  </p:cSld>
+  <p:clrMapOvr>
+    <a:masterClrMapping/>
+  </p:clrMapOvr>
+</p:sld>
+</file>
+
+<file path=ppt/slides/slide34.xml><?xml version="1.0" encoding="utf-8"?>
 <p:sld xmlns:a="http://schemas.openxmlformats.org/drawingml/2006/main" xmlns:r="http://schemas.openxmlformats.org/officeDocument/2006/relationships" xmlns:p="http://schemas.openxmlformats.org/presentationml/2006/main">
   <p:cSld>
     <p:spTree>
